--- a/cf_version_control_systems.pptx
+++ b/cf_version_control_systems.pptx
@@ -17,15 +17,18 @@
     <p:sldId id="269" r:id="rId11"/>
     <p:sldId id="273" r:id="rId12"/>
     <p:sldId id="274" r:id="rId13"/>
-    <p:sldId id="275" r:id="rId14"/>
-    <p:sldId id="276" r:id="rId15"/>
-    <p:sldId id="277" r:id="rId16"/>
-    <p:sldId id="278" r:id="rId17"/>
-    <p:sldId id="259" r:id="rId18"/>
-    <p:sldId id="260" r:id="rId19"/>
-    <p:sldId id="261" r:id="rId20"/>
-    <p:sldId id="262" r:id="rId21"/>
-    <p:sldId id="263" r:id="rId22"/>
+    <p:sldId id="277" r:id="rId14"/>
+    <p:sldId id="275" r:id="rId15"/>
+    <p:sldId id="278" r:id="rId16"/>
+    <p:sldId id="279" r:id="rId17"/>
+    <p:sldId id="280" r:id="rId18"/>
+    <p:sldId id="282" r:id="rId19"/>
+    <p:sldId id="281" r:id="rId20"/>
+    <p:sldId id="259" r:id="rId21"/>
+    <p:sldId id="260" r:id="rId22"/>
+    <p:sldId id="261" r:id="rId23"/>
+    <p:sldId id="262" r:id="rId24"/>
+    <p:sldId id="263" r:id="rId25"/>
   </p:sldIdLst>
   <p:sldSz cx="12192000" cy="6858000"/>
   <p:notesSz cx="6858000" cy="9144000"/>
@@ -4614,6 +4617,753 @@
 </dgm:colorsDef>
 </file>
 
+<file path=ppt/diagrams/colors7.xml><?xml version="1.0" encoding="utf-8"?>
+<dgm:colorsDef xmlns:dgm="http://schemas.openxmlformats.org/drawingml/2006/diagram" xmlns:a="http://schemas.openxmlformats.org/drawingml/2006/main" uniqueId="urn:microsoft.com/office/officeart/2005/8/colors/accent1_2">
+  <dgm:title val=""/>
+  <dgm:desc val=""/>
+  <dgm:catLst>
+    <dgm:cat type="accent1" pri="11200"/>
+  </dgm:catLst>
+  <dgm:styleLbl name="node0">
+    <dgm:fillClrLst meth="repeat">
+      <a:schemeClr val="accent1"/>
+    </dgm:fillClrLst>
+    <dgm:linClrLst meth="repeat">
+      <a:schemeClr val="lt1"/>
+    </dgm:linClrLst>
+    <dgm:effectClrLst/>
+    <dgm:txLinClrLst/>
+    <dgm:txFillClrLst/>
+    <dgm:txEffectClrLst/>
+  </dgm:styleLbl>
+  <dgm:styleLbl name="alignNode1">
+    <dgm:fillClrLst meth="repeat">
+      <a:schemeClr val="accent1"/>
+    </dgm:fillClrLst>
+    <dgm:linClrLst meth="repeat">
+      <a:schemeClr val="accent1"/>
+    </dgm:linClrLst>
+    <dgm:effectClrLst/>
+    <dgm:txLinClrLst/>
+    <dgm:txFillClrLst/>
+    <dgm:txEffectClrLst/>
+  </dgm:styleLbl>
+  <dgm:styleLbl name="node1">
+    <dgm:fillClrLst meth="repeat">
+      <a:schemeClr val="accent1"/>
+    </dgm:fillClrLst>
+    <dgm:linClrLst meth="repeat">
+      <a:schemeClr val="lt1"/>
+    </dgm:linClrLst>
+    <dgm:effectClrLst/>
+    <dgm:txLinClrLst/>
+    <dgm:txFillClrLst/>
+    <dgm:txEffectClrLst/>
+  </dgm:styleLbl>
+  <dgm:styleLbl name="lnNode1">
+    <dgm:fillClrLst meth="repeat">
+      <a:schemeClr val="accent1"/>
+    </dgm:fillClrLst>
+    <dgm:linClrLst meth="repeat">
+      <a:schemeClr val="lt1"/>
+    </dgm:linClrLst>
+    <dgm:effectClrLst/>
+    <dgm:txLinClrLst/>
+    <dgm:txFillClrLst/>
+    <dgm:txEffectClrLst/>
+  </dgm:styleLbl>
+  <dgm:styleLbl name="vennNode1">
+    <dgm:fillClrLst meth="repeat">
+      <a:schemeClr val="accent1">
+        <a:alpha val="50000"/>
+      </a:schemeClr>
+    </dgm:fillClrLst>
+    <dgm:linClrLst meth="repeat">
+      <a:schemeClr val="lt1"/>
+    </dgm:linClrLst>
+    <dgm:effectClrLst/>
+    <dgm:txLinClrLst/>
+    <dgm:txFillClrLst/>
+    <dgm:txEffectClrLst/>
+  </dgm:styleLbl>
+  <dgm:styleLbl name="node2">
+    <dgm:fillClrLst meth="repeat">
+      <a:schemeClr val="accent1"/>
+    </dgm:fillClrLst>
+    <dgm:linClrLst meth="repeat">
+      <a:schemeClr val="lt1"/>
+    </dgm:linClrLst>
+    <dgm:effectClrLst/>
+    <dgm:txLinClrLst/>
+    <dgm:txFillClrLst/>
+    <dgm:txEffectClrLst/>
+  </dgm:styleLbl>
+  <dgm:styleLbl name="node3">
+    <dgm:fillClrLst meth="repeat">
+      <a:schemeClr val="accent1"/>
+    </dgm:fillClrLst>
+    <dgm:linClrLst meth="repeat">
+      <a:schemeClr val="lt1"/>
+    </dgm:linClrLst>
+    <dgm:effectClrLst/>
+    <dgm:txLinClrLst/>
+    <dgm:txFillClrLst/>
+    <dgm:txEffectClrLst/>
+  </dgm:styleLbl>
+  <dgm:styleLbl name="node4">
+    <dgm:fillClrLst meth="repeat">
+      <a:schemeClr val="accent1"/>
+    </dgm:fillClrLst>
+    <dgm:linClrLst meth="repeat">
+      <a:schemeClr val="lt1"/>
+    </dgm:linClrLst>
+    <dgm:effectClrLst/>
+    <dgm:txLinClrLst/>
+    <dgm:txFillClrLst/>
+    <dgm:txEffectClrLst/>
+  </dgm:styleLbl>
+  <dgm:styleLbl name="fgImgPlace1">
+    <dgm:fillClrLst meth="repeat">
+      <a:schemeClr val="accent1">
+        <a:tint val="50000"/>
+      </a:schemeClr>
+    </dgm:fillClrLst>
+    <dgm:linClrLst meth="repeat">
+      <a:schemeClr val="lt1"/>
+    </dgm:linClrLst>
+    <dgm:effectClrLst/>
+    <dgm:txLinClrLst/>
+    <dgm:txFillClrLst meth="repeat">
+      <a:schemeClr val="lt1"/>
+    </dgm:txFillClrLst>
+    <dgm:txEffectClrLst/>
+  </dgm:styleLbl>
+  <dgm:styleLbl name="alignImgPlace1">
+    <dgm:fillClrLst meth="repeat">
+      <a:schemeClr val="accent1">
+        <a:tint val="50000"/>
+      </a:schemeClr>
+    </dgm:fillClrLst>
+    <dgm:linClrLst meth="repeat">
+      <a:schemeClr val="lt1"/>
+    </dgm:linClrLst>
+    <dgm:effectClrLst/>
+    <dgm:txLinClrLst/>
+    <dgm:txFillClrLst meth="repeat">
+      <a:schemeClr val="lt1"/>
+    </dgm:txFillClrLst>
+    <dgm:txEffectClrLst/>
+  </dgm:styleLbl>
+  <dgm:styleLbl name="bgImgPlace1">
+    <dgm:fillClrLst meth="repeat">
+      <a:schemeClr val="accent1">
+        <a:tint val="50000"/>
+      </a:schemeClr>
+    </dgm:fillClrLst>
+    <dgm:linClrLst meth="repeat">
+      <a:schemeClr val="lt1"/>
+    </dgm:linClrLst>
+    <dgm:effectClrLst/>
+    <dgm:txLinClrLst/>
+    <dgm:txFillClrLst meth="repeat">
+      <a:schemeClr val="lt1"/>
+    </dgm:txFillClrLst>
+    <dgm:txEffectClrLst/>
+  </dgm:styleLbl>
+  <dgm:styleLbl name="sibTrans2D1">
+    <dgm:fillClrLst meth="repeat">
+      <a:schemeClr val="accent1">
+        <a:tint val="60000"/>
+      </a:schemeClr>
+    </dgm:fillClrLst>
+    <dgm:linClrLst meth="repeat">
+      <a:schemeClr val="accent1">
+        <a:tint val="60000"/>
+      </a:schemeClr>
+    </dgm:linClrLst>
+    <dgm:effectClrLst/>
+    <dgm:txLinClrLst/>
+    <dgm:txFillClrLst/>
+    <dgm:txEffectClrLst/>
+  </dgm:styleLbl>
+  <dgm:styleLbl name="fgSibTrans2D1">
+    <dgm:fillClrLst meth="repeat">
+      <a:schemeClr val="accent1">
+        <a:tint val="60000"/>
+      </a:schemeClr>
+    </dgm:fillClrLst>
+    <dgm:linClrLst meth="repeat">
+      <a:schemeClr val="accent1">
+        <a:tint val="60000"/>
+      </a:schemeClr>
+    </dgm:linClrLst>
+    <dgm:effectClrLst/>
+    <dgm:txLinClrLst/>
+    <dgm:txFillClrLst/>
+    <dgm:txEffectClrLst/>
+  </dgm:styleLbl>
+  <dgm:styleLbl name="bgSibTrans2D1">
+    <dgm:fillClrLst meth="repeat">
+      <a:schemeClr val="accent1">
+        <a:tint val="60000"/>
+      </a:schemeClr>
+    </dgm:fillClrLst>
+    <dgm:linClrLst meth="repeat">
+      <a:schemeClr val="accent1">
+        <a:tint val="60000"/>
+      </a:schemeClr>
+    </dgm:linClrLst>
+    <dgm:effectClrLst/>
+    <dgm:txLinClrLst/>
+    <dgm:txFillClrLst/>
+    <dgm:txEffectClrLst/>
+  </dgm:styleLbl>
+  <dgm:styleLbl name="sibTrans1D1">
+    <dgm:fillClrLst meth="repeat">
+      <a:schemeClr val="accent1"/>
+    </dgm:fillClrLst>
+    <dgm:linClrLst meth="repeat">
+      <a:schemeClr val="accent1"/>
+    </dgm:linClrLst>
+    <dgm:effectClrLst/>
+    <dgm:txLinClrLst/>
+    <dgm:txFillClrLst meth="repeat">
+      <a:schemeClr val="tx1"/>
+    </dgm:txFillClrLst>
+    <dgm:txEffectClrLst/>
+  </dgm:styleLbl>
+  <dgm:styleLbl name="callout">
+    <dgm:fillClrLst meth="repeat">
+      <a:schemeClr val="accent1"/>
+    </dgm:fillClrLst>
+    <dgm:linClrLst meth="repeat">
+      <a:schemeClr val="accent1">
+        <a:tint val="50000"/>
+      </a:schemeClr>
+    </dgm:linClrLst>
+    <dgm:effectClrLst/>
+    <dgm:txLinClrLst/>
+    <dgm:txFillClrLst meth="repeat">
+      <a:schemeClr val="tx1"/>
+    </dgm:txFillClrLst>
+    <dgm:txEffectClrLst/>
+  </dgm:styleLbl>
+  <dgm:styleLbl name="asst0">
+    <dgm:fillClrLst meth="repeat">
+      <a:schemeClr val="accent1"/>
+    </dgm:fillClrLst>
+    <dgm:linClrLst meth="repeat">
+      <a:schemeClr val="lt1"/>
+    </dgm:linClrLst>
+    <dgm:effectClrLst/>
+    <dgm:txLinClrLst/>
+    <dgm:txFillClrLst/>
+    <dgm:txEffectClrLst/>
+  </dgm:styleLbl>
+  <dgm:styleLbl name="asst1">
+    <dgm:fillClrLst meth="repeat">
+      <a:schemeClr val="accent1"/>
+    </dgm:fillClrLst>
+    <dgm:linClrLst meth="repeat">
+      <a:schemeClr val="lt1"/>
+    </dgm:linClrLst>
+    <dgm:effectClrLst/>
+    <dgm:txLinClrLst/>
+    <dgm:txFillClrLst/>
+    <dgm:txEffectClrLst/>
+  </dgm:styleLbl>
+  <dgm:styleLbl name="asst2">
+    <dgm:fillClrLst meth="repeat">
+      <a:schemeClr val="accent1"/>
+    </dgm:fillClrLst>
+    <dgm:linClrLst meth="repeat">
+      <a:schemeClr val="lt1"/>
+    </dgm:linClrLst>
+    <dgm:effectClrLst/>
+    <dgm:txLinClrLst/>
+    <dgm:txFillClrLst/>
+    <dgm:txEffectClrLst/>
+  </dgm:styleLbl>
+  <dgm:styleLbl name="asst3">
+    <dgm:fillClrLst meth="repeat">
+      <a:schemeClr val="accent1"/>
+    </dgm:fillClrLst>
+    <dgm:linClrLst meth="repeat">
+      <a:schemeClr val="lt1"/>
+    </dgm:linClrLst>
+    <dgm:effectClrLst/>
+    <dgm:txLinClrLst/>
+    <dgm:txFillClrLst/>
+    <dgm:txEffectClrLst/>
+  </dgm:styleLbl>
+  <dgm:styleLbl name="asst4">
+    <dgm:fillClrLst meth="repeat">
+      <a:schemeClr val="accent1"/>
+    </dgm:fillClrLst>
+    <dgm:linClrLst meth="repeat">
+      <a:schemeClr val="lt1"/>
+    </dgm:linClrLst>
+    <dgm:effectClrLst/>
+    <dgm:txLinClrLst/>
+    <dgm:txFillClrLst/>
+    <dgm:txEffectClrLst/>
+  </dgm:styleLbl>
+  <dgm:styleLbl name="parChTrans2D1">
+    <dgm:fillClrLst meth="repeat">
+      <a:schemeClr val="accent1">
+        <a:tint val="60000"/>
+      </a:schemeClr>
+    </dgm:fillClrLst>
+    <dgm:linClrLst meth="repeat">
+      <a:schemeClr val="accent1">
+        <a:tint val="60000"/>
+      </a:schemeClr>
+    </dgm:linClrLst>
+    <dgm:effectClrLst/>
+    <dgm:txLinClrLst/>
+    <dgm:txFillClrLst meth="repeat">
+      <a:schemeClr val="lt1"/>
+    </dgm:txFillClrLst>
+    <dgm:txEffectClrLst/>
+  </dgm:styleLbl>
+  <dgm:styleLbl name="parChTrans2D2">
+    <dgm:fillClrLst meth="repeat">
+      <a:schemeClr val="accent1"/>
+    </dgm:fillClrLst>
+    <dgm:linClrLst meth="repeat">
+      <a:schemeClr val="accent1"/>
+    </dgm:linClrLst>
+    <dgm:effectClrLst/>
+    <dgm:txLinClrLst/>
+    <dgm:txFillClrLst meth="repeat">
+      <a:schemeClr val="lt1"/>
+    </dgm:txFillClrLst>
+    <dgm:txEffectClrLst/>
+  </dgm:styleLbl>
+  <dgm:styleLbl name="parChTrans2D3">
+    <dgm:fillClrLst meth="repeat">
+      <a:schemeClr val="accent1"/>
+    </dgm:fillClrLst>
+    <dgm:linClrLst meth="repeat">
+      <a:schemeClr val="accent1"/>
+    </dgm:linClrLst>
+    <dgm:effectClrLst/>
+    <dgm:txLinClrLst/>
+    <dgm:txFillClrLst meth="repeat">
+      <a:schemeClr val="lt1"/>
+    </dgm:txFillClrLst>
+    <dgm:txEffectClrLst/>
+  </dgm:styleLbl>
+  <dgm:styleLbl name="parChTrans2D4">
+    <dgm:fillClrLst meth="repeat">
+      <a:schemeClr val="accent1"/>
+    </dgm:fillClrLst>
+    <dgm:linClrLst meth="repeat">
+      <a:schemeClr val="accent1"/>
+    </dgm:linClrLst>
+    <dgm:effectClrLst/>
+    <dgm:txLinClrLst/>
+    <dgm:txFillClrLst meth="repeat">
+      <a:schemeClr val="lt1"/>
+    </dgm:txFillClrLst>
+    <dgm:txEffectClrLst/>
+  </dgm:styleLbl>
+  <dgm:styleLbl name="parChTrans1D1">
+    <dgm:fillClrLst meth="repeat">
+      <a:schemeClr val="accent1"/>
+    </dgm:fillClrLst>
+    <dgm:linClrLst meth="repeat">
+      <a:schemeClr val="accent1">
+        <a:shade val="60000"/>
+      </a:schemeClr>
+    </dgm:linClrLst>
+    <dgm:effectClrLst/>
+    <dgm:txLinClrLst/>
+    <dgm:txFillClrLst meth="repeat">
+      <a:schemeClr val="tx1"/>
+    </dgm:txFillClrLst>
+    <dgm:txEffectClrLst/>
+  </dgm:styleLbl>
+  <dgm:styleLbl name="parChTrans1D2">
+    <dgm:fillClrLst meth="repeat">
+      <a:schemeClr val="accent1"/>
+    </dgm:fillClrLst>
+    <dgm:linClrLst meth="repeat">
+      <a:schemeClr val="accent1">
+        <a:shade val="60000"/>
+      </a:schemeClr>
+    </dgm:linClrLst>
+    <dgm:effectClrLst/>
+    <dgm:txLinClrLst/>
+    <dgm:txFillClrLst meth="repeat">
+      <a:schemeClr val="tx1"/>
+    </dgm:txFillClrLst>
+    <dgm:txEffectClrLst/>
+  </dgm:styleLbl>
+  <dgm:styleLbl name="parChTrans1D3">
+    <dgm:fillClrLst meth="repeat">
+      <a:schemeClr val="accent1"/>
+    </dgm:fillClrLst>
+    <dgm:linClrLst meth="repeat">
+      <a:schemeClr val="accent1">
+        <a:shade val="80000"/>
+      </a:schemeClr>
+    </dgm:linClrLst>
+    <dgm:effectClrLst/>
+    <dgm:txLinClrLst/>
+    <dgm:txFillClrLst meth="repeat">
+      <a:schemeClr val="tx1"/>
+    </dgm:txFillClrLst>
+    <dgm:txEffectClrLst/>
+  </dgm:styleLbl>
+  <dgm:styleLbl name="parChTrans1D4">
+    <dgm:fillClrLst meth="repeat">
+      <a:schemeClr val="accent1"/>
+    </dgm:fillClrLst>
+    <dgm:linClrLst meth="repeat">
+      <a:schemeClr val="accent1">
+        <a:shade val="80000"/>
+      </a:schemeClr>
+    </dgm:linClrLst>
+    <dgm:effectClrLst/>
+    <dgm:txLinClrLst/>
+    <dgm:txFillClrLst meth="repeat">
+      <a:schemeClr val="tx1"/>
+    </dgm:txFillClrLst>
+    <dgm:txEffectClrLst/>
+  </dgm:styleLbl>
+  <dgm:styleLbl name="fgAcc1">
+    <dgm:fillClrLst meth="repeat">
+      <a:schemeClr val="lt1">
+        <a:alpha val="90000"/>
+      </a:schemeClr>
+    </dgm:fillClrLst>
+    <dgm:linClrLst meth="repeat">
+      <a:schemeClr val="accent1"/>
+    </dgm:linClrLst>
+    <dgm:effectClrLst/>
+    <dgm:txLinClrLst/>
+    <dgm:txFillClrLst meth="repeat">
+      <a:schemeClr val="dk1"/>
+    </dgm:txFillClrLst>
+    <dgm:txEffectClrLst/>
+  </dgm:styleLbl>
+  <dgm:styleLbl name="conFgAcc1">
+    <dgm:fillClrLst meth="repeat">
+      <a:schemeClr val="lt1">
+        <a:alpha val="90000"/>
+      </a:schemeClr>
+    </dgm:fillClrLst>
+    <dgm:linClrLst meth="repeat">
+      <a:schemeClr val="accent1"/>
+    </dgm:linClrLst>
+    <dgm:effectClrLst/>
+    <dgm:txLinClrLst/>
+    <dgm:txFillClrLst meth="repeat">
+      <a:schemeClr val="dk1"/>
+    </dgm:txFillClrLst>
+    <dgm:txEffectClrLst/>
+  </dgm:styleLbl>
+  <dgm:styleLbl name="alignAcc1">
+    <dgm:fillClrLst meth="repeat">
+      <a:schemeClr val="lt1">
+        <a:alpha val="90000"/>
+      </a:schemeClr>
+    </dgm:fillClrLst>
+    <dgm:linClrLst meth="repeat">
+      <a:schemeClr val="accent1"/>
+    </dgm:linClrLst>
+    <dgm:effectClrLst/>
+    <dgm:txLinClrLst/>
+    <dgm:txFillClrLst meth="repeat">
+      <a:schemeClr val="dk1"/>
+    </dgm:txFillClrLst>
+    <dgm:txEffectClrLst/>
+  </dgm:styleLbl>
+  <dgm:styleLbl name="trAlignAcc1">
+    <dgm:fillClrLst meth="repeat">
+      <a:schemeClr val="lt1">
+        <a:alpha val="40000"/>
+      </a:schemeClr>
+    </dgm:fillClrLst>
+    <dgm:linClrLst meth="repeat">
+      <a:schemeClr val="accent1"/>
+    </dgm:linClrLst>
+    <dgm:effectClrLst/>
+    <dgm:txLinClrLst/>
+    <dgm:txFillClrLst meth="repeat">
+      <a:schemeClr val="dk1"/>
+    </dgm:txFillClrLst>
+    <dgm:txEffectClrLst/>
+  </dgm:styleLbl>
+  <dgm:styleLbl name="bgAcc1">
+    <dgm:fillClrLst meth="repeat">
+      <a:schemeClr val="lt1">
+        <a:alpha val="90000"/>
+      </a:schemeClr>
+    </dgm:fillClrLst>
+    <dgm:linClrLst meth="repeat">
+      <a:schemeClr val="accent1"/>
+    </dgm:linClrLst>
+    <dgm:effectClrLst/>
+    <dgm:txLinClrLst/>
+    <dgm:txFillClrLst meth="repeat">
+      <a:schemeClr val="dk1"/>
+    </dgm:txFillClrLst>
+    <dgm:txEffectClrLst/>
+  </dgm:styleLbl>
+  <dgm:styleLbl name="solidFgAcc1">
+    <dgm:fillClrLst meth="repeat">
+      <a:schemeClr val="lt1"/>
+    </dgm:fillClrLst>
+    <dgm:linClrLst meth="repeat">
+      <a:schemeClr val="accent1"/>
+    </dgm:linClrLst>
+    <dgm:effectClrLst/>
+    <dgm:txLinClrLst/>
+    <dgm:txFillClrLst meth="repeat">
+      <a:schemeClr val="dk1"/>
+    </dgm:txFillClrLst>
+    <dgm:txEffectClrLst/>
+  </dgm:styleLbl>
+  <dgm:styleLbl name="solidAlignAcc1">
+    <dgm:fillClrLst meth="repeat">
+      <a:schemeClr val="lt1"/>
+    </dgm:fillClrLst>
+    <dgm:linClrLst meth="repeat">
+      <a:schemeClr val="accent1"/>
+    </dgm:linClrLst>
+    <dgm:effectClrLst/>
+    <dgm:txLinClrLst/>
+    <dgm:txFillClrLst meth="repeat">
+      <a:schemeClr val="dk1"/>
+    </dgm:txFillClrLst>
+    <dgm:txEffectClrLst/>
+  </dgm:styleLbl>
+  <dgm:styleLbl name="solidBgAcc1">
+    <dgm:fillClrLst meth="repeat">
+      <a:schemeClr val="lt1"/>
+    </dgm:fillClrLst>
+    <dgm:linClrLst meth="repeat">
+      <a:schemeClr val="accent1"/>
+    </dgm:linClrLst>
+    <dgm:effectClrLst/>
+    <dgm:txLinClrLst/>
+    <dgm:txFillClrLst meth="repeat">
+      <a:schemeClr val="dk1"/>
+    </dgm:txFillClrLst>
+    <dgm:txEffectClrLst/>
+  </dgm:styleLbl>
+  <dgm:styleLbl name="fgAccFollowNode1">
+    <dgm:fillClrLst meth="repeat">
+      <a:schemeClr val="accent1">
+        <a:alpha val="90000"/>
+        <a:tint val="40000"/>
+      </a:schemeClr>
+    </dgm:fillClrLst>
+    <dgm:linClrLst meth="repeat">
+      <a:schemeClr val="accent1">
+        <a:alpha val="90000"/>
+        <a:tint val="40000"/>
+      </a:schemeClr>
+    </dgm:linClrLst>
+    <dgm:effectClrLst/>
+    <dgm:txLinClrLst/>
+    <dgm:txFillClrLst meth="repeat">
+      <a:schemeClr val="dk1"/>
+    </dgm:txFillClrLst>
+    <dgm:txEffectClrLst/>
+  </dgm:styleLbl>
+  <dgm:styleLbl name="alignAccFollowNode1">
+    <dgm:fillClrLst meth="repeat">
+      <a:schemeClr val="accent1">
+        <a:alpha val="90000"/>
+        <a:tint val="40000"/>
+      </a:schemeClr>
+    </dgm:fillClrLst>
+    <dgm:linClrLst meth="repeat">
+      <a:schemeClr val="accent1">
+        <a:alpha val="90000"/>
+        <a:tint val="40000"/>
+      </a:schemeClr>
+    </dgm:linClrLst>
+    <dgm:effectClrLst/>
+    <dgm:txLinClrLst/>
+    <dgm:txFillClrLst meth="repeat">
+      <a:schemeClr val="dk1"/>
+    </dgm:txFillClrLst>
+    <dgm:txEffectClrLst/>
+  </dgm:styleLbl>
+  <dgm:styleLbl name="bgAccFollowNode1">
+    <dgm:fillClrLst meth="repeat">
+      <a:schemeClr val="accent1">
+        <a:alpha val="90000"/>
+        <a:tint val="40000"/>
+      </a:schemeClr>
+    </dgm:fillClrLst>
+    <dgm:linClrLst meth="repeat">
+      <a:schemeClr val="accent1">
+        <a:alpha val="90000"/>
+        <a:tint val="40000"/>
+      </a:schemeClr>
+    </dgm:linClrLst>
+    <dgm:effectClrLst/>
+    <dgm:txLinClrLst/>
+    <dgm:txFillClrLst meth="repeat">
+      <a:schemeClr val="dk1"/>
+    </dgm:txFillClrLst>
+    <dgm:txEffectClrLst/>
+  </dgm:styleLbl>
+  <dgm:styleLbl name="fgAcc0">
+    <dgm:fillClrLst meth="repeat">
+      <a:schemeClr val="lt1">
+        <a:alpha val="90000"/>
+      </a:schemeClr>
+    </dgm:fillClrLst>
+    <dgm:linClrLst meth="repeat">
+      <a:schemeClr val="accent1"/>
+    </dgm:linClrLst>
+    <dgm:effectClrLst/>
+    <dgm:txLinClrLst/>
+    <dgm:txFillClrLst meth="repeat">
+      <a:schemeClr val="dk1"/>
+    </dgm:txFillClrLst>
+    <dgm:txEffectClrLst/>
+  </dgm:styleLbl>
+  <dgm:styleLbl name="fgAcc2">
+    <dgm:fillClrLst meth="repeat">
+      <a:schemeClr val="lt1">
+        <a:alpha val="90000"/>
+      </a:schemeClr>
+    </dgm:fillClrLst>
+    <dgm:linClrLst meth="repeat">
+      <a:schemeClr val="accent1"/>
+    </dgm:linClrLst>
+    <dgm:effectClrLst/>
+    <dgm:txLinClrLst/>
+    <dgm:txFillClrLst meth="repeat">
+      <a:schemeClr val="dk1"/>
+    </dgm:txFillClrLst>
+    <dgm:txEffectClrLst/>
+  </dgm:styleLbl>
+  <dgm:styleLbl name="fgAcc3">
+    <dgm:fillClrLst meth="repeat">
+      <a:schemeClr val="lt1">
+        <a:alpha val="90000"/>
+      </a:schemeClr>
+    </dgm:fillClrLst>
+    <dgm:linClrLst meth="repeat">
+      <a:schemeClr val="accent1"/>
+    </dgm:linClrLst>
+    <dgm:effectClrLst/>
+    <dgm:txLinClrLst/>
+    <dgm:txFillClrLst meth="repeat">
+      <a:schemeClr val="dk1"/>
+    </dgm:txFillClrLst>
+    <dgm:txEffectClrLst/>
+  </dgm:styleLbl>
+  <dgm:styleLbl name="fgAcc4">
+    <dgm:fillClrLst meth="repeat">
+      <a:schemeClr val="lt1">
+        <a:alpha val="90000"/>
+      </a:schemeClr>
+    </dgm:fillClrLst>
+    <dgm:linClrLst meth="repeat">
+      <a:schemeClr val="accent1"/>
+    </dgm:linClrLst>
+    <dgm:effectClrLst/>
+    <dgm:txLinClrLst/>
+    <dgm:txFillClrLst meth="repeat">
+      <a:schemeClr val="dk1"/>
+    </dgm:txFillClrLst>
+    <dgm:txEffectClrLst/>
+  </dgm:styleLbl>
+  <dgm:styleLbl name="bgShp">
+    <dgm:fillClrLst meth="repeat">
+      <a:schemeClr val="accent1">
+        <a:tint val="40000"/>
+      </a:schemeClr>
+    </dgm:fillClrLst>
+    <dgm:linClrLst meth="repeat">
+      <a:schemeClr val="accent1"/>
+    </dgm:linClrLst>
+    <dgm:effectClrLst/>
+    <dgm:txLinClrLst/>
+    <dgm:txFillClrLst meth="repeat">
+      <a:schemeClr val="dk1"/>
+    </dgm:txFillClrLst>
+    <dgm:txEffectClrLst/>
+  </dgm:styleLbl>
+  <dgm:styleLbl name="dkBgShp">
+    <dgm:fillClrLst meth="repeat">
+      <a:schemeClr val="accent1">
+        <a:shade val="80000"/>
+      </a:schemeClr>
+    </dgm:fillClrLst>
+    <dgm:linClrLst meth="repeat">
+      <a:schemeClr val="accent1"/>
+    </dgm:linClrLst>
+    <dgm:effectClrLst/>
+    <dgm:txLinClrLst/>
+    <dgm:txFillClrLst meth="repeat">
+      <a:schemeClr val="lt1"/>
+    </dgm:txFillClrLst>
+    <dgm:txEffectClrLst/>
+  </dgm:styleLbl>
+  <dgm:styleLbl name="trBgShp">
+    <dgm:fillClrLst meth="repeat">
+      <a:schemeClr val="accent1">
+        <a:tint val="50000"/>
+        <a:alpha val="40000"/>
+      </a:schemeClr>
+    </dgm:fillClrLst>
+    <dgm:linClrLst meth="repeat">
+      <a:schemeClr val="accent1"/>
+    </dgm:linClrLst>
+    <dgm:effectClrLst/>
+    <dgm:txLinClrLst/>
+    <dgm:txFillClrLst meth="repeat">
+      <a:schemeClr val="lt1"/>
+    </dgm:txFillClrLst>
+    <dgm:txEffectClrLst/>
+  </dgm:styleLbl>
+  <dgm:styleLbl name="fgShp">
+    <dgm:fillClrLst meth="repeat">
+      <a:schemeClr val="accent1">
+        <a:tint val="60000"/>
+      </a:schemeClr>
+    </dgm:fillClrLst>
+    <dgm:linClrLst meth="repeat">
+      <a:schemeClr val="lt1"/>
+    </dgm:linClrLst>
+    <dgm:effectClrLst/>
+    <dgm:txLinClrLst/>
+    <dgm:txFillClrLst meth="repeat">
+      <a:schemeClr val="dk1"/>
+    </dgm:txFillClrLst>
+    <dgm:txEffectClrLst/>
+  </dgm:styleLbl>
+  <dgm:styleLbl name="revTx">
+    <dgm:fillClrLst meth="repeat">
+      <a:schemeClr val="lt1">
+        <a:alpha val="0"/>
+      </a:schemeClr>
+    </dgm:fillClrLst>
+    <dgm:linClrLst meth="repeat">
+      <a:schemeClr val="dk1">
+        <a:alpha val="0"/>
+      </a:schemeClr>
+    </dgm:linClrLst>
+    <dgm:effectClrLst/>
+    <dgm:txLinClrLst/>
+    <dgm:txFillClrLst meth="repeat">
+      <a:schemeClr val="tx1"/>
+    </dgm:txFillClrLst>
+    <dgm:txEffectClrLst/>
+  </dgm:styleLbl>
+</dgm:colorsDef>
+</file>
+
 <file path=ppt/diagrams/data1.xml><?xml version="1.0" encoding="utf-8"?>
 <dgm:dataModel xmlns:dgm="http://schemas.openxmlformats.org/drawingml/2006/diagram" xmlns:a="http://schemas.openxmlformats.org/drawingml/2006/main">
   <dgm:ptLst>
@@ -4684,7 +5434,7 @@
         </dgm:presLayoutVars>
       </dgm:prSet>
       <dgm:spPr>
-        <a:prstGeom prst="round2SameRect">
+        <a:prstGeom prst="round1Rect">
           <a:avLst/>
         </a:prstGeom>
       </dgm:spPr>
@@ -4776,7 +5526,7 @@
         </dgm:presLayoutVars>
       </dgm:prSet>
       <dgm:spPr>
-        <a:prstGeom prst="round2SameRect">
+        <a:prstGeom prst="round1Rect">
           <a:avLst/>
         </a:prstGeom>
       </dgm:spPr>
@@ -4921,7 +5671,7 @@
         </dgm:presLayoutVars>
       </dgm:prSet>
       <dgm:spPr>
-        <a:prstGeom prst="round2SameRect">
+        <a:prstGeom prst="round1Rect">
           <a:avLst/>
         </a:prstGeom>
       </dgm:spPr>
@@ -4937,7 +5687,7 @@
         </dgm:presLayoutVars>
       </dgm:prSet>
       <dgm:spPr>
-        <a:prstGeom prst="round2SameRect">
+        <a:prstGeom prst="round1Rect">
           <a:avLst/>
         </a:prstGeom>
       </dgm:spPr>
@@ -5033,7 +5783,7 @@
         </dgm:presLayoutVars>
       </dgm:prSet>
       <dgm:spPr>
-        <a:prstGeom prst="round2SameRect">
+        <a:prstGeom prst="round1Rect">
           <a:avLst/>
         </a:prstGeom>
       </dgm:spPr>
@@ -5165,7 +5915,7 @@
         </dgm:presLayoutVars>
       </dgm:prSet>
       <dgm:spPr>
-        <a:prstGeom prst="round2SameRect">
+        <a:prstGeom prst="round1Rect">
           <a:avLst/>
         </a:prstGeom>
       </dgm:spPr>
@@ -5181,7 +5931,7 @@
         </dgm:presLayoutVars>
       </dgm:prSet>
       <dgm:spPr>
-        <a:prstGeom prst="round2SameRect">
+        <a:prstGeom prst="round1Rect">
           <a:avLst/>
         </a:prstGeom>
       </dgm:spPr>
@@ -5270,7 +6020,7 @@
         </dgm:presLayoutVars>
       </dgm:prSet>
       <dgm:spPr>
-        <a:prstGeom prst="round2SameRect">
+        <a:prstGeom prst="round1Rect">
           <a:avLst/>
         </a:prstGeom>
       </dgm:spPr>
@@ -5287,6 +6037,43 @@
   <dgm:extLst>
     <a:ext uri="http://schemas.microsoft.com/office/drawing/2008/diagram">
       <dsp:dataModelExt xmlns:dsp="http://schemas.microsoft.com/office/drawing/2008/diagram" relId="rId6" minVer="http://schemas.openxmlformats.org/drawingml/2006/diagram"/>
+    </a:ext>
+  </dgm:extLst>
+</dgm:dataModel>
+</file>
+
+<file path=ppt/diagrams/data7.xml><?xml version="1.0" encoding="utf-8"?>
+<dgm:dataModel xmlns:dgm="http://schemas.openxmlformats.org/drawingml/2006/diagram" xmlns:a="http://schemas.openxmlformats.org/drawingml/2006/main">
+  <dgm:ptLst>
+    <dgm:pt modelId="{66B5714B-839D-4863-8110-A1D5199B7288}" type="doc">
+      <dgm:prSet loTypeId="urn:microsoft.com/office/officeart/2005/8/layout/default" loCatId="list" qsTypeId="urn:microsoft.com/office/officeart/2005/8/quickstyle/simple1" qsCatId="simple" csTypeId="urn:microsoft.com/office/officeart/2005/8/colors/accent1_2" csCatId="accent1" phldr="1"/>
+      <dgm:spPr/>
+      <dgm:t>
+        <a:bodyPr/>
+        <a:lstStyle/>
+        <a:p>
+          <a:endParaRPr lang="de-DE"/>
+        </a:p>
+      </dgm:t>
+    </dgm:pt>
+    <dgm:pt modelId="{450EF788-3523-42D3-B2B2-A9A78ADDBE2E}" type="pres">
+      <dgm:prSet presAssocID="{66B5714B-839D-4863-8110-A1D5199B7288}" presName="diagram" presStyleCnt="0">
+        <dgm:presLayoutVars>
+          <dgm:dir/>
+          <dgm:resizeHandles val="exact"/>
+        </dgm:presLayoutVars>
+      </dgm:prSet>
+      <dgm:spPr/>
+    </dgm:pt>
+  </dgm:ptLst>
+  <dgm:cxnLst>
+    <dgm:cxn modelId="{1B94D646-7661-4903-B65C-4D34AB193EC1}" type="presOf" srcId="{66B5714B-839D-4863-8110-A1D5199B7288}" destId="{450EF788-3523-42D3-B2B2-A9A78ADDBE2E}" srcOrd="0" destOrd="0" presId="urn:microsoft.com/office/officeart/2005/8/layout/default"/>
+  </dgm:cxnLst>
+  <dgm:bg/>
+  <dgm:whole/>
+  <dgm:extLst>
+    <a:ext uri="http://schemas.microsoft.com/office/drawing/2008/diagram">
+      <dsp:dataModelExt xmlns:dsp="http://schemas.microsoft.com/office/drawing/2008/diagram" relId="rId7" minVer="http://schemas.openxmlformats.org/drawingml/2006/diagram"/>
     </a:ext>
   </dgm:extLst>
 </dgm:dataModel>
@@ -5310,7 +6097,7 @@
           <a:off x="0" y="621188"/>
           <a:ext cx="5181600" cy="3108960"/>
         </a:xfrm>
-        <a:prstGeom prst="round2SameRect">
+        <a:prstGeom prst="round1Rect">
           <a:avLst/>
         </a:prstGeom>
         <a:solidFill>
@@ -5378,8 +6165,8 @@
         </a:p>
       </dsp:txBody>
       <dsp:txXfrm>
-        <a:off x="151767" y="772955"/>
-        <a:ext cx="4878066" cy="2957193"/>
+        <a:off x="0" y="621188"/>
+        <a:ext cx="5029833" cy="3108960"/>
       </dsp:txXfrm>
     </dsp:sp>
   </dsp:spTree>
@@ -5404,7 +6191,7 @@
           <a:off x="0" y="621188"/>
           <a:ext cx="5181600" cy="3108960"/>
         </a:xfrm>
-        <a:prstGeom prst="round2SameRect">
+        <a:prstGeom prst="round1Rect">
           <a:avLst/>
         </a:prstGeom>
         <a:solidFill>
@@ -5472,8 +6259,8 @@
         </a:p>
       </dsp:txBody>
       <dsp:txXfrm>
-        <a:off x="151767" y="772955"/>
-        <a:ext cx="4878066" cy="2957193"/>
+        <a:off x="0" y="621188"/>
+        <a:ext cx="5029833" cy="3108960"/>
       </dsp:txXfrm>
     </dsp:sp>
   </dsp:spTree>
@@ -5498,7 +6285,7 @@
           <a:off x="1089716" y="8"/>
           <a:ext cx="2902991" cy="1379196"/>
         </a:xfrm>
-        <a:prstGeom prst="round2SameRect">
+        <a:prstGeom prst="round1Rect">
           <a:avLst/>
         </a:prstGeom>
         <a:solidFill>
@@ -5538,12 +6325,12 @@
         </a:fontRef>
       </dsp:style>
       <dsp:txBody>
-        <a:bodyPr spcFirstLastPara="0" vert="horz" wrap="square" lIns="137160" tIns="137160" rIns="137160" bIns="137160" numCol="1" spcCol="1270" anchor="ctr" anchorCtr="0">
+        <a:bodyPr spcFirstLastPara="0" vert="horz" wrap="square" lIns="144780" tIns="144780" rIns="144780" bIns="144780" numCol="1" spcCol="1270" anchor="ctr" anchorCtr="0">
           <a:noAutofit/>
         </a:bodyPr>
         <a:lstStyle/>
         <a:p>
-          <a:pPr marL="0" lvl="0" indent="0" algn="ctr" defTabSz="1600200">
+          <a:pPr marL="0" lvl="0" indent="0" algn="ctr" defTabSz="1689100">
             <a:lnSpc>
               <a:spcPct val="90000"/>
             </a:lnSpc>
@@ -5556,7 +6343,7 @@
             <a:buNone/>
           </a:pPr>
           <a:r>
-            <a:rPr lang="de-DE" sz="3600" kern="1200">
+            <a:rPr lang="de-DE" sz="3800" kern="1200">
               <a:solidFill>
                 <a:schemeClr val="tx1"/>
               </a:solidFill>
@@ -5564,11 +6351,11 @@
             <a:t>Old</a:t>
           </a:r>
           <a:r>
-            <a:rPr lang="de-DE" sz="3600" kern="1200"/>
+            <a:rPr lang="de-DE" sz="3800" kern="1200"/>
             <a:t> </a:t>
           </a:r>
           <a:r>
-            <a:rPr lang="de-DE" sz="3600" kern="1200">
+            <a:rPr lang="de-DE" sz="3800" kern="1200">
               <a:solidFill>
                 <a:schemeClr val="tx1"/>
               </a:solidFill>
@@ -5578,8 +6365,8 @@
         </a:p>
       </dsp:txBody>
       <dsp:txXfrm>
-        <a:off x="1157043" y="67335"/>
-        <a:ext cx="2768337" cy="1311869"/>
+        <a:off x="1089716" y="8"/>
+        <a:ext cx="2835664" cy="1379196"/>
       </dsp:txXfrm>
     </dsp:sp>
     <dsp:sp modelId="{1DFFDEF2-82AC-44C5-B26A-C8BDC60C4166}">
@@ -5592,7 +6379,7 @@
           <a:off x="1089716" y="2907963"/>
           <a:ext cx="2902991" cy="1379196"/>
         </a:xfrm>
-        <a:prstGeom prst="round2SameRect">
+        <a:prstGeom prst="round1Rect">
           <a:avLst/>
         </a:prstGeom>
         <a:solidFill>
@@ -5632,12 +6419,12 @@
         </a:fontRef>
       </dsp:style>
       <dsp:txBody>
-        <a:bodyPr spcFirstLastPara="0" vert="horz" wrap="square" lIns="137160" tIns="137160" rIns="137160" bIns="137160" numCol="1" spcCol="1270" anchor="ctr" anchorCtr="0">
+        <a:bodyPr spcFirstLastPara="0" vert="horz" wrap="square" lIns="144780" tIns="144780" rIns="144780" bIns="144780" numCol="1" spcCol="1270" anchor="ctr" anchorCtr="0">
           <a:noAutofit/>
         </a:bodyPr>
         <a:lstStyle/>
         <a:p>
-          <a:pPr marL="0" lvl="0" indent="0" algn="ctr" defTabSz="1600200">
+          <a:pPr marL="0" lvl="0" indent="0" algn="ctr" defTabSz="1689100">
             <a:lnSpc>
               <a:spcPct val="90000"/>
             </a:lnSpc>
@@ -5650,7 +6437,7 @@
             <a:buNone/>
           </a:pPr>
           <a:r>
-            <a:rPr lang="de-DE" sz="3600" kern="1200">
+            <a:rPr lang="de-DE" sz="3800" kern="1200">
               <a:solidFill>
                 <a:schemeClr val="tx1"/>
               </a:solidFill>
@@ -5660,8 +6447,8 @@
         </a:p>
       </dsp:txBody>
       <dsp:txXfrm>
-        <a:off x="1157043" y="2975290"/>
-        <a:ext cx="2768337" cy="1311869"/>
+        <a:off x="1089716" y="2907963"/>
+        <a:ext cx="2835664" cy="1379196"/>
       </dsp:txXfrm>
     </dsp:sp>
   </dsp:spTree>
@@ -5686,7 +6473,7 @@
           <a:off x="1214955" y="3"/>
           <a:ext cx="2439549" cy="1450236"/>
         </a:xfrm>
-        <a:prstGeom prst="round2SameRect">
+        <a:prstGeom prst="round1Rect">
           <a:avLst/>
         </a:prstGeom>
         <a:solidFill>
@@ -5726,12 +6513,12 @@
         </a:fontRef>
       </dsp:style>
       <dsp:txBody>
-        <a:bodyPr spcFirstLastPara="0" vert="horz" wrap="square" lIns="137160" tIns="137160" rIns="137160" bIns="137160" numCol="1" spcCol="1270" anchor="ctr" anchorCtr="0">
+        <a:bodyPr spcFirstLastPara="0" vert="horz" wrap="square" lIns="140970" tIns="140970" rIns="140970" bIns="140970" numCol="1" spcCol="1270" anchor="ctr" anchorCtr="0">
           <a:noAutofit/>
         </a:bodyPr>
         <a:lstStyle/>
         <a:p>
-          <a:pPr marL="0" lvl="0" indent="0" algn="ctr" defTabSz="1600200">
+          <a:pPr marL="0" lvl="0" indent="0" algn="ctr" defTabSz="1644650">
             <a:lnSpc>
               <a:spcPct val="90000"/>
             </a:lnSpc>
@@ -5744,7 +6531,7 @@
             <a:buNone/>
           </a:pPr>
           <a:r>
-            <a:rPr lang="de-DE" sz="3600" kern="1200">
+            <a:rPr lang="de-DE" sz="3700" kern="1200">
               <a:solidFill>
                 <a:schemeClr val="tx1"/>
               </a:solidFill>
@@ -5754,8 +6541,8 @@
         </a:p>
       </dsp:txBody>
       <dsp:txXfrm>
-        <a:off x="1285750" y="70798"/>
-        <a:ext cx="2297959" cy="1379441"/>
+        <a:off x="1214955" y="3"/>
+        <a:ext cx="2368754" cy="1450236"/>
       </dsp:txXfrm>
     </dsp:sp>
   </dsp:spTree>
@@ -5780,7 +6567,7 @@
           <a:off x="1214955" y="0"/>
           <a:ext cx="2439549" cy="1450236"/>
         </a:xfrm>
-        <a:prstGeom prst="round2SameRect">
+        <a:prstGeom prst="round1Rect">
           <a:avLst/>
         </a:prstGeom>
         <a:solidFill>
@@ -5820,12 +6607,12 @@
         </a:fontRef>
       </dsp:style>
       <dsp:txBody>
-        <a:bodyPr spcFirstLastPara="0" vert="horz" wrap="square" lIns="137160" tIns="137160" rIns="137160" bIns="137160" numCol="1" spcCol="1270" anchor="ctr" anchorCtr="0">
+        <a:bodyPr spcFirstLastPara="0" vert="horz" wrap="square" lIns="140970" tIns="140970" rIns="140970" bIns="140970" numCol="1" spcCol="1270" anchor="ctr" anchorCtr="0">
           <a:noAutofit/>
         </a:bodyPr>
         <a:lstStyle/>
         <a:p>
-          <a:pPr marL="0" lvl="0" indent="0" algn="ctr" defTabSz="1600200">
+          <a:pPr marL="0" lvl="0" indent="0" algn="ctr" defTabSz="1644650">
             <a:lnSpc>
               <a:spcPct val="90000"/>
             </a:lnSpc>
@@ -5838,7 +6625,7 @@
             <a:buNone/>
           </a:pPr>
           <a:r>
-            <a:rPr lang="de-DE" sz="3600" kern="1200">
+            <a:rPr lang="de-DE" sz="3700" kern="1200">
               <a:solidFill>
                 <a:schemeClr val="tx1"/>
               </a:solidFill>
@@ -5848,8 +6635,8 @@
         </a:p>
       </dsp:txBody>
       <dsp:txXfrm>
-        <a:off x="1285750" y="70795"/>
-        <a:ext cx="2297959" cy="1379441"/>
+        <a:off x="1214955" y="0"/>
+        <a:ext cx="2368754" cy="1450236"/>
       </dsp:txXfrm>
     </dsp:sp>
     <dsp:sp modelId="{400B11CB-74B9-43B4-99CE-6F8BD0F8E5A4}">
@@ -5862,7 +6649,7 @@
           <a:off x="1268222" y="2901093"/>
           <a:ext cx="2439549" cy="1450236"/>
         </a:xfrm>
-        <a:prstGeom prst="round2SameRect">
+        <a:prstGeom prst="round1Rect">
           <a:avLst/>
         </a:prstGeom>
         <a:solidFill>
@@ -5902,12 +6689,12 @@
         </a:fontRef>
       </dsp:style>
       <dsp:txBody>
-        <a:bodyPr spcFirstLastPara="0" vert="horz" wrap="square" lIns="137160" tIns="137160" rIns="137160" bIns="137160" numCol="1" spcCol="1270" anchor="ctr" anchorCtr="0">
+        <a:bodyPr spcFirstLastPara="0" vert="horz" wrap="square" lIns="140970" tIns="140970" rIns="140970" bIns="140970" numCol="1" spcCol="1270" anchor="ctr" anchorCtr="0">
           <a:noAutofit/>
         </a:bodyPr>
         <a:lstStyle/>
         <a:p>
-          <a:pPr marL="0" lvl="0" indent="0" algn="ctr" defTabSz="1600200">
+          <a:pPr marL="0" lvl="0" indent="0" algn="ctr" defTabSz="1644650">
             <a:lnSpc>
               <a:spcPct val="90000"/>
             </a:lnSpc>
@@ -5920,7 +6707,7 @@
             <a:buNone/>
           </a:pPr>
           <a:r>
-            <a:rPr lang="de-DE" sz="3600" kern="1200">
+            <a:rPr lang="de-DE" sz="3700" kern="1200">
               <a:solidFill>
                 <a:schemeClr val="tx1"/>
               </a:solidFill>
@@ -5930,8 +6717,8 @@
         </a:p>
       </dsp:txBody>
       <dsp:txXfrm>
-        <a:off x="1339017" y="2971888"/>
-        <a:ext cx="2297959" cy="1379441"/>
+        <a:off x="1268222" y="2901093"/>
+        <a:ext cx="2368754" cy="1450236"/>
       </dsp:txXfrm>
     </dsp:sp>
   </dsp:spTree>
@@ -5956,7 +6743,7 @@
           <a:off x="574898" y="0"/>
           <a:ext cx="3719663" cy="4351331"/>
         </a:xfrm>
-        <a:prstGeom prst="round2SameRect">
+        <a:prstGeom prst="round1Rect">
           <a:avLst/>
         </a:prstGeom>
         <a:solidFill>
@@ -6017,10 +6804,22 @@
         </a:p>
       </dsp:txBody>
       <dsp:txXfrm>
-        <a:off x="756477" y="181579"/>
-        <a:ext cx="3356505" cy="4169752"/>
+        <a:off x="574898" y="0"/>
+        <a:ext cx="3538084" cy="4351331"/>
       </dsp:txXfrm>
     </dsp:sp>
+  </dsp:spTree>
+</dsp:drawing>
+</file>
+
+<file path=ppt/diagrams/drawing7.xml><?xml version="1.0" encoding="utf-8"?>
+<dsp:drawing xmlns:dgm="http://schemas.openxmlformats.org/drawingml/2006/diagram" xmlns:dsp="http://schemas.microsoft.com/office/drawing/2008/diagram" xmlns:a="http://schemas.openxmlformats.org/drawingml/2006/main">
+  <dsp:spTree>
+    <dsp:nvGrpSpPr>
+      <dsp:cNvPr id="0" name=""/>
+      <dsp:cNvGrpSpPr/>
+    </dsp:nvGrpSpPr>
+    <dsp:grpSpPr/>
   </dsp:spTree>
 </dsp:drawing>
 </file>
@@ -6907,6 +7706,153 @@
 </dgm:layoutDef>
 </file>
 
+<file path=ppt/diagrams/layout7.xml><?xml version="1.0" encoding="utf-8"?>
+<dgm:layoutDef xmlns:dgm="http://schemas.openxmlformats.org/drawingml/2006/diagram" xmlns:a="http://schemas.openxmlformats.org/drawingml/2006/main" uniqueId="urn:microsoft.com/office/officeart/2005/8/layout/default">
+  <dgm:title val=""/>
+  <dgm:desc val=""/>
+  <dgm:catLst>
+    <dgm:cat type="list" pri="400"/>
+  </dgm:catLst>
+  <dgm:sampData>
+    <dgm:dataModel>
+      <dgm:ptLst>
+        <dgm:pt modelId="0" type="doc"/>
+        <dgm:pt modelId="1">
+          <dgm:prSet phldr="1"/>
+        </dgm:pt>
+        <dgm:pt modelId="2">
+          <dgm:prSet phldr="1"/>
+        </dgm:pt>
+        <dgm:pt modelId="3">
+          <dgm:prSet phldr="1"/>
+        </dgm:pt>
+        <dgm:pt modelId="4">
+          <dgm:prSet phldr="1"/>
+        </dgm:pt>
+        <dgm:pt modelId="5">
+          <dgm:prSet phldr="1"/>
+        </dgm:pt>
+      </dgm:ptLst>
+      <dgm:cxnLst>
+        <dgm:cxn modelId="6" srcId="0" destId="1" srcOrd="0" destOrd="0"/>
+        <dgm:cxn modelId="7" srcId="0" destId="2" srcOrd="1" destOrd="0"/>
+        <dgm:cxn modelId="8" srcId="0" destId="3" srcOrd="2" destOrd="0"/>
+        <dgm:cxn modelId="9" srcId="0" destId="4" srcOrd="3" destOrd="0"/>
+        <dgm:cxn modelId="10" srcId="0" destId="5" srcOrd="4" destOrd="0"/>
+      </dgm:cxnLst>
+      <dgm:bg/>
+      <dgm:whole/>
+    </dgm:dataModel>
+  </dgm:sampData>
+  <dgm:styleData>
+    <dgm:dataModel>
+      <dgm:ptLst>
+        <dgm:pt modelId="0" type="doc"/>
+        <dgm:pt modelId="1"/>
+        <dgm:pt modelId="2"/>
+      </dgm:ptLst>
+      <dgm:cxnLst>
+        <dgm:cxn modelId="3" srcId="0" destId="1" srcOrd="0" destOrd="0"/>
+        <dgm:cxn modelId="4" srcId="0" destId="2" srcOrd="1" destOrd="0"/>
+      </dgm:cxnLst>
+      <dgm:bg/>
+      <dgm:whole/>
+    </dgm:dataModel>
+  </dgm:styleData>
+  <dgm:clrData>
+    <dgm:dataModel>
+      <dgm:ptLst>
+        <dgm:pt modelId="0" type="doc"/>
+        <dgm:pt modelId="1"/>
+        <dgm:pt modelId="2"/>
+        <dgm:pt modelId="3"/>
+        <dgm:pt modelId="4"/>
+        <dgm:pt modelId="5"/>
+        <dgm:pt modelId="6"/>
+      </dgm:ptLst>
+      <dgm:cxnLst>
+        <dgm:cxn modelId="7" srcId="0" destId="1" srcOrd="0" destOrd="0"/>
+        <dgm:cxn modelId="8" srcId="0" destId="2" srcOrd="1" destOrd="0"/>
+        <dgm:cxn modelId="9" srcId="0" destId="3" srcOrd="2" destOrd="0"/>
+        <dgm:cxn modelId="10" srcId="0" destId="4" srcOrd="3" destOrd="0"/>
+        <dgm:cxn modelId="11" srcId="0" destId="5" srcOrd="4" destOrd="0"/>
+        <dgm:cxn modelId="12" srcId="0" destId="6" srcOrd="5" destOrd="0"/>
+      </dgm:cxnLst>
+      <dgm:bg/>
+      <dgm:whole/>
+    </dgm:dataModel>
+  </dgm:clrData>
+  <dgm:layoutNode name="diagram">
+    <dgm:varLst>
+      <dgm:dir/>
+      <dgm:resizeHandles val="exact"/>
+    </dgm:varLst>
+    <dgm:choose name="Name0">
+      <dgm:if name="Name1" func="var" arg="dir" op="equ" val="norm">
+        <dgm:alg type="snake">
+          <dgm:param type="grDir" val="tL"/>
+          <dgm:param type="flowDir" val="row"/>
+          <dgm:param type="contDir" val="sameDir"/>
+          <dgm:param type="off" val="ctr"/>
+        </dgm:alg>
+      </dgm:if>
+      <dgm:else name="Name2">
+        <dgm:alg type="snake">
+          <dgm:param type="grDir" val="tR"/>
+          <dgm:param type="flowDir" val="row"/>
+          <dgm:param type="contDir" val="sameDir"/>
+          <dgm:param type="off" val="ctr"/>
+        </dgm:alg>
+      </dgm:else>
+    </dgm:choose>
+    <dgm:shape xmlns:r="http://schemas.openxmlformats.org/officeDocument/2006/relationships" r:blip="">
+      <dgm:adjLst/>
+    </dgm:shape>
+    <dgm:presOf/>
+    <dgm:constrLst>
+      <dgm:constr type="w" for="ch" forName="node" refType="w"/>
+      <dgm:constr type="h" for="ch" forName="node" refType="w" refFor="ch" refForName="node" fact="0.6"/>
+      <dgm:constr type="w" for="ch" forName="sibTrans" refType="w" refFor="ch" refForName="node" fact="0.1"/>
+      <dgm:constr type="sp" refType="w" refFor="ch" refForName="sibTrans"/>
+      <dgm:constr type="primFontSz" for="ch" forName="node" op="equ" val="65"/>
+    </dgm:constrLst>
+    <dgm:ruleLst/>
+    <dgm:forEach name="Name3" axis="ch" ptType="node">
+      <dgm:layoutNode name="node">
+        <dgm:varLst>
+          <dgm:bulletEnabled val="1"/>
+        </dgm:varLst>
+        <dgm:alg type="tx"/>
+        <dgm:shape xmlns:r="http://schemas.openxmlformats.org/officeDocument/2006/relationships" type="rect" r:blip="">
+          <dgm:adjLst/>
+        </dgm:shape>
+        <dgm:presOf axis="desOrSelf" ptType="node"/>
+        <dgm:constrLst>
+          <dgm:constr type="lMarg" refType="primFontSz" fact="0.3"/>
+          <dgm:constr type="rMarg" refType="primFontSz" fact="0.3"/>
+          <dgm:constr type="tMarg" refType="primFontSz" fact="0.3"/>
+          <dgm:constr type="bMarg" refType="primFontSz" fact="0.3"/>
+        </dgm:constrLst>
+        <dgm:ruleLst>
+          <dgm:rule type="primFontSz" val="5" fact="NaN" max="NaN"/>
+        </dgm:ruleLst>
+      </dgm:layoutNode>
+      <dgm:forEach name="Name4" axis="followSib" ptType="sibTrans" cnt="1">
+        <dgm:layoutNode name="sibTrans">
+          <dgm:alg type="sp"/>
+          <dgm:shape xmlns:r="http://schemas.openxmlformats.org/officeDocument/2006/relationships" r:blip="">
+            <dgm:adjLst/>
+          </dgm:shape>
+          <dgm:presOf/>
+          <dgm:constrLst/>
+          <dgm:ruleLst/>
+        </dgm:layoutNode>
+      </dgm:forEach>
+    </dgm:forEach>
+  </dgm:layoutNode>
+</dgm:layoutDef>
+</file>
+
 <file path=ppt/diagrams/quickStyle1.xml><?xml version="1.0" encoding="utf-8"?>
 <dgm:styleDef xmlns:dgm="http://schemas.openxmlformats.org/drawingml/2006/diagram" xmlns:a="http://schemas.openxmlformats.org/drawingml/2006/main" uniqueId="urn:microsoft.com/office/officeart/2005/8/quickstyle/simple1">
   <dgm:title val=""/>
@@ -12078,6 +13024,1040 @@
 </file>
 
 <file path=ppt/diagrams/quickStyle6.xml><?xml version="1.0" encoding="utf-8"?>
+<dgm:styleDef xmlns:dgm="http://schemas.openxmlformats.org/drawingml/2006/diagram" xmlns:a="http://schemas.openxmlformats.org/drawingml/2006/main" uniqueId="urn:microsoft.com/office/officeart/2005/8/quickstyle/simple1">
+  <dgm:title val=""/>
+  <dgm:desc val=""/>
+  <dgm:catLst>
+    <dgm:cat type="simple" pri="10100"/>
+  </dgm:catLst>
+  <dgm:scene3d>
+    <a:camera prst="orthographicFront"/>
+    <a:lightRig rig="threePt" dir="t"/>
+  </dgm:scene3d>
+  <dgm:styleLbl name="node0">
+    <dgm:scene3d>
+      <a:camera prst="orthographicFront"/>
+      <a:lightRig rig="threePt" dir="t"/>
+    </dgm:scene3d>
+    <dgm:sp3d/>
+    <dgm:txPr/>
+    <dgm:style>
+      <a:lnRef idx="2">
+        <a:scrgbClr r="0" g="0" b="0"/>
+      </a:lnRef>
+      <a:fillRef idx="1">
+        <a:scrgbClr r="0" g="0" b="0"/>
+      </a:fillRef>
+      <a:effectRef idx="0">
+        <a:scrgbClr r="0" g="0" b="0"/>
+      </a:effectRef>
+      <a:fontRef idx="minor">
+        <a:schemeClr val="lt1"/>
+      </a:fontRef>
+    </dgm:style>
+  </dgm:styleLbl>
+  <dgm:styleLbl name="lnNode1">
+    <dgm:scene3d>
+      <a:camera prst="orthographicFront"/>
+      <a:lightRig rig="threePt" dir="t"/>
+    </dgm:scene3d>
+    <dgm:sp3d/>
+    <dgm:txPr/>
+    <dgm:style>
+      <a:lnRef idx="2">
+        <a:scrgbClr r="0" g="0" b="0"/>
+      </a:lnRef>
+      <a:fillRef idx="1">
+        <a:scrgbClr r="0" g="0" b="0"/>
+      </a:fillRef>
+      <a:effectRef idx="0">
+        <a:scrgbClr r="0" g="0" b="0"/>
+      </a:effectRef>
+      <a:fontRef idx="minor">
+        <a:schemeClr val="lt1"/>
+      </a:fontRef>
+    </dgm:style>
+  </dgm:styleLbl>
+  <dgm:styleLbl name="vennNode1">
+    <dgm:scene3d>
+      <a:camera prst="orthographicFront"/>
+      <a:lightRig rig="threePt" dir="t"/>
+    </dgm:scene3d>
+    <dgm:sp3d/>
+    <dgm:txPr/>
+    <dgm:style>
+      <a:lnRef idx="2">
+        <a:scrgbClr r="0" g="0" b="0"/>
+      </a:lnRef>
+      <a:fillRef idx="1">
+        <a:scrgbClr r="0" g="0" b="0"/>
+      </a:fillRef>
+      <a:effectRef idx="0">
+        <a:scrgbClr r="0" g="0" b="0"/>
+      </a:effectRef>
+      <a:fontRef idx="minor">
+        <a:schemeClr val="tx1"/>
+      </a:fontRef>
+    </dgm:style>
+  </dgm:styleLbl>
+  <dgm:styleLbl name="alignNode1">
+    <dgm:scene3d>
+      <a:camera prst="orthographicFront"/>
+      <a:lightRig rig="threePt" dir="t"/>
+    </dgm:scene3d>
+    <dgm:sp3d/>
+    <dgm:txPr/>
+    <dgm:style>
+      <a:lnRef idx="2">
+        <a:scrgbClr r="0" g="0" b="0"/>
+      </a:lnRef>
+      <a:fillRef idx="1">
+        <a:scrgbClr r="0" g="0" b="0"/>
+      </a:fillRef>
+      <a:effectRef idx="0">
+        <a:scrgbClr r="0" g="0" b="0"/>
+      </a:effectRef>
+      <a:fontRef idx="minor">
+        <a:schemeClr val="lt1"/>
+      </a:fontRef>
+    </dgm:style>
+  </dgm:styleLbl>
+  <dgm:styleLbl name="node1">
+    <dgm:scene3d>
+      <a:camera prst="orthographicFront"/>
+      <a:lightRig rig="threePt" dir="t"/>
+    </dgm:scene3d>
+    <dgm:sp3d/>
+    <dgm:txPr/>
+    <dgm:style>
+      <a:lnRef idx="2">
+        <a:scrgbClr r="0" g="0" b="0"/>
+      </a:lnRef>
+      <a:fillRef idx="1">
+        <a:scrgbClr r="0" g="0" b="0"/>
+      </a:fillRef>
+      <a:effectRef idx="0">
+        <a:scrgbClr r="0" g="0" b="0"/>
+      </a:effectRef>
+      <a:fontRef idx="minor">
+        <a:schemeClr val="lt1"/>
+      </a:fontRef>
+    </dgm:style>
+  </dgm:styleLbl>
+  <dgm:styleLbl name="node2">
+    <dgm:scene3d>
+      <a:camera prst="orthographicFront"/>
+      <a:lightRig rig="threePt" dir="t"/>
+    </dgm:scene3d>
+    <dgm:sp3d/>
+    <dgm:txPr/>
+    <dgm:style>
+      <a:lnRef idx="2">
+        <a:scrgbClr r="0" g="0" b="0"/>
+      </a:lnRef>
+      <a:fillRef idx="1">
+        <a:scrgbClr r="0" g="0" b="0"/>
+      </a:fillRef>
+      <a:effectRef idx="0">
+        <a:scrgbClr r="0" g="0" b="0"/>
+      </a:effectRef>
+      <a:fontRef idx="minor">
+        <a:schemeClr val="lt1"/>
+      </a:fontRef>
+    </dgm:style>
+  </dgm:styleLbl>
+  <dgm:styleLbl name="node3">
+    <dgm:scene3d>
+      <a:camera prst="orthographicFront"/>
+      <a:lightRig rig="threePt" dir="t"/>
+    </dgm:scene3d>
+    <dgm:sp3d/>
+    <dgm:txPr/>
+    <dgm:style>
+      <a:lnRef idx="2">
+        <a:scrgbClr r="0" g="0" b="0"/>
+      </a:lnRef>
+      <a:fillRef idx="1">
+        <a:scrgbClr r="0" g="0" b="0"/>
+      </a:fillRef>
+      <a:effectRef idx="0">
+        <a:scrgbClr r="0" g="0" b="0"/>
+      </a:effectRef>
+      <a:fontRef idx="minor">
+        <a:schemeClr val="lt1"/>
+      </a:fontRef>
+    </dgm:style>
+  </dgm:styleLbl>
+  <dgm:styleLbl name="node4">
+    <dgm:scene3d>
+      <a:camera prst="orthographicFront"/>
+      <a:lightRig rig="threePt" dir="t"/>
+    </dgm:scene3d>
+    <dgm:sp3d/>
+    <dgm:txPr/>
+    <dgm:style>
+      <a:lnRef idx="2">
+        <a:scrgbClr r="0" g="0" b="0"/>
+      </a:lnRef>
+      <a:fillRef idx="1">
+        <a:scrgbClr r="0" g="0" b="0"/>
+      </a:fillRef>
+      <a:effectRef idx="0">
+        <a:scrgbClr r="0" g="0" b="0"/>
+      </a:effectRef>
+      <a:fontRef idx="minor">
+        <a:schemeClr val="lt1"/>
+      </a:fontRef>
+    </dgm:style>
+  </dgm:styleLbl>
+  <dgm:styleLbl name="fgImgPlace1">
+    <dgm:scene3d>
+      <a:camera prst="orthographicFront"/>
+      <a:lightRig rig="threePt" dir="t"/>
+    </dgm:scene3d>
+    <dgm:sp3d/>
+    <dgm:txPr/>
+    <dgm:style>
+      <a:lnRef idx="2">
+        <a:scrgbClr r="0" g="0" b="0"/>
+      </a:lnRef>
+      <a:fillRef idx="1">
+        <a:scrgbClr r="0" g="0" b="0"/>
+      </a:fillRef>
+      <a:effectRef idx="0">
+        <a:scrgbClr r="0" g="0" b="0"/>
+      </a:effectRef>
+      <a:fontRef idx="minor"/>
+    </dgm:style>
+  </dgm:styleLbl>
+  <dgm:styleLbl name="alignImgPlace1">
+    <dgm:scene3d>
+      <a:camera prst="orthographicFront"/>
+      <a:lightRig rig="threePt" dir="t"/>
+    </dgm:scene3d>
+    <dgm:sp3d/>
+    <dgm:txPr/>
+    <dgm:style>
+      <a:lnRef idx="2">
+        <a:scrgbClr r="0" g="0" b="0"/>
+      </a:lnRef>
+      <a:fillRef idx="1">
+        <a:scrgbClr r="0" g="0" b="0"/>
+      </a:fillRef>
+      <a:effectRef idx="0">
+        <a:scrgbClr r="0" g="0" b="0"/>
+      </a:effectRef>
+      <a:fontRef idx="minor"/>
+    </dgm:style>
+  </dgm:styleLbl>
+  <dgm:styleLbl name="bgImgPlace1">
+    <dgm:scene3d>
+      <a:camera prst="orthographicFront"/>
+      <a:lightRig rig="threePt" dir="t"/>
+    </dgm:scene3d>
+    <dgm:sp3d/>
+    <dgm:txPr/>
+    <dgm:style>
+      <a:lnRef idx="2">
+        <a:scrgbClr r="0" g="0" b="0"/>
+      </a:lnRef>
+      <a:fillRef idx="1">
+        <a:scrgbClr r="0" g="0" b="0"/>
+      </a:fillRef>
+      <a:effectRef idx="0">
+        <a:scrgbClr r="0" g="0" b="0"/>
+      </a:effectRef>
+      <a:fontRef idx="minor"/>
+    </dgm:style>
+  </dgm:styleLbl>
+  <dgm:styleLbl name="sibTrans2D1">
+    <dgm:scene3d>
+      <a:camera prst="orthographicFront"/>
+      <a:lightRig rig="threePt" dir="t"/>
+    </dgm:scene3d>
+    <dgm:sp3d/>
+    <dgm:txPr/>
+    <dgm:style>
+      <a:lnRef idx="0">
+        <a:scrgbClr r="0" g="0" b="0"/>
+      </a:lnRef>
+      <a:fillRef idx="1">
+        <a:scrgbClr r="0" g="0" b="0"/>
+      </a:fillRef>
+      <a:effectRef idx="0">
+        <a:scrgbClr r="0" g="0" b="0"/>
+      </a:effectRef>
+      <a:fontRef idx="minor">
+        <a:schemeClr val="lt1"/>
+      </a:fontRef>
+    </dgm:style>
+  </dgm:styleLbl>
+  <dgm:styleLbl name="fgSibTrans2D1">
+    <dgm:scene3d>
+      <a:camera prst="orthographicFront"/>
+      <a:lightRig rig="threePt" dir="t"/>
+    </dgm:scene3d>
+    <dgm:sp3d/>
+    <dgm:txPr/>
+    <dgm:style>
+      <a:lnRef idx="0">
+        <a:scrgbClr r="0" g="0" b="0"/>
+      </a:lnRef>
+      <a:fillRef idx="1">
+        <a:scrgbClr r="0" g="0" b="0"/>
+      </a:fillRef>
+      <a:effectRef idx="0">
+        <a:scrgbClr r="0" g="0" b="0"/>
+      </a:effectRef>
+      <a:fontRef idx="minor">
+        <a:schemeClr val="lt1"/>
+      </a:fontRef>
+    </dgm:style>
+  </dgm:styleLbl>
+  <dgm:styleLbl name="bgSibTrans2D1">
+    <dgm:scene3d>
+      <a:camera prst="orthographicFront"/>
+      <a:lightRig rig="threePt" dir="t"/>
+    </dgm:scene3d>
+    <dgm:sp3d/>
+    <dgm:txPr/>
+    <dgm:style>
+      <a:lnRef idx="0">
+        <a:scrgbClr r="0" g="0" b="0"/>
+      </a:lnRef>
+      <a:fillRef idx="1">
+        <a:scrgbClr r="0" g="0" b="0"/>
+      </a:fillRef>
+      <a:effectRef idx="0">
+        <a:scrgbClr r="0" g="0" b="0"/>
+      </a:effectRef>
+      <a:fontRef idx="minor">
+        <a:schemeClr val="lt1"/>
+      </a:fontRef>
+    </dgm:style>
+  </dgm:styleLbl>
+  <dgm:styleLbl name="sibTrans1D1">
+    <dgm:scene3d>
+      <a:camera prst="orthographicFront"/>
+      <a:lightRig rig="threePt" dir="t"/>
+    </dgm:scene3d>
+    <dgm:sp3d/>
+    <dgm:txPr/>
+    <dgm:style>
+      <a:lnRef idx="1">
+        <a:scrgbClr r="0" g="0" b="0"/>
+      </a:lnRef>
+      <a:fillRef idx="0">
+        <a:scrgbClr r="0" g="0" b="0"/>
+      </a:fillRef>
+      <a:effectRef idx="0">
+        <a:scrgbClr r="0" g="0" b="0"/>
+      </a:effectRef>
+      <a:fontRef idx="minor"/>
+    </dgm:style>
+  </dgm:styleLbl>
+  <dgm:styleLbl name="callout">
+    <dgm:scene3d>
+      <a:camera prst="orthographicFront"/>
+      <a:lightRig rig="threePt" dir="t"/>
+    </dgm:scene3d>
+    <dgm:sp3d/>
+    <dgm:txPr/>
+    <dgm:style>
+      <a:lnRef idx="2">
+        <a:scrgbClr r="0" g="0" b="0"/>
+      </a:lnRef>
+      <a:fillRef idx="1">
+        <a:scrgbClr r="0" g="0" b="0"/>
+      </a:fillRef>
+      <a:effectRef idx="0">
+        <a:scrgbClr r="0" g="0" b="0"/>
+      </a:effectRef>
+      <a:fontRef idx="minor"/>
+    </dgm:style>
+  </dgm:styleLbl>
+  <dgm:styleLbl name="asst0">
+    <dgm:scene3d>
+      <a:camera prst="orthographicFront"/>
+      <a:lightRig rig="threePt" dir="t"/>
+    </dgm:scene3d>
+    <dgm:sp3d/>
+    <dgm:txPr/>
+    <dgm:style>
+      <a:lnRef idx="2">
+        <a:scrgbClr r="0" g="0" b="0"/>
+      </a:lnRef>
+      <a:fillRef idx="1">
+        <a:scrgbClr r="0" g="0" b="0"/>
+      </a:fillRef>
+      <a:effectRef idx="0">
+        <a:scrgbClr r="0" g="0" b="0"/>
+      </a:effectRef>
+      <a:fontRef idx="minor">
+        <a:schemeClr val="lt1"/>
+      </a:fontRef>
+    </dgm:style>
+  </dgm:styleLbl>
+  <dgm:styleLbl name="asst1">
+    <dgm:scene3d>
+      <a:camera prst="orthographicFront"/>
+      <a:lightRig rig="threePt" dir="t"/>
+    </dgm:scene3d>
+    <dgm:sp3d/>
+    <dgm:txPr/>
+    <dgm:style>
+      <a:lnRef idx="2">
+        <a:scrgbClr r="0" g="0" b="0"/>
+      </a:lnRef>
+      <a:fillRef idx="1">
+        <a:scrgbClr r="0" g="0" b="0"/>
+      </a:fillRef>
+      <a:effectRef idx="0">
+        <a:scrgbClr r="0" g="0" b="0"/>
+      </a:effectRef>
+      <a:fontRef idx="minor">
+        <a:schemeClr val="lt1"/>
+      </a:fontRef>
+    </dgm:style>
+  </dgm:styleLbl>
+  <dgm:styleLbl name="asst2">
+    <dgm:scene3d>
+      <a:camera prst="orthographicFront"/>
+      <a:lightRig rig="threePt" dir="t"/>
+    </dgm:scene3d>
+    <dgm:sp3d/>
+    <dgm:txPr/>
+    <dgm:style>
+      <a:lnRef idx="2">
+        <a:scrgbClr r="0" g="0" b="0"/>
+      </a:lnRef>
+      <a:fillRef idx="1">
+        <a:scrgbClr r="0" g="0" b="0"/>
+      </a:fillRef>
+      <a:effectRef idx="0">
+        <a:scrgbClr r="0" g="0" b="0"/>
+      </a:effectRef>
+      <a:fontRef idx="minor">
+        <a:schemeClr val="lt1"/>
+      </a:fontRef>
+    </dgm:style>
+  </dgm:styleLbl>
+  <dgm:styleLbl name="asst3">
+    <dgm:scene3d>
+      <a:camera prst="orthographicFront"/>
+      <a:lightRig rig="threePt" dir="t"/>
+    </dgm:scene3d>
+    <dgm:sp3d/>
+    <dgm:txPr/>
+    <dgm:style>
+      <a:lnRef idx="2">
+        <a:scrgbClr r="0" g="0" b="0"/>
+      </a:lnRef>
+      <a:fillRef idx="1">
+        <a:scrgbClr r="0" g="0" b="0"/>
+      </a:fillRef>
+      <a:effectRef idx="0">
+        <a:scrgbClr r="0" g="0" b="0"/>
+      </a:effectRef>
+      <a:fontRef idx="minor">
+        <a:schemeClr val="lt1"/>
+      </a:fontRef>
+    </dgm:style>
+  </dgm:styleLbl>
+  <dgm:styleLbl name="asst4">
+    <dgm:scene3d>
+      <a:camera prst="orthographicFront"/>
+      <a:lightRig rig="threePt" dir="t"/>
+    </dgm:scene3d>
+    <dgm:sp3d/>
+    <dgm:txPr/>
+    <dgm:style>
+      <a:lnRef idx="2">
+        <a:scrgbClr r="0" g="0" b="0"/>
+      </a:lnRef>
+      <a:fillRef idx="1">
+        <a:scrgbClr r="0" g="0" b="0"/>
+      </a:fillRef>
+      <a:effectRef idx="0">
+        <a:scrgbClr r="0" g="0" b="0"/>
+      </a:effectRef>
+      <a:fontRef idx="minor">
+        <a:schemeClr val="lt1"/>
+      </a:fontRef>
+    </dgm:style>
+  </dgm:styleLbl>
+  <dgm:styleLbl name="parChTrans2D1">
+    <dgm:scene3d>
+      <a:camera prst="orthographicFront"/>
+      <a:lightRig rig="threePt" dir="t"/>
+    </dgm:scene3d>
+    <dgm:sp3d/>
+    <dgm:txPr/>
+    <dgm:style>
+      <a:lnRef idx="2">
+        <a:scrgbClr r="0" g="0" b="0"/>
+      </a:lnRef>
+      <a:fillRef idx="1">
+        <a:scrgbClr r="0" g="0" b="0"/>
+      </a:fillRef>
+      <a:effectRef idx="0">
+        <a:scrgbClr r="0" g="0" b="0"/>
+      </a:effectRef>
+      <a:fontRef idx="minor">
+        <a:schemeClr val="lt1"/>
+      </a:fontRef>
+    </dgm:style>
+  </dgm:styleLbl>
+  <dgm:styleLbl name="parChTrans2D2">
+    <dgm:scene3d>
+      <a:camera prst="orthographicFront"/>
+      <a:lightRig rig="threePt" dir="t"/>
+    </dgm:scene3d>
+    <dgm:sp3d/>
+    <dgm:txPr/>
+    <dgm:style>
+      <a:lnRef idx="2">
+        <a:scrgbClr r="0" g="0" b="0"/>
+      </a:lnRef>
+      <a:fillRef idx="1">
+        <a:scrgbClr r="0" g="0" b="0"/>
+      </a:fillRef>
+      <a:effectRef idx="0">
+        <a:scrgbClr r="0" g="0" b="0"/>
+      </a:effectRef>
+      <a:fontRef idx="minor">
+        <a:schemeClr val="lt1"/>
+      </a:fontRef>
+    </dgm:style>
+  </dgm:styleLbl>
+  <dgm:styleLbl name="parChTrans2D3">
+    <dgm:scene3d>
+      <a:camera prst="orthographicFront"/>
+      <a:lightRig rig="threePt" dir="t"/>
+    </dgm:scene3d>
+    <dgm:sp3d/>
+    <dgm:txPr/>
+    <dgm:style>
+      <a:lnRef idx="2">
+        <a:scrgbClr r="0" g="0" b="0"/>
+      </a:lnRef>
+      <a:fillRef idx="1">
+        <a:scrgbClr r="0" g="0" b="0"/>
+      </a:fillRef>
+      <a:effectRef idx="0">
+        <a:scrgbClr r="0" g="0" b="0"/>
+      </a:effectRef>
+      <a:fontRef idx="minor">
+        <a:schemeClr val="lt1"/>
+      </a:fontRef>
+    </dgm:style>
+  </dgm:styleLbl>
+  <dgm:styleLbl name="parChTrans2D4">
+    <dgm:scene3d>
+      <a:camera prst="orthographicFront"/>
+      <a:lightRig rig="threePt" dir="t"/>
+    </dgm:scene3d>
+    <dgm:sp3d/>
+    <dgm:txPr/>
+    <dgm:style>
+      <a:lnRef idx="2">
+        <a:scrgbClr r="0" g="0" b="0"/>
+      </a:lnRef>
+      <a:fillRef idx="1">
+        <a:scrgbClr r="0" g="0" b="0"/>
+      </a:fillRef>
+      <a:effectRef idx="0">
+        <a:scrgbClr r="0" g="0" b="0"/>
+      </a:effectRef>
+      <a:fontRef idx="minor">
+        <a:schemeClr val="lt1"/>
+      </a:fontRef>
+    </dgm:style>
+  </dgm:styleLbl>
+  <dgm:styleLbl name="parChTrans1D1">
+    <dgm:scene3d>
+      <a:camera prst="orthographicFront"/>
+      <a:lightRig rig="threePt" dir="t"/>
+    </dgm:scene3d>
+    <dgm:sp3d/>
+    <dgm:txPr/>
+    <dgm:style>
+      <a:lnRef idx="2">
+        <a:scrgbClr r="0" g="0" b="0"/>
+      </a:lnRef>
+      <a:fillRef idx="0">
+        <a:scrgbClr r="0" g="0" b="0"/>
+      </a:fillRef>
+      <a:effectRef idx="0">
+        <a:scrgbClr r="0" g="0" b="0"/>
+      </a:effectRef>
+      <a:fontRef idx="minor"/>
+    </dgm:style>
+  </dgm:styleLbl>
+  <dgm:styleLbl name="parChTrans1D2">
+    <dgm:scene3d>
+      <a:camera prst="orthographicFront"/>
+      <a:lightRig rig="threePt" dir="t"/>
+    </dgm:scene3d>
+    <dgm:sp3d/>
+    <dgm:txPr/>
+    <dgm:style>
+      <a:lnRef idx="2">
+        <a:scrgbClr r="0" g="0" b="0"/>
+      </a:lnRef>
+      <a:fillRef idx="0">
+        <a:scrgbClr r="0" g="0" b="0"/>
+      </a:fillRef>
+      <a:effectRef idx="0">
+        <a:scrgbClr r="0" g="0" b="0"/>
+      </a:effectRef>
+      <a:fontRef idx="minor"/>
+    </dgm:style>
+  </dgm:styleLbl>
+  <dgm:styleLbl name="parChTrans1D3">
+    <dgm:scene3d>
+      <a:camera prst="orthographicFront"/>
+      <a:lightRig rig="threePt" dir="t"/>
+    </dgm:scene3d>
+    <dgm:sp3d/>
+    <dgm:txPr/>
+    <dgm:style>
+      <a:lnRef idx="2">
+        <a:scrgbClr r="0" g="0" b="0"/>
+      </a:lnRef>
+      <a:fillRef idx="0">
+        <a:scrgbClr r="0" g="0" b="0"/>
+      </a:fillRef>
+      <a:effectRef idx="0">
+        <a:scrgbClr r="0" g="0" b="0"/>
+      </a:effectRef>
+      <a:fontRef idx="minor"/>
+    </dgm:style>
+  </dgm:styleLbl>
+  <dgm:styleLbl name="parChTrans1D4">
+    <dgm:scene3d>
+      <a:camera prst="orthographicFront"/>
+      <a:lightRig rig="threePt" dir="t"/>
+    </dgm:scene3d>
+    <dgm:sp3d/>
+    <dgm:txPr/>
+    <dgm:style>
+      <a:lnRef idx="2">
+        <a:scrgbClr r="0" g="0" b="0"/>
+      </a:lnRef>
+      <a:fillRef idx="0">
+        <a:scrgbClr r="0" g="0" b="0"/>
+      </a:fillRef>
+      <a:effectRef idx="0">
+        <a:scrgbClr r="0" g="0" b="0"/>
+      </a:effectRef>
+      <a:fontRef idx="minor"/>
+    </dgm:style>
+  </dgm:styleLbl>
+  <dgm:styleLbl name="fgAcc1">
+    <dgm:scene3d>
+      <a:camera prst="orthographicFront"/>
+      <a:lightRig rig="threePt" dir="t"/>
+    </dgm:scene3d>
+    <dgm:sp3d/>
+    <dgm:txPr/>
+    <dgm:style>
+      <a:lnRef idx="2">
+        <a:scrgbClr r="0" g="0" b="0"/>
+      </a:lnRef>
+      <a:fillRef idx="1">
+        <a:scrgbClr r="0" g="0" b="0"/>
+      </a:fillRef>
+      <a:effectRef idx="0">
+        <a:scrgbClr r="0" g="0" b="0"/>
+      </a:effectRef>
+      <a:fontRef idx="minor"/>
+    </dgm:style>
+  </dgm:styleLbl>
+  <dgm:styleLbl name="conFgAcc1">
+    <dgm:scene3d>
+      <a:camera prst="orthographicFront"/>
+      <a:lightRig rig="threePt" dir="t"/>
+    </dgm:scene3d>
+    <dgm:sp3d/>
+    <dgm:txPr/>
+    <dgm:style>
+      <a:lnRef idx="2">
+        <a:scrgbClr r="0" g="0" b="0"/>
+      </a:lnRef>
+      <a:fillRef idx="1">
+        <a:scrgbClr r="0" g="0" b="0"/>
+      </a:fillRef>
+      <a:effectRef idx="0">
+        <a:scrgbClr r="0" g="0" b="0"/>
+      </a:effectRef>
+      <a:fontRef idx="minor"/>
+    </dgm:style>
+  </dgm:styleLbl>
+  <dgm:styleLbl name="alignAcc1">
+    <dgm:scene3d>
+      <a:camera prst="orthographicFront"/>
+      <a:lightRig rig="threePt" dir="t"/>
+    </dgm:scene3d>
+    <dgm:sp3d/>
+    <dgm:txPr/>
+    <dgm:style>
+      <a:lnRef idx="2">
+        <a:scrgbClr r="0" g="0" b="0"/>
+      </a:lnRef>
+      <a:fillRef idx="1">
+        <a:scrgbClr r="0" g="0" b="0"/>
+      </a:fillRef>
+      <a:effectRef idx="0">
+        <a:scrgbClr r="0" g="0" b="0"/>
+      </a:effectRef>
+      <a:fontRef idx="minor"/>
+    </dgm:style>
+  </dgm:styleLbl>
+  <dgm:styleLbl name="trAlignAcc1">
+    <dgm:scene3d>
+      <a:camera prst="orthographicFront"/>
+      <a:lightRig rig="threePt" dir="t"/>
+    </dgm:scene3d>
+    <dgm:sp3d/>
+    <dgm:txPr/>
+    <dgm:style>
+      <a:lnRef idx="1">
+        <a:scrgbClr r="0" g="0" b="0"/>
+      </a:lnRef>
+      <a:fillRef idx="1">
+        <a:scrgbClr r="0" g="0" b="0"/>
+      </a:fillRef>
+      <a:effectRef idx="0">
+        <a:scrgbClr r="0" g="0" b="0"/>
+      </a:effectRef>
+      <a:fontRef idx="minor"/>
+    </dgm:style>
+  </dgm:styleLbl>
+  <dgm:styleLbl name="bgAcc1">
+    <dgm:scene3d>
+      <a:camera prst="orthographicFront"/>
+      <a:lightRig rig="threePt" dir="t"/>
+    </dgm:scene3d>
+    <dgm:sp3d/>
+    <dgm:txPr/>
+    <dgm:style>
+      <a:lnRef idx="2">
+        <a:scrgbClr r="0" g="0" b="0"/>
+      </a:lnRef>
+      <a:fillRef idx="1">
+        <a:scrgbClr r="0" g="0" b="0"/>
+      </a:fillRef>
+      <a:effectRef idx="0">
+        <a:scrgbClr r="0" g="0" b="0"/>
+      </a:effectRef>
+      <a:fontRef idx="minor"/>
+    </dgm:style>
+  </dgm:styleLbl>
+  <dgm:styleLbl name="solidFgAcc1">
+    <dgm:scene3d>
+      <a:camera prst="orthographicFront"/>
+      <a:lightRig rig="threePt" dir="t"/>
+    </dgm:scene3d>
+    <dgm:sp3d/>
+    <dgm:txPr/>
+    <dgm:style>
+      <a:lnRef idx="2">
+        <a:scrgbClr r="0" g="0" b="0"/>
+      </a:lnRef>
+      <a:fillRef idx="1">
+        <a:scrgbClr r="0" g="0" b="0"/>
+      </a:fillRef>
+      <a:effectRef idx="0">
+        <a:scrgbClr r="0" g="0" b="0"/>
+      </a:effectRef>
+      <a:fontRef idx="minor"/>
+    </dgm:style>
+  </dgm:styleLbl>
+  <dgm:styleLbl name="solidAlignAcc1">
+    <dgm:scene3d>
+      <a:camera prst="orthographicFront"/>
+      <a:lightRig rig="threePt" dir="t"/>
+    </dgm:scene3d>
+    <dgm:sp3d/>
+    <dgm:txPr/>
+    <dgm:style>
+      <a:lnRef idx="2">
+        <a:scrgbClr r="0" g="0" b="0"/>
+      </a:lnRef>
+      <a:fillRef idx="1">
+        <a:scrgbClr r="0" g="0" b="0"/>
+      </a:fillRef>
+      <a:effectRef idx="0">
+        <a:scrgbClr r="0" g="0" b="0"/>
+      </a:effectRef>
+      <a:fontRef idx="minor"/>
+    </dgm:style>
+  </dgm:styleLbl>
+  <dgm:styleLbl name="solidBgAcc1">
+    <dgm:scene3d>
+      <a:camera prst="orthographicFront"/>
+      <a:lightRig rig="threePt" dir="t"/>
+    </dgm:scene3d>
+    <dgm:sp3d/>
+    <dgm:txPr/>
+    <dgm:style>
+      <a:lnRef idx="2">
+        <a:scrgbClr r="0" g="0" b="0"/>
+      </a:lnRef>
+      <a:fillRef idx="1">
+        <a:scrgbClr r="0" g="0" b="0"/>
+      </a:fillRef>
+      <a:effectRef idx="0">
+        <a:scrgbClr r="0" g="0" b="0"/>
+      </a:effectRef>
+      <a:fontRef idx="minor"/>
+    </dgm:style>
+  </dgm:styleLbl>
+  <dgm:styleLbl name="fgAccFollowNode1">
+    <dgm:scene3d>
+      <a:camera prst="orthographicFront"/>
+      <a:lightRig rig="threePt" dir="t"/>
+    </dgm:scene3d>
+    <dgm:sp3d/>
+    <dgm:txPr/>
+    <dgm:style>
+      <a:lnRef idx="2">
+        <a:scrgbClr r="0" g="0" b="0"/>
+      </a:lnRef>
+      <a:fillRef idx="1">
+        <a:scrgbClr r="0" g="0" b="0"/>
+      </a:fillRef>
+      <a:effectRef idx="0">
+        <a:scrgbClr r="0" g="0" b="0"/>
+      </a:effectRef>
+      <a:fontRef idx="minor"/>
+    </dgm:style>
+  </dgm:styleLbl>
+  <dgm:styleLbl name="alignAccFollowNode1">
+    <dgm:scene3d>
+      <a:camera prst="orthographicFront"/>
+      <a:lightRig rig="threePt" dir="t"/>
+    </dgm:scene3d>
+    <dgm:sp3d/>
+    <dgm:txPr/>
+    <dgm:style>
+      <a:lnRef idx="2">
+        <a:scrgbClr r="0" g="0" b="0"/>
+      </a:lnRef>
+      <a:fillRef idx="1">
+        <a:scrgbClr r="0" g="0" b="0"/>
+      </a:fillRef>
+      <a:effectRef idx="0">
+        <a:scrgbClr r="0" g="0" b="0"/>
+      </a:effectRef>
+      <a:fontRef idx="minor"/>
+    </dgm:style>
+  </dgm:styleLbl>
+  <dgm:styleLbl name="bgAccFollowNode1">
+    <dgm:scene3d>
+      <a:camera prst="orthographicFront"/>
+      <a:lightRig rig="threePt" dir="t"/>
+    </dgm:scene3d>
+    <dgm:sp3d/>
+    <dgm:txPr/>
+    <dgm:style>
+      <a:lnRef idx="2">
+        <a:scrgbClr r="0" g="0" b="0"/>
+      </a:lnRef>
+      <a:fillRef idx="1">
+        <a:scrgbClr r="0" g="0" b="0"/>
+      </a:fillRef>
+      <a:effectRef idx="0">
+        <a:scrgbClr r="0" g="0" b="0"/>
+      </a:effectRef>
+      <a:fontRef idx="minor"/>
+    </dgm:style>
+  </dgm:styleLbl>
+  <dgm:styleLbl name="fgAcc0">
+    <dgm:scene3d>
+      <a:camera prst="orthographicFront"/>
+      <a:lightRig rig="threePt" dir="t"/>
+    </dgm:scene3d>
+    <dgm:sp3d/>
+    <dgm:txPr/>
+    <dgm:style>
+      <a:lnRef idx="2">
+        <a:scrgbClr r="0" g="0" b="0"/>
+      </a:lnRef>
+      <a:fillRef idx="1">
+        <a:scrgbClr r="0" g="0" b="0"/>
+      </a:fillRef>
+      <a:effectRef idx="0">
+        <a:scrgbClr r="0" g="0" b="0"/>
+      </a:effectRef>
+      <a:fontRef idx="minor"/>
+    </dgm:style>
+  </dgm:styleLbl>
+  <dgm:styleLbl name="fgAcc2">
+    <dgm:scene3d>
+      <a:camera prst="orthographicFront"/>
+      <a:lightRig rig="threePt" dir="t"/>
+    </dgm:scene3d>
+    <dgm:sp3d/>
+    <dgm:txPr/>
+    <dgm:style>
+      <a:lnRef idx="2">
+        <a:scrgbClr r="0" g="0" b="0"/>
+      </a:lnRef>
+      <a:fillRef idx="1">
+        <a:scrgbClr r="0" g="0" b="0"/>
+      </a:fillRef>
+      <a:effectRef idx="0">
+        <a:scrgbClr r="0" g="0" b="0"/>
+      </a:effectRef>
+      <a:fontRef idx="minor"/>
+    </dgm:style>
+  </dgm:styleLbl>
+  <dgm:styleLbl name="fgAcc3">
+    <dgm:scene3d>
+      <a:camera prst="orthographicFront"/>
+      <a:lightRig rig="threePt" dir="t"/>
+    </dgm:scene3d>
+    <dgm:sp3d/>
+    <dgm:txPr/>
+    <dgm:style>
+      <a:lnRef idx="2">
+        <a:scrgbClr r="0" g="0" b="0"/>
+      </a:lnRef>
+      <a:fillRef idx="1">
+        <a:scrgbClr r="0" g="0" b="0"/>
+      </a:fillRef>
+      <a:effectRef idx="0">
+        <a:scrgbClr r="0" g="0" b="0"/>
+      </a:effectRef>
+      <a:fontRef idx="minor"/>
+    </dgm:style>
+  </dgm:styleLbl>
+  <dgm:styleLbl name="fgAcc4">
+    <dgm:scene3d>
+      <a:camera prst="orthographicFront"/>
+      <a:lightRig rig="threePt" dir="t"/>
+    </dgm:scene3d>
+    <dgm:sp3d/>
+    <dgm:txPr/>
+    <dgm:style>
+      <a:lnRef idx="2">
+        <a:scrgbClr r="0" g="0" b="0"/>
+      </a:lnRef>
+      <a:fillRef idx="1">
+        <a:scrgbClr r="0" g="0" b="0"/>
+      </a:fillRef>
+      <a:effectRef idx="0">
+        <a:scrgbClr r="0" g="0" b="0"/>
+      </a:effectRef>
+      <a:fontRef idx="minor"/>
+    </dgm:style>
+  </dgm:styleLbl>
+  <dgm:styleLbl name="bgShp">
+    <dgm:scene3d>
+      <a:camera prst="orthographicFront"/>
+      <a:lightRig rig="threePt" dir="t"/>
+    </dgm:scene3d>
+    <dgm:sp3d/>
+    <dgm:txPr/>
+    <dgm:style>
+      <a:lnRef idx="0">
+        <a:scrgbClr r="0" g="0" b="0"/>
+      </a:lnRef>
+      <a:fillRef idx="1">
+        <a:scrgbClr r="0" g="0" b="0"/>
+      </a:fillRef>
+      <a:effectRef idx="0">
+        <a:scrgbClr r="0" g="0" b="0"/>
+      </a:effectRef>
+      <a:fontRef idx="minor"/>
+    </dgm:style>
+  </dgm:styleLbl>
+  <dgm:styleLbl name="dkBgShp">
+    <dgm:scene3d>
+      <a:camera prst="orthographicFront"/>
+      <a:lightRig rig="threePt" dir="t"/>
+    </dgm:scene3d>
+    <dgm:sp3d/>
+    <dgm:txPr/>
+    <dgm:style>
+      <a:lnRef idx="0">
+        <a:scrgbClr r="0" g="0" b="0"/>
+      </a:lnRef>
+      <a:fillRef idx="1">
+        <a:scrgbClr r="0" g="0" b="0"/>
+      </a:fillRef>
+      <a:effectRef idx="0">
+        <a:scrgbClr r="0" g="0" b="0"/>
+      </a:effectRef>
+      <a:fontRef idx="minor"/>
+    </dgm:style>
+  </dgm:styleLbl>
+  <dgm:styleLbl name="trBgShp">
+    <dgm:scene3d>
+      <a:camera prst="orthographicFront"/>
+      <a:lightRig rig="threePt" dir="t"/>
+    </dgm:scene3d>
+    <dgm:sp3d/>
+    <dgm:txPr/>
+    <dgm:style>
+      <a:lnRef idx="0">
+        <a:scrgbClr r="0" g="0" b="0"/>
+      </a:lnRef>
+      <a:fillRef idx="1">
+        <a:scrgbClr r="0" g="0" b="0"/>
+      </a:fillRef>
+      <a:effectRef idx="0">
+        <a:scrgbClr r="0" g="0" b="0"/>
+      </a:effectRef>
+      <a:fontRef idx="minor"/>
+    </dgm:style>
+  </dgm:styleLbl>
+  <dgm:styleLbl name="fgShp">
+    <dgm:scene3d>
+      <a:camera prst="orthographicFront"/>
+      <a:lightRig rig="threePt" dir="t"/>
+    </dgm:scene3d>
+    <dgm:sp3d/>
+    <dgm:txPr/>
+    <dgm:style>
+      <a:lnRef idx="2">
+        <a:scrgbClr r="0" g="0" b="0"/>
+      </a:lnRef>
+      <a:fillRef idx="1">
+        <a:scrgbClr r="0" g="0" b="0"/>
+      </a:fillRef>
+      <a:effectRef idx="0">
+        <a:scrgbClr r="0" g="0" b="0"/>
+      </a:effectRef>
+      <a:fontRef idx="minor"/>
+    </dgm:style>
+  </dgm:styleLbl>
+  <dgm:styleLbl name="revTx">
+    <dgm:scene3d>
+      <a:camera prst="orthographicFront"/>
+      <a:lightRig rig="threePt" dir="t"/>
+    </dgm:scene3d>
+    <dgm:sp3d/>
+    <dgm:txPr/>
+    <dgm:style>
+      <a:lnRef idx="0">
+        <a:scrgbClr r="0" g="0" b="0"/>
+      </a:lnRef>
+      <a:fillRef idx="0">
+        <a:scrgbClr r="0" g="0" b="0"/>
+      </a:fillRef>
+      <a:effectRef idx="0">
+        <a:scrgbClr r="0" g="0" b="0"/>
+      </a:effectRef>
+      <a:fontRef idx="minor"/>
+    </dgm:style>
+  </dgm:styleLbl>
+</dgm:styleDef>
+</file>
+
+<file path=ppt/diagrams/quickStyle7.xml><?xml version="1.0" encoding="utf-8"?>
 <dgm:styleDef xmlns:dgm="http://schemas.openxmlformats.org/drawingml/2006/diagram" xmlns:a="http://schemas.openxmlformats.org/drawingml/2006/main" uniqueId="urn:microsoft.com/office/officeart/2005/8/quickstyle/simple1">
   <dgm:title val=""/>
   <dgm:desc val=""/>
@@ -13240,7 +15220,7 @@
           <a:p>
             <a:fld id="{619E4C2F-4190-4DFC-A849-951516848FEB}" type="datetimeFigureOut">
               <a:rPr lang="de-DE" smtClean="0"/>
-              <a:t>22.08.2018</a:t>
+              <a:t>23.08.2018</a:t>
             </a:fld>
             <a:endParaRPr lang="de-DE"/>
           </a:p>
@@ -13408,7 +15388,7 @@
           <a:p>
             <a:fld id="{619E4C2F-4190-4DFC-A849-951516848FEB}" type="datetimeFigureOut">
               <a:rPr lang="de-DE" smtClean="0"/>
-              <a:t>22.08.2018</a:t>
+              <a:t>23.08.2018</a:t>
             </a:fld>
             <a:endParaRPr lang="de-DE"/>
           </a:p>
@@ -13586,7 +15566,7 @@
           <a:p>
             <a:fld id="{619E4C2F-4190-4DFC-A849-951516848FEB}" type="datetimeFigureOut">
               <a:rPr lang="de-DE" smtClean="0"/>
-              <a:t>22.08.2018</a:t>
+              <a:t>23.08.2018</a:t>
             </a:fld>
             <a:endParaRPr lang="de-DE"/>
           </a:p>
@@ -13754,7 +15734,7 @@
           <a:p>
             <a:fld id="{619E4C2F-4190-4DFC-A849-951516848FEB}" type="datetimeFigureOut">
               <a:rPr lang="de-DE" smtClean="0"/>
-              <a:t>22.08.2018</a:t>
+              <a:t>23.08.2018</a:t>
             </a:fld>
             <a:endParaRPr lang="de-DE"/>
           </a:p>
@@ -13999,7 +15979,7 @@
           <a:p>
             <a:fld id="{619E4C2F-4190-4DFC-A849-951516848FEB}" type="datetimeFigureOut">
               <a:rPr lang="de-DE" smtClean="0"/>
-              <a:t>22.08.2018</a:t>
+              <a:t>23.08.2018</a:t>
             </a:fld>
             <a:endParaRPr lang="de-DE"/>
           </a:p>
@@ -14228,7 +16208,7 @@
           <a:p>
             <a:fld id="{619E4C2F-4190-4DFC-A849-951516848FEB}" type="datetimeFigureOut">
               <a:rPr lang="de-DE" smtClean="0"/>
-              <a:t>22.08.2018</a:t>
+              <a:t>23.08.2018</a:t>
             </a:fld>
             <a:endParaRPr lang="de-DE"/>
           </a:p>
@@ -14592,7 +16572,7 @@
           <a:p>
             <a:fld id="{619E4C2F-4190-4DFC-A849-951516848FEB}" type="datetimeFigureOut">
               <a:rPr lang="de-DE" smtClean="0"/>
-              <a:t>22.08.2018</a:t>
+              <a:t>23.08.2018</a:t>
             </a:fld>
             <a:endParaRPr lang="de-DE"/>
           </a:p>
@@ -14709,7 +16689,7 @@
           <a:p>
             <a:fld id="{619E4C2F-4190-4DFC-A849-951516848FEB}" type="datetimeFigureOut">
               <a:rPr lang="de-DE" smtClean="0"/>
-              <a:t>22.08.2018</a:t>
+              <a:t>23.08.2018</a:t>
             </a:fld>
             <a:endParaRPr lang="de-DE"/>
           </a:p>
@@ -14804,7 +16784,7 @@
           <a:p>
             <a:fld id="{619E4C2F-4190-4DFC-A849-951516848FEB}" type="datetimeFigureOut">
               <a:rPr lang="de-DE" smtClean="0"/>
-              <a:t>22.08.2018</a:t>
+              <a:t>23.08.2018</a:t>
             </a:fld>
             <a:endParaRPr lang="de-DE"/>
           </a:p>
@@ -15079,7 +17059,7 @@
           <a:p>
             <a:fld id="{619E4C2F-4190-4DFC-A849-951516848FEB}" type="datetimeFigureOut">
               <a:rPr lang="de-DE" smtClean="0"/>
-              <a:t>22.08.2018</a:t>
+              <a:t>23.08.2018</a:t>
             </a:fld>
             <a:endParaRPr lang="de-DE"/>
           </a:p>
@@ -15331,7 +17311,7 @@
           <a:p>
             <a:fld id="{619E4C2F-4190-4DFC-A849-951516848FEB}" type="datetimeFigureOut">
               <a:rPr lang="de-DE" smtClean="0"/>
-              <a:t>22.08.2018</a:t>
+              <a:t>23.08.2018</a:t>
             </a:fld>
             <a:endParaRPr lang="de-DE"/>
           </a:p>
@@ -15542,7 +17522,7 @@
           <a:p>
             <a:fld id="{619E4C2F-4190-4DFC-A849-951516848FEB}" type="datetimeFigureOut">
               <a:rPr lang="de-DE" smtClean="0"/>
-              <a:t>22.08.2018</a:t>
+              <a:t>23.08.2018</a:t>
             </a:fld>
             <a:endParaRPr lang="de-DE"/>
           </a:p>
@@ -16104,7 +18084,7 @@
             <p:ph sz="half" idx="2"/>
             <p:extLst>
               <p:ext uri="{D42A27DB-BD31-4B8C-83A1-F6EECF244321}">
-                <p14:modId xmlns:p14="http://schemas.microsoft.com/office/powerpoint/2010/main" val="418759996"/>
+                <p14:modId xmlns:p14="http://schemas.microsoft.com/office/powerpoint/2010/main" val="505362942"/>
               </p:ext>
             </p:extLst>
           </p:nvPr>
@@ -16507,7 +18487,7 @@
             <p:ph sz="half" idx="2"/>
             <p:extLst>
               <p:ext uri="{D42A27DB-BD31-4B8C-83A1-F6EECF244321}">
-                <p14:modId xmlns:p14="http://schemas.microsoft.com/office/powerpoint/2010/main" val="2121873650"/>
+                <p14:modId xmlns:p14="http://schemas.microsoft.com/office/powerpoint/2010/main" val="2803784360"/>
               </p:ext>
             </p:extLst>
           </p:nvPr>
@@ -16912,7 +18892,7 @@
             <p:ph sz="half" idx="2"/>
             <p:extLst>
               <p:ext uri="{D42A27DB-BD31-4B8C-83A1-F6EECF244321}">
-                <p14:modId xmlns:p14="http://schemas.microsoft.com/office/powerpoint/2010/main" val="2426751320"/>
+                <p14:modId xmlns:p14="http://schemas.microsoft.com/office/powerpoint/2010/main" val="3154926677"/>
               </p:ext>
             </p:extLst>
           </p:nvPr>
@@ -17395,15 +19375,45 @@
           <a:chExt cx="0" cy="0"/>
         </a:xfrm>
       </p:grpSpPr>
-      <p:sp>
-        <p:nvSpPr>
-          <p:cNvPr id="2" name="Titel 1">
+      <p:pic>
+        <p:nvPicPr>
+          <p:cNvPr id="16" name="Grafik 15">
             <a:extLst>
               <a:ext uri="{FF2B5EF4-FFF2-40B4-BE49-F238E27FC236}">
-                <a16:creationId xmlns:a16="http://schemas.microsoft.com/office/drawing/2014/main" id="{8FC00255-BA96-408A-A41B-823BE53A2526}"/>
+                <a16:creationId xmlns:a16="http://schemas.microsoft.com/office/drawing/2014/main" id="{EEAF99D6-2AAB-496E-8C5B-220AD12A10D7}"/>
               </a:ext>
             </a:extLst>
           </p:cNvPr>
+          <p:cNvPicPr>
+            <a:picLocks noChangeAspect="1"/>
+          </p:cNvPicPr>
+          <p:nvPr/>
+        </p:nvPicPr>
+        <p:blipFill>
+          <a:blip r:embed="rId2">
+            <a:extLst>
+              <a:ext uri="{28A0092B-C50C-407E-A947-70E740481C1C}">
+                <a14:useLocalDpi xmlns:a14="http://schemas.microsoft.com/office/drawing/2010/main" val="0"/>
+              </a:ext>
+            </a:extLst>
+          </a:blip>
+          <a:stretch>
+            <a:fillRect/>
+          </a:stretch>
+        </p:blipFill>
+        <p:spPr>
+          <a:xfrm>
+            <a:off x="4989945" y="3429000"/>
+            <a:ext cx="6237000" cy="1917000"/>
+          </a:xfrm>
+          <a:prstGeom prst="rect">
+            <a:avLst/>
+          </a:prstGeom>
+        </p:spPr>
+      </p:pic>
+      <p:sp>
+        <p:nvSpPr>
+          <p:cNvPr id="2" name="Titel 1"/>
           <p:cNvSpPr>
             <a:spLocks noGrp="1"/>
           </p:cNvSpPr>
@@ -17418,20 +19428,14 @@
           <a:p>
             <a:r>
               <a:rPr lang="de-DE"/>
-              <a:t>Jargon - Branches</a:t>
+              <a:t>Jargon</a:t>
             </a:r>
           </a:p>
         </p:txBody>
       </p:sp>
       <p:sp>
         <p:nvSpPr>
-          <p:cNvPr id="3" name="Inhaltsplatzhalter 2">
-            <a:extLst>
-              <a:ext uri="{FF2B5EF4-FFF2-40B4-BE49-F238E27FC236}">
-                <a16:creationId xmlns:a16="http://schemas.microsoft.com/office/drawing/2014/main" id="{BE0E7313-0720-4516-A2EF-D28052448A69}"/>
-              </a:ext>
-            </a:extLst>
-          </p:cNvPr>
+          <p:cNvPr id="3" name="Inhaltsplatzhalter 2"/>
           <p:cNvSpPr>
             <a:spLocks noGrp="1"/>
           </p:cNvSpPr>
@@ -17445,44 +19449,155 @@
           <a:lstStyle/>
           <a:p>
             <a:r>
+              <a:rPr lang="de-DE" u="sng"/>
+              <a:t>Commit</a:t>
+            </a:r>
+            <a:r>
               <a:rPr lang="de-DE"/>
-              <a:t>Trunk or Master</a:t>
+              <a:t> or </a:t>
+            </a:r>
+            <a:r>
+              <a:rPr lang="de-DE" u="sng"/>
+              <a:t>Check-in</a:t>
+            </a:r>
+            <a:r>
+              <a:rPr lang="de-DE"/>
+              <a:t> changes or new files</a:t>
             </a:r>
           </a:p>
           <a:p>
+            <a:r>
+              <a:rPr lang="de-DE" u="sng"/>
+              <a:t>Push</a:t>
+            </a:r>
+            <a:r>
+              <a:rPr lang="de-DE"/>
+              <a:t> or </a:t>
+            </a:r>
+            <a:r>
+              <a:rPr lang="de-DE" u="sng"/>
+              <a:t>Pull</a:t>
+            </a:r>
+            <a:r>
+              <a:rPr lang="de-DE"/>
+              <a:t> all the changes from a repo to another</a:t>
+            </a:r>
+          </a:p>
+          <a:p>
+            <a:r>
+              <a:rPr lang="en-US" u="sng"/>
+              <a:t>Branch</a:t>
+            </a:r>
+            <a:r>
+              <a:rPr lang="en-US"/>
+              <a:t> or </a:t>
+            </a:r>
+            <a:r>
+              <a:rPr lang="en-US" u="sng"/>
+              <a:t>Fork</a:t>
+            </a:r>
+            <a:r>
+              <a:rPr lang="en-US"/>
+              <a:t> duplicate the files in a repository</a:t>
+            </a:r>
             <a:endParaRPr lang="de-DE"/>
+          </a:p>
+          <a:p>
+            <a:endParaRPr lang="de-DE" u="sng"/>
           </a:p>
         </p:txBody>
       </p:sp>
-      <p:sp>
-        <p:nvSpPr>
+      <p:graphicFrame>
+        <p:nvGraphicFramePr>
           <p:cNvPr id="4" name="Inhaltsplatzhalter 3">
             <a:extLst>
               <a:ext uri="{FF2B5EF4-FFF2-40B4-BE49-F238E27FC236}">
-                <a16:creationId xmlns:a16="http://schemas.microsoft.com/office/drawing/2014/main" id="{E9BF876A-B7AD-4FD9-8EED-B7480CDBC26E}"/>
+                <a16:creationId xmlns:a16="http://schemas.microsoft.com/office/drawing/2014/main" id="{8979709F-CE4F-4F7B-96D0-AB5F73EC34F2}"/>
               </a:ext>
             </a:extLst>
           </p:cNvPr>
-          <p:cNvSpPr>
-            <a:spLocks noGrp="1"/>
-          </p:cNvSpPr>
+          <p:cNvGraphicFramePr>
+            <a:graphicFrameLocks noGrp="1"/>
+          </p:cNvGraphicFramePr>
           <p:nvPr>
             <p:ph sz="half" idx="2"/>
+            <p:extLst>
+              <p:ext uri="{D42A27DB-BD31-4B8C-83A1-F6EECF244321}">
+                <p14:modId xmlns:p14="http://schemas.microsoft.com/office/powerpoint/2010/main" val="1251721847"/>
+              </p:ext>
+            </p:extLst>
           </p:nvPr>
+        </p:nvGraphicFramePr>
+        <p:xfrm>
+          <a:off x="6172200" y="1825625"/>
+          <a:ext cx="5181600" cy="4351338"/>
+        </p:xfrm>
+        <a:graphic>
+          <a:graphicData uri="http://schemas.openxmlformats.org/drawingml/2006/diagram">
+            <dgm:relIds xmlns:dgm="http://schemas.openxmlformats.org/drawingml/2006/diagram" xmlns:r="http://schemas.openxmlformats.org/officeDocument/2006/relationships" r:dm="rId3" r:lo="rId4" r:qs="rId5" r:cs="rId6"/>
+          </a:graphicData>
+        </a:graphic>
+      </p:graphicFrame>
+      <p:sp>
+        <p:nvSpPr>
+          <p:cNvPr id="12" name="Rechteck 11">
+            <a:extLst>
+              <a:ext uri="{FF2B5EF4-FFF2-40B4-BE49-F238E27FC236}">
+                <a16:creationId xmlns:a16="http://schemas.microsoft.com/office/drawing/2014/main" id="{C83B0FB1-E1AD-46F7-8414-FB709B088B53}"/>
+              </a:ext>
+            </a:extLst>
+          </p:cNvPr>
+          <p:cNvSpPr/>
+          <p:nvPr/>
         </p:nvSpPr>
-        <p:spPr/>
+        <p:spPr>
+          <a:xfrm>
+            <a:off x="8175708" y="2024350"/>
+            <a:ext cx="1614256" cy="903618"/>
+          </a:xfrm>
+          <a:prstGeom prst="rect">
+            <a:avLst/>
+          </a:prstGeom>
+          <a:solidFill>
+            <a:schemeClr val="bg1"/>
+          </a:solidFill>
+        </p:spPr>
+        <p:style>
+          <a:lnRef idx="2">
+            <a:schemeClr val="accent1">
+              <a:shade val="50000"/>
+            </a:schemeClr>
+          </a:lnRef>
+          <a:fillRef idx="1">
+            <a:schemeClr val="accent1"/>
+          </a:fillRef>
+          <a:effectRef idx="0">
+            <a:schemeClr val="accent1"/>
+          </a:effectRef>
+          <a:fontRef idx="minor">
+            <a:schemeClr val="lt1"/>
+          </a:fontRef>
+        </p:style>
         <p:txBody>
-          <a:bodyPr/>
+          <a:bodyPr rtlCol="0" anchor="ctr"/>
           <a:lstStyle/>
           <a:p>
-            <a:endParaRPr lang="de-DE"/>
+            <a:pPr algn="ctr"/>
+            <a:r>
+              <a:rPr lang="de-DE" sz="3600">
+                <a:solidFill>
+                  <a:schemeClr val="tx1"/>
+                </a:solidFill>
+              </a:rPr>
+              <a:t>branch</a:t>
+            </a:r>
           </a:p>
         </p:txBody>
       </p:sp>
     </p:spTree>
     <p:extLst>
       <p:ext uri="{BB962C8B-B14F-4D97-AF65-F5344CB8AC3E}">
-        <p14:creationId xmlns:p14="http://schemas.microsoft.com/office/powerpoint/2010/main" val="934514890"/>
+        <p14:creationId xmlns:p14="http://schemas.microsoft.com/office/powerpoint/2010/main" val="2944332758"/>
       </p:ext>
     </p:extLst>
   </p:cSld>
@@ -17559,15 +19674,24 @@
           <a:lstStyle/>
           <a:p>
             <a:r>
+              <a:rPr lang="de-DE" u="sng"/>
+              <a:t>Trunk</a:t>
+            </a:r>
+            <a:r>
               <a:rPr lang="de-DE"/>
-              <a:t>Trunk or Master</a:t>
+              <a:t> or </a:t>
+            </a:r>
+            <a:r>
+              <a:rPr lang="de-DE" u="sng"/>
+              <a:t>Master </a:t>
+            </a:r>
+            <a:r>
+              <a:rPr lang="de-DE"/>
+              <a:t>is the main branch of a repository</a:t>
             </a:r>
           </a:p>
           <a:p>
-            <a:r>
-              <a:rPr lang="de-DE"/>
-              <a:t>Feature Branch</a:t>
-            </a:r>
+            <a:endParaRPr lang="de-DE" u="sng"/>
           </a:p>
           <a:p>
             <a:endParaRPr lang="de-DE"/>
@@ -17576,33 +19700,99 @@
       </p:sp>
       <p:sp>
         <p:nvSpPr>
-          <p:cNvPr id="4" name="Inhaltsplatzhalter 3">
+          <p:cNvPr id="7" name="Rechteck 6">
             <a:extLst>
               <a:ext uri="{FF2B5EF4-FFF2-40B4-BE49-F238E27FC236}">
-                <a16:creationId xmlns:a16="http://schemas.microsoft.com/office/drawing/2014/main" id="{E9BF876A-B7AD-4FD9-8EED-B7480CDBC26E}"/>
+                <a16:creationId xmlns:a16="http://schemas.microsoft.com/office/drawing/2014/main" id="{E49CD068-5937-422A-B859-626544B752C5}"/>
               </a:ext>
             </a:extLst>
           </p:cNvPr>
-          <p:cNvSpPr>
-            <a:spLocks noGrp="1"/>
-          </p:cNvSpPr>
+          <p:cNvSpPr/>
+          <p:nvPr/>
+        </p:nvSpPr>
+        <p:spPr>
+          <a:xfrm>
+            <a:off x="6172200" y="4630139"/>
+            <a:ext cx="1614256" cy="903618"/>
+          </a:xfrm>
+          <a:prstGeom prst="rect">
+            <a:avLst/>
+          </a:prstGeom>
+          <a:solidFill>
+            <a:schemeClr val="bg1"/>
+          </a:solidFill>
+        </p:spPr>
+        <p:style>
+          <a:lnRef idx="2">
+            <a:schemeClr val="accent1">
+              <a:shade val="50000"/>
+            </a:schemeClr>
+          </a:lnRef>
+          <a:fillRef idx="1">
+            <a:schemeClr val="accent1"/>
+          </a:fillRef>
+          <a:effectRef idx="0">
+            <a:schemeClr val="accent1"/>
+          </a:effectRef>
+          <a:fontRef idx="minor">
+            <a:schemeClr val="lt1"/>
+          </a:fontRef>
+        </p:style>
+        <p:txBody>
+          <a:bodyPr rtlCol="0" anchor="ctr"/>
+          <a:lstStyle/>
+          <a:p>
+            <a:pPr algn="ctr"/>
+            <a:r>
+              <a:rPr lang="de-DE" sz="3600">
+                <a:solidFill>
+                  <a:schemeClr val="tx1"/>
+                </a:solidFill>
+              </a:rPr>
+              <a:t>master</a:t>
+            </a:r>
+          </a:p>
+        </p:txBody>
+      </p:sp>
+      <p:pic>
+        <p:nvPicPr>
+          <p:cNvPr id="11" name="Inhaltsplatzhalter 10">
+            <a:extLst>
+              <a:ext uri="{FF2B5EF4-FFF2-40B4-BE49-F238E27FC236}">
+                <a16:creationId xmlns:a16="http://schemas.microsoft.com/office/drawing/2014/main" id="{F015EBA3-B940-4EFE-952A-9FED7C3CD4E7}"/>
+              </a:ext>
+            </a:extLst>
+          </p:cNvPr>
+          <p:cNvPicPr>
+            <a:picLocks noGrp="1" noChangeAspect="1"/>
+          </p:cNvPicPr>
           <p:nvPr>
             <p:ph sz="half" idx="2"/>
           </p:nvPr>
-        </p:nvSpPr>
-        <p:spPr/>
-        <p:txBody>
-          <a:bodyPr/>
-          <a:lstStyle/>
-          <a:p>
-            <a:endParaRPr lang="de-DE"/>
-          </a:p>
-        </p:txBody>
-      </p:sp>
+        </p:nvPicPr>
+        <p:blipFill>
+          <a:blip r:embed="rId2">
+            <a:extLst>
+              <a:ext uri="{28A0092B-C50C-407E-A947-70E740481C1C}">
+                <a14:useLocalDpi xmlns:a14="http://schemas.microsoft.com/office/drawing/2010/main" val="0"/>
+              </a:ext>
+            </a:extLst>
+          </a:blip>
+          <a:stretch>
+            <a:fillRect/>
+          </a:stretch>
+        </p:blipFill>
+        <p:spPr>
+          <a:xfrm>
+            <a:off x="6172200" y="3765767"/>
+            <a:ext cx="5181600" cy="471054"/>
+          </a:xfrm>
+        </p:spPr>
+      </p:pic>
     </p:spTree>
     <p:extLst>
       <p:ext uri="{BB962C8B-B14F-4D97-AF65-F5344CB8AC3E}">
-        <p14:creationId xmlns:p14="http://schemas.microsoft.com/office/powerpoint/2010/main" val="4189849684"/>
+        <p14:creationId xmlns:p14="http://schemas.microsoft.com/office/powerpoint/2010/main" val="934514890"/>
       </p:ext>
     </p:extLst>
   </p:cSld>
@@ -17679,21 +19869,38 @@
           <a:lstStyle/>
           <a:p>
             <a:r>
+              <a:rPr lang="de-DE" u="sng"/>
+              <a:t>Trunk</a:t>
+            </a:r>
+            <a:r>
               <a:rPr lang="de-DE"/>
-              <a:t>Trunk or Master</a:t>
+              <a:t> or </a:t>
+            </a:r>
+            <a:r>
+              <a:rPr lang="de-DE" u="sng"/>
+              <a:t>Master </a:t>
+            </a:r>
+            <a:r>
+              <a:rPr lang="de-DE"/>
+              <a:t>is the main branch of a repository</a:t>
             </a:r>
           </a:p>
           <a:p>
             <a:r>
               <a:rPr lang="de-DE"/>
+              <a:t>Add a new program component in a </a:t>
+            </a:r>
+            <a:r>
+              <a:rPr lang="de-DE" u="sng"/>
               <a:t>Feature Branch</a:t>
+            </a:r>
+            <a:r>
+              <a:rPr lang="de-DE"/>
+              <a:t> </a:t>
             </a:r>
           </a:p>
           <a:p>
-            <a:r>
-              <a:rPr lang="de-DE"/>
-              <a:t>Merge or Integration</a:t>
-            </a:r>
+            <a:endParaRPr lang="de-DE" u="sng"/>
           </a:p>
           <a:p>
             <a:endParaRPr lang="de-DE"/>
@@ -17702,33 +19909,155 @@
       </p:sp>
       <p:sp>
         <p:nvSpPr>
-          <p:cNvPr id="4" name="Inhaltsplatzhalter 3">
+          <p:cNvPr id="7" name="Rechteck 6">
             <a:extLst>
               <a:ext uri="{FF2B5EF4-FFF2-40B4-BE49-F238E27FC236}">
-                <a16:creationId xmlns:a16="http://schemas.microsoft.com/office/drawing/2014/main" id="{E9BF876A-B7AD-4FD9-8EED-B7480CDBC26E}"/>
+                <a16:creationId xmlns:a16="http://schemas.microsoft.com/office/drawing/2014/main" id="{E49CD068-5937-422A-B859-626544B752C5}"/>
               </a:ext>
             </a:extLst>
           </p:cNvPr>
-          <p:cNvSpPr>
-            <a:spLocks noGrp="1"/>
-          </p:cNvSpPr>
+          <p:cNvSpPr/>
+          <p:nvPr/>
+        </p:nvSpPr>
+        <p:spPr>
+          <a:xfrm>
+            <a:off x="6172200" y="4630139"/>
+            <a:ext cx="1614256" cy="903618"/>
+          </a:xfrm>
+          <a:prstGeom prst="rect">
+            <a:avLst/>
+          </a:prstGeom>
+          <a:solidFill>
+            <a:schemeClr val="bg1"/>
+          </a:solidFill>
+        </p:spPr>
+        <p:style>
+          <a:lnRef idx="2">
+            <a:schemeClr val="accent1">
+              <a:shade val="50000"/>
+            </a:schemeClr>
+          </a:lnRef>
+          <a:fillRef idx="1">
+            <a:schemeClr val="accent1"/>
+          </a:fillRef>
+          <a:effectRef idx="0">
+            <a:schemeClr val="accent1"/>
+          </a:effectRef>
+          <a:fontRef idx="minor">
+            <a:schemeClr val="lt1"/>
+          </a:fontRef>
+        </p:style>
+        <p:txBody>
+          <a:bodyPr rtlCol="0" anchor="ctr"/>
+          <a:lstStyle/>
+          <a:p>
+            <a:pPr algn="ctr"/>
+            <a:r>
+              <a:rPr lang="de-DE" sz="3600">
+                <a:solidFill>
+                  <a:schemeClr val="tx1"/>
+                </a:solidFill>
+              </a:rPr>
+              <a:t>master</a:t>
+            </a:r>
+          </a:p>
+        </p:txBody>
+      </p:sp>
+      <p:pic>
+        <p:nvPicPr>
+          <p:cNvPr id="13" name="Inhaltsplatzhalter 12">
+            <a:extLst>
+              <a:ext uri="{FF2B5EF4-FFF2-40B4-BE49-F238E27FC236}">
+                <a16:creationId xmlns:a16="http://schemas.microsoft.com/office/drawing/2014/main" id="{A255DD47-7116-4EF2-8500-484EDCD32BAB}"/>
+              </a:ext>
+            </a:extLst>
+          </p:cNvPr>
+          <p:cNvPicPr>
+            <a:picLocks noGrp="1" noChangeAspect="1"/>
+          </p:cNvPicPr>
           <p:nvPr>
             <p:ph sz="half" idx="2"/>
           </p:nvPr>
+        </p:nvPicPr>
+        <p:blipFill>
+          <a:blip r:embed="rId2">
+            <a:extLst>
+              <a:ext uri="{28A0092B-C50C-407E-A947-70E740481C1C}">
+                <a14:useLocalDpi xmlns:a14="http://schemas.microsoft.com/office/drawing/2010/main" val="0"/>
+              </a:ext>
+            </a:extLst>
+          </a:blip>
+          <a:stretch>
+            <a:fillRect/>
+          </a:stretch>
+        </p:blipFill>
+        <p:spPr>
+          <a:xfrm>
+            <a:off x="6096000" y="2706997"/>
+            <a:ext cx="5181600" cy="1591787"/>
+          </a:xfrm>
+        </p:spPr>
+      </p:pic>
+      <p:sp>
+        <p:nvSpPr>
+          <p:cNvPr id="14" name="Rechteck 13">
+            <a:extLst>
+              <a:ext uri="{FF2B5EF4-FFF2-40B4-BE49-F238E27FC236}">
+                <a16:creationId xmlns:a16="http://schemas.microsoft.com/office/drawing/2014/main" id="{C994532B-600D-4DB2-814A-72F6E4BDCEFC}"/>
+              </a:ext>
+            </a:extLst>
+          </p:cNvPr>
+          <p:cNvSpPr/>
+          <p:nvPr/>
         </p:nvSpPr>
-        <p:spPr/>
+        <p:spPr>
+          <a:xfrm>
+            <a:off x="6172200" y="1690688"/>
+            <a:ext cx="3322782" cy="903618"/>
+          </a:xfrm>
+          <a:prstGeom prst="rect">
+            <a:avLst/>
+          </a:prstGeom>
+          <a:solidFill>
+            <a:schemeClr val="bg1"/>
+          </a:solidFill>
+        </p:spPr>
+        <p:style>
+          <a:lnRef idx="2">
+            <a:schemeClr val="accent1">
+              <a:shade val="50000"/>
+            </a:schemeClr>
+          </a:lnRef>
+          <a:fillRef idx="1">
+            <a:schemeClr val="accent1"/>
+          </a:fillRef>
+          <a:effectRef idx="0">
+            <a:schemeClr val="accent1"/>
+          </a:effectRef>
+          <a:fontRef idx="minor">
+            <a:schemeClr val="lt1"/>
+          </a:fontRef>
+        </p:style>
         <p:txBody>
-          <a:bodyPr/>
+          <a:bodyPr rtlCol="0" anchor="ctr"/>
           <a:lstStyle/>
           <a:p>
-            <a:endParaRPr lang="de-DE"/>
+            <a:pPr algn="ctr"/>
+            <a:r>
+              <a:rPr lang="de-DE" sz="3600">
+                <a:solidFill>
+                  <a:schemeClr val="tx1"/>
+                </a:solidFill>
+              </a:rPr>
+              <a:t>feature branch</a:t>
+            </a:r>
           </a:p>
         </p:txBody>
       </p:sp>
     </p:spTree>
     <p:extLst>
       <p:ext uri="{BB962C8B-B14F-4D97-AF65-F5344CB8AC3E}">
-        <p14:creationId xmlns:p14="http://schemas.microsoft.com/office/powerpoint/2010/main" val="182516164"/>
+        <p14:creationId xmlns:p14="http://schemas.microsoft.com/office/powerpoint/2010/main" val="3969340370"/>
       </p:ext>
     </p:extLst>
   </p:cSld>
@@ -17805,27 +20134,53 @@
           <a:lstStyle/>
           <a:p>
             <a:r>
+              <a:rPr lang="de-DE" u="sng"/>
+              <a:t>Trunk</a:t>
+            </a:r>
+            <a:r>
               <a:rPr lang="de-DE"/>
-              <a:t>Trunk or Master</a:t>
+              <a:t> or </a:t>
+            </a:r>
+            <a:r>
+              <a:rPr lang="de-DE" u="sng"/>
+              <a:t>Master </a:t>
+            </a:r>
+            <a:r>
+              <a:rPr lang="de-DE"/>
+              <a:t>is the main branch of a repository</a:t>
             </a:r>
           </a:p>
           <a:p>
             <a:r>
               <a:rPr lang="de-DE"/>
+              <a:t>Add a new program component in a </a:t>
+            </a:r>
+            <a:r>
+              <a:rPr lang="de-DE" u="sng"/>
               <a:t>Feature Branch</a:t>
             </a:r>
           </a:p>
           <a:p>
             <a:r>
+              <a:rPr lang="de-DE" u="sng"/>
+              <a:t>Merge</a:t>
+            </a:r>
+            <a:r>
               <a:rPr lang="de-DE"/>
-              <a:t>Merge or Integration</a:t>
+              <a:t> or </a:t>
             </a:r>
+            <a:r>
+              <a:rPr lang="de-DE" u="sng"/>
+              <a:t>Integration </a:t>
+            </a:r>
+            <a:r>
+              <a:rPr lang="de-DE"/>
+              <a:t>means adding branch changes back to the source</a:t>
+            </a:r>
+            <a:endParaRPr lang="de-DE" u="sng"/>
           </a:p>
           <a:p>
-            <a:r>
-              <a:rPr lang="de-DE"/>
-              <a:t>Switch</a:t>
-            </a:r>
+            <a:endParaRPr lang="de-DE" u="sng"/>
           </a:p>
           <a:p>
             <a:endParaRPr lang="de-DE"/>
@@ -17834,25 +20189,249 @@
       </p:sp>
       <p:sp>
         <p:nvSpPr>
-          <p:cNvPr id="4" name="Inhaltsplatzhalter 3">
+          <p:cNvPr id="7" name="Rechteck 6">
             <a:extLst>
               <a:ext uri="{FF2B5EF4-FFF2-40B4-BE49-F238E27FC236}">
-                <a16:creationId xmlns:a16="http://schemas.microsoft.com/office/drawing/2014/main" id="{E9BF876A-B7AD-4FD9-8EED-B7480CDBC26E}"/>
+                <a16:creationId xmlns:a16="http://schemas.microsoft.com/office/drawing/2014/main" id="{E49CD068-5937-422A-B859-626544B752C5}"/>
               </a:ext>
             </a:extLst>
           </p:cNvPr>
-          <p:cNvSpPr>
-            <a:spLocks noGrp="1"/>
-          </p:cNvSpPr>
+          <p:cNvSpPr/>
+          <p:nvPr/>
+        </p:nvSpPr>
+        <p:spPr>
+          <a:xfrm>
+            <a:off x="6172200" y="4630139"/>
+            <a:ext cx="1614256" cy="903618"/>
+          </a:xfrm>
+          <a:prstGeom prst="rect">
+            <a:avLst/>
+          </a:prstGeom>
+          <a:solidFill>
+            <a:schemeClr val="bg1"/>
+          </a:solidFill>
+        </p:spPr>
+        <p:style>
+          <a:lnRef idx="2">
+            <a:schemeClr val="accent1">
+              <a:shade val="50000"/>
+            </a:schemeClr>
+          </a:lnRef>
+          <a:fillRef idx="1">
+            <a:schemeClr val="accent1"/>
+          </a:fillRef>
+          <a:effectRef idx="0">
+            <a:schemeClr val="accent1"/>
+          </a:effectRef>
+          <a:fontRef idx="minor">
+            <a:schemeClr val="lt1"/>
+          </a:fontRef>
+        </p:style>
+        <p:txBody>
+          <a:bodyPr rtlCol="0" anchor="ctr"/>
+          <a:lstStyle/>
+          <a:p>
+            <a:pPr algn="ctr"/>
+            <a:r>
+              <a:rPr lang="de-DE" sz="3600">
+                <a:solidFill>
+                  <a:schemeClr val="tx1"/>
+                </a:solidFill>
+              </a:rPr>
+              <a:t>master</a:t>
+            </a:r>
+          </a:p>
+        </p:txBody>
+      </p:sp>
+      <p:pic>
+        <p:nvPicPr>
+          <p:cNvPr id="13" name="Inhaltsplatzhalter 12">
+            <a:extLst>
+              <a:ext uri="{FF2B5EF4-FFF2-40B4-BE49-F238E27FC236}">
+                <a16:creationId xmlns:a16="http://schemas.microsoft.com/office/drawing/2014/main" id="{A255DD47-7116-4EF2-8500-484EDCD32BAB}"/>
+              </a:ext>
+            </a:extLst>
+          </p:cNvPr>
+          <p:cNvPicPr>
+            <a:picLocks noGrp="1" noChangeAspect="1"/>
+          </p:cNvPicPr>
           <p:nvPr>
             <p:ph sz="half" idx="2"/>
           </p:nvPr>
+        </p:nvPicPr>
+        <p:blipFill>
+          <a:blip r:embed="rId2">
+            <a:extLst>
+              <a:ext uri="{28A0092B-C50C-407E-A947-70E740481C1C}">
+                <a14:useLocalDpi xmlns:a14="http://schemas.microsoft.com/office/drawing/2010/main" val="0"/>
+              </a:ext>
+            </a:extLst>
+          </a:blip>
+          <a:stretch>
+            <a:fillRect/>
+          </a:stretch>
+        </p:blipFill>
+        <p:spPr>
+          <a:xfrm>
+            <a:off x="6097344" y="2706997"/>
+            <a:ext cx="5178912" cy="1591787"/>
+          </a:xfrm>
+        </p:spPr>
+      </p:pic>
+      <p:sp>
+        <p:nvSpPr>
+          <p:cNvPr id="14" name="Rechteck 13">
+            <a:extLst>
+              <a:ext uri="{FF2B5EF4-FFF2-40B4-BE49-F238E27FC236}">
+                <a16:creationId xmlns:a16="http://schemas.microsoft.com/office/drawing/2014/main" id="{C994532B-600D-4DB2-814A-72F6E4BDCEFC}"/>
+              </a:ext>
+            </a:extLst>
+          </p:cNvPr>
+          <p:cNvSpPr/>
+          <p:nvPr/>
         </p:nvSpPr>
-        <p:spPr/>
+        <p:spPr>
+          <a:xfrm>
+            <a:off x="6172200" y="1690688"/>
+            <a:ext cx="3322782" cy="903618"/>
+          </a:xfrm>
+          <a:prstGeom prst="rect">
+            <a:avLst/>
+          </a:prstGeom>
+          <a:solidFill>
+            <a:schemeClr val="bg1"/>
+          </a:solidFill>
+        </p:spPr>
+        <p:style>
+          <a:lnRef idx="2">
+            <a:schemeClr val="accent1">
+              <a:shade val="50000"/>
+            </a:schemeClr>
+          </a:lnRef>
+          <a:fillRef idx="1">
+            <a:schemeClr val="accent1"/>
+          </a:fillRef>
+          <a:effectRef idx="0">
+            <a:schemeClr val="accent1"/>
+          </a:effectRef>
+          <a:fontRef idx="minor">
+            <a:schemeClr val="lt1"/>
+          </a:fontRef>
+        </p:style>
         <p:txBody>
-          <a:bodyPr/>
+          <a:bodyPr rtlCol="0" anchor="ctr"/>
           <a:lstStyle/>
           <a:p>
+            <a:pPr algn="ctr"/>
+            <a:r>
+              <a:rPr lang="de-DE" sz="3600">
+                <a:solidFill>
+                  <a:schemeClr val="tx1"/>
+                </a:solidFill>
+              </a:rPr>
+              <a:t>feature branch</a:t>
+            </a:r>
+          </a:p>
+        </p:txBody>
+      </p:sp>
+      <p:sp>
+        <p:nvSpPr>
+          <p:cNvPr id="8" name="Rechteck 7">
+            <a:extLst>
+              <a:ext uri="{FF2B5EF4-FFF2-40B4-BE49-F238E27FC236}">
+                <a16:creationId xmlns:a16="http://schemas.microsoft.com/office/drawing/2014/main" id="{9D3A76CF-6D41-4B3B-ABB8-2E75B4CE086F}"/>
+              </a:ext>
+            </a:extLst>
+          </p:cNvPr>
+          <p:cNvSpPr/>
+          <p:nvPr/>
+        </p:nvSpPr>
+        <p:spPr>
+          <a:xfrm>
+            <a:off x="9968344" y="1690688"/>
+            <a:ext cx="1461656" cy="886566"/>
+          </a:xfrm>
+          <a:prstGeom prst="rect">
+            <a:avLst/>
+          </a:prstGeom>
+          <a:solidFill>
+            <a:schemeClr val="bg1"/>
+          </a:solidFill>
+        </p:spPr>
+        <p:style>
+          <a:lnRef idx="2">
+            <a:schemeClr val="accent1">
+              <a:shade val="50000"/>
+            </a:schemeClr>
+          </a:lnRef>
+          <a:fillRef idx="1">
+            <a:schemeClr val="accent1"/>
+          </a:fillRef>
+          <a:effectRef idx="0">
+            <a:schemeClr val="accent1"/>
+          </a:effectRef>
+          <a:fontRef idx="minor">
+            <a:schemeClr val="lt1"/>
+          </a:fontRef>
+        </p:style>
+        <p:txBody>
+          <a:bodyPr rtlCol="0" anchor="ctr"/>
+          <a:lstStyle/>
+          <a:p>
+            <a:pPr algn="ctr"/>
+            <a:r>
+              <a:rPr lang="de-DE" sz="3600">
+                <a:solidFill>
+                  <a:schemeClr val="tx1"/>
+                </a:solidFill>
+              </a:rPr>
+              <a:t>merge</a:t>
+            </a:r>
+          </a:p>
+        </p:txBody>
+      </p:sp>
+      <p:sp>
+        <p:nvSpPr>
+          <p:cNvPr id="4" name="Pfeil: nach unten 3">
+            <a:extLst>
+              <a:ext uri="{FF2B5EF4-FFF2-40B4-BE49-F238E27FC236}">
+                <a16:creationId xmlns:a16="http://schemas.microsoft.com/office/drawing/2014/main" id="{22929C8D-ED23-414C-909A-1078EB993073}"/>
+              </a:ext>
+            </a:extLst>
+          </p:cNvPr>
+          <p:cNvSpPr/>
+          <p:nvPr/>
+        </p:nvSpPr>
+        <p:spPr>
+          <a:xfrm>
+            <a:off x="10843491" y="2706997"/>
+            <a:ext cx="240145" cy="886566"/>
+          </a:xfrm>
+          <a:prstGeom prst="downArrow">
+            <a:avLst/>
+          </a:prstGeom>
+        </p:spPr>
+        <p:style>
+          <a:lnRef idx="2">
+            <a:schemeClr val="accent1">
+              <a:shade val="50000"/>
+            </a:schemeClr>
+          </a:lnRef>
+          <a:fillRef idx="1">
+            <a:schemeClr val="accent1"/>
+          </a:fillRef>
+          <a:effectRef idx="0">
+            <a:schemeClr val="accent1"/>
+          </a:effectRef>
+          <a:fontRef idx="minor">
+            <a:schemeClr val="lt1"/>
+          </a:fontRef>
+        </p:style>
+        <p:txBody>
+          <a:bodyPr rtlCol="0" anchor="ctr"/>
+          <a:lstStyle/>
+          <a:p>
+            <a:pPr algn="ctr"/>
             <a:endParaRPr lang="de-DE"/>
           </a:p>
         </p:txBody>
@@ -17860,7 +20439,7 @@
     </p:spTree>
     <p:extLst>
       <p:ext uri="{BB962C8B-B14F-4D97-AF65-F5344CB8AC3E}">
-        <p14:creationId xmlns:p14="http://schemas.microsoft.com/office/powerpoint/2010/main" val="2117871622"/>
+        <p14:creationId xmlns:p14="http://schemas.microsoft.com/office/powerpoint/2010/main" val="2171374854"/>
       </p:ext>
     </p:extLst>
   </p:cSld>
@@ -17889,7 +20468,13 @@
       </p:grpSpPr>
       <p:sp>
         <p:nvSpPr>
-          <p:cNvPr id="2" name="Titel 1"/>
+          <p:cNvPr id="2" name="Titel 1">
+            <a:extLst>
+              <a:ext uri="{FF2B5EF4-FFF2-40B4-BE49-F238E27FC236}">
+                <a16:creationId xmlns:a16="http://schemas.microsoft.com/office/drawing/2014/main" id="{8FC00255-BA96-408A-A41B-823BE53A2526}"/>
+              </a:ext>
+            </a:extLst>
+          </p:cNvPr>
           <p:cNvSpPr>
             <a:spLocks noGrp="1"/>
           </p:cNvSpPr>
@@ -17904,19 +20489,25 @@
           <a:p>
             <a:r>
               <a:rPr lang="de-DE"/>
-              <a:t>Latest Gossip</a:t>
+              <a:t>Jargon - Branches</a:t>
             </a:r>
           </a:p>
         </p:txBody>
       </p:sp>
       <p:sp>
         <p:nvSpPr>
-          <p:cNvPr id="3" name="Inhaltsplatzhalter 2"/>
+          <p:cNvPr id="3" name="Inhaltsplatzhalter 2">
+            <a:extLst>
+              <a:ext uri="{FF2B5EF4-FFF2-40B4-BE49-F238E27FC236}">
+                <a16:creationId xmlns:a16="http://schemas.microsoft.com/office/drawing/2014/main" id="{BE0E7313-0720-4516-A2EF-D28052448A69}"/>
+              </a:ext>
+            </a:extLst>
+          </p:cNvPr>
           <p:cNvSpPr>
             <a:spLocks noGrp="1"/>
           </p:cNvSpPr>
           <p:nvPr>
-            <p:ph idx="1"/>
+            <p:ph sz="half" idx="1"/>
           </p:nvPr>
         </p:nvSpPr>
         <p:spPr/>
@@ -17924,14 +20515,112 @@
           <a:bodyPr/>
           <a:lstStyle/>
           <a:p>
-            <a:endParaRPr lang="de-DE"/>
+            <a:r>
+              <a:rPr lang="de-DE"/>
+              <a:t>Copying a branch to another is called a </a:t>
+            </a:r>
+            <a:r>
+              <a:rPr lang="de-DE" u="sng"/>
+              <a:t>Switch</a:t>
+            </a:r>
+          </a:p>
+        </p:txBody>
+      </p:sp>
+      <p:pic>
+        <p:nvPicPr>
+          <p:cNvPr id="13" name="Inhaltsplatzhalter 12">
+            <a:extLst>
+              <a:ext uri="{FF2B5EF4-FFF2-40B4-BE49-F238E27FC236}">
+                <a16:creationId xmlns:a16="http://schemas.microsoft.com/office/drawing/2014/main" id="{A255DD47-7116-4EF2-8500-484EDCD32BAB}"/>
+              </a:ext>
+            </a:extLst>
+          </p:cNvPr>
+          <p:cNvPicPr>
+            <a:picLocks noGrp="1" noChangeAspect="1"/>
+          </p:cNvPicPr>
+          <p:nvPr>
+            <p:ph sz="half" idx="2"/>
+          </p:nvPr>
+        </p:nvPicPr>
+        <p:blipFill>
+          <a:blip r:embed="rId2">
+            <a:extLst>
+              <a:ext uri="{28A0092B-C50C-407E-A947-70E740481C1C}">
+                <a14:useLocalDpi xmlns:a14="http://schemas.microsoft.com/office/drawing/2010/main" val="0"/>
+              </a:ext>
+            </a:extLst>
+          </a:blip>
+          <a:stretch>
+            <a:fillRect/>
+          </a:stretch>
+        </p:blipFill>
+        <p:spPr>
+          <a:xfrm>
+            <a:off x="6097344" y="2707410"/>
+            <a:ext cx="5178912" cy="1590961"/>
+          </a:xfrm>
+        </p:spPr>
+      </p:pic>
+      <p:sp>
+        <p:nvSpPr>
+          <p:cNvPr id="8" name="Rechteck 7">
+            <a:extLst>
+              <a:ext uri="{FF2B5EF4-FFF2-40B4-BE49-F238E27FC236}">
+                <a16:creationId xmlns:a16="http://schemas.microsoft.com/office/drawing/2014/main" id="{9D3A76CF-6D41-4B3B-ABB8-2E75B4CE086F}"/>
+              </a:ext>
+            </a:extLst>
+          </p:cNvPr>
+          <p:cNvSpPr/>
+          <p:nvPr/>
+        </p:nvSpPr>
+        <p:spPr>
+          <a:xfrm>
+            <a:off x="9301018" y="1690688"/>
+            <a:ext cx="2128982" cy="886566"/>
+          </a:xfrm>
+          <a:prstGeom prst="rect">
+            <a:avLst/>
+          </a:prstGeom>
+          <a:solidFill>
+            <a:schemeClr val="bg1"/>
+          </a:solidFill>
+        </p:spPr>
+        <p:style>
+          <a:lnRef idx="2">
+            <a:schemeClr val="accent1">
+              <a:shade val="50000"/>
+            </a:schemeClr>
+          </a:lnRef>
+          <a:fillRef idx="1">
+            <a:schemeClr val="accent1"/>
+          </a:fillRef>
+          <a:effectRef idx="0">
+            <a:schemeClr val="accent1"/>
+          </a:effectRef>
+          <a:fontRef idx="minor">
+            <a:schemeClr val="lt1"/>
+          </a:fontRef>
+        </p:style>
+        <p:txBody>
+          <a:bodyPr rtlCol="0" anchor="ctr"/>
+          <a:lstStyle/>
+          <a:p>
+            <a:pPr algn="ctr"/>
+            <a:r>
+              <a:rPr lang="de-DE" sz="3600">
+                <a:solidFill>
+                  <a:schemeClr val="tx1"/>
+                </a:solidFill>
+              </a:rPr>
+              <a:t>switch</a:t>
+            </a:r>
           </a:p>
         </p:txBody>
       </p:sp>
     </p:spTree>
     <p:extLst>
       <p:ext uri="{BB962C8B-B14F-4D97-AF65-F5344CB8AC3E}">
-        <p14:creationId xmlns:p14="http://schemas.microsoft.com/office/powerpoint/2010/main" val="1530659865"/>
+        <p14:creationId xmlns:p14="http://schemas.microsoft.com/office/powerpoint/2010/main" val="3603750081"/>
       </p:ext>
     </p:extLst>
   </p:cSld>
@@ -17960,7 +20649,13 @@
       </p:grpSpPr>
       <p:sp>
         <p:nvSpPr>
-          <p:cNvPr id="2" name="Titel 1"/>
+          <p:cNvPr id="2" name="Titel 1">
+            <a:extLst>
+              <a:ext uri="{FF2B5EF4-FFF2-40B4-BE49-F238E27FC236}">
+                <a16:creationId xmlns:a16="http://schemas.microsoft.com/office/drawing/2014/main" id="{8FC00255-BA96-408A-A41B-823BE53A2526}"/>
+              </a:ext>
+            </a:extLst>
+          </p:cNvPr>
           <p:cNvSpPr>
             <a:spLocks noGrp="1"/>
           </p:cNvSpPr>
@@ -17975,19 +20670,25 @@
           <a:p>
             <a:r>
               <a:rPr lang="de-DE"/>
-              <a:t>Git</a:t>
+              <a:t>Jargon - Branches</a:t>
             </a:r>
           </a:p>
         </p:txBody>
       </p:sp>
       <p:sp>
         <p:nvSpPr>
-          <p:cNvPr id="3" name="Inhaltsplatzhalter 2"/>
+          <p:cNvPr id="3" name="Inhaltsplatzhalter 2">
+            <a:extLst>
+              <a:ext uri="{FF2B5EF4-FFF2-40B4-BE49-F238E27FC236}">
+                <a16:creationId xmlns:a16="http://schemas.microsoft.com/office/drawing/2014/main" id="{BE0E7313-0720-4516-A2EF-D28052448A69}"/>
+              </a:ext>
+            </a:extLst>
+          </p:cNvPr>
           <p:cNvSpPr>
             <a:spLocks noGrp="1"/>
           </p:cNvSpPr>
           <p:nvPr>
-            <p:ph idx="1"/>
+            <p:ph sz="half" idx="1"/>
           </p:nvPr>
         </p:nvSpPr>
         <p:spPr/>
@@ -17995,14 +20696,169 @@
           <a:bodyPr/>
           <a:lstStyle/>
           <a:p>
-            <a:endParaRPr lang="de-DE"/>
+            <a:r>
+              <a:rPr lang="de-DE"/>
+              <a:t>Mark important milestones with a </a:t>
+            </a:r>
+            <a:r>
+              <a:rPr lang="de-DE" u="sng"/>
+              <a:t>Tag</a:t>
+            </a:r>
+          </a:p>
+        </p:txBody>
+      </p:sp>
+      <p:pic>
+        <p:nvPicPr>
+          <p:cNvPr id="13" name="Inhaltsplatzhalter 12">
+            <a:extLst>
+              <a:ext uri="{FF2B5EF4-FFF2-40B4-BE49-F238E27FC236}">
+                <a16:creationId xmlns:a16="http://schemas.microsoft.com/office/drawing/2014/main" id="{A255DD47-7116-4EF2-8500-484EDCD32BAB}"/>
+              </a:ext>
+            </a:extLst>
+          </p:cNvPr>
+          <p:cNvPicPr>
+            <a:picLocks noGrp="1" noChangeAspect="1"/>
+          </p:cNvPicPr>
+          <p:nvPr>
+            <p:ph sz="half" idx="2"/>
+          </p:nvPr>
+        </p:nvPicPr>
+        <p:blipFill>
+          <a:blip r:embed="rId2">
+            <a:extLst>
+              <a:ext uri="{28A0092B-C50C-407E-A947-70E740481C1C}">
+                <a14:useLocalDpi xmlns:a14="http://schemas.microsoft.com/office/drawing/2010/main" val="0"/>
+              </a:ext>
+            </a:extLst>
+          </a:blip>
+          <a:stretch>
+            <a:fillRect/>
+          </a:stretch>
+        </p:blipFill>
+        <p:spPr>
+          <a:xfrm>
+            <a:off x="6097344" y="2892089"/>
+            <a:ext cx="5178912" cy="1221603"/>
+          </a:xfrm>
+        </p:spPr>
+      </p:pic>
+      <p:sp>
+        <p:nvSpPr>
+          <p:cNvPr id="8" name="Rechteck 7">
+            <a:extLst>
+              <a:ext uri="{FF2B5EF4-FFF2-40B4-BE49-F238E27FC236}">
+                <a16:creationId xmlns:a16="http://schemas.microsoft.com/office/drawing/2014/main" id="{9D3A76CF-6D41-4B3B-ABB8-2E75B4CE086F}"/>
+              </a:ext>
+            </a:extLst>
+          </p:cNvPr>
+          <p:cNvSpPr/>
+          <p:nvPr/>
+        </p:nvSpPr>
+        <p:spPr>
+          <a:xfrm>
+            <a:off x="9147274" y="1848105"/>
+            <a:ext cx="2128982" cy="886566"/>
+          </a:xfrm>
+          <a:prstGeom prst="rect">
+            <a:avLst/>
+          </a:prstGeom>
+          <a:solidFill>
+            <a:schemeClr val="bg1"/>
+          </a:solidFill>
+        </p:spPr>
+        <p:style>
+          <a:lnRef idx="2">
+            <a:schemeClr val="accent1">
+              <a:shade val="50000"/>
+            </a:schemeClr>
+          </a:lnRef>
+          <a:fillRef idx="1">
+            <a:schemeClr val="accent1"/>
+          </a:fillRef>
+          <a:effectRef idx="0">
+            <a:schemeClr val="accent1"/>
+          </a:effectRef>
+          <a:fontRef idx="minor">
+            <a:schemeClr val="lt1"/>
+          </a:fontRef>
+        </p:style>
+        <p:txBody>
+          <a:bodyPr rtlCol="0" anchor="ctr"/>
+          <a:lstStyle/>
+          <a:p>
+            <a:pPr algn="ctr"/>
+            <a:r>
+              <a:rPr lang="de-DE" sz="3600">
+                <a:solidFill>
+                  <a:schemeClr val="tx1"/>
+                </a:solidFill>
+              </a:rPr>
+              <a:t>tag</a:t>
+            </a:r>
+          </a:p>
+        </p:txBody>
+      </p:sp>
+      <p:sp>
+        <p:nvSpPr>
+          <p:cNvPr id="6" name="Rechteck 5">
+            <a:extLst>
+              <a:ext uri="{FF2B5EF4-FFF2-40B4-BE49-F238E27FC236}">
+                <a16:creationId xmlns:a16="http://schemas.microsoft.com/office/drawing/2014/main" id="{2D6C1189-7934-445B-99EF-8C5B5E23948C}"/>
+              </a:ext>
+            </a:extLst>
+          </p:cNvPr>
+          <p:cNvSpPr/>
+          <p:nvPr/>
+        </p:nvSpPr>
+        <p:spPr>
+          <a:xfrm>
+            <a:off x="9201348" y="4113692"/>
+            <a:ext cx="2128982" cy="886566"/>
+          </a:xfrm>
+          <a:prstGeom prst="rect">
+            <a:avLst/>
+          </a:prstGeom>
+          <a:noFill/>
+          <a:ln>
+            <a:noFill/>
+          </a:ln>
+        </p:spPr>
+        <p:style>
+          <a:lnRef idx="2">
+            <a:schemeClr val="accent1">
+              <a:shade val="50000"/>
+            </a:schemeClr>
+          </a:lnRef>
+          <a:fillRef idx="1">
+            <a:schemeClr val="accent1"/>
+          </a:fillRef>
+          <a:effectRef idx="0">
+            <a:schemeClr val="accent1"/>
+          </a:effectRef>
+          <a:fontRef idx="minor">
+            <a:schemeClr val="lt1"/>
+          </a:fontRef>
+        </p:style>
+        <p:txBody>
+          <a:bodyPr rtlCol="0" anchor="ctr"/>
+          <a:lstStyle/>
+          <a:p>
+            <a:pPr algn="ctr"/>
+            <a:r>
+              <a:rPr lang="de-DE" sz="2400">
+                <a:solidFill>
+                  <a:schemeClr val="tx1"/>
+                </a:solidFill>
+              </a:rPr>
+              <a:t>Version 2.0</a:t>
+            </a:r>
           </a:p>
         </p:txBody>
       </p:sp>
     </p:spTree>
     <p:extLst>
       <p:ext uri="{BB962C8B-B14F-4D97-AF65-F5344CB8AC3E}">
-        <p14:creationId xmlns:p14="http://schemas.microsoft.com/office/powerpoint/2010/main" val="1678140098"/>
+        <p14:creationId xmlns:p14="http://schemas.microsoft.com/office/powerpoint/2010/main" val="2210244985"/>
       </p:ext>
     </p:extLst>
   </p:cSld>
@@ -18029,9 +20885,50 @@
           <a:chExt cx="0" cy="0"/>
         </a:xfrm>
       </p:grpSpPr>
+      <p:pic>
+        <p:nvPicPr>
+          <p:cNvPr id="8" name="Inhaltsplatzhalter 7">
+            <a:extLst>
+              <a:ext uri="{FF2B5EF4-FFF2-40B4-BE49-F238E27FC236}">
+                <a16:creationId xmlns:a16="http://schemas.microsoft.com/office/drawing/2014/main" id="{E749F531-90A3-40E0-9D2D-35D638542399}"/>
+              </a:ext>
+            </a:extLst>
+          </p:cNvPr>
+          <p:cNvPicPr>
+            <a:picLocks noGrp="1" noChangeAspect="1"/>
+          </p:cNvPicPr>
+          <p:nvPr>
+            <p:ph idx="1"/>
+          </p:nvPr>
+        </p:nvPicPr>
+        <p:blipFill>
+          <a:blip r:embed="rId2">
+            <a:extLst>
+              <a:ext uri="{28A0092B-C50C-407E-A947-70E740481C1C}">
+                <a14:useLocalDpi xmlns:a14="http://schemas.microsoft.com/office/drawing/2010/main" val="0"/>
+              </a:ext>
+            </a:extLst>
+          </a:blip>
+          <a:stretch>
+            <a:fillRect/>
+          </a:stretch>
+        </p:blipFill>
+        <p:spPr>
+          <a:xfrm>
+            <a:off x="838200" y="1871935"/>
+            <a:ext cx="10515600" cy="4258717"/>
+          </a:xfrm>
+        </p:spPr>
+      </p:pic>
       <p:sp>
         <p:nvSpPr>
-          <p:cNvPr id="2" name="Titel 1"/>
+          <p:cNvPr id="5" name="Titel 4">
+            <a:extLst>
+              <a:ext uri="{FF2B5EF4-FFF2-40B4-BE49-F238E27FC236}">
+                <a16:creationId xmlns:a16="http://schemas.microsoft.com/office/drawing/2014/main" id="{78F11F23-6CE0-4349-AA39-52E46265AE3A}"/>
+              </a:ext>
+            </a:extLst>
+          </p:cNvPr>
           <p:cNvSpPr>
             <a:spLocks noGrp="1"/>
           </p:cNvSpPr>
@@ -18046,34 +20943,297 @@
           <a:p>
             <a:r>
               <a:rPr lang="de-DE"/>
-              <a:t>Hands-on hacking</a:t>
+              <a:t>Branching Strategy Example: Testing</a:t>
             </a:r>
           </a:p>
         </p:txBody>
       </p:sp>
       <p:sp>
         <p:nvSpPr>
-          <p:cNvPr id="3" name="Inhaltsplatzhalter 2"/>
-          <p:cNvSpPr>
-            <a:spLocks noGrp="1"/>
-          </p:cNvSpPr>
-          <p:nvPr>
-            <p:ph idx="1"/>
-          </p:nvPr>
+          <p:cNvPr id="9" name="Rechteck 8">
+            <a:extLst>
+              <a:ext uri="{FF2B5EF4-FFF2-40B4-BE49-F238E27FC236}">
+                <a16:creationId xmlns:a16="http://schemas.microsoft.com/office/drawing/2014/main" id="{EB343D37-2FC1-43DD-AB42-2D5277D30777}"/>
+              </a:ext>
+            </a:extLst>
+          </p:cNvPr>
+          <p:cNvSpPr/>
+          <p:nvPr/>
         </p:nvSpPr>
-        <p:spPr/>
+        <p:spPr>
+          <a:xfrm>
+            <a:off x="838200" y="5276562"/>
+            <a:ext cx="2128982" cy="886566"/>
+          </a:xfrm>
+          <a:prstGeom prst="rect">
+            <a:avLst/>
+          </a:prstGeom>
+          <a:solidFill>
+            <a:schemeClr val="bg1"/>
+          </a:solidFill>
+        </p:spPr>
+        <p:style>
+          <a:lnRef idx="2">
+            <a:schemeClr val="accent1">
+              <a:shade val="50000"/>
+            </a:schemeClr>
+          </a:lnRef>
+          <a:fillRef idx="1">
+            <a:schemeClr val="accent1"/>
+          </a:fillRef>
+          <a:effectRef idx="0">
+            <a:schemeClr val="accent1"/>
+          </a:effectRef>
+          <a:fontRef idx="minor">
+            <a:schemeClr val="lt1"/>
+          </a:fontRef>
+        </p:style>
         <p:txBody>
-          <a:bodyPr/>
+          <a:bodyPr rtlCol="0" anchor="ctr"/>
           <a:lstStyle/>
           <a:p>
-            <a:endParaRPr lang="de-DE"/>
+            <a:pPr algn="ctr"/>
+            <a:r>
+              <a:rPr lang="de-DE" sz="3600">
+                <a:solidFill>
+                  <a:schemeClr val="tx1"/>
+                </a:solidFill>
+              </a:rPr>
+              <a:t>Release</a:t>
+            </a:r>
+          </a:p>
+        </p:txBody>
+      </p:sp>
+      <p:sp>
+        <p:nvSpPr>
+          <p:cNvPr id="10" name="Rechteck 9">
+            <a:extLst>
+              <a:ext uri="{FF2B5EF4-FFF2-40B4-BE49-F238E27FC236}">
+                <a16:creationId xmlns:a16="http://schemas.microsoft.com/office/drawing/2014/main" id="{A5F29386-620C-4C20-9EB9-E73954A798DE}"/>
+              </a:ext>
+            </a:extLst>
+          </p:cNvPr>
+          <p:cNvSpPr/>
+          <p:nvPr/>
+        </p:nvSpPr>
+        <p:spPr>
+          <a:xfrm>
+            <a:off x="838200" y="3825528"/>
+            <a:ext cx="2128982" cy="886566"/>
+          </a:xfrm>
+          <a:prstGeom prst="rect">
+            <a:avLst/>
+          </a:prstGeom>
+          <a:solidFill>
+            <a:schemeClr val="bg1"/>
+          </a:solidFill>
+        </p:spPr>
+        <p:style>
+          <a:lnRef idx="2">
+            <a:schemeClr val="accent1">
+              <a:shade val="50000"/>
+            </a:schemeClr>
+          </a:lnRef>
+          <a:fillRef idx="1">
+            <a:schemeClr val="accent1"/>
+          </a:fillRef>
+          <a:effectRef idx="0">
+            <a:schemeClr val="accent1"/>
+          </a:effectRef>
+          <a:fontRef idx="minor">
+            <a:schemeClr val="lt1"/>
+          </a:fontRef>
+        </p:style>
+        <p:txBody>
+          <a:bodyPr rtlCol="0" anchor="ctr"/>
+          <a:lstStyle/>
+          <a:p>
+            <a:pPr algn="ctr"/>
+            <a:r>
+              <a:rPr lang="de-DE" sz="3600">
+                <a:solidFill>
+                  <a:schemeClr val="tx1"/>
+                </a:solidFill>
+              </a:rPr>
+              <a:t>Test</a:t>
+            </a:r>
+          </a:p>
+        </p:txBody>
+      </p:sp>
+      <p:sp>
+        <p:nvSpPr>
+          <p:cNvPr id="11" name="Rechteck 10">
+            <a:extLst>
+              <a:ext uri="{FF2B5EF4-FFF2-40B4-BE49-F238E27FC236}">
+                <a16:creationId xmlns:a16="http://schemas.microsoft.com/office/drawing/2014/main" id="{F7D68EB6-961E-4789-B691-612657CB3EBA}"/>
+              </a:ext>
+            </a:extLst>
+          </p:cNvPr>
+          <p:cNvSpPr/>
+          <p:nvPr/>
+        </p:nvSpPr>
+        <p:spPr>
+          <a:xfrm>
+            <a:off x="838200" y="2353632"/>
+            <a:ext cx="2128982" cy="886566"/>
+          </a:xfrm>
+          <a:prstGeom prst="rect">
+            <a:avLst/>
+          </a:prstGeom>
+          <a:solidFill>
+            <a:schemeClr val="bg1"/>
+          </a:solidFill>
+        </p:spPr>
+        <p:style>
+          <a:lnRef idx="2">
+            <a:schemeClr val="accent1">
+              <a:shade val="50000"/>
+            </a:schemeClr>
+          </a:lnRef>
+          <a:fillRef idx="1">
+            <a:schemeClr val="accent1"/>
+          </a:fillRef>
+          <a:effectRef idx="0">
+            <a:schemeClr val="accent1"/>
+          </a:effectRef>
+          <a:fontRef idx="minor">
+            <a:schemeClr val="lt1"/>
+          </a:fontRef>
+        </p:style>
+        <p:txBody>
+          <a:bodyPr rtlCol="0" anchor="ctr"/>
+          <a:lstStyle/>
+          <a:p>
+            <a:pPr algn="ctr"/>
+            <a:r>
+              <a:rPr lang="de-DE" sz="3600">
+                <a:solidFill>
+                  <a:schemeClr val="tx1"/>
+                </a:solidFill>
+              </a:rPr>
+              <a:t>Dev</a:t>
+            </a:r>
+          </a:p>
+        </p:txBody>
+      </p:sp>
+      <p:sp>
+        <p:nvSpPr>
+          <p:cNvPr id="14" name="Rechteck 13">
+            <a:extLst>
+              <a:ext uri="{FF2B5EF4-FFF2-40B4-BE49-F238E27FC236}">
+                <a16:creationId xmlns:a16="http://schemas.microsoft.com/office/drawing/2014/main" id="{0FFAE908-6220-4A63-89BB-C862AB97D944}"/>
+              </a:ext>
+            </a:extLst>
+          </p:cNvPr>
+          <p:cNvSpPr/>
+          <p:nvPr/>
+        </p:nvSpPr>
+        <p:spPr>
+          <a:xfrm>
+            <a:off x="9224818" y="5868616"/>
+            <a:ext cx="2128982" cy="886566"/>
+          </a:xfrm>
+          <a:prstGeom prst="rect">
+            <a:avLst/>
+          </a:prstGeom>
+          <a:noFill/>
+          <a:ln>
+            <a:noFill/>
+          </a:ln>
+        </p:spPr>
+        <p:style>
+          <a:lnRef idx="2">
+            <a:schemeClr val="accent1">
+              <a:shade val="50000"/>
+            </a:schemeClr>
+          </a:lnRef>
+          <a:fillRef idx="1">
+            <a:schemeClr val="accent1"/>
+          </a:fillRef>
+          <a:effectRef idx="0">
+            <a:schemeClr val="accent1"/>
+          </a:effectRef>
+          <a:fontRef idx="minor">
+            <a:schemeClr val="lt1"/>
+          </a:fontRef>
+        </p:style>
+        <p:txBody>
+          <a:bodyPr rtlCol="0" anchor="ctr"/>
+          <a:lstStyle/>
+          <a:p>
+            <a:pPr algn="ctr"/>
+            <a:r>
+              <a:rPr lang="de-DE" sz="2400">
+                <a:solidFill>
+                  <a:schemeClr val="tx1"/>
+                </a:solidFill>
+              </a:rPr>
+              <a:t>Version 2.0</a:t>
+            </a:r>
+          </a:p>
+        </p:txBody>
+      </p:sp>
+      <p:sp>
+        <p:nvSpPr>
+          <p:cNvPr id="15" name="Rechteck 14">
+            <a:extLst>
+              <a:ext uri="{FF2B5EF4-FFF2-40B4-BE49-F238E27FC236}">
+                <a16:creationId xmlns:a16="http://schemas.microsoft.com/office/drawing/2014/main" id="{D7E1BC09-2CE7-4E87-9ABA-2C443C1870BD}"/>
+              </a:ext>
+            </a:extLst>
+          </p:cNvPr>
+          <p:cNvSpPr/>
+          <p:nvPr/>
+        </p:nvSpPr>
+        <p:spPr>
+          <a:xfrm>
+            <a:off x="5797748" y="5868616"/>
+            <a:ext cx="2128982" cy="886566"/>
+          </a:xfrm>
+          <a:prstGeom prst="rect">
+            <a:avLst/>
+          </a:prstGeom>
+          <a:noFill/>
+          <a:ln>
+            <a:noFill/>
+          </a:ln>
+        </p:spPr>
+        <p:style>
+          <a:lnRef idx="2">
+            <a:schemeClr val="accent1">
+              <a:shade val="50000"/>
+            </a:schemeClr>
+          </a:lnRef>
+          <a:fillRef idx="1">
+            <a:schemeClr val="accent1"/>
+          </a:fillRef>
+          <a:effectRef idx="0">
+            <a:schemeClr val="accent1"/>
+          </a:effectRef>
+          <a:fontRef idx="minor">
+            <a:schemeClr val="lt1"/>
+          </a:fontRef>
+        </p:style>
+        <p:txBody>
+          <a:bodyPr rtlCol="0" anchor="ctr"/>
+          <a:lstStyle/>
+          <a:p>
+            <a:pPr algn="ctr"/>
+            <a:r>
+              <a:rPr lang="de-DE" sz="2400">
+                <a:solidFill>
+                  <a:schemeClr val="tx1"/>
+                </a:solidFill>
+              </a:rPr>
+              <a:t>Version 1.0</a:t>
+            </a:r>
           </a:p>
         </p:txBody>
       </p:sp>
     </p:spTree>
     <p:extLst>
       <p:ext uri="{BB962C8B-B14F-4D97-AF65-F5344CB8AC3E}">
-        <p14:creationId xmlns:p14="http://schemas.microsoft.com/office/powerpoint/2010/main" val="807731545"/>
+        <p14:creationId xmlns:p14="http://schemas.microsoft.com/office/powerpoint/2010/main" val="3603522584"/>
       </p:ext>
     </p:extLst>
   </p:cSld>
@@ -18179,10 +21339,809 @@
   <p:clrMapOvr>
     <a:masterClrMapping/>
   </p:clrMapOvr>
+  <p:timing>
+    <p:tnLst>
+      <p:par>
+        <p:cTn id="1" dur="indefinite" restart="never" nodeType="tmRoot">
+          <p:childTnLst>
+            <p:seq concurrent="1" nextAc="seek">
+              <p:cTn id="2" dur="indefinite" nodeType="mainSeq">
+                <p:childTnLst>
+                  <p:par>
+                    <p:cTn id="3" fill="hold">
+                      <p:stCondLst>
+                        <p:cond delay="indefinite"/>
+                      </p:stCondLst>
+                      <p:childTnLst>
+                        <p:par>
+                          <p:cTn id="4" fill="hold">
+                            <p:stCondLst>
+                              <p:cond delay="0"/>
+                            </p:stCondLst>
+                            <p:childTnLst>
+                              <p:par>
+                                <p:cTn id="5" presetID="1" presetClass="entr" presetSubtype="0" fill="hold" grpId="0" nodeType="clickEffect">
+                                  <p:stCondLst>
+                                    <p:cond delay="0"/>
+                                  </p:stCondLst>
+                                  <p:childTnLst>
+                                    <p:set>
+                                      <p:cBhvr>
+                                        <p:cTn id="6" dur="1" fill="hold">
+                                          <p:stCondLst>
+                                            <p:cond delay="0"/>
+                                          </p:stCondLst>
+                                        </p:cTn>
+                                        <p:tgtEl>
+                                          <p:spTgt spid="3">
+                                            <p:txEl>
+                                              <p:pRg st="0" end="0"/>
+                                            </p:txEl>
+                                          </p:spTgt>
+                                        </p:tgtEl>
+                                        <p:attrNameLst>
+                                          <p:attrName>style.visibility</p:attrName>
+                                        </p:attrNameLst>
+                                      </p:cBhvr>
+                                      <p:to>
+                                        <p:strVal val="visible"/>
+                                      </p:to>
+                                    </p:set>
+                                  </p:childTnLst>
+                                </p:cTn>
+                              </p:par>
+                            </p:childTnLst>
+                          </p:cTn>
+                        </p:par>
+                      </p:childTnLst>
+                    </p:cTn>
+                  </p:par>
+                  <p:par>
+                    <p:cTn id="7" fill="hold">
+                      <p:stCondLst>
+                        <p:cond delay="indefinite"/>
+                      </p:stCondLst>
+                      <p:childTnLst>
+                        <p:par>
+                          <p:cTn id="8" fill="hold">
+                            <p:stCondLst>
+                              <p:cond delay="0"/>
+                            </p:stCondLst>
+                            <p:childTnLst>
+                              <p:par>
+                                <p:cTn id="9" presetID="1" presetClass="entr" presetSubtype="0" fill="hold" grpId="0" nodeType="clickEffect">
+                                  <p:stCondLst>
+                                    <p:cond delay="0"/>
+                                  </p:stCondLst>
+                                  <p:childTnLst>
+                                    <p:set>
+                                      <p:cBhvr>
+                                        <p:cTn id="10" dur="1" fill="hold">
+                                          <p:stCondLst>
+                                            <p:cond delay="0"/>
+                                          </p:stCondLst>
+                                        </p:cTn>
+                                        <p:tgtEl>
+                                          <p:spTgt spid="3">
+                                            <p:txEl>
+                                              <p:pRg st="1" end="1"/>
+                                            </p:txEl>
+                                          </p:spTgt>
+                                        </p:tgtEl>
+                                        <p:attrNameLst>
+                                          <p:attrName>style.visibility</p:attrName>
+                                        </p:attrNameLst>
+                                      </p:cBhvr>
+                                      <p:to>
+                                        <p:strVal val="visible"/>
+                                      </p:to>
+                                    </p:set>
+                                  </p:childTnLst>
+                                </p:cTn>
+                              </p:par>
+                            </p:childTnLst>
+                          </p:cTn>
+                        </p:par>
+                      </p:childTnLst>
+                    </p:cTn>
+                  </p:par>
+                  <p:par>
+                    <p:cTn id="11" fill="hold">
+                      <p:stCondLst>
+                        <p:cond delay="indefinite"/>
+                      </p:stCondLst>
+                      <p:childTnLst>
+                        <p:par>
+                          <p:cTn id="12" fill="hold">
+                            <p:stCondLst>
+                              <p:cond delay="0"/>
+                            </p:stCondLst>
+                            <p:childTnLst>
+                              <p:par>
+                                <p:cTn id="13" presetID="1" presetClass="entr" presetSubtype="0" fill="hold" grpId="0" nodeType="clickEffect">
+                                  <p:stCondLst>
+                                    <p:cond delay="0"/>
+                                  </p:stCondLst>
+                                  <p:childTnLst>
+                                    <p:set>
+                                      <p:cBhvr>
+                                        <p:cTn id="14" dur="1" fill="hold">
+                                          <p:stCondLst>
+                                            <p:cond delay="0"/>
+                                          </p:stCondLst>
+                                        </p:cTn>
+                                        <p:tgtEl>
+                                          <p:spTgt spid="3">
+                                            <p:txEl>
+                                              <p:pRg st="2" end="2"/>
+                                            </p:txEl>
+                                          </p:spTgt>
+                                        </p:tgtEl>
+                                        <p:attrNameLst>
+                                          <p:attrName>style.visibility</p:attrName>
+                                        </p:attrNameLst>
+                                      </p:cBhvr>
+                                      <p:to>
+                                        <p:strVal val="visible"/>
+                                      </p:to>
+                                    </p:set>
+                                  </p:childTnLst>
+                                </p:cTn>
+                              </p:par>
+                            </p:childTnLst>
+                          </p:cTn>
+                        </p:par>
+                      </p:childTnLst>
+                    </p:cTn>
+                  </p:par>
+                  <p:par>
+                    <p:cTn id="15" fill="hold">
+                      <p:stCondLst>
+                        <p:cond delay="indefinite"/>
+                      </p:stCondLst>
+                      <p:childTnLst>
+                        <p:par>
+                          <p:cTn id="16" fill="hold">
+                            <p:stCondLst>
+                              <p:cond delay="0"/>
+                            </p:stCondLst>
+                            <p:childTnLst>
+                              <p:par>
+                                <p:cTn id="17" presetID="1" presetClass="entr" presetSubtype="0" fill="hold" grpId="0" nodeType="clickEffect">
+                                  <p:stCondLst>
+                                    <p:cond delay="0"/>
+                                  </p:stCondLst>
+                                  <p:childTnLst>
+                                    <p:set>
+                                      <p:cBhvr>
+                                        <p:cTn id="18" dur="1" fill="hold">
+                                          <p:stCondLst>
+                                            <p:cond delay="0"/>
+                                          </p:stCondLst>
+                                        </p:cTn>
+                                        <p:tgtEl>
+                                          <p:spTgt spid="3">
+                                            <p:txEl>
+                                              <p:pRg st="3" end="3"/>
+                                            </p:txEl>
+                                          </p:spTgt>
+                                        </p:tgtEl>
+                                        <p:attrNameLst>
+                                          <p:attrName>style.visibility</p:attrName>
+                                        </p:attrNameLst>
+                                      </p:cBhvr>
+                                      <p:to>
+                                        <p:strVal val="visible"/>
+                                      </p:to>
+                                    </p:set>
+                                  </p:childTnLst>
+                                </p:cTn>
+                              </p:par>
+                            </p:childTnLst>
+                          </p:cTn>
+                        </p:par>
+                      </p:childTnLst>
+                    </p:cTn>
+                  </p:par>
+                  <p:par>
+                    <p:cTn id="19" fill="hold">
+                      <p:stCondLst>
+                        <p:cond delay="indefinite"/>
+                      </p:stCondLst>
+                      <p:childTnLst>
+                        <p:par>
+                          <p:cTn id="20" fill="hold">
+                            <p:stCondLst>
+                              <p:cond delay="0"/>
+                            </p:stCondLst>
+                            <p:childTnLst>
+                              <p:par>
+                                <p:cTn id="21" presetID="1" presetClass="entr" presetSubtype="0" fill="hold" grpId="0" nodeType="clickEffect">
+                                  <p:stCondLst>
+                                    <p:cond delay="0"/>
+                                  </p:stCondLst>
+                                  <p:childTnLst>
+                                    <p:set>
+                                      <p:cBhvr>
+                                        <p:cTn id="22" dur="1" fill="hold">
+                                          <p:stCondLst>
+                                            <p:cond delay="0"/>
+                                          </p:stCondLst>
+                                        </p:cTn>
+                                        <p:tgtEl>
+                                          <p:spTgt spid="3">
+                                            <p:txEl>
+                                              <p:pRg st="4" end="4"/>
+                                            </p:txEl>
+                                          </p:spTgt>
+                                        </p:tgtEl>
+                                        <p:attrNameLst>
+                                          <p:attrName>style.visibility</p:attrName>
+                                        </p:attrNameLst>
+                                      </p:cBhvr>
+                                      <p:to>
+                                        <p:strVal val="visible"/>
+                                      </p:to>
+                                    </p:set>
+                                  </p:childTnLst>
+                                </p:cTn>
+                              </p:par>
+                            </p:childTnLst>
+                          </p:cTn>
+                        </p:par>
+                      </p:childTnLst>
+                    </p:cTn>
+                  </p:par>
+                </p:childTnLst>
+              </p:cTn>
+              <p:prevCondLst>
+                <p:cond evt="onPrev" delay="0">
+                  <p:tgtEl>
+                    <p:sldTgt/>
+                  </p:tgtEl>
+                </p:cond>
+              </p:prevCondLst>
+              <p:nextCondLst>
+                <p:cond evt="onNext" delay="0">
+                  <p:tgtEl>
+                    <p:sldTgt/>
+                  </p:tgtEl>
+                </p:cond>
+              </p:nextCondLst>
+            </p:seq>
+          </p:childTnLst>
+        </p:cTn>
+      </p:par>
+    </p:tnLst>
+    <p:bldLst>
+      <p:bldP spid="3" grpId="0" build="p"/>
+    </p:bldLst>
+  </p:timing>
 </p:sld>
 </file>
 
 <file path=ppt/slides/slide20.xml><?xml version="1.0" encoding="utf-8"?>
+<p:sld xmlns:a="http://schemas.openxmlformats.org/drawingml/2006/main" xmlns:r="http://schemas.openxmlformats.org/officeDocument/2006/relationships" xmlns:p="http://schemas.openxmlformats.org/presentationml/2006/main">
+  <p:cSld>
+    <p:spTree>
+      <p:nvGrpSpPr>
+        <p:cNvPr id="1" name=""/>
+        <p:cNvGrpSpPr/>
+        <p:nvPr/>
+      </p:nvGrpSpPr>
+      <p:grpSpPr>
+        <a:xfrm>
+          <a:off x="0" y="0"/>
+          <a:ext cx="0" cy="0"/>
+          <a:chOff x="0" y="0"/>
+          <a:chExt cx="0" cy="0"/>
+        </a:xfrm>
+      </p:grpSpPr>
+      <p:sp>
+        <p:nvSpPr>
+          <p:cNvPr id="2" name="Titel 1"/>
+          <p:cNvSpPr>
+            <a:spLocks noGrp="1"/>
+          </p:cNvSpPr>
+          <p:nvPr>
+            <p:ph type="title"/>
+          </p:nvPr>
+        </p:nvSpPr>
+        <p:spPr/>
+        <p:txBody>
+          <a:bodyPr/>
+          <a:lstStyle/>
+          <a:p>
+            <a:r>
+              <a:rPr lang="de-DE"/>
+              <a:t>Available Systems</a:t>
+            </a:r>
+          </a:p>
+        </p:txBody>
+      </p:sp>
+      <p:sp>
+        <p:nvSpPr>
+          <p:cNvPr id="3" name="Inhaltsplatzhalter 2"/>
+          <p:cNvSpPr>
+            <a:spLocks noGrp="1"/>
+          </p:cNvSpPr>
+          <p:nvPr>
+            <p:ph idx="1"/>
+          </p:nvPr>
+        </p:nvSpPr>
+        <p:spPr/>
+        <p:txBody>
+          <a:bodyPr>
+            <a:normAutofit/>
+          </a:bodyPr>
+          <a:lstStyle/>
+          <a:p>
+            <a:r>
+              <a:rPr lang="en-US"/>
+              <a:t>TFS</a:t>
+            </a:r>
+          </a:p>
+          <a:p>
+            <a:r>
+              <a:rPr lang="en-US"/>
+              <a:t>BitKeeper</a:t>
+            </a:r>
+          </a:p>
+          <a:p>
+            <a:r>
+              <a:rPr lang="en-US"/>
+              <a:t>Git</a:t>
+            </a:r>
+          </a:p>
+          <a:p>
+            <a:r>
+              <a:rPr lang="en-US"/>
+              <a:t>Mercurial</a:t>
+            </a:r>
+          </a:p>
+          <a:p>
+            <a:r>
+              <a:rPr lang="en-US"/>
+              <a:t>Subversion, CVS, Monotone, ...</a:t>
+            </a:r>
+            <a:endParaRPr lang="de-DE"/>
+          </a:p>
+        </p:txBody>
+      </p:sp>
+    </p:spTree>
+    <p:extLst>
+      <p:ext uri="{BB962C8B-B14F-4D97-AF65-F5344CB8AC3E}">
+        <p14:creationId xmlns:p14="http://schemas.microsoft.com/office/powerpoint/2010/main" val="1530659865"/>
+      </p:ext>
+    </p:extLst>
+  </p:cSld>
+  <p:clrMapOvr>
+    <a:masterClrMapping/>
+  </p:clrMapOvr>
+  <p:timing>
+    <p:tnLst>
+      <p:par>
+        <p:cTn id="1" dur="indefinite" restart="never" nodeType="tmRoot">
+          <p:childTnLst>
+            <p:seq concurrent="1" nextAc="seek">
+              <p:cTn id="2" dur="indefinite" nodeType="mainSeq">
+                <p:childTnLst>
+                  <p:par>
+                    <p:cTn id="3" fill="hold">
+                      <p:stCondLst>
+                        <p:cond delay="indefinite"/>
+                      </p:stCondLst>
+                      <p:childTnLst>
+                        <p:par>
+                          <p:cTn id="4" fill="hold">
+                            <p:stCondLst>
+                              <p:cond delay="0"/>
+                            </p:stCondLst>
+                            <p:childTnLst>
+                              <p:par>
+                                <p:cTn id="5" presetID="1" presetClass="entr" presetSubtype="0" fill="hold" grpId="0" nodeType="clickEffect">
+                                  <p:stCondLst>
+                                    <p:cond delay="0"/>
+                                  </p:stCondLst>
+                                  <p:childTnLst>
+                                    <p:set>
+                                      <p:cBhvr>
+                                        <p:cTn id="6" dur="1" fill="hold">
+                                          <p:stCondLst>
+                                            <p:cond delay="0"/>
+                                          </p:stCondLst>
+                                        </p:cTn>
+                                        <p:tgtEl>
+                                          <p:spTgt spid="3">
+                                            <p:txEl>
+                                              <p:pRg st="0" end="0"/>
+                                            </p:txEl>
+                                          </p:spTgt>
+                                        </p:tgtEl>
+                                        <p:attrNameLst>
+                                          <p:attrName>style.visibility</p:attrName>
+                                        </p:attrNameLst>
+                                      </p:cBhvr>
+                                      <p:to>
+                                        <p:strVal val="visible"/>
+                                      </p:to>
+                                    </p:set>
+                                  </p:childTnLst>
+                                </p:cTn>
+                              </p:par>
+                            </p:childTnLst>
+                          </p:cTn>
+                        </p:par>
+                      </p:childTnLst>
+                    </p:cTn>
+                  </p:par>
+                  <p:par>
+                    <p:cTn id="7" fill="hold">
+                      <p:stCondLst>
+                        <p:cond delay="indefinite"/>
+                      </p:stCondLst>
+                      <p:childTnLst>
+                        <p:par>
+                          <p:cTn id="8" fill="hold">
+                            <p:stCondLst>
+                              <p:cond delay="0"/>
+                            </p:stCondLst>
+                            <p:childTnLst>
+                              <p:par>
+                                <p:cTn id="9" presetID="1" presetClass="entr" presetSubtype="0" fill="hold" grpId="0" nodeType="clickEffect">
+                                  <p:stCondLst>
+                                    <p:cond delay="0"/>
+                                  </p:stCondLst>
+                                  <p:childTnLst>
+                                    <p:set>
+                                      <p:cBhvr>
+                                        <p:cTn id="10" dur="1" fill="hold">
+                                          <p:stCondLst>
+                                            <p:cond delay="0"/>
+                                          </p:stCondLst>
+                                        </p:cTn>
+                                        <p:tgtEl>
+                                          <p:spTgt spid="3">
+                                            <p:txEl>
+                                              <p:pRg st="1" end="1"/>
+                                            </p:txEl>
+                                          </p:spTgt>
+                                        </p:tgtEl>
+                                        <p:attrNameLst>
+                                          <p:attrName>style.visibility</p:attrName>
+                                        </p:attrNameLst>
+                                      </p:cBhvr>
+                                      <p:to>
+                                        <p:strVal val="visible"/>
+                                      </p:to>
+                                    </p:set>
+                                  </p:childTnLst>
+                                </p:cTn>
+                              </p:par>
+                            </p:childTnLst>
+                          </p:cTn>
+                        </p:par>
+                      </p:childTnLst>
+                    </p:cTn>
+                  </p:par>
+                  <p:par>
+                    <p:cTn id="11" fill="hold">
+                      <p:stCondLst>
+                        <p:cond delay="indefinite"/>
+                      </p:stCondLst>
+                      <p:childTnLst>
+                        <p:par>
+                          <p:cTn id="12" fill="hold">
+                            <p:stCondLst>
+                              <p:cond delay="0"/>
+                            </p:stCondLst>
+                            <p:childTnLst>
+                              <p:par>
+                                <p:cTn id="13" presetID="1" presetClass="entr" presetSubtype="0" fill="hold" grpId="0" nodeType="clickEffect">
+                                  <p:stCondLst>
+                                    <p:cond delay="0"/>
+                                  </p:stCondLst>
+                                  <p:childTnLst>
+                                    <p:set>
+                                      <p:cBhvr>
+                                        <p:cTn id="14" dur="1" fill="hold">
+                                          <p:stCondLst>
+                                            <p:cond delay="0"/>
+                                          </p:stCondLst>
+                                        </p:cTn>
+                                        <p:tgtEl>
+                                          <p:spTgt spid="3">
+                                            <p:txEl>
+                                              <p:pRg st="2" end="2"/>
+                                            </p:txEl>
+                                          </p:spTgt>
+                                        </p:tgtEl>
+                                        <p:attrNameLst>
+                                          <p:attrName>style.visibility</p:attrName>
+                                        </p:attrNameLst>
+                                      </p:cBhvr>
+                                      <p:to>
+                                        <p:strVal val="visible"/>
+                                      </p:to>
+                                    </p:set>
+                                  </p:childTnLst>
+                                </p:cTn>
+                              </p:par>
+                            </p:childTnLst>
+                          </p:cTn>
+                        </p:par>
+                      </p:childTnLst>
+                    </p:cTn>
+                  </p:par>
+                  <p:par>
+                    <p:cTn id="15" fill="hold">
+                      <p:stCondLst>
+                        <p:cond delay="indefinite"/>
+                      </p:stCondLst>
+                      <p:childTnLst>
+                        <p:par>
+                          <p:cTn id="16" fill="hold">
+                            <p:stCondLst>
+                              <p:cond delay="0"/>
+                            </p:stCondLst>
+                            <p:childTnLst>
+                              <p:par>
+                                <p:cTn id="17" presetID="1" presetClass="entr" presetSubtype="0" fill="hold" grpId="0" nodeType="clickEffect">
+                                  <p:stCondLst>
+                                    <p:cond delay="0"/>
+                                  </p:stCondLst>
+                                  <p:childTnLst>
+                                    <p:set>
+                                      <p:cBhvr>
+                                        <p:cTn id="18" dur="1" fill="hold">
+                                          <p:stCondLst>
+                                            <p:cond delay="0"/>
+                                          </p:stCondLst>
+                                        </p:cTn>
+                                        <p:tgtEl>
+                                          <p:spTgt spid="3">
+                                            <p:txEl>
+                                              <p:pRg st="3" end="3"/>
+                                            </p:txEl>
+                                          </p:spTgt>
+                                        </p:tgtEl>
+                                        <p:attrNameLst>
+                                          <p:attrName>style.visibility</p:attrName>
+                                        </p:attrNameLst>
+                                      </p:cBhvr>
+                                      <p:to>
+                                        <p:strVal val="visible"/>
+                                      </p:to>
+                                    </p:set>
+                                  </p:childTnLst>
+                                </p:cTn>
+                              </p:par>
+                            </p:childTnLst>
+                          </p:cTn>
+                        </p:par>
+                      </p:childTnLst>
+                    </p:cTn>
+                  </p:par>
+                  <p:par>
+                    <p:cTn id="19" fill="hold">
+                      <p:stCondLst>
+                        <p:cond delay="indefinite"/>
+                      </p:stCondLst>
+                      <p:childTnLst>
+                        <p:par>
+                          <p:cTn id="20" fill="hold">
+                            <p:stCondLst>
+                              <p:cond delay="0"/>
+                            </p:stCondLst>
+                            <p:childTnLst>
+                              <p:par>
+                                <p:cTn id="21" presetID="1" presetClass="entr" presetSubtype="0" fill="hold" grpId="0" nodeType="clickEffect">
+                                  <p:stCondLst>
+                                    <p:cond delay="0"/>
+                                  </p:stCondLst>
+                                  <p:childTnLst>
+                                    <p:set>
+                                      <p:cBhvr>
+                                        <p:cTn id="22" dur="1" fill="hold">
+                                          <p:stCondLst>
+                                            <p:cond delay="0"/>
+                                          </p:stCondLst>
+                                        </p:cTn>
+                                        <p:tgtEl>
+                                          <p:spTgt spid="3">
+                                            <p:txEl>
+                                              <p:pRg st="4" end="4"/>
+                                            </p:txEl>
+                                          </p:spTgt>
+                                        </p:tgtEl>
+                                        <p:attrNameLst>
+                                          <p:attrName>style.visibility</p:attrName>
+                                        </p:attrNameLst>
+                                      </p:cBhvr>
+                                      <p:to>
+                                        <p:strVal val="visible"/>
+                                      </p:to>
+                                    </p:set>
+                                  </p:childTnLst>
+                                </p:cTn>
+                              </p:par>
+                            </p:childTnLst>
+                          </p:cTn>
+                        </p:par>
+                      </p:childTnLst>
+                    </p:cTn>
+                  </p:par>
+                </p:childTnLst>
+              </p:cTn>
+              <p:prevCondLst>
+                <p:cond evt="onPrev" delay="0">
+                  <p:tgtEl>
+                    <p:sldTgt/>
+                  </p:tgtEl>
+                </p:cond>
+              </p:prevCondLst>
+              <p:nextCondLst>
+                <p:cond evt="onNext" delay="0">
+                  <p:tgtEl>
+                    <p:sldTgt/>
+                  </p:tgtEl>
+                </p:cond>
+              </p:nextCondLst>
+            </p:seq>
+          </p:childTnLst>
+        </p:cTn>
+      </p:par>
+    </p:tnLst>
+    <p:bldLst>
+      <p:bldP spid="3" grpId="0" build="p"/>
+    </p:bldLst>
+  </p:timing>
+</p:sld>
+</file>
+
+<file path=ppt/slides/slide21.xml><?xml version="1.0" encoding="utf-8"?>
+<p:sld xmlns:a="http://schemas.openxmlformats.org/drawingml/2006/main" xmlns:r="http://schemas.openxmlformats.org/officeDocument/2006/relationships" xmlns:p="http://schemas.openxmlformats.org/presentationml/2006/main">
+  <p:cSld>
+    <p:spTree>
+      <p:nvGrpSpPr>
+        <p:cNvPr id="1" name=""/>
+        <p:cNvGrpSpPr/>
+        <p:nvPr/>
+      </p:nvGrpSpPr>
+      <p:grpSpPr>
+        <a:xfrm>
+          <a:off x="0" y="0"/>
+          <a:ext cx="0" cy="0"/>
+          <a:chOff x="0" y="0"/>
+          <a:chExt cx="0" cy="0"/>
+        </a:xfrm>
+      </p:grpSpPr>
+      <p:sp>
+        <p:nvSpPr>
+          <p:cNvPr id="2" name="Titel 1"/>
+          <p:cNvSpPr>
+            <a:spLocks noGrp="1"/>
+          </p:cNvSpPr>
+          <p:nvPr>
+            <p:ph type="title"/>
+          </p:nvPr>
+        </p:nvSpPr>
+        <p:spPr/>
+        <p:txBody>
+          <a:bodyPr/>
+          <a:lstStyle/>
+          <a:p>
+            <a:r>
+              <a:rPr lang="de-DE"/>
+              <a:t>Example: Git</a:t>
+            </a:r>
+          </a:p>
+        </p:txBody>
+      </p:sp>
+      <p:sp>
+        <p:nvSpPr>
+          <p:cNvPr id="3" name="Inhaltsplatzhalter 2"/>
+          <p:cNvSpPr>
+            <a:spLocks noGrp="1"/>
+          </p:cNvSpPr>
+          <p:nvPr>
+            <p:ph idx="1"/>
+          </p:nvPr>
+        </p:nvSpPr>
+        <p:spPr/>
+        <p:txBody>
+          <a:bodyPr/>
+          <a:lstStyle/>
+          <a:p>
+            <a:endParaRPr lang="de-DE"/>
+          </a:p>
+        </p:txBody>
+      </p:sp>
+    </p:spTree>
+    <p:extLst>
+      <p:ext uri="{BB962C8B-B14F-4D97-AF65-F5344CB8AC3E}">
+        <p14:creationId xmlns:p14="http://schemas.microsoft.com/office/powerpoint/2010/main" val="1678140098"/>
+      </p:ext>
+    </p:extLst>
+  </p:cSld>
+  <p:clrMapOvr>
+    <a:masterClrMapping/>
+  </p:clrMapOvr>
+</p:sld>
+</file>
+
+<file path=ppt/slides/slide22.xml><?xml version="1.0" encoding="utf-8"?>
+<p:sld xmlns:a="http://schemas.openxmlformats.org/drawingml/2006/main" xmlns:r="http://schemas.openxmlformats.org/officeDocument/2006/relationships" xmlns:p="http://schemas.openxmlformats.org/presentationml/2006/main">
+  <p:cSld>
+    <p:spTree>
+      <p:nvGrpSpPr>
+        <p:cNvPr id="1" name=""/>
+        <p:cNvGrpSpPr/>
+        <p:nvPr/>
+      </p:nvGrpSpPr>
+      <p:grpSpPr>
+        <a:xfrm>
+          <a:off x="0" y="0"/>
+          <a:ext cx="0" cy="0"/>
+          <a:chOff x="0" y="0"/>
+          <a:chExt cx="0" cy="0"/>
+        </a:xfrm>
+      </p:grpSpPr>
+      <p:sp>
+        <p:nvSpPr>
+          <p:cNvPr id="2" name="Titel 1"/>
+          <p:cNvSpPr>
+            <a:spLocks noGrp="1"/>
+          </p:cNvSpPr>
+          <p:nvPr>
+            <p:ph type="title"/>
+          </p:nvPr>
+        </p:nvSpPr>
+        <p:spPr/>
+        <p:txBody>
+          <a:bodyPr/>
+          <a:lstStyle/>
+          <a:p>
+            <a:r>
+              <a:rPr lang="de-DE"/>
+              <a:t>Hands-on hacking</a:t>
+            </a:r>
+          </a:p>
+        </p:txBody>
+      </p:sp>
+      <p:sp>
+        <p:nvSpPr>
+          <p:cNvPr id="3" name="Inhaltsplatzhalter 2"/>
+          <p:cNvSpPr>
+            <a:spLocks noGrp="1"/>
+          </p:cNvSpPr>
+          <p:nvPr>
+            <p:ph idx="1"/>
+          </p:nvPr>
+        </p:nvSpPr>
+        <p:spPr/>
+        <p:txBody>
+          <a:bodyPr/>
+          <a:lstStyle/>
+          <a:p>
+            <a:endParaRPr lang="de-DE"/>
+          </a:p>
+        </p:txBody>
+      </p:sp>
+    </p:spTree>
+    <p:extLst>
+      <p:ext uri="{BB962C8B-B14F-4D97-AF65-F5344CB8AC3E}">
+        <p14:creationId xmlns:p14="http://schemas.microsoft.com/office/powerpoint/2010/main" val="807731545"/>
+      </p:ext>
+    </p:extLst>
+  </p:cSld>
+  <p:clrMapOvr>
+    <a:masterClrMapping/>
+  </p:clrMapOvr>
+</p:sld>
+</file>
+
+<file path=ppt/slides/slide23.xml><?xml version="1.0" encoding="utf-8"?>
 <p:sld xmlns:a="http://schemas.openxmlformats.org/drawingml/2006/main" xmlns:r="http://schemas.openxmlformats.org/officeDocument/2006/relationships" xmlns:p="http://schemas.openxmlformats.org/presentationml/2006/main">
   <p:cSld>
     <p:spTree>
@@ -18253,7 +22212,7 @@
 </p:sld>
 </file>
 
-<file path=ppt/slides/slide21.xml><?xml version="1.0" encoding="utf-8"?>
+<file path=ppt/slides/slide24.xml><?xml version="1.0" encoding="utf-8"?>
 <p:sld xmlns:a="http://schemas.openxmlformats.org/drawingml/2006/main" xmlns:r="http://schemas.openxmlformats.org/officeDocument/2006/relationships" xmlns:p="http://schemas.openxmlformats.org/presentationml/2006/main">
   <p:cSld>
     <p:spTree>
@@ -18408,6 +22367,186 @@
   <p:clrMapOvr>
     <a:masterClrMapping/>
   </p:clrMapOvr>
+  <p:timing>
+    <p:tnLst>
+      <p:par>
+        <p:cTn id="1" dur="indefinite" restart="never" nodeType="tmRoot">
+          <p:childTnLst>
+            <p:seq concurrent="1" nextAc="seek">
+              <p:cTn id="2" dur="indefinite" nodeType="mainSeq">
+                <p:childTnLst>
+                  <p:par>
+                    <p:cTn id="3" fill="hold">
+                      <p:stCondLst>
+                        <p:cond delay="indefinite"/>
+                      </p:stCondLst>
+                      <p:childTnLst>
+                        <p:par>
+                          <p:cTn id="4" fill="hold">
+                            <p:stCondLst>
+                              <p:cond delay="0"/>
+                            </p:stCondLst>
+                            <p:childTnLst>
+                              <p:par>
+                                <p:cTn id="5" presetID="1" presetClass="entr" presetSubtype="0" fill="hold" grpId="0" nodeType="clickEffect">
+                                  <p:stCondLst>
+                                    <p:cond delay="0"/>
+                                  </p:stCondLst>
+                                  <p:childTnLst>
+                                    <p:set>
+                                      <p:cBhvr>
+                                        <p:cTn id="6" dur="1" fill="hold">
+                                          <p:stCondLst>
+                                            <p:cond delay="0"/>
+                                          </p:stCondLst>
+                                        </p:cTn>
+                                        <p:tgtEl>
+                                          <p:spTgt spid="3">
+                                            <p:txEl>
+                                              <p:pRg st="0" end="0"/>
+                                            </p:txEl>
+                                          </p:spTgt>
+                                        </p:tgtEl>
+                                        <p:attrNameLst>
+                                          <p:attrName>style.visibility</p:attrName>
+                                        </p:attrNameLst>
+                                      </p:cBhvr>
+                                      <p:to>
+                                        <p:strVal val="visible"/>
+                                      </p:to>
+                                    </p:set>
+                                  </p:childTnLst>
+                                </p:cTn>
+                              </p:par>
+                            </p:childTnLst>
+                          </p:cTn>
+                        </p:par>
+                      </p:childTnLst>
+                    </p:cTn>
+                  </p:par>
+                  <p:par>
+                    <p:cTn id="7" fill="hold">
+                      <p:stCondLst>
+                        <p:cond delay="indefinite"/>
+                      </p:stCondLst>
+                      <p:childTnLst>
+                        <p:par>
+                          <p:cTn id="8" fill="hold">
+                            <p:stCondLst>
+                              <p:cond delay="0"/>
+                            </p:stCondLst>
+                            <p:childTnLst>
+                              <p:par>
+                                <p:cTn id="9" presetID="1" presetClass="entr" presetSubtype="0" fill="hold" grpId="0" nodeType="clickEffect">
+                                  <p:stCondLst>
+                                    <p:cond delay="0"/>
+                                  </p:stCondLst>
+                                  <p:childTnLst>
+                                    <p:set>
+                                      <p:cBhvr>
+                                        <p:cTn id="10" dur="1" fill="hold">
+                                          <p:stCondLst>
+                                            <p:cond delay="0"/>
+                                          </p:stCondLst>
+                                        </p:cTn>
+                                        <p:tgtEl>
+                                          <p:spTgt spid="3">
+                                            <p:txEl>
+                                              <p:pRg st="1" end="1"/>
+                                            </p:txEl>
+                                          </p:spTgt>
+                                        </p:tgtEl>
+                                        <p:attrNameLst>
+                                          <p:attrName>style.visibility</p:attrName>
+                                        </p:attrNameLst>
+                                      </p:cBhvr>
+                                      <p:to>
+                                        <p:strVal val="visible"/>
+                                      </p:to>
+                                    </p:set>
+                                  </p:childTnLst>
+                                </p:cTn>
+                              </p:par>
+                            </p:childTnLst>
+                          </p:cTn>
+                        </p:par>
+                      </p:childTnLst>
+                    </p:cTn>
+                  </p:par>
+                  <p:par>
+                    <p:cTn id="11" fill="hold">
+                      <p:stCondLst>
+                        <p:cond delay="indefinite"/>
+                      </p:stCondLst>
+                      <p:childTnLst>
+                        <p:par>
+                          <p:cTn id="12" fill="hold">
+                            <p:stCondLst>
+                              <p:cond delay="0"/>
+                            </p:stCondLst>
+                            <p:childTnLst>
+                              <p:par>
+                                <p:cTn id="13" presetID="1" presetClass="entr" presetSubtype="0" fill="hold" grpId="0" nodeType="clickEffect">
+                                  <p:stCondLst>
+                                    <p:cond delay="0"/>
+                                  </p:stCondLst>
+                                  <p:childTnLst>
+                                    <p:set>
+                                      <p:cBhvr>
+                                        <p:cTn id="14" dur="1" fill="hold">
+                                          <p:stCondLst>
+                                            <p:cond delay="0"/>
+                                          </p:stCondLst>
+                                        </p:cTn>
+                                        <p:tgtEl>
+                                          <p:spTgt spid="3">
+                                            <p:txEl>
+                                              <p:pRg st="2" end="2"/>
+                                            </p:txEl>
+                                          </p:spTgt>
+                                        </p:tgtEl>
+                                        <p:attrNameLst>
+                                          <p:attrName>style.visibility</p:attrName>
+                                        </p:attrNameLst>
+                                      </p:cBhvr>
+                                      <p:to>
+                                        <p:strVal val="visible"/>
+                                      </p:to>
+                                    </p:set>
+                                  </p:childTnLst>
+                                </p:cTn>
+                              </p:par>
+                            </p:childTnLst>
+                          </p:cTn>
+                        </p:par>
+                      </p:childTnLst>
+                    </p:cTn>
+                  </p:par>
+                </p:childTnLst>
+              </p:cTn>
+              <p:prevCondLst>
+                <p:cond evt="onPrev" delay="0">
+                  <p:tgtEl>
+                    <p:sldTgt/>
+                  </p:tgtEl>
+                </p:cond>
+              </p:prevCondLst>
+              <p:nextCondLst>
+                <p:cond evt="onNext" delay="0">
+                  <p:tgtEl>
+                    <p:sldTgt/>
+                  </p:tgtEl>
+                </p:cond>
+              </p:nextCondLst>
+            </p:seq>
+          </p:childTnLst>
+        </p:cTn>
+      </p:par>
+    </p:tnLst>
+    <p:bldLst>
+      <p:bldP spid="3" grpId="0" build="p"/>
+    </p:bldLst>
+  </p:timing>
 </p:sld>
 </file>
 
@@ -18491,6 +22630,137 @@
   <p:clrMapOvr>
     <a:masterClrMapping/>
   </p:clrMapOvr>
+  <p:timing>
+    <p:tnLst>
+      <p:par>
+        <p:cTn id="1" dur="indefinite" restart="never" nodeType="tmRoot">
+          <p:childTnLst>
+            <p:seq concurrent="1" nextAc="seek">
+              <p:cTn id="2" dur="indefinite" nodeType="mainSeq">
+                <p:childTnLst>
+                  <p:par>
+                    <p:cTn id="3" fill="hold">
+                      <p:stCondLst>
+                        <p:cond delay="indefinite"/>
+                      </p:stCondLst>
+                      <p:childTnLst>
+                        <p:par>
+                          <p:cTn id="4" fill="hold">
+                            <p:stCondLst>
+                              <p:cond delay="0"/>
+                            </p:stCondLst>
+                            <p:childTnLst>
+                              <p:par>
+                                <p:cTn id="5" presetID="1" presetClass="entr" presetSubtype="0" fill="hold" grpId="0" nodeType="clickEffect">
+                                  <p:stCondLst>
+                                    <p:cond delay="0"/>
+                                  </p:stCondLst>
+                                  <p:childTnLst>
+                                    <p:set>
+                                      <p:cBhvr>
+                                        <p:cTn id="6" dur="1" fill="hold">
+                                          <p:stCondLst>
+                                            <p:cond delay="0"/>
+                                          </p:stCondLst>
+                                        </p:cTn>
+                                        <p:tgtEl>
+                                          <p:spTgt spid="3">
+                                            <p:txEl>
+                                              <p:pRg st="0" end="0"/>
+                                            </p:txEl>
+                                          </p:spTgt>
+                                        </p:tgtEl>
+                                        <p:attrNameLst>
+                                          <p:attrName>style.visibility</p:attrName>
+                                        </p:attrNameLst>
+                                      </p:cBhvr>
+                                      <p:to>
+                                        <p:strVal val="visible"/>
+                                      </p:to>
+                                    </p:set>
+                                  </p:childTnLst>
+                                </p:cTn>
+                              </p:par>
+                            </p:childTnLst>
+                          </p:cTn>
+                        </p:par>
+                      </p:childTnLst>
+                    </p:cTn>
+                  </p:par>
+                  <p:par>
+                    <p:cTn id="7" fill="hold">
+                      <p:stCondLst>
+                        <p:cond delay="indefinite"/>
+                      </p:stCondLst>
+                      <p:childTnLst>
+                        <p:par>
+                          <p:cTn id="8" fill="hold">
+                            <p:stCondLst>
+                              <p:cond delay="0"/>
+                            </p:stCondLst>
+                            <p:childTnLst>
+                              <p:par>
+                                <p:cTn id="9" presetID="1" presetClass="entr" presetSubtype="0" fill="hold" grpId="0" nodeType="clickEffect">
+                                  <p:stCondLst>
+                                    <p:cond delay="0"/>
+                                  </p:stCondLst>
+                                  <p:childTnLst>
+                                    <p:set>
+                                      <p:cBhvr>
+                                        <p:cTn id="10" dur="1" fill="hold">
+                                          <p:stCondLst>
+                                            <p:cond delay="0"/>
+                                          </p:stCondLst>
+                                        </p:cTn>
+                                        <p:tgtEl>
+                                          <p:spTgt spid="3">
+                                            <p:txEl>
+                                              <p:pRg st="1" end="1"/>
+                                            </p:txEl>
+                                          </p:spTgt>
+                                        </p:tgtEl>
+                                        <p:attrNameLst>
+                                          <p:attrName>style.visibility</p:attrName>
+                                        </p:attrNameLst>
+                                      </p:cBhvr>
+                                      <p:to>
+                                        <p:strVal val="visible"/>
+                                      </p:to>
+                                    </p:set>
+                                  </p:childTnLst>
+                                </p:cTn>
+                              </p:par>
+                            </p:childTnLst>
+                          </p:cTn>
+                        </p:par>
+                      </p:childTnLst>
+                    </p:cTn>
+                  </p:par>
+                </p:childTnLst>
+              </p:cTn>
+              <p:prevCondLst>
+                <p:cond evt="onPrev" delay="0">
+                  <p:tgtEl>
+                    <p:sldTgt/>
+                  </p:tgtEl>
+                </p:cond>
+              </p:prevCondLst>
+              <p:nextCondLst>
+                <p:cond evt="onNext" delay="0">
+                  <p:tgtEl>
+                    <p:sldTgt/>
+                  </p:tgtEl>
+                </p:cond>
+              </p:nextCondLst>
+            </p:seq>
+          </p:childTnLst>
+        </p:cTn>
+      </p:par>
+    </p:tnLst>
+    <p:bldLst>
+      <p:bldP spid="3" grpId="0" build="p"/>
+    </p:bldLst>
+  </p:timing>
 </p:sld>
 </file>
 
@@ -18586,6 +22856,235 @@
   <p:clrMapOvr>
     <a:masterClrMapping/>
   </p:clrMapOvr>
+  <p:timing>
+    <p:tnLst>
+      <p:par>
+        <p:cTn id="1" dur="indefinite" restart="never" nodeType="tmRoot">
+          <p:childTnLst>
+            <p:seq concurrent="1" nextAc="seek">
+              <p:cTn id="2" dur="indefinite" nodeType="mainSeq">
+                <p:childTnLst>
+                  <p:par>
+                    <p:cTn id="3" fill="hold">
+                      <p:stCondLst>
+                        <p:cond delay="indefinite"/>
+                      </p:stCondLst>
+                      <p:childTnLst>
+                        <p:par>
+                          <p:cTn id="4" fill="hold">
+                            <p:stCondLst>
+                              <p:cond delay="0"/>
+                            </p:stCondLst>
+                            <p:childTnLst>
+                              <p:par>
+                                <p:cTn id="5" presetID="1" presetClass="entr" presetSubtype="0" fill="hold" grpId="0" nodeType="clickEffect">
+                                  <p:stCondLst>
+                                    <p:cond delay="0"/>
+                                  </p:stCondLst>
+                                  <p:childTnLst>
+                                    <p:set>
+                                      <p:cBhvr>
+                                        <p:cTn id="6" dur="1" fill="hold">
+                                          <p:stCondLst>
+                                            <p:cond delay="0"/>
+                                          </p:stCondLst>
+                                        </p:cTn>
+                                        <p:tgtEl>
+                                          <p:spTgt spid="3">
+                                            <p:txEl>
+                                              <p:pRg st="0" end="0"/>
+                                            </p:txEl>
+                                          </p:spTgt>
+                                        </p:tgtEl>
+                                        <p:attrNameLst>
+                                          <p:attrName>style.visibility</p:attrName>
+                                        </p:attrNameLst>
+                                      </p:cBhvr>
+                                      <p:to>
+                                        <p:strVal val="visible"/>
+                                      </p:to>
+                                    </p:set>
+                                  </p:childTnLst>
+                                </p:cTn>
+                              </p:par>
+                            </p:childTnLst>
+                          </p:cTn>
+                        </p:par>
+                      </p:childTnLst>
+                    </p:cTn>
+                  </p:par>
+                  <p:par>
+                    <p:cTn id="7" fill="hold">
+                      <p:stCondLst>
+                        <p:cond delay="indefinite"/>
+                      </p:stCondLst>
+                      <p:childTnLst>
+                        <p:par>
+                          <p:cTn id="8" fill="hold">
+                            <p:stCondLst>
+                              <p:cond delay="0"/>
+                            </p:stCondLst>
+                            <p:childTnLst>
+                              <p:par>
+                                <p:cTn id="9" presetID="1" presetClass="entr" presetSubtype="0" fill="hold" grpId="0" nodeType="clickEffect">
+                                  <p:stCondLst>
+                                    <p:cond delay="0"/>
+                                  </p:stCondLst>
+                                  <p:childTnLst>
+                                    <p:set>
+                                      <p:cBhvr>
+                                        <p:cTn id="10" dur="1" fill="hold">
+                                          <p:stCondLst>
+                                            <p:cond delay="0"/>
+                                          </p:stCondLst>
+                                        </p:cTn>
+                                        <p:tgtEl>
+                                          <p:spTgt spid="3">
+                                            <p:txEl>
+                                              <p:pRg st="1" end="1"/>
+                                            </p:txEl>
+                                          </p:spTgt>
+                                        </p:tgtEl>
+                                        <p:attrNameLst>
+                                          <p:attrName>style.visibility</p:attrName>
+                                        </p:attrNameLst>
+                                      </p:cBhvr>
+                                      <p:to>
+                                        <p:strVal val="visible"/>
+                                      </p:to>
+                                    </p:set>
+                                  </p:childTnLst>
+                                </p:cTn>
+                              </p:par>
+                            </p:childTnLst>
+                          </p:cTn>
+                        </p:par>
+                      </p:childTnLst>
+                    </p:cTn>
+                  </p:par>
+                  <p:par>
+                    <p:cTn id="11" fill="hold">
+                      <p:stCondLst>
+                        <p:cond delay="indefinite"/>
+                      </p:stCondLst>
+                      <p:childTnLst>
+                        <p:par>
+                          <p:cTn id="12" fill="hold">
+                            <p:stCondLst>
+                              <p:cond delay="0"/>
+                            </p:stCondLst>
+                            <p:childTnLst>
+                              <p:par>
+                                <p:cTn id="13" presetID="1" presetClass="entr" presetSubtype="0" fill="hold" grpId="0" nodeType="clickEffect">
+                                  <p:stCondLst>
+                                    <p:cond delay="0"/>
+                                  </p:stCondLst>
+                                  <p:childTnLst>
+                                    <p:set>
+                                      <p:cBhvr>
+                                        <p:cTn id="14" dur="1" fill="hold">
+                                          <p:stCondLst>
+                                            <p:cond delay="0"/>
+                                          </p:stCondLst>
+                                        </p:cTn>
+                                        <p:tgtEl>
+                                          <p:spTgt spid="3">
+                                            <p:txEl>
+                                              <p:pRg st="2" end="2"/>
+                                            </p:txEl>
+                                          </p:spTgt>
+                                        </p:tgtEl>
+                                        <p:attrNameLst>
+                                          <p:attrName>style.visibility</p:attrName>
+                                        </p:attrNameLst>
+                                      </p:cBhvr>
+                                      <p:to>
+                                        <p:strVal val="visible"/>
+                                      </p:to>
+                                    </p:set>
+                                  </p:childTnLst>
+                                </p:cTn>
+                              </p:par>
+                            </p:childTnLst>
+                          </p:cTn>
+                        </p:par>
+                      </p:childTnLst>
+                    </p:cTn>
+                  </p:par>
+                  <p:par>
+                    <p:cTn id="15" fill="hold">
+                      <p:stCondLst>
+                        <p:cond delay="indefinite"/>
+                      </p:stCondLst>
+                      <p:childTnLst>
+                        <p:par>
+                          <p:cTn id="16" fill="hold">
+                            <p:stCondLst>
+                              <p:cond delay="0"/>
+                            </p:stCondLst>
+                            <p:childTnLst>
+                              <p:par>
+                                <p:cTn id="17" presetID="1" presetClass="entr" presetSubtype="0" fill="hold" grpId="0" nodeType="clickEffect">
+                                  <p:stCondLst>
+                                    <p:cond delay="0"/>
+                                  </p:stCondLst>
+                                  <p:childTnLst>
+                                    <p:set>
+                                      <p:cBhvr>
+                                        <p:cTn id="18" dur="1" fill="hold">
+                                          <p:stCondLst>
+                                            <p:cond delay="0"/>
+                                          </p:stCondLst>
+                                        </p:cTn>
+                                        <p:tgtEl>
+                                          <p:spTgt spid="3">
+                                            <p:txEl>
+                                              <p:pRg st="3" end="3"/>
+                                            </p:txEl>
+                                          </p:spTgt>
+                                        </p:tgtEl>
+                                        <p:attrNameLst>
+                                          <p:attrName>style.visibility</p:attrName>
+                                        </p:attrNameLst>
+                                      </p:cBhvr>
+                                      <p:to>
+                                        <p:strVal val="visible"/>
+                                      </p:to>
+                                    </p:set>
+                                  </p:childTnLst>
+                                </p:cTn>
+                              </p:par>
+                            </p:childTnLst>
+                          </p:cTn>
+                        </p:par>
+                      </p:childTnLst>
+                    </p:cTn>
+                  </p:par>
+                </p:childTnLst>
+              </p:cTn>
+              <p:prevCondLst>
+                <p:cond evt="onPrev" delay="0">
+                  <p:tgtEl>
+                    <p:sldTgt/>
+                  </p:tgtEl>
+                </p:cond>
+              </p:prevCondLst>
+              <p:nextCondLst>
+                <p:cond evt="onNext" delay="0">
+                  <p:tgtEl>
+                    <p:sldTgt/>
+                  </p:tgtEl>
+                </p:cond>
+              </p:nextCondLst>
+            </p:seq>
+          </p:childTnLst>
+        </p:cTn>
+      </p:par>
+    </p:tnLst>
+    <p:bldLst>
+      <p:bldP spid="3" grpId="0" build="p"/>
+    </p:bldLst>
+  </p:timing>
 </p:sld>
 </file>
 
@@ -18702,6 +23201,284 @@
   <p:clrMapOvr>
     <a:masterClrMapping/>
   </p:clrMapOvr>
+  <p:timing>
+    <p:tnLst>
+      <p:par>
+        <p:cTn id="1" dur="indefinite" restart="never" nodeType="tmRoot">
+          <p:childTnLst>
+            <p:seq concurrent="1" nextAc="seek">
+              <p:cTn id="2" dur="indefinite" nodeType="mainSeq">
+                <p:childTnLst>
+                  <p:par>
+                    <p:cTn id="3" fill="hold">
+                      <p:stCondLst>
+                        <p:cond delay="indefinite"/>
+                      </p:stCondLst>
+                      <p:childTnLst>
+                        <p:par>
+                          <p:cTn id="4" fill="hold">
+                            <p:stCondLst>
+                              <p:cond delay="0"/>
+                            </p:stCondLst>
+                            <p:childTnLst>
+                              <p:par>
+                                <p:cTn id="5" presetID="1" presetClass="entr" presetSubtype="0" fill="hold" grpId="0" nodeType="clickEffect">
+                                  <p:stCondLst>
+                                    <p:cond delay="0"/>
+                                  </p:stCondLst>
+                                  <p:childTnLst>
+                                    <p:set>
+                                      <p:cBhvr>
+                                        <p:cTn id="6" dur="1" fill="hold">
+                                          <p:stCondLst>
+                                            <p:cond delay="0"/>
+                                          </p:stCondLst>
+                                        </p:cTn>
+                                        <p:tgtEl>
+                                          <p:spTgt spid="3">
+                                            <p:txEl>
+                                              <p:pRg st="0" end="0"/>
+                                            </p:txEl>
+                                          </p:spTgt>
+                                        </p:tgtEl>
+                                        <p:attrNameLst>
+                                          <p:attrName>style.visibility</p:attrName>
+                                        </p:attrNameLst>
+                                      </p:cBhvr>
+                                      <p:to>
+                                        <p:strVal val="visible"/>
+                                      </p:to>
+                                    </p:set>
+                                  </p:childTnLst>
+                                </p:cTn>
+                              </p:par>
+                            </p:childTnLst>
+                          </p:cTn>
+                        </p:par>
+                      </p:childTnLst>
+                    </p:cTn>
+                  </p:par>
+                  <p:par>
+                    <p:cTn id="7" fill="hold">
+                      <p:stCondLst>
+                        <p:cond delay="indefinite"/>
+                      </p:stCondLst>
+                      <p:childTnLst>
+                        <p:par>
+                          <p:cTn id="8" fill="hold">
+                            <p:stCondLst>
+                              <p:cond delay="0"/>
+                            </p:stCondLst>
+                            <p:childTnLst>
+                              <p:par>
+                                <p:cTn id="9" presetID="1" presetClass="entr" presetSubtype="0" fill="hold" grpId="0" nodeType="clickEffect">
+                                  <p:stCondLst>
+                                    <p:cond delay="0"/>
+                                  </p:stCondLst>
+                                  <p:childTnLst>
+                                    <p:set>
+                                      <p:cBhvr>
+                                        <p:cTn id="10" dur="1" fill="hold">
+                                          <p:stCondLst>
+                                            <p:cond delay="0"/>
+                                          </p:stCondLst>
+                                        </p:cTn>
+                                        <p:tgtEl>
+                                          <p:spTgt spid="3">
+                                            <p:txEl>
+                                              <p:pRg st="1" end="1"/>
+                                            </p:txEl>
+                                          </p:spTgt>
+                                        </p:tgtEl>
+                                        <p:attrNameLst>
+                                          <p:attrName>style.visibility</p:attrName>
+                                        </p:attrNameLst>
+                                      </p:cBhvr>
+                                      <p:to>
+                                        <p:strVal val="visible"/>
+                                      </p:to>
+                                    </p:set>
+                                  </p:childTnLst>
+                                </p:cTn>
+                              </p:par>
+                            </p:childTnLst>
+                          </p:cTn>
+                        </p:par>
+                      </p:childTnLst>
+                    </p:cTn>
+                  </p:par>
+                  <p:par>
+                    <p:cTn id="11" fill="hold">
+                      <p:stCondLst>
+                        <p:cond delay="indefinite"/>
+                      </p:stCondLst>
+                      <p:childTnLst>
+                        <p:par>
+                          <p:cTn id="12" fill="hold">
+                            <p:stCondLst>
+                              <p:cond delay="0"/>
+                            </p:stCondLst>
+                            <p:childTnLst>
+                              <p:par>
+                                <p:cTn id="13" presetID="1" presetClass="entr" presetSubtype="0" fill="hold" grpId="0" nodeType="clickEffect">
+                                  <p:stCondLst>
+                                    <p:cond delay="0"/>
+                                  </p:stCondLst>
+                                  <p:childTnLst>
+                                    <p:set>
+                                      <p:cBhvr>
+                                        <p:cTn id="14" dur="1" fill="hold">
+                                          <p:stCondLst>
+                                            <p:cond delay="0"/>
+                                          </p:stCondLst>
+                                        </p:cTn>
+                                        <p:tgtEl>
+                                          <p:spTgt spid="3">
+                                            <p:txEl>
+                                              <p:pRg st="2" end="2"/>
+                                            </p:txEl>
+                                          </p:spTgt>
+                                        </p:tgtEl>
+                                        <p:attrNameLst>
+                                          <p:attrName>style.visibility</p:attrName>
+                                        </p:attrNameLst>
+                                      </p:cBhvr>
+                                      <p:to>
+                                        <p:strVal val="visible"/>
+                                      </p:to>
+                                    </p:set>
+                                  </p:childTnLst>
+                                </p:cTn>
+                              </p:par>
+                            </p:childTnLst>
+                          </p:cTn>
+                        </p:par>
+                      </p:childTnLst>
+                    </p:cTn>
+                  </p:par>
+                  <p:par>
+                    <p:cTn id="15" fill="hold">
+                      <p:stCondLst>
+                        <p:cond delay="indefinite"/>
+                      </p:stCondLst>
+                      <p:childTnLst>
+                        <p:par>
+                          <p:cTn id="16" fill="hold">
+                            <p:stCondLst>
+                              <p:cond delay="0"/>
+                            </p:stCondLst>
+                            <p:childTnLst>
+                              <p:par>
+                                <p:cTn id="17" presetID="1" presetClass="entr" presetSubtype="0" fill="hold" grpId="0" nodeType="clickEffect">
+                                  <p:stCondLst>
+                                    <p:cond delay="0"/>
+                                  </p:stCondLst>
+                                  <p:childTnLst>
+                                    <p:set>
+                                      <p:cBhvr>
+                                        <p:cTn id="18" dur="1" fill="hold">
+                                          <p:stCondLst>
+                                            <p:cond delay="0"/>
+                                          </p:stCondLst>
+                                        </p:cTn>
+                                        <p:tgtEl>
+                                          <p:spTgt spid="3">
+                                            <p:txEl>
+                                              <p:pRg st="3" end="3"/>
+                                            </p:txEl>
+                                          </p:spTgt>
+                                        </p:tgtEl>
+                                        <p:attrNameLst>
+                                          <p:attrName>style.visibility</p:attrName>
+                                        </p:attrNameLst>
+                                      </p:cBhvr>
+                                      <p:to>
+                                        <p:strVal val="visible"/>
+                                      </p:to>
+                                    </p:set>
+                                  </p:childTnLst>
+                                </p:cTn>
+                              </p:par>
+                            </p:childTnLst>
+                          </p:cTn>
+                        </p:par>
+                      </p:childTnLst>
+                    </p:cTn>
+                  </p:par>
+                  <p:par>
+                    <p:cTn id="19" fill="hold">
+                      <p:stCondLst>
+                        <p:cond delay="indefinite"/>
+                      </p:stCondLst>
+                      <p:childTnLst>
+                        <p:par>
+                          <p:cTn id="20" fill="hold">
+                            <p:stCondLst>
+                              <p:cond delay="0"/>
+                            </p:stCondLst>
+                            <p:childTnLst>
+                              <p:par>
+                                <p:cTn id="21" presetID="1" presetClass="entr" presetSubtype="0" fill="hold" grpId="0" nodeType="clickEffect">
+                                  <p:stCondLst>
+                                    <p:cond delay="0"/>
+                                  </p:stCondLst>
+                                  <p:childTnLst>
+                                    <p:set>
+                                      <p:cBhvr>
+                                        <p:cTn id="22" dur="1" fill="hold">
+                                          <p:stCondLst>
+                                            <p:cond delay="0"/>
+                                          </p:stCondLst>
+                                        </p:cTn>
+                                        <p:tgtEl>
+                                          <p:spTgt spid="3">
+                                            <p:txEl>
+                                              <p:pRg st="4" end="4"/>
+                                            </p:txEl>
+                                          </p:spTgt>
+                                        </p:tgtEl>
+                                        <p:attrNameLst>
+                                          <p:attrName>style.visibility</p:attrName>
+                                        </p:attrNameLst>
+                                      </p:cBhvr>
+                                      <p:to>
+                                        <p:strVal val="visible"/>
+                                      </p:to>
+                                    </p:set>
+                                  </p:childTnLst>
+                                </p:cTn>
+                              </p:par>
+                            </p:childTnLst>
+                          </p:cTn>
+                        </p:par>
+                      </p:childTnLst>
+                    </p:cTn>
+                  </p:par>
+                </p:childTnLst>
+              </p:cTn>
+              <p:prevCondLst>
+                <p:cond evt="onPrev" delay="0">
+                  <p:tgtEl>
+                    <p:sldTgt/>
+                  </p:tgtEl>
+                </p:cond>
+              </p:prevCondLst>
+              <p:nextCondLst>
+                <p:cond evt="onNext" delay="0">
+                  <p:tgtEl>
+                    <p:sldTgt/>
+                  </p:tgtEl>
+                </p:cond>
+              </p:nextCondLst>
+            </p:seq>
+          </p:childTnLst>
+        </p:cTn>
+      </p:par>
+    </p:tnLst>
+    <p:bldLst>
+      <p:bldP spid="3" grpId="0" build="p"/>
+    </p:bldLst>
+  </p:timing>
 </p:sld>
 </file>
 
@@ -18786,7 +23563,7 @@
             <p:ph sz="half" idx="2"/>
             <p:extLst>
               <p:ext uri="{D42A27DB-BD31-4B8C-83A1-F6EECF244321}">
-                <p14:modId xmlns:p14="http://schemas.microsoft.com/office/powerpoint/2010/main" val="1959705153"/>
+                <p14:modId xmlns:p14="http://schemas.microsoft.com/office/powerpoint/2010/main" val="1327713740"/>
               </p:ext>
             </p:extLst>
           </p:nvPr>
@@ -18966,7 +23743,7 @@
             <p:ph sz="half" idx="2"/>
             <p:extLst>
               <p:ext uri="{D42A27DB-BD31-4B8C-83A1-F6EECF244321}">
-                <p14:modId xmlns:p14="http://schemas.microsoft.com/office/powerpoint/2010/main" val="212113284"/>
+                <p14:modId xmlns:p14="http://schemas.microsoft.com/office/powerpoint/2010/main" val="3288812431"/>
               </p:ext>
             </p:extLst>
           </p:nvPr>
@@ -19281,7 +24058,7 @@
             <p:ph sz="half" idx="2"/>
             <p:extLst>
               <p:ext uri="{D42A27DB-BD31-4B8C-83A1-F6EECF244321}">
-                <p14:modId xmlns:p14="http://schemas.microsoft.com/office/powerpoint/2010/main" val="3187219725"/>
+                <p14:modId xmlns:p14="http://schemas.microsoft.com/office/powerpoint/2010/main" val="2975756920"/>
               </p:ext>
             </p:extLst>
           </p:nvPr>

--- a/cf_version_control_systems.pptx
+++ b/cf_version_control_systems.pptx
@@ -11,20 +11,20 @@
     <p:sldId id="258" r:id="rId5"/>
     <p:sldId id="266" r:id="rId6"/>
     <p:sldId id="267" r:id="rId7"/>
-    <p:sldId id="270" r:id="rId8"/>
-    <p:sldId id="272" r:id="rId9"/>
-    <p:sldId id="271" r:id="rId10"/>
-    <p:sldId id="269" r:id="rId11"/>
-    <p:sldId id="273" r:id="rId12"/>
-    <p:sldId id="274" r:id="rId13"/>
-    <p:sldId id="277" r:id="rId14"/>
-    <p:sldId id="275" r:id="rId15"/>
-    <p:sldId id="278" r:id="rId16"/>
-    <p:sldId id="279" r:id="rId17"/>
-    <p:sldId id="280" r:id="rId18"/>
-    <p:sldId id="282" r:id="rId19"/>
-    <p:sldId id="281" r:id="rId20"/>
-    <p:sldId id="259" r:id="rId21"/>
+    <p:sldId id="259" r:id="rId8"/>
+    <p:sldId id="270" r:id="rId9"/>
+    <p:sldId id="272" r:id="rId10"/>
+    <p:sldId id="271" r:id="rId11"/>
+    <p:sldId id="269" r:id="rId12"/>
+    <p:sldId id="273" r:id="rId13"/>
+    <p:sldId id="274" r:id="rId14"/>
+    <p:sldId id="277" r:id="rId15"/>
+    <p:sldId id="275" r:id="rId16"/>
+    <p:sldId id="278" r:id="rId17"/>
+    <p:sldId id="279" r:id="rId18"/>
+    <p:sldId id="280" r:id="rId19"/>
+    <p:sldId id="282" r:id="rId20"/>
+    <p:sldId id="281" r:id="rId21"/>
     <p:sldId id="260" r:id="rId22"/>
     <p:sldId id="261" r:id="rId23"/>
     <p:sldId id="262" r:id="rId24"/>
@@ -18047,6 +18047,249 @@
           <a:lstStyle/>
           <a:p>
             <a:r>
+              <a:rPr lang="de-DE"/>
+              <a:t>Data is kept in a </a:t>
+            </a:r>
+            <a:r>
+              <a:rPr lang="de-DE" u="sng"/>
+              <a:t>Repository</a:t>
+            </a:r>
+          </a:p>
+          <a:p>
+            <a:r>
+              <a:rPr lang="de-DE" u="sng"/>
+              <a:t>Revision</a:t>
+            </a:r>
+            <a:r>
+              <a:rPr lang="de-DE"/>
+              <a:t> or </a:t>
+            </a:r>
+            <a:r>
+              <a:rPr lang="de-DE" u="sng"/>
+              <a:t>Version</a:t>
+            </a:r>
+            <a:r>
+              <a:rPr lang="de-DE"/>
+              <a:t> is a single file change</a:t>
+            </a:r>
+          </a:p>
+          <a:p>
+            <a:r>
+              <a:rPr lang="de-DE"/>
+              <a:t>To </a:t>
+            </a:r>
+            <a:r>
+              <a:rPr lang="de-DE" u="sng"/>
+              <a:t>clone</a:t>
+            </a:r>
+            <a:r>
+              <a:rPr lang="de-DE"/>
+              <a:t> means to copy a whole repository</a:t>
+            </a:r>
+          </a:p>
+        </p:txBody>
+      </p:sp>
+      <p:graphicFrame>
+        <p:nvGraphicFramePr>
+          <p:cNvPr id="4" name="Inhaltsplatzhalter 3">
+            <a:extLst>
+              <a:ext uri="{FF2B5EF4-FFF2-40B4-BE49-F238E27FC236}">
+                <a16:creationId xmlns:a16="http://schemas.microsoft.com/office/drawing/2014/main" id="{BC50B06D-B29C-4881-8ED3-C8CE10675D0A}"/>
+              </a:ext>
+            </a:extLst>
+          </p:cNvPr>
+          <p:cNvGraphicFramePr>
+            <a:graphicFrameLocks noGrp="1"/>
+          </p:cNvGraphicFramePr>
+          <p:nvPr>
+            <p:ph sz="half" idx="2"/>
+            <p:extLst>
+              <p:ext uri="{D42A27DB-BD31-4B8C-83A1-F6EECF244321}">
+                <p14:modId xmlns:p14="http://schemas.microsoft.com/office/powerpoint/2010/main" val="2975756920"/>
+              </p:ext>
+            </p:extLst>
+          </p:nvPr>
+        </p:nvGraphicFramePr>
+        <p:xfrm>
+          <a:off x="6172200" y="1825625"/>
+          <a:ext cx="5181600" cy="4351338"/>
+        </p:xfrm>
+        <a:graphic>
+          <a:graphicData uri="http://schemas.openxmlformats.org/drawingml/2006/diagram">
+            <dgm:relIds xmlns:dgm="http://schemas.openxmlformats.org/drawingml/2006/diagram" xmlns:r="http://schemas.openxmlformats.org/officeDocument/2006/relationships" r:dm="rId2" r:lo="rId3" r:qs="rId4" r:cs="rId5"/>
+          </a:graphicData>
+        </a:graphic>
+      </p:graphicFrame>
+      <p:sp>
+        <p:nvSpPr>
+          <p:cNvPr id="8" name="Pfeil: nach unten 7">
+            <a:extLst>
+              <a:ext uri="{FF2B5EF4-FFF2-40B4-BE49-F238E27FC236}">
+                <a16:creationId xmlns:a16="http://schemas.microsoft.com/office/drawing/2014/main" id="{C85695C4-82F1-47E4-9CFF-E7E079BB94C1}"/>
+              </a:ext>
+            </a:extLst>
+          </p:cNvPr>
+          <p:cNvSpPr/>
+          <p:nvPr/>
+        </p:nvSpPr>
+        <p:spPr>
+          <a:xfrm>
+            <a:off x="8327254" y="3559946"/>
+            <a:ext cx="772358" cy="905522"/>
+          </a:xfrm>
+          <a:prstGeom prst="downArrow">
+            <a:avLst/>
+          </a:prstGeom>
+        </p:spPr>
+        <p:style>
+          <a:lnRef idx="2">
+            <a:schemeClr val="accent1">
+              <a:shade val="50000"/>
+            </a:schemeClr>
+          </a:lnRef>
+          <a:fillRef idx="1">
+            <a:schemeClr val="accent1"/>
+          </a:fillRef>
+          <a:effectRef idx="0">
+            <a:schemeClr val="accent1"/>
+          </a:effectRef>
+          <a:fontRef idx="minor">
+            <a:schemeClr val="lt1"/>
+          </a:fontRef>
+        </p:style>
+        <p:txBody>
+          <a:bodyPr rtlCol="0" anchor="ctr"/>
+          <a:lstStyle/>
+          <a:p>
+            <a:pPr algn="ctr"/>
+            <a:endParaRPr lang="de-DE"/>
+          </a:p>
+        </p:txBody>
+      </p:sp>
+      <p:sp>
+        <p:nvSpPr>
+          <p:cNvPr id="10" name="Rechteck 9">
+            <a:extLst>
+              <a:ext uri="{FF2B5EF4-FFF2-40B4-BE49-F238E27FC236}">
+                <a16:creationId xmlns:a16="http://schemas.microsoft.com/office/drawing/2014/main" id="{3B397CEE-B6A4-4AA0-A48E-E5BDDF73E731}"/>
+              </a:ext>
+            </a:extLst>
+          </p:cNvPr>
+          <p:cNvSpPr/>
+          <p:nvPr/>
+        </p:nvSpPr>
+        <p:spPr>
+          <a:xfrm>
+            <a:off x="6636798" y="3331030"/>
+            <a:ext cx="1614256" cy="1134438"/>
+          </a:xfrm>
+          <a:prstGeom prst="rect">
+            <a:avLst/>
+          </a:prstGeom>
+          <a:solidFill>
+            <a:schemeClr val="bg1"/>
+          </a:solidFill>
+        </p:spPr>
+        <p:style>
+          <a:lnRef idx="2">
+            <a:schemeClr val="accent1">
+              <a:shade val="50000"/>
+            </a:schemeClr>
+          </a:lnRef>
+          <a:fillRef idx="1">
+            <a:schemeClr val="accent1"/>
+          </a:fillRef>
+          <a:effectRef idx="0">
+            <a:schemeClr val="accent1"/>
+          </a:effectRef>
+          <a:fontRef idx="minor">
+            <a:schemeClr val="lt1"/>
+          </a:fontRef>
+        </p:style>
+        <p:txBody>
+          <a:bodyPr rtlCol="0" anchor="ctr"/>
+          <a:lstStyle/>
+          <a:p>
+            <a:pPr algn="ctr"/>
+            <a:r>
+              <a:rPr lang="de-DE" sz="3600">
+                <a:solidFill>
+                  <a:schemeClr val="tx1"/>
+                </a:solidFill>
+              </a:rPr>
+              <a:t>clone</a:t>
+            </a:r>
+          </a:p>
+        </p:txBody>
+      </p:sp>
+    </p:spTree>
+    <p:extLst>
+      <p:ext uri="{BB962C8B-B14F-4D97-AF65-F5344CB8AC3E}">
+        <p14:creationId xmlns:p14="http://schemas.microsoft.com/office/powerpoint/2010/main" val="3918386089"/>
+      </p:ext>
+    </p:extLst>
+  </p:cSld>
+  <p:clrMapOvr>
+    <a:masterClrMapping/>
+  </p:clrMapOvr>
+</p:sld>
+</file>
+
+<file path=ppt/slides/slide11.xml><?xml version="1.0" encoding="utf-8"?>
+<p:sld xmlns:a="http://schemas.openxmlformats.org/drawingml/2006/main" xmlns:r="http://schemas.openxmlformats.org/officeDocument/2006/relationships" xmlns:p="http://schemas.openxmlformats.org/presentationml/2006/main">
+  <p:cSld>
+    <p:spTree>
+      <p:nvGrpSpPr>
+        <p:cNvPr id="1" name=""/>
+        <p:cNvGrpSpPr/>
+        <p:nvPr/>
+      </p:nvGrpSpPr>
+      <p:grpSpPr>
+        <a:xfrm>
+          <a:off x="0" y="0"/>
+          <a:ext cx="0" cy="0"/>
+          <a:chOff x="0" y="0"/>
+          <a:chExt cx="0" cy="0"/>
+        </a:xfrm>
+      </p:grpSpPr>
+      <p:sp>
+        <p:nvSpPr>
+          <p:cNvPr id="2" name="Titel 1"/>
+          <p:cNvSpPr>
+            <a:spLocks noGrp="1"/>
+          </p:cNvSpPr>
+          <p:nvPr>
+            <p:ph type="title"/>
+          </p:nvPr>
+        </p:nvSpPr>
+        <p:spPr/>
+        <p:txBody>
+          <a:bodyPr/>
+          <a:lstStyle/>
+          <a:p>
+            <a:r>
+              <a:rPr lang="de-DE"/>
+              <a:t>Jargon</a:t>
+            </a:r>
+          </a:p>
+        </p:txBody>
+      </p:sp>
+      <p:sp>
+        <p:nvSpPr>
+          <p:cNvPr id="3" name="Inhaltsplatzhalter 2"/>
+          <p:cNvSpPr>
+            <a:spLocks noGrp="1"/>
+          </p:cNvSpPr>
+          <p:nvPr>
+            <p:ph sz="half" idx="1"/>
+          </p:nvPr>
+        </p:nvSpPr>
+        <p:spPr/>
+        <p:txBody>
+          <a:bodyPr/>
+          <a:lstStyle/>
+          <a:p>
+            <a:r>
               <a:rPr lang="de-DE" u="sng"/>
               <a:t>Commit</a:t>
             </a:r>
@@ -18377,7 +18620,7 @@
 </p:sld>
 </file>
 
-<file path=ppt/slides/slide11.xml><?xml version="1.0" encoding="utf-8"?>
+<file path=ppt/slides/slide12.xml><?xml version="1.0" encoding="utf-8"?>
 <p:sld xmlns:a="http://schemas.openxmlformats.org/drawingml/2006/main" xmlns:r="http://schemas.openxmlformats.org/officeDocument/2006/relationships" xmlns:p="http://schemas.openxmlformats.org/presentationml/2006/main">
   <p:cSld>
     <p:spTree>
@@ -18763,7 +19006,7 @@
 </p:sld>
 </file>
 
-<file path=ppt/slides/slide12.xml><?xml version="1.0" encoding="utf-8"?>
+<file path=ppt/slides/slide13.xml><?xml version="1.0" encoding="utf-8"?>
 <p:sld xmlns:a="http://schemas.openxmlformats.org/drawingml/2006/main" xmlns:r="http://schemas.openxmlformats.org/officeDocument/2006/relationships" xmlns:p="http://schemas.openxmlformats.org/presentationml/2006/main">
   <p:cSld>
     <p:spTree>
@@ -19358,7 +19601,7 @@
 </p:sld>
 </file>
 
-<file path=ppt/slides/slide13.xml><?xml version="1.0" encoding="utf-8"?>
+<file path=ppt/slides/slide14.xml><?xml version="1.0" encoding="utf-8"?>
 <p:sld xmlns:a="http://schemas.openxmlformats.org/drawingml/2006/main" xmlns:r="http://schemas.openxmlformats.org/officeDocument/2006/relationships" xmlns:p="http://schemas.openxmlformats.org/presentationml/2006/main">
   <p:cSld>
     <p:spTree>
@@ -19607,7 +19850,7 @@
 </p:sld>
 </file>
 
-<file path=ppt/slides/slide14.xml><?xml version="1.0" encoding="utf-8"?>
+<file path=ppt/slides/slide15.xml><?xml version="1.0" encoding="utf-8"?>
 <p:sld xmlns:a="http://schemas.openxmlformats.org/drawingml/2006/main" xmlns:r="http://schemas.openxmlformats.org/officeDocument/2006/relationships" xmlns:p="http://schemas.openxmlformats.org/presentationml/2006/main">
   <p:cSld>
     <p:spTree>
@@ -19802,7 +20045,7 @@
 </p:sld>
 </file>
 
-<file path=ppt/slides/slide15.xml><?xml version="1.0" encoding="utf-8"?>
+<file path=ppt/slides/slide16.xml><?xml version="1.0" encoding="utf-8"?>
 <p:sld xmlns:a="http://schemas.openxmlformats.org/drawingml/2006/main" xmlns:r="http://schemas.openxmlformats.org/officeDocument/2006/relationships" xmlns:p="http://schemas.openxmlformats.org/presentationml/2006/main">
   <p:cSld>
     <p:spTree>
@@ -20067,7 +20310,7 @@
 </p:sld>
 </file>
 
-<file path=ppt/slides/slide16.xml><?xml version="1.0" encoding="utf-8"?>
+<file path=ppt/slides/slide17.xml><?xml version="1.0" encoding="utf-8"?>
 <p:sld xmlns:a="http://schemas.openxmlformats.org/drawingml/2006/main" xmlns:r="http://schemas.openxmlformats.org/officeDocument/2006/relationships" xmlns:p="http://schemas.openxmlformats.org/presentationml/2006/main">
   <p:cSld>
     <p:spTree>
@@ -20449,7 +20692,7 @@
 </p:sld>
 </file>
 
-<file path=ppt/slides/slide17.xml><?xml version="1.0" encoding="utf-8"?>
+<file path=ppt/slides/slide18.xml><?xml version="1.0" encoding="utf-8"?>
 <p:sld xmlns:a="http://schemas.openxmlformats.org/drawingml/2006/main" xmlns:r="http://schemas.openxmlformats.org/officeDocument/2006/relationships" xmlns:p="http://schemas.openxmlformats.org/presentationml/2006/main">
   <p:cSld>
     <p:spTree>
@@ -20630,7 +20873,7 @@
 </p:sld>
 </file>
 
-<file path=ppt/slides/slide18.xml><?xml version="1.0" encoding="utf-8"?>
+<file path=ppt/slides/slide19.xml><?xml version="1.0" encoding="utf-8"?>
 <p:sld xmlns:a="http://schemas.openxmlformats.org/drawingml/2006/main" xmlns:r="http://schemas.openxmlformats.org/officeDocument/2006/relationships" xmlns:p="http://schemas.openxmlformats.org/presentationml/2006/main">
   <p:cSld>
     <p:spTree>
@@ -20859,381 +21102,6 @@
     <p:extLst>
       <p:ext uri="{BB962C8B-B14F-4D97-AF65-F5344CB8AC3E}">
         <p14:creationId xmlns:p14="http://schemas.microsoft.com/office/powerpoint/2010/main" val="2210244985"/>
-      </p:ext>
-    </p:extLst>
-  </p:cSld>
-  <p:clrMapOvr>
-    <a:masterClrMapping/>
-  </p:clrMapOvr>
-</p:sld>
-</file>
-
-<file path=ppt/slides/slide19.xml><?xml version="1.0" encoding="utf-8"?>
-<p:sld xmlns:a="http://schemas.openxmlformats.org/drawingml/2006/main" xmlns:r="http://schemas.openxmlformats.org/officeDocument/2006/relationships" xmlns:p="http://schemas.openxmlformats.org/presentationml/2006/main">
-  <p:cSld>
-    <p:spTree>
-      <p:nvGrpSpPr>
-        <p:cNvPr id="1" name=""/>
-        <p:cNvGrpSpPr/>
-        <p:nvPr/>
-      </p:nvGrpSpPr>
-      <p:grpSpPr>
-        <a:xfrm>
-          <a:off x="0" y="0"/>
-          <a:ext cx="0" cy="0"/>
-          <a:chOff x="0" y="0"/>
-          <a:chExt cx="0" cy="0"/>
-        </a:xfrm>
-      </p:grpSpPr>
-      <p:pic>
-        <p:nvPicPr>
-          <p:cNvPr id="8" name="Inhaltsplatzhalter 7">
-            <a:extLst>
-              <a:ext uri="{FF2B5EF4-FFF2-40B4-BE49-F238E27FC236}">
-                <a16:creationId xmlns:a16="http://schemas.microsoft.com/office/drawing/2014/main" id="{E749F531-90A3-40E0-9D2D-35D638542399}"/>
-              </a:ext>
-            </a:extLst>
-          </p:cNvPr>
-          <p:cNvPicPr>
-            <a:picLocks noGrp="1" noChangeAspect="1"/>
-          </p:cNvPicPr>
-          <p:nvPr>
-            <p:ph idx="1"/>
-          </p:nvPr>
-        </p:nvPicPr>
-        <p:blipFill>
-          <a:blip r:embed="rId2">
-            <a:extLst>
-              <a:ext uri="{28A0092B-C50C-407E-A947-70E740481C1C}">
-                <a14:useLocalDpi xmlns:a14="http://schemas.microsoft.com/office/drawing/2010/main" val="0"/>
-              </a:ext>
-            </a:extLst>
-          </a:blip>
-          <a:stretch>
-            <a:fillRect/>
-          </a:stretch>
-        </p:blipFill>
-        <p:spPr>
-          <a:xfrm>
-            <a:off x="838200" y="1871935"/>
-            <a:ext cx="10515600" cy="4258717"/>
-          </a:xfrm>
-        </p:spPr>
-      </p:pic>
-      <p:sp>
-        <p:nvSpPr>
-          <p:cNvPr id="5" name="Titel 4">
-            <a:extLst>
-              <a:ext uri="{FF2B5EF4-FFF2-40B4-BE49-F238E27FC236}">
-                <a16:creationId xmlns:a16="http://schemas.microsoft.com/office/drawing/2014/main" id="{78F11F23-6CE0-4349-AA39-52E46265AE3A}"/>
-              </a:ext>
-            </a:extLst>
-          </p:cNvPr>
-          <p:cNvSpPr>
-            <a:spLocks noGrp="1"/>
-          </p:cNvSpPr>
-          <p:nvPr>
-            <p:ph type="title"/>
-          </p:nvPr>
-        </p:nvSpPr>
-        <p:spPr/>
-        <p:txBody>
-          <a:bodyPr/>
-          <a:lstStyle/>
-          <a:p>
-            <a:r>
-              <a:rPr lang="de-DE"/>
-              <a:t>Branching Strategy Example: Testing</a:t>
-            </a:r>
-          </a:p>
-        </p:txBody>
-      </p:sp>
-      <p:sp>
-        <p:nvSpPr>
-          <p:cNvPr id="9" name="Rechteck 8">
-            <a:extLst>
-              <a:ext uri="{FF2B5EF4-FFF2-40B4-BE49-F238E27FC236}">
-                <a16:creationId xmlns:a16="http://schemas.microsoft.com/office/drawing/2014/main" id="{EB343D37-2FC1-43DD-AB42-2D5277D30777}"/>
-              </a:ext>
-            </a:extLst>
-          </p:cNvPr>
-          <p:cNvSpPr/>
-          <p:nvPr/>
-        </p:nvSpPr>
-        <p:spPr>
-          <a:xfrm>
-            <a:off x="838200" y="5276562"/>
-            <a:ext cx="2128982" cy="886566"/>
-          </a:xfrm>
-          <a:prstGeom prst="rect">
-            <a:avLst/>
-          </a:prstGeom>
-          <a:solidFill>
-            <a:schemeClr val="bg1"/>
-          </a:solidFill>
-        </p:spPr>
-        <p:style>
-          <a:lnRef idx="2">
-            <a:schemeClr val="accent1">
-              <a:shade val="50000"/>
-            </a:schemeClr>
-          </a:lnRef>
-          <a:fillRef idx="1">
-            <a:schemeClr val="accent1"/>
-          </a:fillRef>
-          <a:effectRef idx="0">
-            <a:schemeClr val="accent1"/>
-          </a:effectRef>
-          <a:fontRef idx="minor">
-            <a:schemeClr val="lt1"/>
-          </a:fontRef>
-        </p:style>
-        <p:txBody>
-          <a:bodyPr rtlCol="0" anchor="ctr"/>
-          <a:lstStyle/>
-          <a:p>
-            <a:pPr algn="ctr"/>
-            <a:r>
-              <a:rPr lang="de-DE" sz="3600">
-                <a:solidFill>
-                  <a:schemeClr val="tx1"/>
-                </a:solidFill>
-              </a:rPr>
-              <a:t>Release</a:t>
-            </a:r>
-          </a:p>
-        </p:txBody>
-      </p:sp>
-      <p:sp>
-        <p:nvSpPr>
-          <p:cNvPr id="10" name="Rechteck 9">
-            <a:extLst>
-              <a:ext uri="{FF2B5EF4-FFF2-40B4-BE49-F238E27FC236}">
-                <a16:creationId xmlns:a16="http://schemas.microsoft.com/office/drawing/2014/main" id="{A5F29386-620C-4C20-9EB9-E73954A798DE}"/>
-              </a:ext>
-            </a:extLst>
-          </p:cNvPr>
-          <p:cNvSpPr/>
-          <p:nvPr/>
-        </p:nvSpPr>
-        <p:spPr>
-          <a:xfrm>
-            <a:off x="838200" y="3825528"/>
-            <a:ext cx="2128982" cy="886566"/>
-          </a:xfrm>
-          <a:prstGeom prst="rect">
-            <a:avLst/>
-          </a:prstGeom>
-          <a:solidFill>
-            <a:schemeClr val="bg1"/>
-          </a:solidFill>
-        </p:spPr>
-        <p:style>
-          <a:lnRef idx="2">
-            <a:schemeClr val="accent1">
-              <a:shade val="50000"/>
-            </a:schemeClr>
-          </a:lnRef>
-          <a:fillRef idx="1">
-            <a:schemeClr val="accent1"/>
-          </a:fillRef>
-          <a:effectRef idx="0">
-            <a:schemeClr val="accent1"/>
-          </a:effectRef>
-          <a:fontRef idx="minor">
-            <a:schemeClr val="lt1"/>
-          </a:fontRef>
-        </p:style>
-        <p:txBody>
-          <a:bodyPr rtlCol="0" anchor="ctr"/>
-          <a:lstStyle/>
-          <a:p>
-            <a:pPr algn="ctr"/>
-            <a:r>
-              <a:rPr lang="de-DE" sz="3600">
-                <a:solidFill>
-                  <a:schemeClr val="tx1"/>
-                </a:solidFill>
-              </a:rPr>
-              <a:t>Test</a:t>
-            </a:r>
-          </a:p>
-        </p:txBody>
-      </p:sp>
-      <p:sp>
-        <p:nvSpPr>
-          <p:cNvPr id="11" name="Rechteck 10">
-            <a:extLst>
-              <a:ext uri="{FF2B5EF4-FFF2-40B4-BE49-F238E27FC236}">
-                <a16:creationId xmlns:a16="http://schemas.microsoft.com/office/drawing/2014/main" id="{F7D68EB6-961E-4789-B691-612657CB3EBA}"/>
-              </a:ext>
-            </a:extLst>
-          </p:cNvPr>
-          <p:cNvSpPr/>
-          <p:nvPr/>
-        </p:nvSpPr>
-        <p:spPr>
-          <a:xfrm>
-            <a:off x="838200" y="2353632"/>
-            <a:ext cx="2128982" cy="886566"/>
-          </a:xfrm>
-          <a:prstGeom prst="rect">
-            <a:avLst/>
-          </a:prstGeom>
-          <a:solidFill>
-            <a:schemeClr val="bg1"/>
-          </a:solidFill>
-        </p:spPr>
-        <p:style>
-          <a:lnRef idx="2">
-            <a:schemeClr val="accent1">
-              <a:shade val="50000"/>
-            </a:schemeClr>
-          </a:lnRef>
-          <a:fillRef idx="1">
-            <a:schemeClr val="accent1"/>
-          </a:fillRef>
-          <a:effectRef idx="0">
-            <a:schemeClr val="accent1"/>
-          </a:effectRef>
-          <a:fontRef idx="minor">
-            <a:schemeClr val="lt1"/>
-          </a:fontRef>
-        </p:style>
-        <p:txBody>
-          <a:bodyPr rtlCol="0" anchor="ctr"/>
-          <a:lstStyle/>
-          <a:p>
-            <a:pPr algn="ctr"/>
-            <a:r>
-              <a:rPr lang="de-DE" sz="3600">
-                <a:solidFill>
-                  <a:schemeClr val="tx1"/>
-                </a:solidFill>
-              </a:rPr>
-              <a:t>Dev</a:t>
-            </a:r>
-          </a:p>
-        </p:txBody>
-      </p:sp>
-      <p:sp>
-        <p:nvSpPr>
-          <p:cNvPr id="14" name="Rechteck 13">
-            <a:extLst>
-              <a:ext uri="{FF2B5EF4-FFF2-40B4-BE49-F238E27FC236}">
-                <a16:creationId xmlns:a16="http://schemas.microsoft.com/office/drawing/2014/main" id="{0FFAE908-6220-4A63-89BB-C862AB97D944}"/>
-              </a:ext>
-            </a:extLst>
-          </p:cNvPr>
-          <p:cNvSpPr/>
-          <p:nvPr/>
-        </p:nvSpPr>
-        <p:spPr>
-          <a:xfrm>
-            <a:off x="9224818" y="5868616"/>
-            <a:ext cx="2128982" cy="886566"/>
-          </a:xfrm>
-          <a:prstGeom prst="rect">
-            <a:avLst/>
-          </a:prstGeom>
-          <a:noFill/>
-          <a:ln>
-            <a:noFill/>
-          </a:ln>
-        </p:spPr>
-        <p:style>
-          <a:lnRef idx="2">
-            <a:schemeClr val="accent1">
-              <a:shade val="50000"/>
-            </a:schemeClr>
-          </a:lnRef>
-          <a:fillRef idx="1">
-            <a:schemeClr val="accent1"/>
-          </a:fillRef>
-          <a:effectRef idx="0">
-            <a:schemeClr val="accent1"/>
-          </a:effectRef>
-          <a:fontRef idx="minor">
-            <a:schemeClr val="lt1"/>
-          </a:fontRef>
-        </p:style>
-        <p:txBody>
-          <a:bodyPr rtlCol="0" anchor="ctr"/>
-          <a:lstStyle/>
-          <a:p>
-            <a:pPr algn="ctr"/>
-            <a:r>
-              <a:rPr lang="de-DE" sz="2400">
-                <a:solidFill>
-                  <a:schemeClr val="tx1"/>
-                </a:solidFill>
-              </a:rPr>
-              <a:t>Version 2.0</a:t>
-            </a:r>
-          </a:p>
-        </p:txBody>
-      </p:sp>
-      <p:sp>
-        <p:nvSpPr>
-          <p:cNvPr id="15" name="Rechteck 14">
-            <a:extLst>
-              <a:ext uri="{FF2B5EF4-FFF2-40B4-BE49-F238E27FC236}">
-                <a16:creationId xmlns:a16="http://schemas.microsoft.com/office/drawing/2014/main" id="{D7E1BC09-2CE7-4E87-9ABA-2C443C1870BD}"/>
-              </a:ext>
-            </a:extLst>
-          </p:cNvPr>
-          <p:cNvSpPr/>
-          <p:nvPr/>
-        </p:nvSpPr>
-        <p:spPr>
-          <a:xfrm>
-            <a:off x="5797748" y="5868616"/>
-            <a:ext cx="2128982" cy="886566"/>
-          </a:xfrm>
-          <a:prstGeom prst="rect">
-            <a:avLst/>
-          </a:prstGeom>
-          <a:noFill/>
-          <a:ln>
-            <a:noFill/>
-          </a:ln>
-        </p:spPr>
-        <p:style>
-          <a:lnRef idx="2">
-            <a:schemeClr val="accent1">
-              <a:shade val="50000"/>
-            </a:schemeClr>
-          </a:lnRef>
-          <a:fillRef idx="1">
-            <a:schemeClr val="accent1"/>
-          </a:fillRef>
-          <a:effectRef idx="0">
-            <a:schemeClr val="accent1"/>
-          </a:effectRef>
-          <a:fontRef idx="minor">
-            <a:schemeClr val="lt1"/>
-          </a:fontRef>
-        </p:style>
-        <p:txBody>
-          <a:bodyPr rtlCol="0" anchor="ctr"/>
-          <a:lstStyle/>
-          <a:p>
-            <a:pPr algn="ctr"/>
-            <a:r>
-              <a:rPr lang="de-DE" sz="2400">
-                <a:solidFill>
-                  <a:schemeClr val="tx1"/>
-                </a:solidFill>
-              </a:rPr>
-              <a:t>Version 1.0</a:t>
-            </a:r>
-          </a:p>
-        </p:txBody>
-      </p:sp>
-    </p:spTree>
-    <p:extLst>
-      <p:ext uri="{BB962C8B-B14F-4D97-AF65-F5344CB8AC3E}">
-        <p14:creationId xmlns:p14="http://schemas.microsoft.com/office/powerpoint/2010/main" val="3603522584"/>
       </p:ext>
     </p:extLst>
   </p:cSld>
@@ -21637,9 +21505,50 @@
           <a:chExt cx="0" cy="0"/>
         </a:xfrm>
       </p:grpSpPr>
+      <p:pic>
+        <p:nvPicPr>
+          <p:cNvPr id="8" name="Inhaltsplatzhalter 7">
+            <a:extLst>
+              <a:ext uri="{FF2B5EF4-FFF2-40B4-BE49-F238E27FC236}">
+                <a16:creationId xmlns:a16="http://schemas.microsoft.com/office/drawing/2014/main" id="{E749F531-90A3-40E0-9D2D-35D638542399}"/>
+              </a:ext>
+            </a:extLst>
+          </p:cNvPr>
+          <p:cNvPicPr>
+            <a:picLocks noGrp="1" noChangeAspect="1"/>
+          </p:cNvPicPr>
+          <p:nvPr>
+            <p:ph idx="1"/>
+          </p:nvPr>
+        </p:nvPicPr>
+        <p:blipFill>
+          <a:blip r:embed="rId2">
+            <a:extLst>
+              <a:ext uri="{28A0092B-C50C-407E-A947-70E740481C1C}">
+                <a14:useLocalDpi xmlns:a14="http://schemas.microsoft.com/office/drawing/2010/main" val="0"/>
+              </a:ext>
+            </a:extLst>
+          </a:blip>
+          <a:stretch>
+            <a:fillRect/>
+          </a:stretch>
+        </p:blipFill>
+        <p:spPr>
+          <a:xfrm>
+            <a:off x="838200" y="1871935"/>
+            <a:ext cx="10515600" cy="4258717"/>
+          </a:xfrm>
+        </p:spPr>
+      </p:pic>
       <p:sp>
         <p:nvSpPr>
-          <p:cNvPr id="2" name="Titel 1"/>
+          <p:cNvPr id="5" name="Titel 4">
+            <a:extLst>
+              <a:ext uri="{FF2B5EF4-FFF2-40B4-BE49-F238E27FC236}">
+                <a16:creationId xmlns:a16="http://schemas.microsoft.com/office/drawing/2014/main" id="{78F11F23-6CE0-4349-AA39-52E46265AE3A}"/>
+              </a:ext>
+            </a:extLst>
+          </p:cNvPr>
           <p:cNvSpPr>
             <a:spLocks noGrp="1"/>
           </p:cNvSpPr>
@@ -21654,348 +21563,303 @@
           <a:p>
             <a:r>
               <a:rPr lang="de-DE"/>
-              <a:t>Available Systems</a:t>
+              <a:t>Branching Strategy Example: Testing</a:t>
             </a:r>
           </a:p>
         </p:txBody>
       </p:sp>
       <p:sp>
         <p:nvSpPr>
-          <p:cNvPr id="3" name="Inhaltsplatzhalter 2"/>
-          <p:cNvSpPr>
-            <a:spLocks noGrp="1"/>
-          </p:cNvSpPr>
-          <p:nvPr>
-            <p:ph idx="1"/>
-          </p:nvPr>
+          <p:cNvPr id="9" name="Rechteck 8">
+            <a:extLst>
+              <a:ext uri="{FF2B5EF4-FFF2-40B4-BE49-F238E27FC236}">
+                <a16:creationId xmlns:a16="http://schemas.microsoft.com/office/drawing/2014/main" id="{EB343D37-2FC1-43DD-AB42-2D5277D30777}"/>
+              </a:ext>
+            </a:extLst>
+          </p:cNvPr>
+          <p:cNvSpPr/>
+          <p:nvPr/>
         </p:nvSpPr>
-        <p:spPr/>
+        <p:spPr>
+          <a:xfrm>
+            <a:off x="838200" y="5276562"/>
+            <a:ext cx="2128982" cy="886566"/>
+          </a:xfrm>
+          <a:prstGeom prst="rect">
+            <a:avLst/>
+          </a:prstGeom>
+          <a:solidFill>
+            <a:schemeClr val="bg1"/>
+          </a:solidFill>
+        </p:spPr>
+        <p:style>
+          <a:lnRef idx="2">
+            <a:schemeClr val="accent1">
+              <a:shade val="50000"/>
+            </a:schemeClr>
+          </a:lnRef>
+          <a:fillRef idx="1">
+            <a:schemeClr val="accent1"/>
+          </a:fillRef>
+          <a:effectRef idx="0">
+            <a:schemeClr val="accent1"/>
+          </a:effectRef>
+          <a:fontRef idx="minor">
+            <a:schemeClr val="lt1"/>
+          </a:fontRef>
+        </p:style>
         <p:txBody>
-          <a:bodyPr>
-            <a:normAutofit/>
-          </a:bodyPr>
+          <a:bodyPr rtlCol="0" anchor="ctr"/>
           <a:lstStyle/>
           <a:p>
+            <a:pPr algn="ctr"/>
             <a:r>
-              <a:rPr lang="en-US"/>
-              <a:t>TFS</a:t>
+              <a:rPr lang="de-DE" sz="3600">
+                <a:solidFill>
+                  <a:schemeClr val="tx1"/>
+                </a:solidFill>
+              </a:rPr>
+              <a:t>Release</a:t>
             </a:r>
           </a:p>
+        </p:txBody>
+      </p:sp>
+      <p:sp>
+        <p:nvSpPr>
+          <p:cNvPr id="10" name="Rechteck 9">
+            <a:extLst>
+              <a:ext uri="{FF2B5EF4-FFF2-40B4-BE49-F238E27FC236}">
+                <a16:creationId xmlns:a16="http://schemas.microsoft.com/office/drawing/2014/main" id="{A5F29386-620C-4C20-9EB9-E73954A798DE}"/>
+              </a:ext>
+            </a:extLst>
+          </p:cNvPr>
+          <p:cNvSpPr/>
+          <p:nvPr/>
+        </p:nvSpPr>
+        <p:spPr>
+          <a:xfrm>
+            <a:off x="838200" y="3825528"/>
+            <a:ext cx="2128982" cy="886566"/>
+          </a:xfrm>
+          <a:prstGeom prst="rect">
+            <a:avLst/>
+          </a:prstGeom>
+          <a:solidFill>
+            <a:schemeClr val="bg1"/>
+          </a:solidFill>
+        </p:spPr>
+        <p:style>
+          <a:lnRef idx="2">
+            <a:schemeClr val="accent1">
+              <a:shade val="50000"/>
+            </a:schemeClr>
+          </a:lnRef>
+          <a:fillRef idx="1">
+            <a:schemeClr val="accent1"/>
+          </a:fillRef>
+          <a:effectRef idx="0">
+            <a:schemeClr val="accent1"/>
+          </a:effectRef>
+          <a:fontRef idx="minor">
+            <a:schemeClr val="lt1"/>
+          </a:fontRef>
+        </p:style>
+        <p:txBody>
+          <a:bodyPr rtlCol="0" anchor="ctr"/>
+          <a:lstStyle/>
           <a:p>
+            <a:pPr algn="ctr"/>
             <a:r>
-              <a:rPr lang="en-US"/>
-              <a:t>BitKeeper</a:t>
+              <a:rPr lang="de-DE" sz="3600">
+                <a:solidFill>
+                  <a:schemeClr val="tx1"/>
+                </a:solidFill>
+              </a:rPr>
+              <a:t>Test</a:t>
             </a:r>
           </a:p>
+        </p:txBody>
+      </p:sp>
+      <p:sp>
+        <p:nvSpPr>
+          <p:cNvPr id="11" name="Rechteck 10">
+            <a:extLst>
+              <a:ext uri="{FF2B5EF4-FFF2-40B4-BE49-F238E27FC236}">
+                <a16:creationId xmlns:a16="http://schemas.microsoft.com/office/drawing/2014/main" id="{F7D68EB6-961E-4789-B691-612657CB3EBA}"/>
+              </a:ext>
+            </a:extLst>
+          </p:cNvPr>
+          <p:cNvSpPr/>
+          <p:nvPr/>
+        </p:nvSpPr>
+        <p:spPr>
+          <a:xfrm>
+            <a:off x="838200" y="2353632"/>
+            <a:ext cx="2128982" cy="886566"/>
+          </a:xfrm>
+          <a:prstGeom prst="rect">
+            <a:avLst/>
+          </a:prstGeom>
+          <a:solidFill>
+            <a:schemeClr val="bg1"/>
+          </a:solidFill>
+        </p:spPr>
+        <p:style>
+          <a:lnRef idx="2">
+            <a:schemeClr val="accent1">
+              <a:shade val="50000"/>
+            </a:schemeClr>
+          </a:lnRef>
+          <a:fillRef idx="1">
+            <a:schemeClr val="accent1"/>
+          </a:fillRef>
+          <a:effectRef idx="0">
+            <a:schemeClr val="accent1"/>
+          </a:effectRef>
+          <a:fontRef idx="minor">
+            <a:schemeClr val="lt1"/>
+          </a:fontRef>
+        </p:style>
+        <p:txBody>
+          <a:bodyPr rtlCol="0" anchor="ctr"/>
+          <a:lstStyle/>
           <a:p>
+            <a:pPr algn="ctr"/>
             <a:r>
-              <a:rPr lang="en-US"/>
-              <a:t>Git</a:t>
+              <a:rPr lang="de-DE" sz="3600">
+                <a:solidFill>
+                  <a:schemeClr val="tx1"/>
+                </a:solidFill>
+              </a:rPr>
+              <a:t>Dev</a:t>
             </a:r>
           </a:p>
+        </p:txBody>
+      </p:sp>
+      <p:sp>
+        <p:nvSpPr>
+          <p:cNvPr id="14" name="Rechteck 13">
+            <a:extLst>
+              <a:ext uri="{FF2B5EF4-FFF2-40B4-BE49-F238E27FC236}">
+                <a16:creationId xmlns:a16="http://schemas.microsoft.com/office/drawing/2014/main" id="{0FFAE908-6220-4A63-89BB-C862AB97D944}"/>
+              </a:ext>
+            </a:extLst>
+          </p:cNvPr>
+          <p:cNvSpPr/>
+          <p:nvPr/>
+        </p:nvSpPr>
+        <p:spPr>
+          <a:xfrm>
+            <a:off x="9224818" y="5868616"/>
+            <a:ext cx="2128982" cy="886566"/>
+          </a:xfrm>
+          <a:prstGeom prst="rect">
+            <a:avLst/>
+          </a:prstGeom>
+          <a:noFill/>
+          <a:ln>
+            <a:noFill/>
+          </a:ln>
+        </p:spPr>
+        <p:style>
+          <a:lnRef idx="2">
+            <a:schemeClr val="accent1">
+              <a:shade val="50000"/>
+            </a:schemeClr>
+          </a:lnRef>
+          <a:fillRef idx="1">
+            <a:schemeClr val="accent1"/>
+          </a:fillRef>
+          <a:effectRef idx="0">
+            <a:schemeClr val="accent1"/>
+          </a:effectRef>
+          <a:fontRef idx="minor">
+            <a:schemeClr val="lt1"/>
+          </a:fontRef>
+        </p:style>
+        <p:txBody>
+          <a:bodyPr rtlCol="0" anchor="ctr"/>
+          <a:lstStyle/>
           <a:p>
+            <a:pPr algn="ctr"/>
             <a:r>
-              <a:rPr lang="en-US"/>
-              <a:t>Mercurial</a:t>
+              <a:rPr lang="de-DE" sz="2400">
+                <a:solidFill>
+                  <a:schemeClr val="tx1"/>
+                </a:solidFill>
+              </a:rPr>
+              <a:t>Version 2.0</a:t>
             </a:r>
           </a:p>
+        </p:txBody>
+      </p:sp>
+      <p:sp>
+        <p:nvSpPr>
+          <p:cNvPr id="15" name="Rechteck 14">
+            <a:extLst>
+              <a:ext uri="{FF2B5EF4-FFF2-40B4-BE49-F238E27FC236}">
+                <a16:creationId xmlns:a16="http://schemas.microsoft.com/office/drawing/2014/main" id="{D7E1BC09-2CE7-4E87-9ABA-2C443C1870BD}"/>
+              </a:ext>
+            </a:extLst>
+          </p:cNvPr>
+          <p:cNvSpPr/>
+          <p:nvPr/>
+        </p:nvSpPr>
+        <p:spPr>
+          <a:xfrm>
+            <a:off x="5797748" y="5868616"/>
+            <a:ext cx="2128982" cy="886566"/>
+          </a:xfrm>
+          <a:prstGeom prst="rect">
+            <a:avLst/>
+          </a:prstGeom>
+          <a:noFill/>
+          <a:ln>
+            <a:noFill/>
+          </a:ln>
+        </p:spPr>
+        <p:style>
+          <a:lnRef idx="2">
+            <a:schemeClr val="accent1">
+              <a:shade val="50000"/>
+            </a:schemeClr>
+          </a:lnRef>
+          <a:fillRef idx="1">
+            <a:schemeClr val="accent1"/>
+          </a:fillRef>
+          <a:effectRef idx="0">
+            <a:schemeClr val="accent1"/>
+          </a:effectRef>
+          <a:fontRef idx="minor">
+            <a:schemeClr val="lt1"/>
+          </a:fontRef>
+        </p:style>
+        <p:txBody>
+          <a:bodyPr rtlCol="0" anchor="ctr"/>
+          <a:lstStyle/>
           <a:p>
+            <a:pPr algn="ctr"/>
             <a:r>
-              <a:rPr lang="en-US"/>
-              <a:t>Subversion, CVS, Monotone, ...</a:t>
+              <a:rPr lang="de-DE" sz="2400">
+                <a:solidFill>
+                  <a:schemeClr val="tx1"/>
+                </a:solidFill>
+              </a:rPr>
+              <a:t>Version 1.0</a:t>
             </a:r>
-            <a:endParaRPr lang="de-DE"/>
           </a:p>
         </p:txBody>
       </p:sp>
     </p:spTree>
     <p:extLst>
       <p:ext uri="{BB962C8B-B14F-4D97-AF65-F5344CB8AC3E}">
-        <p14:creationId xmlns:p14="http://schemas.microsoft.com/office/powerpoint/2010/main" val="1530659865"/>
+        <p14:creationId xmlns:p14="http://schemas.microsoft.com/office/powerpoint/2010/main" val="3603522584"/>
       </p:ext>
     </p:extLst>
   </p:cSld>
   <p:clrMapOvr>
     <a:masterClrMapping/>
   </p:clrMapOvr>
-  <p:timing>
-    <p:tnLst>
-      <p:par>
-        <p:cTn id="1" dur="indefinite" restart="never" nodeType="tmRoot">
-          <p:childTnLst>
-            <p:seq concurrent="1" nextAc="seek">
-              <p:cTn id="2" dur="indefinite" nodeType="mainSeq">
-                <p:childTnLst>
-                  <p:par>
-                    <p:cTn id="3" fill="hold">
-                      <p:stCondLst>
-                        <p:cond delay="indefinite"/>
-                      </p:stCondLst>
-                      <p:childTnLst>
-                        <p:par>
-                          <p:cTn id="4" fill="hold">
-                            <p:stCondLst>
-                              <p:cond delay="0"/>
-                            </p:stCondLst>
-                            <p:childTnLst>
-                              <p:par>
-                                <p:cTn id="5" presetID="1" presetClass="entr" presetSubtype="0" fill="hold" grpId="0" nodeType="clickEffect">
-                                  <p:stCondLst>
-                                    <p:cond delay="0"/>
-                                  </p:stCondLst>
-                                  <p:childTnLst>
-                                    <p:set>
-                                      <p:cBhvr>
-                                        <p:cTn id="6" dur="1" fill="hold">
-                                          <p:stCondLst>
-                                            <p:cond delay="0"/>
-                                          </p:stCondLst>
-                                        </p:cTn>
-                                        <p:tgtEl>
-                                          <p:spTgt spid="3">
-                                            <p:txEl>
-                                              <p:pRg st="0" end="0"/>
-                                            </p:txEl>
-                                          </p:spTgt>
-                                        </p:tgtEl>
-                                        <p:attrNameLst>
-                                          <p:attrName>style.visibility</p:attrName>
-                                        </p:attrNameLst>
-                                      </p:cBhvr>
-                                      <p:to>
-                                        <p:strVal val="visible"/>
-                                      </p:to>
-                                    </p:set>
-                                  </p:childTnLst>
-                                </p:cTn>
-                              </p:par>
-                            </p:childTnLst>
-                          </p:cTn>
-                        </p:par>
-                      </p:childTnLst>
-                    </p:cTn>
-                  </p:par>
-                  <p:par>
-                    <p:cTn id="7" fill="hold">
-                      <p:stCondLst>
-                        <p:cond delay="indefinite"/>
-                      </p:stCondLst>
-                      <p:childTnLst>
-                        <p:par>
-                          <p:cTn id="8" fill="hold">
-                            <p:stCondLst>
-                              <p:cond delay="0"/>
-                            </p:stCondLst>
-                            <p:childTnLst>
-                              <p:par>
-                                <p:cTn id="9" presetID="1" presetClass="entr" presetSubtype="0" fill="hold" grpId="0" nodeType="clickEffect">
-                                  <p:stCondLst>
-                                    <p:cond delay="0"/>
-                                  </p:stCondLst>
-                                  <p:childTnLst>
-                                    <p:set>
-                                      <p:cBhvr>
-                                        <p:cTn id="10" dur="1" fill="hold">
-                                          <p:stCondLst>
-                                            <p:cond delay="0"/>
-                                          </p:stCondLst>
-                                        </p:cTn>
-                                        <p:tgtEl>
-                                          <p:spTgt spid="3">
-                                            <p:txEl>
-                                              <p:pRg st="1" end="1"/>
-                                            </p:txEl>
-                                          </p:spTgt>
-                                        </p:tgtEl>
-                                        <p:attrNameLst>
-                                          <p:attrName>style.visibility</p:attrName>
-                                        </p:attrNameLst>
-                                      </p:cBhvr>
-                                      <p:to>
-                                        <p:strVal val="visible"/>
-                                      </p:to>
-                                    </p:set>
-                                  </p:childTnLst>
-                                </p:cTn>
-                              </p:par>
-                            </p:childTnLst>
-                          </p:cTn>
-                        </p:par>
-                      </p:childTnLst>
-                    </p:cTn>
-                  </p:par>
-                  <p:par>
-                    <p:cTn id="11" fill="hold">
-                      <p:stCondLst>
-                        <p:cond delay="indefinite"/>
-                      </p:stCondLst>
-                      <p:childTnLst>
-                        <p:par>
-                          <p:cTn id="12" fill="hold">
-                            <p:stCondLst>
-                              <p:cond delay="0"/>
-                            </p:stCondLst>
-                            <p:childTnLst>
-                              <p:par>
-                                <p:cTn id="13" presetID="1" presetClass="entr" presetSubtype="0" fill="hold" grpId="0" nodeType="clickEffect">
-                                  <p:stCondLst>
-                                    <p:cond delay="0"/>
-                                  </p:stCondLst>
-                                  <p:childTnLst>
-                                    <p:set>
-                                      <p:cBhvr>
-                                        <p:cTn id="14" dur="1" fill="hold">
-                                          <p:stCondLst>
-                                            <p:cond delay="0"/>
-                                          </p:stCondLst>
-                                        </p:cTn>
-                                        <p:tgtEl>
-                                          <p:spTgt spid="3">
-                                            <p:txEl>
-                                              <p:pRg st="2" end="2"/>
-                                            </p:txEl>
-                                          </p:spTgt>
-                                        </p:tgtEl>
-                                        <p:attrNameLst>
-                                          <p:attrName>style.visibility</p:attrName>
-                                        </p:attrNameLst>
-                                      </p:cBhvr>
-                                      <p:to>
-                                        <p:strVal val="visible"/>
-                                      </p:to>
-                                    </p:set>
-                                  </p:childTnLst>
-                                </p:cTn>
-                              </p:par>
-                            </p:childTnLst>
-                          </p:cTn>
-                        </p:par>
-                      </p:childTnLst>
-                    </p:cTn>
-                  </p:par>
-                  <p:par>
-                    <p:cTn id="15" fill="hold">
-                      <p:stCondLst>
-                        <p:cond delay="indefinite"/>
-                      </p:stCondLst>
-                      <p:childTnLst>
-                        <p:par>
-                          <p:cTn id="16" fill="hold">
-                            <p:stCondLst>
-                              <p:cond delay="0"/>
-                            </p:stCondLst>
-                            <p:childTnLst>
-                              <p:par>
-                                <p:cTn id="17" presetID="1" presetClass="entr" presetSubtype="0" fill="hold" grpId="0" nodeType="clickEffect">
-                                  <p:stCondLst>
-                                    <p:cond delay="0"/>
-                                  </p:stCondLst>
-                                  <p:childTnLst>
-                                    <p:set>
-                                      <p:cBhvr>
-                                        <p:cTn id="18" dur="1" fill="hold">
-                                          <p:stCondLst>
-                                            <p:cond delay="0"/>
-                                          </p:stCondLst>
-                                        </p:cTn>
-                                        <p:tgtEl>
-                                          <p:spTgt spid="3">
-                                            <p:txEl>
-                                              <p:pRg st="3" end="3"/>
-                                            </p:txEl>
-                                          </p:spTgt>
-                                        </p:tgtEl>
-                                        <p:attrNameLst>
-                                          <p:attrName>style.visibility</p:attrName>
-                                        </p:attrNameLst>
-                                      </p:cBhvr>
-                                      <p:to>
-                                        <p:strVal val="visible"/>
-                                      </p:to>
-                                    </p:set>
-                                  </p:childTnLst>
-                                </p:cTn>
-                              </p:par>
-                            </p:childTnLst>
-                          </p:cTn>
-                        </p:par>
-                      </p:childTnLst>
-                    </p:cTn>
-                  </p:par>
-                  <p:par>
-                    <p:cTn id="19" fill="hold">
-                      <p:stCondLst>
-                        <p:cond delay="indefinite"/>
-                      </p:stCondLst>
-                      <p:childTnLst>
-                        <p:par>
-                          <p:cTn id="20" fill="hold">
-                            <p:stCondLst>
-                              <p:cond delay="0"/>
-                            </p:stCondLst>
-                            <p:childTnLst>
-                              <p:par>
-                                <p:cTn id="21" presetID="1" presetClass="entr" presetSubtype="0" fill="hold" grpId="0" nodeType="clickEffect">
-                                  <p:stCondLst>
-                                    <p:cond delay="0"/>
-                                  </p:stCondLst>
-                                  <p:childTnLst>
-                                    <p:set>
-                                      <p:cBhvr>
-                                        <p:cTn id="22" dur="1" fill="hold">
-                                          <p:stCondLst>
-                                            <p:cond delay="0"/>
-                                          </p:stCondLst>
-                                        </p:cTn>
-                                        <p:tgtEl>
-                                          <p:spTgt spid="3">
-                                            <p:txEl>
-                                              <p:pRg st="4" end="4"/>
-                                            </p:txEl>
-                                          </p:spTgt>
-                                        </p:tgtEl>
-                                        <p:attrNameLst>
-                                          <p:attrName>style.visibility</p:attrName>
-                                        </p:attrNameLst>
-                                      </p:cBhvr>
-                                      <p:to>
-                                        <p:strVal val="visible"/>
-                                      </p:to>
-                                    </p:set>
-                                  </p:childTnLst>
-                                </p:cTn>
-                              </p:par>
-                            </p:childTnLst>
-                          </p:cTn>
-                        </p:par>
-                      </p:childTnLst>
-                    </p:cTn>
-                  </p:par>
-                </p:childTnLst>
-              </p:cTn>
-              <p:prevCondLst>
-                <p:cond evt="onPrev" delay="0">
-                  <p:tgtEl>
-                    <p:sldTgt/>
-                  </p:tgtEl>
-                </p:cond>
-              </p:prevCondLst>
-              <p:nextCondLst>
-                <p:cond evt="onNext" delay="0">
-                  <p:tgtEl>
-                    <p:sldTgt/>
-                  </p:tgtEl>
-                </p:cond>
-              </p:nextCondLst>
-            </p:seq>
-          </p:childTnLst>
-        </p:cTn>
-      </p:par>
-    </p:tnLst>
-    <p:bldLst>
-      <p:bldP spid="3" grpId="0" build="p"/>
-    </p:bldLst>
-  </p:timing>
 </p:sld>
 </file>
 
@@ -22820,6 +22684,12 @@
           <a:p>
             <a:r>
               <a:rPr lang="de-DE"/>
+              <a:t>Let‘s do an experiment</a:t>
+            </a:r>
+          </a:p>
+          <a:p>
+            <a:r>
+              <a:rPr lang="de-DE"/>
               <a:t>Write a text in a word processor</a:t>
             </a:r>
           </a:p>
@@ -23040,6 +22910,55 @@
                                           <p:spTgt spid="3">
                                             <p:txEl>
                                               <p:pRg st="3" end="3"/>
+                                            </p:txEl>
+                                          </p:spTgt>
+                                        </p:tgtEl>
+                                        <p:attrNameLst>
+                                          <p:attrName>style.visibility</p:attrName>
+                                        </p:attrNameLst>
+                                      </p:cBhvr>
+                                      <p:to>
+                                        <p:strVal val="visible"/>
+                                      </p:to>
+                                    </p:set>
+                                  </p:childTnLst>
+                                </p:cTn>
+                              </p:par>
+                            </p:childTnLst>
+                          </p:cTn>
+                        </p:par>
+                      </p:childTnLst>
+                    </p:cTn>
+                  </p:par>
+                  <p:par>
+                    <p:cTn id="19" fill="hold">
+                      <p:stCondLst>
+                        <p:cond delay="indefinite"/>
+                      </p:stCondLst>
+                      <p:childTnLst>
+                        <p:par>
+                          <p:cTn id="20" fill="hold">
+                            <p:stCondLst>
+                              <p:cond delay="0"/>
+                            </p:stCondLst>
+                            <p:childTnLst>
+                              <p:par>
+                                <p:cTn id="21" presetID="1" presetClass="entr" presetSubtype="0" fill="hold" grpId="0" nodeType="clickEffect">
+                                  <p:stCondLst>
+                                    <p:cond delay="0"/>
+                                  </p:stCondLst>
+                                  <p:childTnLst>
+                                    <p:set>
+                                      <p:cBhvr>
+                                        <p:cTn id="22" dur="1" fill="hold">
+                                          <p:stCondLst>
+                                            <p:cond delay="0"/>
+                                          </p:stCondLst>
+                                        </p:cTn>
+                                        <p:tgtEl>
+                                          <p:spTgt spid="3">
+                                            <p:txEl>
+                                              <p:pRg st="4" end="4"/>
                                             </p:txEl>
                                           </p:spTgt>
                                         </p:tgtEl>
@@ -23516,6 +23435,385 @@
           <a:p>
             <a:r>
               <a:rPr lang="de-DE"/>
+              <a:t>Available Systems</a:t>
+            </a:r>
+          </a:p>
+        </p:txBody>
+      </p:sp>
+      <p:sp>
+        <p:nvSpPr>
+          <p:cNvPr id="3" name="Inhaltsplatzhalter 2"/>
+          <p:cNvSpPr>
+            <a:spLocks noGrp="1"/>
+          </p:cNvSpPr>
+          <p:nvPr>
+            <p:ph idx="1"/>
+          </p:nvPr>
+        </p:nvSpPr>
+        <p:spPr/>
+        <p:txBody>
+          <a:bodyPr>
+            <a:normAutofit/>
+          </a:bodyPr>
+          <a:lstStyle/>
+          <a:p>
+            <a:r>
+              <a:rPr lang="en-US"/>
+              <a:t>Microsoft Team Foundation Server TFVC</a:t>
+            </a:r>
+          </a:p>
+          <a:p>
+            <a:r>
+              <a:rPr lang="en-US"/>
+              <a:t>BitKeeper</a:t>
+            </a:r>
+          </a:p>
+          <a:p>
+            <a:r>
+              <a:rPr lang="en-US"/>
+              <a:t>Git</a:t>
+            </a:r>
+          </a:p>
+          <a:p>
+            <a:r>
+              <a:rPr lang="en-US"/>
+              <a:t>Mercurial</a:t>
+            </a:r>
+          </a:p>
+          <a:p>
+            <a:r>
+              <a:rPr lang="en-US"/>
+              <a:t>Subversion, CVS, Monotone, ...</a:t>
+            </a:r>
+            <a:endParaRPr lang="de-DE"/>
+          </a:p>
+        </p:txBody>
+      </p:sp>
+    </p:spTree>
+    <p:extLst>
+      <p:ext uri="{BB962C8B-B14F-4D97-AF65-F5344CB8AC3E}">
+        <p14:creationId xmlns:p14="http://schemas.microsoft.com/office/powerpoint/2010/main" val="1530659865"/>
+      </p:ext>
+    </p:extLst>
+  </p:cSld>
+  <p:clrMapOvr>
+    <a:masterClrMapping/>
+  </p:clrMapOvr>
+  <p:timing>
+    <p:tnLst>
+      <p:par>
+        <p:cTn id="1" dur="indefinite" restart="never" nodeType="tmRoot">
+          <p:childTnLst>
+            <p:seq concurrent="1" nextAc="seek">
+              <p:cTn id="2" dur="indefinite" nodeType="mainSeq">
+                <p:childTnLst>
+                  <p:par>
+                    <p:cTn id="3" fill="hold">
+                      <p:stCondLst>
+                        <p:cond delay="indefinite"/>
+                      </p:stCondLst>
+                      <p:childTnLst>
+                        <p:par>
+                          <p:cTn id="4" fill="hold">
+                            <p:stCondLst>
+                              <p:cond delay="0"/>
+                            </p:stCondLst>
+                            <p:childTnLst>
+                              <p:par>
+                                <p:cTn id="5" presetID="1" presetClass="entr" presetSubtype="0" fill="hold" grpId="0" nodeType="clickEffect">
+                                  <p:stCondLst>
+                                    <p:cond delay="0"/>
+                                  </p:stCondLst>
+                                  <p:childTnLst>
+                                    <p:set>
+                                      <p:cBhvr>
+                                        <p:cTn id="6" dur="1" fill="hold">
+                                          <p:stCondLst>
+                                            <p:cond delay="0"/>
+                                          </p:stCondLst>
+                                        </p:cTn>
+                                        <p:tgtEl>
+                                          <p:spTgt spid="3">
+                                            <p:txEl>
+                                              <p:pRg st="0" end="0"/>
+                                            </p:txEl>
+                                          </p:spTgt>
+                                        </p:tgtEl>
+                                        <p:attrNameLst>
+                                          <p:attrName>style.visibility</p:attrName>
+                                        </p:attrNameLst>
+                                      </p:cBhvr>
+                                      <p:to>
+                                        <p:strVal val="visible"/>
+                                      </p:to>
+                                    </p:set>
+                                  </p:childTnLst>
+                                </p:cTn>
+                              </p:par>
+                            </p:childTnLst>
+                          </p:cTn>
+                        </p:par>
+                      </p:childTnLst>
+                    </p:cTn>
+                  </p:par>
+                  <p:par>
+                    <p:cTn id="7" fill="hold">
+                      <p:stCondLst>
+                        <p:cond delay="indefinite"/>
+                      </p:stCondLst>
+                      <p:childTnLst>
+                        <p:par>
+                          <p:cTn id="8" fill="hold">
+                            <p:stCondLst>
+                              <p:cond delay="0"/>
+                            </p:stCondLst>
+                            <p:childTnLst>
+                              <p:par>
+                                <p:cTn id="9" presetID="1" presetClass="entr" presetSubtype="0" fill="hold" grpId="0" nodeType="clickEffect">
+                                  <p:stCondLst>
+                                    <p:cond delay="0"/>
+                                  </p:stCondLst>
+                                  <p:childTnLst>
+                                    <p:set>
+                                      <p:cBhvr>
+                                        <p:cTn id="10" dur="1" fill="hold">
+                                          <p:stCondLst>
+                                            <p:cond delay="0"/>
+                                          </p:stCondLst>
+                                        </p:cTn>
+                                        <p:tgtEl>
+                                          <p:spTgt spid="3">
+                                            <p:txEl>
+                                              <p:pRg st="1" end="1"/>
+                                            </p:txEl>
+                                          </p:spTgt>
+                                        </p:tgtEl>
+                                        <p:attrNameLst>
+                                          <p:attrName>style.visibility</p:attrName>
+                                        </p:attrNameLst>
+                                      </p:cBhvr>
+                                      <p:to>
+                                        <p:strVal val="visible"/>
+                                      </p:to>
+                                    </p:set>
+                                  </p:childTnLst>
+                                </p:cTn>
+                              </p:par>
+                            </p:childTnLst>
+                          </p:cTn>
+                        </p:par>
+                      </p:childTnLst>
+                    </p:cTn>
+                  </p:par>
+                  <p:par>
+                    <p:cTn id="11" fill="hold">
+                      <p:stCondLst>
+                        <p:cond delay="indefinite"/>
+                      </p:stCondLst>
+                      <p:childTnLst>
+                        <p:par>
+                          <p:cTn id="12" fill="hold">
+                            <p:stCondLst>
+                              <p:cond delay="0"/>
+                            </p:stCondLst>
+                            <p:childTnLst>
+                              <p:par>
+                                <p:cTn id="13" presetID="1" presetClass="entr" presetSubtype="0" fill="hold" grpId="0" nodeType="clickEffect">
+                                  <p:stCondLst>
+                                    <p:cond delay="0"/>
+                                  </p:stCondLst>
+                                  <p:childTnLst>
+                                    <p:set>
+                                      <p:cBhvr>
+                                        <p:cTn id="14" dur="1" fill="hold">
+                                          <p:stCondLst>
+                                            <p:cond delay="0"/>
+                                          </p:stCondLst>
+                                        </p:cTn>
+                                        <p:tgtEl>
+                                          <p:spTgt spid="3">
+                                            <p:txEl>
+                                              <p:pRg st="2" end="2"/>
+                                            </p:txEl>
+                                          </p:spTgt>
+                                        </p:tgtEl>
+                                        <p:attrNameLst>
+                                          <p:attrName>style.visibility</p:attrName>
+                                        </p:attrNameLst>
+                                      </p:cBhvr>
+                                      <p:to>
+                                        <p:strVal val="visible"/>
+                                      </p:to>
+                                    </p:set>
+                                  </p:childTnLst>
+                                </p:cTn>
+                              </p:par>
+                            </p:childTnLst>
+                          </p:cTn>
+                        </p:par>
+                      </p:childTnLst>
+                    </p:cTn>
+                  </p:par>
+                  <p:par>
+                    <p:cTn id="15" fill="hold">
+                      <p:stCondLst>
+                        <p:cond delay="indefinite"/>
+                      </p:stCondLst>
+                      <p:childTnLst>
+                        <p:par>
+                          <p:cTn id="16" fill="hold">
+                            <p:stCondLst>
+                              <p:cond delay="0"/>
+                            </p:stCondLst>
+                            <p:childTnLst>
+                              <p:par>
+                                <p:cTn id="17" presetID="1" presetClass="entr" presetSubtype="0" fill="hold" grpId="0" nodeType="clickEffect">
+                                  <p:stCondLst>
+                                    <p:cond delay="0"/>
+                                  </p:stCondLst>
+                                  <p:childTnLst>
+                                    <p:set>
+                                      <p:cBhvr>
+                                        <p:cTn id="18" dur="1" fill="hold">
+                                          <p:stCondLst>
+                                            <p:cond delay="0"/>
+                                          </p:stCondLst>
+                                        </p:cTn>
+                                        <p:tgtEl>
+                                          <p:spTgt spid="3">
+                                            <p:txEl>
+                                              <p:pRg st="3" end="3"/>
+                                            </p:txEl>
+                                          </p:spTgt>
+                                        </p:tgtEl>
+                                        <p:attrNameLst>
+                                          <p:attrName>style.visibility</p:attrName>
+                                        </p:attrNameLst>
+                                      </p:cBhvr>
+                                      <p:to>
+                                        <p:strVal val="visible"/>
+                                      </p:to>
+                                    </p:set>
+                                  </p:childTnLst>
+                                </p:cTn>
+                              </p:par>
+                            </p:childTnLst>
+                          </p:cTn>
+                        </p:par>
+                      </p:childTnLst>
+                    </p:cTn>
+                  </p:par>
+                  <p:par>
+                    <p:cTn id="19" fill="hold">
+                      <p:stCondLst>
+                        <p:cond delay="indefinite"/>
+                      </p:stCondLst>
+                      <p:childTnLst>
+                        <p:par>
+                          <p:cTn id="20" fill="hold">
+                            <p:stCondLst>
+                              <p:cond delay="0"/>
+                            </p:stCondLst>
+                            <p:childTnLst>
+                              <p:par>
+                                <p:cTn id="21" presetID="1" presetClass="entr" presetSubtype="0" fill="hold" grpId="0" nodeType="clickEffect">
+                                  <p:stCondLst>
+                                    <p:cond delay="0"/>
+                                  </p:stCondLst>
+                                  <p:childTnLst>
+                                    <p:set>
+                                      <p:cBhvr>
+                                        <p:cTn id="22" dur="1" fill="hold">
+                                          <p:stCondLst>
+                                            <p:cond delay="0"/>
+                                          </p:stCondLst>
+                                        </p:cTn>
+                                        <p:tgtEl>
+                                          <p:spTgt spid="3">
+                                            <p:txEl>
+                                              <p:pRg st="4" end="4"/>
+                                            </p:txEl>
+                                          </p:spTgt>
+                                        </p:tgtEl>
+                                        <p:attrNameLst>
+                                          <p:attrName>style.visibility</p:attrName>
+                                        </p:attrNameLst>
+                                      </p:cBhvr>
+                                      <p:to>
+                                        <p:strVal val="visible"/>
+                                      </p:to>
+                                    </p:set>
+                                  </p:childTnLst>
+                                </p:cTn>
+                              </p:par>
+                            </p:childTnLst>
+                          </p:cTn>
+                        </p:par>
+                      </p:childTnLst>
+                    </p:cTn>
+                  </p:par>
+                </p:childTnLst>
+              </p:cTn>
+              <p:prevCondLst>
+                <p:cond evt="onPrev" delay="0">
+                  <p:tgtEl>
+                    <p:sldTgt/>
+                  </p:tgtEl>
+                </p:cond>
+              </p:prevCondLst>
+              <p:nextCondLst>
+                <p:cond evt="onNext" delay="0">
+                  <p:tgtEl>
+                    <p:sldTgt/>
+                  </p:tgtEl>
+                </p:cond>
+              </p:nextCondLst>
+            </p:seq>
+          </p:childTnLst>
+        </p:cTn>
+      </p:par>
+    </p:tnLst>
+    <p:bldLst>
+      <p:bldP spid="3" grpId="0" build="p"/>
+    </p:bldLst>
+  </p:timing>
+</p:sld>
+</file>
+
+<file path=ppt/slides/slide8.xml><?xml version="1.0" encoding="utf-8"?>
+<p:sld xmlns:a="http://schemas.openxmlformats.org/drawingml/2006/main" xmlns:r="http://schemas.openxmlformats.org/officeDocument/2006/relationships" xmlns:p="http://schemas.openxmlformats.org/presentationml/2006/main">
+  <p:cSld>
+    <p:spTree>
+      <p:nvGrpSpPr>
+        <p:cNvPr id="1" name=""/>
+        <p:cNvGrpSpPr/>
+        <p:nvPr/>
+      </p:nvGrpSpPr>
+      <p:grpSpPr>
+        <a:xfrm>
+          <a:off x="0" y="0"/>
+          <a:ext cx="0" cy="0"/>
+          <a:chOff x="0" y="0"/>
+          <a:chExt cx="0" cy="0"/>
+        </a:xfrm>
+      </p:grpSpPr>
+      <p:sp>
+        <p:nvSpPr>
+          <p:cNvPr id="2" name="Titel 1"/>
+          <p:cNvSpPr>
+            <a:spLocks noGrp="1"/>
+          </p:cNvSpPr>
+          <p:nvPr>
+            <p:ph type="title"/>
+          </p:nvPr>
+        </p:nvSpPr>
+        <p:spPr/>
+        <p:txBody>
+          <a:bodyPr/>
+          <a:lstStyle/>
+          <a:p>
+            <a:r>
+              <a:rPr lang="de-DE"/>
               <a:t>Jargon</a:t>
             </a:r>
           </a:p>
@@ -23644,7 +23942,7 @@
 </p:sld>
 </file>
 
-<file path=ppt/slides/slide8.xml><?xml version="1.0" encoding="utf-8"?>
+<file path=ppt/slides/slide9.xml><?xml version="1.0" encoding="utf-8"?>
 <p:sld xmlns:a="http://schemas.openxmlformats.org/drawingml/2006/main" xmlns:r="http://schemas.openxmlformats.org/officeDocument/2006/relationships" xmlns:p="http://schemas.openxmlformats.org/presentationml/2006/main">
   <p:cSld>
     <p:spTree>
@@ -23945,249 +24243,6 @@
 </p:sld>
 </file>
 
-<file path=ppt/slides/slide9.xml><?xml version="1.0" encoding="utf-8"?>
-<p:sld xmlns:a="http://schemas.openxmlformats.org/drawingml/2006/main" xmlns:r="http://schemas.openxmlformats.org/officeDocument/2006/relationships" xmlns:p="http://schemas.openxmlformats.org/presentationml/2006/main">
-  <p:cSld>
-    <p:spTree>
-      <p:nvGrpSpPr>
-        <p:cNvPr id="1" name=""/>
-        <p:cNvGrpSpPr/>
-        <p:nvPr/>
-      </p:nvGrpSpPr>
-      <p:grpSpPr>
-        <a:xfrm>
-          <a:off x="0" y="0"/>
-          <a:ext cx="0" cy="0"/>
-          <a:chOff x="0" y="0"/>
-          <a:chExt cx="0" cy="0"/>
-        </a:xfrm>
-      </p:grpSpPr>
-      <p:sp>
-        <p:nvSpPr>
-          <p:cNvPr id="2" name="Titel 1"/>
-          <p:cNvSpPr>
-            <a:spLocks noGrp="1"/>
-          </p:cNvSpPr>
-          <p:nvPr>
-            <p:ph type="title"/>
-          </p:nvPr>
-        </p:nvSpPr>
-        <p:spPr/>
-        <p:txBody>
-          <a:bodyPr/>
-          <a:lstStyle/>
-          <a:p>
-            <a:r>
-              <a:rPr lang="de-DE"/>
-              <a:t>Jargon</a:t>
-            </a:r>
-          </a:p>
-        </p:txBody>
-      </p:sp>
-      <p:sp>
-        <p:nvSpPr>
-          <p:cNvPr id="3" name="Inhaltsplatzhalter 2"/>
-          <p:cNvSpPr>
-            <a:spLocks noGrp="1"/>
-          </p:cNvSpPr>
-          <p:nvPr>
-            <p:ph sz="half" idx="1"/>
-          </p:nvPr>
-        </p:nvSpPr>
-        <p:spPr/>
-        <p:txBody>
-          <a:bodyPr/>
-          <a:lstStyle/>
-          <a:p>
-            <a:r>
-              <a:rPr lang="de-DE"/>
-              <a:t>Data is kept in a </a:t>
-            </a:r>
-            <a:r>
-              <a:rPr lang="de-DE" u="sng"/>
-              <a:t>Repository</a:t>
-            </a:r>
-          </a:p>
-          <a:p>
-            <a:r>
-              <a:rPr lang="de-DE" u="sng"/>
-              <a:t>Revision</a:t>
-            </a:r>
-            <a:r>
-              <a:rPr lang="de-DE"/>
-              <a:t> or </a:t>
-            </a:r>
-            <a:r>
-              <a:rPr lang="de-DE" u="sng"/>
-              <a:t>Version</a:t>
-            </a:r>
-            <a:r>
-              <a:rPr lang="de-DE"/>
-              <a:t> is a single file change</a:t>
-            </a:r>
-          </a:p>
-          <a:p>
-            <a:r>
-              <a:rPr lang="de-DE"/>
-              <a:t>To </a:t>
-            </a:r>
-            <a:r>
-              <a:rPr lang="de-DE" u="sng"/>
-              <a:t>clone</a:t>
-            </a:r>
-            <a:r>
-              <a:rPr lang="de-DE"/>
-              <a:t> means to copy a whole repository</a:t>
-            </a:r>
-          </a:p>
-        </p:txBody>
-      </p:sp>
-      <p:graphicFrame>
-        <p:nvGraphicFramePr>
-          <p:cNvPr id="4" name="Inhaltsplatzhalter 3">
-            <a:extLst>
-              <a:ext uri="{FF2B5EF4-FFF2-40B4-BE49-F238E27FC236}">
-                <a16:creationId xmlns:a16="http://schemas.microsoft.com/office/drawing/2014/main" id="{BC50B06D-B29C-4881-8ED3-C8CE10675D0A}"/>
-              </a:ext>
-            </a:extLst>
-          </p:cNvPr>
-          <p:cNvGraphicFramePr>
-            <a:graphicFrameLocks noGrp="1"/>
-          </p:cNvGraphicFramePr>
-          <p:nvPr>
-            <p:ph sz="half" idx="2"/>
-            <p:extLst>
-              <p:ext uri="{D42A27DB-BD31-4B8C-83A1-F6EECF244321}">
-                <p14:modId xmlns:p14="http://schemas.microsoft.com/office/powerpoint/2010/main" val="2975756920"/>
-              </p:ext>
-            </p:extLst>
-          </p:nvPr>
-        </p:nvGraphicFramePr>
-        <p:xfrm>
-          <a:off x="6172200" y="1825625"/>
-          <a:ext cx="5181600" cy="4351338"/>
-        </p:xfrm>
-        <a:graphic>
-          <a:graphicData uri="http://schemas.openxmlformats.org/drawingml/2006/diagram">
-            <dgm:relIds xmlns:dgm="http://schemas.openxmlformats.org/drawingml/2006/diagram" xmlns:r="http://schemas.openxmlformats.org/officeDocument/2006/relationships" r:dm="rId2" r:lo="rId3" r:qs="rId4" r:cs="rId5"/>
-          </a:graphicData>
-        </a:graphic>
-      </p:graphicFrame>
-      <p:sp>
-        <p:nvSpPr>
-          <p:cNvPr id="8" name="Pfeil: nach unten 7">
-            <a:extLst>
-              <a:ext uri="{FF2B5EF4-FFF2-40B4-BE49-F238E27FC236}">
-                <a16:creationId xmlns:a16="http://schemas.microsoft.com/office/drawing/2014/main" id="{C85695C4-82F1-47E4-9CFF-E7E079BB94C1}"/>
-              </a:ext>
-            </a:extLst>
-          </p:cNvPr>
-          <p:cNvSpPr/>
-          <p:nvPr/>
-        </p:nvSpPr>
-        <p:spPr>
-          <a:xfrm>
-            <a:off x="8327254" y="3559946"/>
-            <a:ext cx="772358" cy="905522"/>
-          </a:xfrm>
-          <a:prstGeom prst="downArrow">
-            <a:avLst/>
-          </a:prstGeom>
-        </p:spPr>
-        <p:style>
-          <a:lnRef idx="2">
-            <a:schemeClr val="accent1">
-              <a:shade val="50000"/>
-            </a:schemeClr>
-          </a:lnRef>
-          <a:fillRef idx="1">
-            <a:schemeClr val="accent1"/>
-          </a:fillRef>
-          <a:effectRef idx="0">
-            <a:schemeClr val="accent1"/>
-          </a:effectRef>
-          <a:fontRef idx="minor">
-            <a:schemeClr val="lt1"/>
-          </a:fontRef>
-        </p:style>
-        <p:txBody>
-          <a:bodyPr rtlCol="0" anchor="ctr"/>
-          <a:lstStyle/>
-          <a:p>
-            <a:pPr algn="ctr"/>
-            <a:endParaRPr lang="de-DE"/>
-          </a:p>
-        </p:txBody>
-      </p:sp>
-      <p:sp>
-        <p:nvSpPr>
-          <p:cNvPr id="10" name="Rechteck 9">
-            <a:extLst>
-              <a:ext uri="{FF2B5EF4-FFF2-40B4-BE49-F238E27FC236}">
-                <a16:creationId xmlns:a16="http://schemas.microsoft.com/office/drawing/2014/main" id="{3B397CEE-B6A4-4AA0-A48E-E5BDDF73E731}"/>
-              </a:ext>
-            </a:extLst>
-          </p:cNvPr>
-          <p:cNvSpPr/>
-          <p:nvPr/>
-        </p:nvSpPr>
-        <p:spPr>
-          <a:xfrm>
-            <a:off x="6636798" y="3331030"/>
-            <a:ext cx="1614256" cy="1134438"/>
-          </a:xfrm>
-          <a:prstGeom prst="rect">
-            <a:avLst/>
-          </a:prstGeom>
-          <a:solidFill>
-            <a:schemeClr val="bg1"/>
-          </a:solidFill>
-        </p:spPr>
-        <p:style>
-          <a:lnRef idx="2">
-            <a:schemeClr val="accent1">
-              <a:shade val="50000"/>
-            </a:schemeClr>
-          </a:lnRef>
-          <a:fillRef idx="1">
-            <a:schemeClr val="accent1"/>
-          </a:fillRef>
-          <a:effectRef idx="0">
-            <a:schemeClr val="accent1"/>
-          </a:effectRef>
-          <a:fontRef idx="minor">
-            <a:schemeClr val="lt1"/>
-          </a:fontRef>
-        </p:style>
-        <p:txBody>
-          <a:bodyPr rtlCol="0" anchor="ctr"/>
-          <a:lstStyle/>
-          <a:p>
-            <a:pPr algn="ctr"/>
-            <a:r>
-              <a:rPr lang="de-DE" sz="3600">
-                <a:solidFill>
-                  <a:schemeClr val="tx1"/>
-                </a:solidFill>
-              </a:rPr>
-              <a:t>clone</a:t>
-            </a:r>
-          </a:p>
-        </p:txBody>
-      </p:sp>
-    </p:spTree>
-    <p:extLst>
-      <p:ext uri="{BB962C8B-B14F-4D97-AF65-F5344CB8AC3E}">
-        <p14:creationId xmlns:p14="http://schemas.microsoft.com/office/powerpoint/2010/main" val="3918386089"/>
-      </p:ext>
-    </p:extLst>
-  </p:cSld>
-  <p:clrMapOvr>
-    <a:masterClrMapping/>
-  </p:clrMapOvr>
-</p:sld>
-</file>
-
 <file path=ppt/theme/theme1.xml><?xml version="1.0" encoding="utf-8"?>
 <a:theme xmlns:a="http://schemas.openxmlformats.org/drawingml/2006/main" name="Office Theme">
   <a:themeElements>

--- a/cf_version_control_systems.pptx
+++ b/cf_version_control_systems.pptx
@@ -6,29 +6,33 @@
   </p:sldMasterIdLst>
   <p:sldIdLst>
     <p:sldId id="256" r:id="rId2"/>
-    <p:sldId id="257" r:id="rId3"/>
-    <p:sldId id="265" r:id="rId4"/>
-    <p:sldId id="258" r:id="rId5"/>
-    <p:sldId id="266" r:id="rId6"/>
-    <p:sldId id="267" r:id="rId7"/>
-    <p:sldId id="259" r:id="rId8"/>
-    <p:sldId id="270" r:id="rId9"/>
-    <p:sldId id="272" r:id="rId10"/>
-    <p:sldId id="271" r:id="rId11"/>
-    <p:sldId id="269" r:id="rId12"/>
-    <p:sldId id="273" r:id="rId13"/>
-    <p:sldId id="274" r:id="rId14"/>
-    <p:sldId id="277" r:id="rId15"/>
-    <p:sldId id="275" r:id="rId16"/>
-    <p:sldId id="278" r:id="rId17"/>
-    <p:sldId id="279" r:id="rId18"/>
-    <p:sldId id="280" r:id="rId19"/>
-    <p:sldId id="282" r:id="rId20"/>
-    <p:sldId id="281" r:id="rId21"/>
-    <p:sldId id="260" r:id="rId22"/>
-    <p:sldId id="261" r:id="rId23"/>
-    <p:sldId id="262" r:id="rId24"/>
-    <p:sldId id="263" r:id="rId25"/>
+    <p:sldId id="284" r:id="rId3"/>
+    <p:sldId id="288" r:id="rId4"/>
+    <p:sldId id="257" r:id="rId5"/>
+    <p:sldId id="265" r:id="rId6"/>
+    <p:sldId id="285" r:id="rId7"/>
+    <p:sldId id="258" r:id="rId8"/>
+    <p:sldId id="266" r:id="rId9"/>
+    <p:sldId id="267" r:id="rId10"/>
+    <p:sldId id="259" r:id="rId11"/>
+    <p:sldId id="283" r:id="rId12"/>
+    <p:sldId id="286" r:id="rId13"/>
+    <p:sldId id="289" r:id="rId14"/>
+    <p:sldId id="270" r:id="rId15"/>
+    <p:sldId id="272" r:id="rId16"/>
+    <p:sldId id="271" r:id="rId17"/>
+    <p:sldId id="269" r:id="rId18"/>
+    <p:sldId id="273" r:id="rId19"/>
+    <p:sldId id="274" r:id="rId20"/>
+    <p:sldId id="277" r:id="rId21"/>
+    <p:sldId id="275" r:id="rId22"/>
+    <p:sldId id="278" r:id="rId23"/>
+    <p:sldId id="279" r:id="rId24"/>
+    <p:sldId id="280" r:id="rId25"/>
+    <p:sldId id="282" r:id="rId26"/>
+    <p:sldId id="281" r:id="rId27"/>
+    <p:sldId id="262" r:id="rId28"/>
+    <p:sldId id="263" r:id="rId29"/>
   </p:sldIdLst>
   <p:sldSz cx="12192000" cy="6858000"/>
   <p:notesSz cx="6858000" cy="9144000"/>
@@ -17966,15 +17970,7 @@
           <a:p>
             <a:r>
               <a:rPr lang="de-DE"/>
-              <a:t>or: How do I </a:t>
-            </a:r>
-            <a:r>
-              <a:rPr lang="de-DE" err="1"/>
-              <a:t>git</a:t>
-            </a:r>
-            <a:r>
-              <a:rPr lang="de-DE"/>
-              <a:t>?</a:t>
+              <a:t>or: How do I git well?</a:t>
             </a:r>
           </a:p>
         </p:txBody>
@@ -17993,6 +17989,1106 @@
 </file>
 
 <file path=ppt/slides/slide10.xml><?xml version="1.0" encoding="utf-8"?>
+<p:sld xmlns:a="http://schemas.openxmlformats.org/drawingml/2006/main" xmlns:r="http://schemas.openxmlformats.org/officeDocument/2006/relationships" xmlns:p="http://schemas.openxmlformats.org/presentationml/2006/main">
+  <p:cSld>
+    <p:spTree>
+      <p:nvGrpSpPr>
+        <p:cNvPr id="1" name=""/>
+        <p:cNvGrpSpPr/>
+        <p:nvPr/>
+      </p:nvGrpSpPr>
+      <p:grpSpPr>
+        <a:xfrm>
+          <a:off x="0" y="0"/>
+          <a:ext cx="0" cy="0"/>
+          <a:chOff x="0" y="0"/>
+          <a:chExt cx="0" cy="0"/>
+        </a:xfrm>
+      </p:grpSpPr>
+      <p:sp>
+        <p:nvSpPr>
+          <p:cNvPr id="2" name="Titel 1"/>
+          <p:cNvSpPr>
+            <a:spLocks noGrp="1"/>
+          </p:cNvSpPr>
+          <p:nvPr>
+            <p:ph type="title"/>
+          </p:nvPr>
+        </p:nvSpPr>
+        <p:spPr/>
+        <p:txBody>
+          <a:bodyPr/>
+          <a:lstStyle/>
+          <a:p>
+            <a:r>
+              <a:rPr lang="de-DE"/>
+              <a:t>Available Systems</a:t>
+            </a:r>
+          </a:p>
+        </p:txBody>
+      </p:sp>
+      <p:sp>
+        <p:nvSpPr>
+          <p:cNvPr id="3" name="Inhaltsplatzhalter 2"/>
+          <p:cNvSpPr>
+            <a:spLocks noGrp="1"/>
+          </p:cNvSpPr>
+          <p:nvPr>
+            <p:ph idx="1"/>
+          </p:nvPr>
+        </p:nvSpPr>
+        <p:spPr/>
+        <p:txBody>
+          <a:bodyPr>
+            <a:normAutofit/>
+          </a:bodyPr>
+          <a:lstStyle/>
+          <a:p>
+            <a:r>
+              <a:rPr lang="en-US"/>
+              <a:t>Microsoft Team Foundation Server TFVC</a:t>
+            </a:r>
+          </a:p>
+          <a:p>
+            <a:r>
+              <a:rPr lang="en-US"/>
+              <a:t>BitKeeper</a:t>
+            </a:r>
+          </a:p>
+          <a:p>
+            <a:r>
+              <a:rPr lang="en-US"/>
+              <a:t>Git</a:t>
+            </a:r>
+          </a:p>
+          <a:p>
+            <a:r>
+              <a:rPr lang="en-US"/>
+              <a:t>Mercurial</a:t>
+            </a:r>
+          </a:p>
+          <a:p>
+            <a:r>
+              <a:rPr lang="en-US"/>
+              <a:t>Subversion, CVS, Monotone, ...</a:t>
+            </a:r>
+            <a:endParaRPr lang="de-DE"/>
+          </a:p>
+        </p:txBody>
+      </p:sp>
+    </p:spTree>
+    <p:extLst>
+      <p:ext uri="{BB962C8B-B14F-4D97-AF65-F5344CB8AC3E}">
+        <p14:creationId xmlns:p14="http://schemas.microsoft.com/office/powerpoint/2010/main" val="1530659865"/>
+      </p:ext>
+    </p:extLst>
+  </p:cSld>
+  <p:clrMapOvr>
+    <a:masterClrMapping/>
+  </p:clrMapOvr>
+  <p:timing>
+    <p:tnLst>
+      <p:par>
+        <p:cTn id="1" dur="indefinite" restart="never" nodeType="tmRoot">
+          <p:childTnLst>
+            <p:seq concurrent="1" nextAc="seek">
+              <p:cTn id="2" dur="indefinite" nodeType="mainSeq">
+                <p:childTnLst>
+                  <p:par>
+                    <p:cTn id="3" fill="hold">
+                      <p:stCondLst>
+                        <p:cond delay="indefinite"/>
+                      </p:stCondLst>
+                      <p:childTnLst>
+                        <p:par>
+                          <p:cTn id="4" fill="hold">
+                            <p:stCondLst>
+                              <p:cond delay="0"/>
+                            </p:stCondLst>
+                            <p:childTnLst>
+                              <p:par>
+                                <p:cTn id="5" presetID="1" presetClass="entr" presetSubtype="0" fill="hold" grpId="0" nodeType="clickEffect">
+                                  <p:stCondLst>
+                                    <p:cond delay="0"/>
+                                  </p:stCondLst>
+                                  <p:childTnLst>
+                                    <p:set>
+                                      <p:cBhvr>
+                                        <p:cTn id="6" dur="1" fill="hold">
+                                          <p:stCondLst>
+                                            <p:cond delay="0"/>
+                                          </p:stCondLst>
+                                        </p:cTn>
+                                        <p:tgtEl>
+                                          <p:spTgt spid="3">
+                                            <p:txEl>
+                                              <p:pRg st="0" end="0"/>
+                                            </p:txEl>
+                                          </p:spTgt>
+                                        </p:tgtEl>
+                                        <p:attrNameLst>
+                                          <p:attrName>style.visibility</p:attrName>
+                                        </p:attrNameLst>
+                                      </p:cBhvr>
+                                      <p:to>
+                                        <p:strVal val="visible"/>
+                                      </p:to>
+                                    </p:set>
+                                  </p:childTnLst>
+                                </p:cTn>
+                              </p:par>
+                            </p:childTnLst>
+                          </p:cTn>
+                        </p:par>
+                      </p:childTnLst>
+                    </p:cTn>
+                  </p:par>
+                  <p:par>
+                    <p:cTn id="7" fill="hold">
+                      <p:stCondLst>
+                        <p:cond delay="indefinite"/>
+                      </p:stCondLst>
+                      <p:childTnLst>
+                        <p:par>
+                          <p:cTn id="8" fill="hold">
+                            <p:stCondLst>
+                              <p:cond delay="0"/>
+                            </p:stCondLst>
+                            <p:childTnLst>
+                              <p:par>
+                                <p:cTn id="9" presetID="1" presetClass="entr" presetSubtype="0" fill="hold" grpId="0" nodeType="clickEffect">
+                                  <p:stCondLst>
+                                    <p:cond delay="0"/>
+                                  </p:stCondLst>
+                                  <p:childTnLst>
+                                    <p:set>
+                                      <p:cBhvr>
+                                        <p:cTn id="10" dur="1" fill="hold">
+                                          <p:stCondLst>
+                                            <p:cond delay="0"/>
+                                          </p:stCondLst>
+                                        </p:cTn>
+                                        <p:tgtEl>
+                                          <p:spTgt spid="3">
+                                            <p:txEl>
+                                              <p:pRg st="1" end="1"/>
+                                            </p:txEl>
+                                          </p:spTgt>
+                                        </p:tgtEl>
+                                        <p:attrNameLst>
+                                          <p:attrName>style.visibility</p:attrName>
+                                        </p:attrNameLst>
+                                      </p:cBhvr>
+                                      <p:to>
+                                        <p:strVal val="visible"/>
+                                      </p:to>
+                                    </p:set>
+                                  </p:childTnLst>
+                                </p:cTn>
+                              </p:par>
+                            </p:childTnLst>
+                          </p:cTn>
+                        </p:par>
+                      </p:childTnLst>
+                    </p:cTn>
+                  </p:par>
+                  <p:par>
+                    <p:cTn id="11" fill="hold">
+                      <p:stCondLst>
+                        <p:cond delay="indefinite"/>
+                      </p:stCondLst>
+                      <p:childTnLst>
+                        <p:par>
+                          <p:cTn id="12" fill="hold">
+                            <p:stCondLst>
+                              <p:cond delay="0"/>
+                            </p:stCondLst>
+                            <p:childTnLst>
+                              <p:par>
+                                <p:cTn id="13" presetID="1" presetClass="entr" presetSubtype="0" fill="hold" grpId="0" nodeType="clickEffect">
+                                  <p:stCondLst>
+                                    <p:cond delay="0"/>
+                                  </p:stCondLst>
+                                  <p:childTnLst>
+                                    <p:set>
+                                      <p:cBhvr>
+                                        <p:cTn id="14" dur="1" fill="hold">
+                                          <p:stCondLst>
+                                            <p:cond delay="0"/>
+                                          </p:stCondLst>
+                                        </p:cTn>
+                                        <p:tgtEl>
+                                          <p:spTgt spid="3">
+                                            <p:txEl>
+                                              <p:pRg st="2" end="2"/>
+                                            </p:txEl>
+                                          </p:spTgt>
+                                        </p:tgtEl>
+                                        <p:attrNameLst>
+                                          <p:attrName>style.visibility</p:attrName>
+                                        </p:attrNameLst>
+                                      </p:cBhvr>
+                                      <p:to>
+                                        <p:strVal val="visible"/>
+                                      </p:to>
+                                    </p:set>
+                                  </p:childTnLst>
+                                </p:cTn>
+                              </p:par>
+                            </p:childTnLst>
+                          </p:cTn>
+                        </p:par>
+                      </p:childTnLst>
+                    </p:cTn>
+                  </p:par>
+                  <p:par>
+                    <p:cTn id="15" fill="hold">
+                      <p:stCondLst>
+                        <p:cond delay="indefinite"/>
+                      </p:stCondLst>
+                      <p:childTnLst>
+                        <p:par>
+                          <p:cTn id="16" fill="hold">
+                            <p:stCondLst>
+                              <p:cond delay="0"/>
+                            </p:stCondLst>
+                            <p:childTnLst>
+                              <p:par>
+                                <p:cTn id="17" presetID="1" presetClass="entr" presetSubtype="0" fill="hold" grpId="0" nodeType="clickEffect">
+                                  <p:stCondLst>
+                                    <p:cond delay="0"/>
+                                  </p:stCondLst>
+                                  <p:childTnLst>
+                                    <p:set>
+                                      <p:cBhvr>
+                                        <p:cTn id="18" dur="1" fill="hold">
+                                          <p:stCondLst>
+                                            <p:cond delay="0"/>
+                                          </p:stCondLst>
+                                        </p:cTn>
+                                        <p:tgtEl>
+                                          <p:spTgt spid="3">
+                                            <p:txEl>
+                                              <p:pRg st="3" end="3"/>
+                                            </p:txEl>
+                                          </p:spTgt>
+                                        </p:tgtEl>
+                                        <p:attrNameLst>
+                                          <p:attrName>style.visibility</p:attrName>
+                                        </p:attrNameLst>
+                                      </p:cBhvr>
+                                      <p:to>
+                                        <p:strVal val="visible"/>
+                                      </p:to>
+                                    </p:set>
+                                  </p:childTnLst>
+                                </p:cTn>
+                              </p:par>
+                            </p:childTnLst>
+                          </p:cTn>
+                        </p:par>
+                      </p:childTnLst>
+                    </p:cTn>
+                  </p:par>
+                  <p:par>
+                    <p:cTn id="19" fill="hold">
+                      <p:stCondLst>
+                        <p:cond delay="indefinite"/>
+                      </p:stCondLst>
+                      <p:childTnLst>
+                        <p:par>
+                          <p:cTn id="20" fill="hold">
+                            <p:stCondLst>
+                              <p:cond delay="0"/>
+                            </p:stCondLst>
+                            <p:childTnLst>
+                              <p:par>
+                                <p:cTn id="21" presetID="1" presetClass="entr" presetSubtype="0" fill="hold" grpId="0" nodeType="clickEffect">
+                                  <p:stCondLst>
+                                    <p:cond delay="0"/>
+                                  </p:stCondLst>
+                                  <p:childTnLst>
+                                    <p:set>
+                                      <p:cBhvr>
+                                        <p:cTn id="22" dur="1" fill="hold">
+                                          <p:stCondLst>
+                                            <p:cond delay="0"/>
+                                          </p:stCondLst>
+                                        </p:cTn>
+                                        <p:tgtEl>
+                                          <p:spTgt spid="3">
+                                            <p:txEl>
+                                              <p:pRg st="4" end="4"/>
+                                            </p:txEl>
+                                          </p:spTgt>
+                                        </p:tgtEl>
+                                        <p:attrNameLst>
+                                          <p:attrName>style.visibility</p:attrName>
+                                        </p:attrNameLst>
+                                      </p:cBhvr>
+                                      <p:to>
+                                        <p:strVal val="visible"/>
+                                      </p:to>
+                                    </p:set>
+                                  </p:childTnLst>
+                                </p:cTn>
+                              </p:par>
+                            </p:childTnLst>
+                          </p:cTn>
+                        </p:par>
+                      </p:childTnLst>
+                    </p:cTn>
+                  </p:par>
+                </p:childTnLst>
+              </p:cTn>
+              <p:prevCondLst>
+                <p:cond evt="onPrev" delay="0">
+                  <p:tgtEl>
+                    <p:sldTgt/>
+                  </p:tgtEl>
+                </p:cond>
+              </p:prevCondLst>
+              <p:nextCondLst>
+                <p:cond evt="onNext" delay="0">
+                  <p:tgtEl>
+                    <p:sldTgt/>
+                  </p:tgtEl>
+                </p:cond>
+              </p:nextCondLst>
+            </p:seq>
+          </p:childTnLst>
+        </p:cTn>
+      </p:par>
+    </p:tnLst>
+    <p:bldLst>
+      <p:bldP spid="3" grpId="0" build="p"/>
+    </p:bldLst>
+  </p:timing>
+</p:sld>
+</file>
+
+<file path=ppt/slides/slide11.xml><?xml version="1.0" encoding="utf-8"?>
+<p:sld xmlns:a="http://schemas.openxmlformats.org/drawingml/2006/main" xmlns:r="http://schemas.openxmlformats.org/officeDocument/2006/relationships" xmlns:p="http://schemas.openxmlformats.org/presentationml/2006/main">
+  <p:cSld>
+    <p:spTree>
+      <p:nvGrpSpPr>
+        <p:cNvPr id="1" name=""/>
+        <p:cNvGrpSpPr/>
+        <p:nvPr/>
+      </p:nvGrpSpPr>
+      <p:grpSpPr>
+        <a:xfrm>
+          <a:off x="0" y="0"/>
+          <a:ext cx="0" cy="0"/>
+          <a:chOff x="0" y="0"/>
+          <a:chExt cx="0" cy="0"/>
+        </a:xfrm>
+      </p:grpSpPr>
+      <p:sp>
+        <p:nvSpPr>
+          <p:cNvPr id="2" name="Titel 1">
+            <a:extLst>
+              <a:ext uri="{FF2B5EF4-FFF2-40B4-BE49-F238E27FC236}">
+                <a16:creationId xmlns:a16="http://schemas.microsoft.com/office/drawing/2014/main" id="{5734772A-C2E3-469A-AC16-777B94342671}"/>
+              </a:ext>
+            </a:extLst>
+          </p:cNvPr>
+          <p:cNvSpPr>
+            <a:spLocks noGrp="1"/>
+          </p:cNvSpPr>
+          <p:nvPr>
+            <p:ph type="title"/>
+          </p:nvPr>
+        </p:nvSpPr>
+        <p:spPr/>
+        <p:txBody>
+          <a:bodyPr/>
+          <a:lstStyle/>
+          <a:p>
+            <a:r>
+              <a:rPr lang="de-DE"/>
+              <a:t>Interactive Example</a:t>
+            </a:r>
+          </a:p>
+        </p:txBody>
+      </p:sp>
+      <p:sp>
+        <p:nvSpPr>
+          <p:cNvPr id="4" name="Textplatzhalter 3">
+            <a:extLst>
+              <a:ext uri="{FF2B5EF4-FFF2-40B4-BE49-F238E27FC236}">
+                <a16:creationId xmlns:a16="http://schemas.microsoft.com/office/drawing/2014/main" id="{C42550C8-6551-46B3-AB2F-6C21D65D55E7}"/>
+              </a:ext>
+            </a:extLst>
+          </p:cNvPr>
+          <p:cNvSpPr>
+            <a:spLocks noGrp="1"/>
+          </p:cNvSpPr>
+          <p:nvPr>
+            <p:ph type="body" idx="1"/>
+          </p:nvPr>
+        </p:nvSpPr>
+        <p:spPr/>
+        <p:txBody>
+          <a:bodyPr/>
+          <a:lstStyle/>
+          <a:p>
+            <a:r>
+              <a:rPr lang="de-DE"/>
+              <a:t>Let‘s git it together.</a:t>
+            </a:r>
+          </a:p>
+        </p:txBody>
+      </p:sp>
+    </p:spTree>
+    <p:extLst>
+      <p:ext uri="{BB962C8B-B14F-4D97-AF65-F5344CB8AC3E}">
+        <p14:creationId xmlns:p14="http://schemas.microsoft.com/office/powerpoint/2010/main" val="515348894"/>
+      </p:ext>
+    </p:extLst>
+  </p:cSld>
+  <p:clrMapOvr>
+    <a:masterClrMapping/>
+  </p:clrMapOvr>
+</p:sld>
+</file>
+
+<file path=ppt/slides/slide12.xml><?xml version="1.0" encoding="utf-8"?>
+<p:sld xmlns:a="http://schemas.openxmlformats.org/drawingml/2006/main" xmlns:r="http://schemas.openxmlformats.org/officeDocument/2006/relationships" xmlns:p="http://schemas.openxmlformats.org/presentationml/2006/main">
+  <p:cSld>
+    <p:spTree>
+      <p:nvGrpSpPr>
+        <p:cNvPr id="1" name=""/>
+        <p:cNvGrpSpPr/>
+        <p:nvPr/>
+      </p:nvGrpSpPr>
+      <p:grpSpPr>
+        <a:xfrm>
+          <a:off x="0" y="0"/>
+          <a:ext cx="0" cy="0"/>
+          <a:chOff x="0" y="0"/>
+          <a:chExt cx="0" cy="0"/>
+        </a:xfrm>
+      </p:grpSpPr>
+      <p:sp>
+        <p:nvSpPr>
+          <p:cNvPr id="2" name="Titel 1">
+            <a:extLst>
+              <a:ext uri="{FF2B5EF4-FFF2-40B4-BE49-F238E27FC236}">
+                <a16:creationId xmlns:a16="http://schemas.microsoft.com/office/drawing/2014/main" id="{5734772A-C2E3-469A-AC16-777B94342671}"/>
+              </a:ext>
+            </a:extLst>
+          </p:cNvPr>
+          <p:cNvSpPr>
+            <a:spLocks noGrp="1"/>
+          </p:cNvSpPr>
+          <p:nvPr>
+            <p:ph type="title"/>
+          </p:nvPr>
+        </p:nvSpPr>
+        <p:spPr/>
+        <p:txBody>
+          <a:bodyPr/>
+          <a:lstStyle/>
+          <a:p>
+            <a:r>
+              <a:rPr lang="de-DE"/>
+              <a:t>Mechanics and Jargon</a:t>
+            </a:r>
+          </a:p>
+        </p:txBody>
+      </p:sp>
+      <p:sp>
+        <p:nvSpPr>
+          <p:cNvPr id="4" name="Textplatzhalter 3">
+            <a:extLst>
+              <a:ext uri="{FF2B5EF4-FFF2-40B4-BE49-F238E27FC236}">
+                <a16:creationId xmlns:a16="http://schemas.microsoft.com/office/drawing/2014/main" id="{C42550C8-6551-46B3-AB2F-6C21D65D55E7}"/>
+              </a:ext>
+            </a:extLst>
+          </p:cNvPr>
+          <p:cNvSpPr>
+            <a:spLocks noGrp="1"/>
+          </p:cNvSpPr>
+          <p:nvPr>
+            <p:ph type="body" idx="1"/>
+          </p:nvPr>
+        </p:nvSpPr>
+        <p:spPr/>
+        <p:txBody>
+          <a:bodyPr/>
+          <a:lstStyle/>
+          <a:p>
+            <a:r>
+              <a:rPr lang="de-DE"/>
+              <a:t>Don‘t git confused!</a:t>
+            </a:r>
+          </a:p>
+        </p:txBody>
+      </p:sp>
+    </p:spTree>
+    <p:extLst>
+      <p:ext uri="{BB962C8B-B14F-4D97-AF65-F5344CB8AC3E}">
+        <p14:creationId xmlns:p14="http://schemas.microsoft.com/office/powerpoint/2010/main" val="1192777562"/>
+      </p:ext>
+    </p:extLst>
+  </p:cSld>
+  <p:clrMapOvr>
+    <a:masterClrMapping/>
+  </p:clrMapOvr>
+</p:sld>
+</file>
+
+<file path=ppt/slides/slide13.xml><?xml version="1.0" encoding="utf-8"?>
+<p:sld xmlns:a="http://schemas.openxmlformats.org/drawingml/2006/main" xmlns:r="http://schemas.openxmlformats.org/officeDocument/2006/relationships" xmlns:p="http://schemas.openxmlformats.org/presentationml/2006/main">
+  <p:cSld>
+    <p:spTree>
+      <p:nvGrpSpPr>
+        <p:cNvPr id="1" name=""/>
+        <p:cNvGrpSpPr/>
+        <p:nvPr/>
+      </p:nvGrpSpPr>
+      <p:grpSpPr>
+        <a:xfrm>
+          <a:off x="0" y="0"/>
+          <a:ext cx="0" cy="0"/>
+          <a:chOff x="0" y="0"/>
+          <a:chExt cx="0" cy="0"/>
+        </a:xfrm>
+      </p:grpSpPr>
+      <p:sp>
+        <p:nvSpPr>
+          <p:cNvPr id="4" name="Titel 3">
+            <a:extLst>
+              <a:ext uri="{FF2B5EF4-FFF2-40B4-BE49-F238E27FC236}">
+                <a16:creationId xmlns:a16="http://schemas.microsoft.com/office/drawing/2014/main" id="{B7A11F0B-D7B5-422A-8580-1F8E0B45196D}"/>
+              </a:ext>
+            </a:extLst>
+          </p:cNvPr>
+          <p:cNvSpPr>
+            <a:spLocks noGrp="1"/>
+          </p:cNvSpPr>
+          <p:nvPr>
+            <p:ph type="title"/>
+          </p:nvPr>
+        </p:nvSpPr>
+        <p:spPr/>
+        <p:txBody>
+          <a:bodyPr/>
+          <a:lstStyle/>
+          <a:p>
+            <a:r>
+              <a:rPr lang="de-DE"/>
+              <a:t>Origin of the used imagery</a:t>
+            </a:r>
+          </a:p>
+        </p:txBody>
+      </p:sp>
+      <p:sp>
+        <p:nvSpPr>
+          <p:cNvPr id="5" name="Inhaltsplatzhalter 4">
+            <a:extLst>
+              <a:ext uri="{FF2B5EF4-FFF2-40B4-BE49-F238E27FC236}">
+                <a16:creationId xmlns:a16="http://schemas.microsoft.com/office/drawing/2014/main" id="{B5826B61-B717-4E07-9F27-0D9EB96E6400}"/>
+              </a:ext>
+            </a:extLst>
+          </p:cNvPr>
+          <p:cNvSpPr>
+            <a:spLocks noGrp="1"/>
+          </p:cNvSpPr>
+          <p:nvPr>
+            <p:ph idx="1"/>
+          </p:nvPr>
+        </p:nvSpPr>
+        <p:spPr/>
+        <p:txBody>
+          <a:bodyPr/>
+          <a:lstStyle/>
+          <a:p>
+            <a:r>
+              <a:rPr lang="de-DE"/>
+              <a:t>Insert picture of a tree here</a:t>
+            </a:r>
+          </a:p>
+        </p:txBody>
+      </p:sp>
+    </p:spTree>
+    <p:extLst>
+      <p:ext uri="{BB962C8B-B14F-4D97-AF65-F5344CB8AC3E}">
+        <p14:creationId xmlns:p14="http://schemas.microsoft.com/office/powerpoint/2010/main" val="1589661164"/>
+      </p:ext>
+    </p:extLst>
+  </p:cSld>
+  <p:clrMapOvr>
+    <a:masterClrMapping/>
+  </p:clrMapOvr>
+</p:sld>
+</file>
+
+<file path=ppt/slides/slide14.xml><?xml version="1.0" encoding="utf-8"?>
+<p:sld xmlns:a="http://schemas.openxmlformats.org/drawingml/2006/main" xmlns:r="http://schemas.openxmlformats.org/officeDocument/2006/relationships" xmlns:p="http://schemas.openxmlformats.org/presentationml/2006/main">
+  <p:cSld>
+    <p:spTree>
+      <p:nvGrpSpPr>
+        <p:cNvPr id="1" name=""/>
+        <p:cNvGrpSpPr/>
+        <p:nvPr/>
+      </p:nvGrpSpPr>
+      <p:grpSpPr>
+        <a:xfrm>
+          <a:off x="0" y="0"/>
+          <a:ext cx="0" cy="0"/>
+          <a:chOff x="0" y="0"/>
+          <a:chExt cx="0" cy="0"/>
+        </a:xfrm>
+      </p:grpSpPr>
+      <p:sp>
+        <p:nvSpPr>
+          <p:cNvPr id="2" name="Titel 1"/>
+          <p:cNvSpPr>
+            <a:spLocks noGrp="1"/>
+          </p:cNvSpPr>
+          <p:nvPr>
+            <p:ph type="title"/>
+          </p:nvPr>
+        </p:nvSpPr>
+        <p:spPr/>
+        <p:txBody>
+          <a:bodyPr/>
+          <a:lstStyle/>
+          <a:p>
+            <a:r>
+              <a:rPr lang="de-DE"/>
+              <a:t>Jargon</a:t>
+            </a:r>
+          </a:p>
+        </p:txBody>
+      </p:sp>
+      <p:sp>
+        <p:nvSpPr>
+          <p:cNvPr id="3" name="Inhaltsplatzhalter 2"/>
+          <p:cNvSpPr>
+            <a:spLocks noGrp="1"/>
+          </p:cNvSpPr>
+          <p:nvPr>
+            <p:ph sz="half" idx="1"/>
+          </p:nvPr>
+        </p:nvSpPr>
+        <p:spPr/>
+        <p:txBody>
+          <a:bodyPr/>
+          <a:lstStyle/>
+          <a:p>
+            <a:r>
+              <a:rPr lang="de-DE"/>
+              <a:t>Data is kept in a </a:t>
+            </a:r>
+            <a:r>
+              <a:rPr lang="de-DE" u="sng"/>
+              <a:t>Repository</a:t>
+            </a:r>
+          </a:p>
+        </p:txBody>
+      </p:sp>
+      <p:graphicFrame>
+        <p:nvGraphicFramePr>
+          <p:cNvPr id="4" name="Inhaltsplatzhalter 3">
+            <a:extLst>
+              <a:ext uri="{FF2B5EF4-FFF2-40B4-BE49-F238E27FC236}">
+                <a16:creationId xmlns:a16="http://schemas.microsoft.com/office/drawing/2014/main" id="{BC50B06D-B29C-4881-8ED3-C8CE10675D0A}"/>
+              </a:ext>
+            </a:extLst>
+          </p:cNvPr>
+          <p:cNvGraphicFramePr>
+            <a:graphicFrameLocks noGrp="1"/>
+          </p:cNvGraphicFramePr>
+          <p:nvPr>
+            <p:ph sz="half" idx="2"/>
+            <p:extLst>
+              <p:ext uri="{D42A27DB-BD31-4B8C-83A1-F6EECF244321}">
+                <p14:modId xmlns:p14="http://schemas.microsoft.com/office/powerpoint/2010/main" val="1327713740"/>
+              </p:ext>
+            </p:extLst>
+          </p:nvPr>
+        </p:nvGraphicFramePr>
+        <p:xfrm>
+          <a:off x="6172200" y="1825625"/>
+          <a:ext cx="5181600" cy="4351338"/>
+        </p:xfrm>
+        <a:graphic>
+          <a:graphicData uri="http://schemas.openxmlformats.org/drawingml/2006/diagram">
+            <dgm:relIds xmlns:dgm="http://schemas.openxmlformats.org/drawingml/2006/diagram" xmlns:r="http://schemas.openxmlformats.org/officeDocument/2006/relationships" r:dm="rId2" r:lo="rId3" r:qs="rId4" r:cs="rId5"/>
+          </a:graphicData>
+        </a:graphic>
+      </p:graphicFrame>
+      <p:sp>
+        <p:nvSpPr>
+          <p:cNvPr id="6" name="Rechteck 5">
+            <a:extLst>
+              <a:ext uri="{FF2B5EF4-FFF2-40B4-BE49-F238E27FC236}">
+                <a16:creationId xmlns:a16="http://schemas.microsoft.com/office/drawing/2014/main" id="{FB82F768-785F-4D8C-A658-F638B11AF14E}"/>
+              </a:ext>
+            </a:extLst>
+          </p:cNvPr>
+          <p:cNvSpPr/>
+          <p:nvPr/>
+        </p:nvSpPr>
+        <p:spPr>
+          <a:xfrm>
+            <a:off x="6397286" y="4527612"/>
+            <a:ext cx="1961965" cy="967666"/>
+          </a:xfrm>
+          <a:prstGeom prst="rect">
+            <a:avLst/>
+          </a:prstGeom>
+        </p:spPr>
+        <p:style>
+          <a:lnRef idx="2">
+            <a:schemeClr val="accent4">
+              <a:shade val="50000"/>
+            </a:schemeClr>
+          </a:lnRef>
+          <a:fillRef idx="1">
+            <a:schemeClr val="accent4"/>
+          </a:fillRef>
+          <a:effectRef idx="0">
+            <a:schemeClr val="accent4"/>
+          </a:effectRef>
+          <a:fontRef idx="minor">
+            <a:schemeClr val="lt1"/>
+          </a:fontRef>
+        </p:style>
+        <p:txBody>
+          <a:bodyPr rtlCol="0" anchor="ctr"/>
+          <a:lstStyle/>
+          <a:p>
+            <a:pPr algn="ctr"/>
+            <a:r>
+              <a:rPr lang="de-DE">
+                <a:solidFill>
+                  <a:schemeClr val="tx1"/>
+                </a:solidFill>
+              </a:rPr>
+              <a:t>Data</a:t>
+            </a:r>
+          </a:p>
+        </p:txBody>
+      </p:sp>
+    </p:spTree>
+    <p:extLst>
+      <p:ext uri="{BB962C8B-B14F-4D97-AF65-F5344CB8AC3E}">
+        <p14:creationId xmlns:p14="http://schemas.microsoft.com/office/powerpoint/2010/main" val="3555819694"/>
+      </p:ext>
+    </p:extLst>
+  </p:cSld>
+  <p:clrMapOvr>
+    <a:masterClrMapping/>
+  </p:clrMapOvr>
+</p:sld>
+</file>
+
+<file path=ppt/slides/slide15.xml><?xml version="1.0" encoding="utf-8"?>
+<p:sld xmlns:a="http://schemas.openxmlformats.org/drawingml/2006/main" xmlns:r="http://schemas.openxmlformats.org/officeDocument/2006/relationships" xmlns:p="http://schemas.openxmlformats.org/presentationml/2006/main">
+  <p:cSld>
+    <p:spTree>
+      <p:nvGrpSpPr>
+        <p:cNvPr id="1" name=""/>
+        <p:cNvGrpSpPr/>
+        <p:nvPr/>
+      </p:nvGrpSpPr>
+      <p:grpSpPr>
+        <a:xfrm>
+          <a:off x="0" y="0"/>
+          <a:ext cx="0" cy="0"/>
+          <a:chOff x="0" y="0"/>
+          <a:chExt cx="0" cy="0"/>
+        </a:xfrm>
+      </p:grpSpPr>
+      <p:sp>
+        <p:nvSpPr>
+          <p:cNvPr id="2" name="Titel 1"/>
+          <p:cNvSpPr>
+            <a:spLocks noGrp="1"/>
+          </p:cNvSpPr>
+          <p:nvPr>
+            <p:ph type="title"/>
+          </p:nvPr>
+        </p:nvSpPr>
+        <p:spPr/>
+        <p:txBody>
+          <a:bodyPr/>
+          <a:lstStyle/>
+          <a:p>
+            <a:r>
+              <a:rPr lang="de-DE"/>
+              <a:t>Jargon</a:t>
+            </a:r>
+          </a:p>
+        </p:txBody>
+      </p:sp>
+      <p:sp>
+        <p:nvSpPr>
+          <p:cNvPr id="3" name="Inhaltsplatzhalter 2"/>
+          <p:cNvSpPr>
+            <a:spLocks noGrp="1"/>
+          </p:cNvSpPr>
+          <p:nvPr>
+            <p:ph sz="half" idx="1"/>
+          </p:nvPr>
+        </p:nvSpPr>
+        <p:spPr/>
+        <p:txBody>
+          <a:bodyPr/>
+          <a:lstStyle/>
+          <a:p>
+            <a:r>
+              <a:rPr lang="de-DE"/>
+              <a:t>Data is kept in a </a:t>
+            </a:r>
+            <a:r>
+              <a:rPr lang="de-DE" u="sng"/>
+              <a:t>Repository</a:t>
+            </a:r>
+          </a:p>
+          <a:p>
+            <a:r>
+              <a:rPr lang="de-DE" u="sng"/>
+              <a:t>Revision</a:t>
+            </a:r>
+            <a:r>
+              <a:rPr lang="de-DE"/>
+              <a:t> or </a:t>
+            </a:r>
+            <a:r>
+              <a:rPr lang="de-DE" u="sng"/>
+              <a:t>Version</a:t>
+            </a:r>
+            <a:r>
+              <a:rPr lang="de-DE"/>
+              <a:t> is a single file change</a:t>
+            </a:r>
+          </a:p>
+        </p:txBody>
+      </p:sp>
+      <p:graphicFrame>
+        <p:nvGraphicFramePr>
+          <p:cNvPr id="4" name="Inhaltsplatzhalter 3">
+            <a:extLst>
+              <a:ext uri="{FF2B5EF4-FFF2-40B4-BE49-F238E27FC236}">
+                <a16:creationId xmlns:a16="http://schemas.microsoft.com/office/drawing/2014/main" id="{BC50B06D-B29C-4881-8ED3-C8CE10675D0A}"/>
+              </a:ext>
+            </a:extLst>
+          </p:cNvPr>
+          <p:cNvGraphicFramePr>
+            <a:graphicFrameLocks noGrp="1"/>
+          </p:cNvGraphicFramePr>
+          <p:nvPr>
+            <p:ph sz="half" idx="2"/>
+            <p:extLst>
+              <p:ext uri="{D42A27DB-BD31-4B8C-83A1-F6EECF244321}">
+                <p14:modId xmlns:p14="http://schemas.microsoft.com/office/powerpoint/2010/main" val="3288812431"/>
+              </p:ext>
+            </p:extLst>
+          </p:nvPr>
+        </p:nvGraphicFramePr>
+        <p:xfrm>
+          <a:off x="6172200" y="1825625"/>
+          <a:ext cx="5181600" cy="4351338"/>
+        </p:xfrm>
+        <a:graphic>
+          <a:graphicData uri="http://schemas.openxmlformats.org/drawingml/2006/diagram">
+            <dgm:relIds xmlns:dgm="http://schemas.openxmlformats.org/drawingml/2006/diagram" xmlns:r="http://schemas.openxmlformats.org/officeDocument/2006/relationships" r:dm="rId2" r:lo="rId3" r:qs="rId4" r:cs="rId5"/>
+          </a:graphicData>
+        </a:graphic>
+      </p:graphicFrame>
+      <p:sp>
+        <p:nvSpPr>
+          <p:cNvPr id="6" name="Rechteck 5">
+            <a:extLst>
+              <a:ext uri="{FF2B5EF4-FFF2-40B4-BE49-F238E27FC236}">
+                <a16:creationId xmlns:a16="http://schemas.microsoft.com/office/drawing/2014/main" id="{FB82F768-785F-4D8C-A658-F638B11AF14E}"/>
+              </a:ext>
+            </a:extLst>
+          </p:cNvPr>
+          <p:cNvSpPr/>
+          <p:nvPr/>
+        </p:nvSpPr>
+        <p:spPr>
+          <a:xfrm>
+            <a:off x="6397286" y="4527612"/>
+            <a:ext cx="1961965" cy="967666"/>
+          </a:xfrm>
+          <a:prstGeom prst="rect">
+            <a:avLst/>
+          </a:prstGeom>
+        </p:spPr>
+        <p:style>
+          <a:lnRef idx="2">
+            <a:schemeClr val="accent4">
+              <a:shade val="50000"/>
+            </a:schemeClr>
+          </a:lnRef>
+          <a:fillRef idx="1">
+            <a:schemeClr val="accent4"/>
+          </a:fillRef>
+          <a:effectRef idx="0">
+            <a:schemeClr val="accent4"/>
+          </a:effectRef>
+          <a:fontRef idx="minor">
+            <a:schemeClr val="lt1"/>
+          </a:fontRef>
+        </p:style>
+        <p:txBody>
+          <a:bodyPr rtlCol="0" anchor="ctr"/>
+          <a:lstStyle/>
+          <a:p>
+            <a:pPr algn="ctr"/>
+            <a:r>
+              <a:rPr lang="de-DE">
+                <a:solidFill>
+                  <a:schemeClr val="tx1"/>
+                </a:solidFill>
+              </a:rPr>
+              <a:t>Data</a:t>
+            </a:r>
+          </a:p>
+          <a:p>
+            <a:pPr algn="ctr"/>
+            <a:r>
+              <a:rPr lang="de-DE">
+                <a:solidFill>
+                  <a:schemeClr val="tx1"/>
+                </a:solidFill>
+              </a:rPr>
+              <a:t>Version 1</a:t>
+            </a:r>
+          </a:p>
+        </p:txBody>
+      </p:sp>
+      <p:sp>
+        <p:nvSpPr>
+          <p:cNvPr id="7" name="Rechteck 6">
+            <a:extLst>
+              <a:ext uri="{FF2B5EF4-FFF2-40B4-BE49-F238E27FC236}">
+                <a16:creationId xmlns:a16="http://schemas.microsoft.com/office/drawing/2014/main" id="{14A85E2B-AF55-4BB1-A008-A1BBAB485C1F}"/>
+              </a:ext>
+            </a:extLst>
+          </p:cNvPr>
+          <p:cNvSpPr/>
+          <p:nvPr/>
+        </p:nvSpPr>
+        <p:spPr>
+          <a:xfrm>
+            <a:off x="9063731" y="4527612"/>
+            <a:ext cx="1961965" cy="967666"/>
+          </a:xfrm>
+          <a:prstGeom prst="rect">
+            <a:avLst/>
+          </a:prstGeom>
+        </p:spPr>
+        <p:style>
+          <a:lnRef idx="2">
+            <a:schemeClr val="accent4">
+              <a:shade val="50000"/>
+            </a:schemeClr>
+          </a:lnRef>
+          <a:fillRef idx="1">
+            <a:schemeClr val="accent4"/>
+          </a:fillRef>
+          <a:effectRef idx="0">
+            <a:schemeClr val="accent4"/>
+          </a:effectRef>
+          <a:fontRef idx="minor">
+            <a:schemeClr val="lt1"/>
+          </a:fontRef>
+        </p:style>
+        <p:txBody>
+          <a:bodyPr rtlCol="0" anchor="ctr"/>
+          <a:lstStyle/>
+          <a:p>
+            <a:pPr algn="ctr"/>
+            <a:r>
+              <a:rPr lang="de-DE">
+                <a:solidFill>
+                  <a:schemeClr val="tx1"/>
+                </a:solidFill>
+              </a:rPr>
+              <a:t>Data</a:t>
+            </a:r>
+          </a:p>
+          <a:p>
+            <a:pPr algn="ctr"/>
+            <a:r>
+              <a:rPr lang="de-DE">
+                <a:solidFill>
+                  <a:schemeClr val="tx1"/>
+                </a:solidFill>
+              </a:rPr>
+              <a:t>Version 2</a:t>
+            </a:r>
+          </a:p>
+        </p:txBody>
+      </p:sp>
+      <p:sp>
+        <p:nvSpPr>
+          <p:cNvPr id="5" name="Pfeil: nach rechts 4">
+            <a:extLst>
+              <a:ext uri="{FF2B5EF4-FFF2-40B4-BE49-F238E27FC236}">
+                <a16:creationId xmlns:a16="http://schemas.microsoft.com/office/drawing/2014/main" id="{B5E895CF-42EF-4EEE-A035-286D7D701B36}"/>
+              </a:ext>
+            </a:extLst>
+          </p:cNvPr>
+          <p:cNvSpPr/>
+          <p:nvPr/>
+        </p:nvSpPr>
+        <p:spPr>
+          <a:xfrm>
+            <a:off x="8511651" y="4714043"/>
+            <a:ext cx="401530" cy="452761"/>
+          </a:xfrm>
+          <a:prstGeom prst="rightArrow">
+            <a:avLst/>
+          </a:prstGeom>
+        </p:spPr>
+        <p:style>
+          <a:lnRef idx="2">
+            <a:schemeClr val="dk1">
+              <a:shade val="50000"/>
+            </a:schemeClr>
+          </a:lnRef>
+          <a:fillRef idx="1">
+            <a:schemeClr val="dk1"/>
+          </a:fillRef>
+          <a:effectRef idx="0">
+            <a:schemeClr val="dk1"/>
+          </a:effectRef>
+          <a:fontRef idx="minor">
+            <a:schemeClr val="lt1"/>
+          </a:fontRef>
+        </p:style>
+        <p:txBody>
+          <a:bodyPr rtlCol="0" anchor="ctr"/>
+          <a:lstStyle/>
+          <a:p>
+            <a:pPr algn="ctr"/>
+            <a:endParaRPr lang="de-DE"/>
+          </a:p>
+        </p:txBody>
+      </p:sp>
+    </p:spTree>
+    <p:extLst>
+      <p:ext uri="{BB962C8B-B14F-4D97-AF65-F5344CB8AC3E}">
+        <p14:creationId xmlns:p14="http://schemas.microsoft.com/office/powerpoint/2010/main" val="3496897082"/>
+      </p:ext>
+    </p:extLst>
+  </p:cSld>
+  <p:clrMapOvr>
+    <a:masterClrMapping/>
+  </p:clrMapOvr>
+</p:sld>
+</file>
+
+<file path=ppt/slides/slide16.xml><?xml version="1.0" encoding="utf-8"?>
 <p:sld xmlns:a="http://schemas.openxmlformats.org/drawingml/2006/main" xmlns:r="http://schemas.openxmlformats.org/officeDocument/2006/relationships" xmlns:p="http://schemas.openxmlformats.org/presentationml/2006/main">
   <p:cSld>
     <p:spTree>
@@ -18235,7 +19331,7 @@
 </p:sld>
 </file>
 
-<file path=ppt/slides/slide11.xml><?xml version="1.0" encoding="utf-8"?>
+<file path=ppt/slides/slide17.xml><?xml version="1.0" encoding="utf-8"?>
 <p:sld xmlns:a="http://schemas.openxmlformats.org/drawingml/2006/main" xmlns:r="http://schemas.openxmlformats.org/officeDocument/2006/relationships" xmlns:p="http://schemas.openxmlformats.org/presentationml/2006/main">
   <p:cSld>
     <p:spTree>
@@ -18620,7 +19716,7 @@
 </p:sld>
 </file>
 
-<file path=ppt/slides/slide12.xml><?xml version="1.0" encoding="utf-8"?>
+<file path=ppt/slides/slide18.xml><?xml version="1.0" encoding="utf-8"?>
 <p:sld xmlns:a="http://schemas.openxmlformats.org/drawingml/2006/main" xmlns:r="http://schemas.openxmlformats.org/officeDocument/2006/relationships" xmlns:p="http://schemas.openxmlformats.org/presentationml/2006/main">
   <p:cSld>
     <p:spTree>
@@ -19006,7 +20102,7 @@
 </p:sld>
 </file>
 
-<file path=ppt/slides/slide13.xml><?xml version="1.0" encoding="utf-8"?>
+<file path=ppt/slides/slide19.xml><?xml version="1.0" encoding="utf-8"?>
 <p:sld xmlns:a="http://schemas.openxmlformats.org/drawingml/2006/main" xmlns:r="http://schemas.openxmlformats.org/officeDocument/2006/relationships" xmlns:p="http://schemas.openxmlformats.org/presentationml/2006/main">
   <p:cSld>
     <p:spTree>
@@ -19601,7 +20697,151 @@
 </p:sld>
 </file>
 
-<file path=ppt/slides/slide14.xml><?xml version="1.0" encoding="utf-8"?>
+<file path=ppt/slides/slide2.xml><?xml version="1.0" encoding="utf-8"?>
+<p:sld xmlns:a="http://schemas.openxmlformats.org/drawingml/2006/main" xmlns:r="http://schemas.openxmlformats.org/officeDocument/2006/relationships" xmlns:p="http://schemas.openxmlformats.org/presentationml/2006/main">
+  <p:cSld>
+    <p:spTree>
+      <p:nvGrpSpPr>
+        <p:cNvPr id="1" name=""/>
+        <p:cNvGrpSpPr/>
+        <p:nvPr/>
+      </p:nvGrpSpPr>
+      <p:grpSpPr>
+        <a:xfrm>
+          <a:off x="0" y="0"/>
+          <a:ext cx="0" cy="0"/>
+          <a:chOff x="0" y="0"/>
+          <a:chExt cx="0" cy="0"/>
+        </a:xfrm>
+      </p:grpSpPr>
+      <p:sp>
+        <p:nvSpPr>
+          <p:cNvPr id="4" name="Titel 3">
+            <a:extLst>
+              <a:ext uri="{FF2B5EF4-FFF2-40B4-BE49-F238E27FC236}">
+                <a16:creationId xmlns:a16="http://schemas.microsoft.com/office/drawing/2014/main" id="{5B48809F-0C31-4B2C-88EF-39C4AF82E6CD}"/>
+              </a:ext>
+            </a:extLst>
+          </p:cNvPr>
+          <p:cNvSpPr>
+            <a:spLocks noGrp="1"/>
+          </p:cNvSpPr>
+          <p:nvPr>
+            <p:ph type="title"/>
+          </p:nvPr>
+        </p:nvSpPr>
+        <p:spPr/>
+        <p:txBody>
+          <a:bodyPr/>
+          <a:lstStyle/>
+          <a:p>
+            <a:r>
+              <a:rPr lang="de-DE"/>
+              <a:t>Table of Contents</a:t>
+            </a:r>
+          </a:p>
+        </p:txBody>
+      </p:sp>
+      <p:sp>
+        <p:nvSpPr>
+          <p:cNvPr id="5" name="Inhaltsplatzhalter 4">
+            <a:extLst>
+              <a:ext uri="{FF2B5EF4-FFF2-40B4-BE49-F238E27FC236}">
+                <a16:creationId xmlns:a16="http://schemas.microsoft.com/office/drawing/2014/main" id="{8C5C0079-8A63-4235-BB11-6E5D2B206423}"/>
+              </a:ext>
+            </a:extLst>
+          </p:cNvPr>
+          <p:cNvSpPr>
+            <a:spLocks noGrp="1"/>
+          </p:cNvSpPr>
+          <p:nvPr>
+            <p:ph idx="1"/>
+          </p:nvPr>
+        </p:nvSpPr>
+        <p:spPr/>
+        <p:txBody>
+          <a:bodyPr/>
+          <a:lstStyle/>
+          <a:p>
+            <a:pPr marL="571500" indent="-571500">
+              <a:buFont typeface="+mj-lt"/>
+              <a:buAutoNum type="romanUcPeriod"/>
+            </a:pPr>
+            <a:r>
+              <a:rPr lang="de-DE"/>
+              <a:t>Introduction</a:t>
+            </a:r>
+          </a:p>
+          <a:p>
+            <a:pPr marL="571500" indent="-571500">
+              <a:buFont typeface="+mj-lt"/>
+              <a:buAutoNum type="romanUcPeriod"/>
+            </a:pPr>
+            <a:r>
+              <a:rPr lang="de-DE"/>
+              <a:t>Professional use</a:t>
+            </a:r>
+          </a:p>
+          <a:p>
+            <a:pPr marL="571500" indent="-571500">
+              <a:buFont typeface="+mj-lt"/>
+              <a:buAutoNum type="romanUcPeriod"/>
+            </a:pPr>
+            <a:r>
+              <a:rPr lang="de-DE"/>
+              <a:t>Interactive Example</a:t>
+            </a:r>
+          </a:p>
+          <a:p>
+            <a:pPr marL="571500" indent="-571500">
+              <a:buFont typeface="+mj-lt"/>
+              <a:buAutoNum type="romanUcPeriod"/>
+            </a:pPr>
+            <a:r>
+              <a:rPr lang="de-DE"/>
+              <a:t>Mechanics and Jargon</a:t>
+            </a:r>
+          </a:p>
+          <a:p>
+            <a:pPr marL="571500" indent="-571500">
+              <a:buFont typeface="+mj-lt"/>
+              <a:buAutoNum type="romanUcPeriod"/>
+            </a:pPr>
+            <a:r>
+              <a:rPr lang="de-DE"/>
+              <a:t>Sources</a:t>
+            </a:r>
+          </a:p>
+          <a:p>
+            <a:pPr marL="571500" indent="-571500">
+              <a:buFont typeface="+mj-lt"/>
+              <a:buAutoNum type="romanUcPeriod"/>
+            </a:pPr>
+            <a:endParaRPr lang="de-DE"/>
+          </a:p>
+          <a:p>
+            <a:pPr marL="571500" indent="-571500">
+              <a:buFont typeface="+mj-lt"/>
+              <a:buAutoNum type="romanUcPeriod"/>
+            </a:pPr>
+            <a:endParaRPr lang="de-DE"/>
+          </a:p>
+        </p:txBody>
+      </p:sp>
+    </p:spTree>
+    <p:extLst>
+      <p:ext uri="{BB962C8B-B14F-4D97-AF65-F5344CB8AC3E}">
+        <p14:creationId xmlns:p14="http://schemas.microsoft.com/office/powerpoint/2010/main" val="731089537"/>
+      </p:ext>
+    </p:extLst>
+  </p:cSld>
+  <p:clrMapOvr>
+    <a:masterClrMapping/>
+  </p:clrMapOvr>
+</p:sld>
+</file>
+
+<file path=ppt/slides/slide20.xml><?xml version="1.0" encoding="utf-8"?>
 <p:sld xmlns:a="http://schemas.openxmlformats.org/drawingml/2006/main" xmlns:r="http://schemas.openxmlformats.org/officeDocument/2006/relationships" xmlns:p="http://schemas.openxmlformats.org/presentationml/2006/main">
   <p:cSld>
     <p:spTree>
@@ -19850,7 +21090,7 @@
 </p:sld>
 </file>
 
-<file path=ppt/slides/slide15.xml><?xml version="1.0" encoding="utf-8"?>
+<file path=ppt/slides/slide21.xml><?xml version="1.0" encoding="utf-8"?>
 <p:sld xmlns:a="http://schemas.openxmlformats.org/drawingml/2006/main" xmlns:r="http://schemas.openxmlformats.org/officeDocument/2006/relationships" xmlns:p="http://schemas.openxmlformats.org/presentationml/2006/main">
   <p:cSld>
     <p:spTree>
@@ -20045,7 +21285,7 @@
 </p:sld>
 </file>
 
-<file path=ppt/slides/slide16.xml><?xml version="1.0" encoding="utf-8"?>
+<file path=ppt/slides/slide22.xml><?xml version="1.0" encoding="utf-8"?>
 <p:sld xmlns:a="http://schemas.openxmlformats.org/drawingml/2006/main" xmlns:r="http://schemas.openxmlformats.org/officeDocument/2006/relationships" xmlns:p="http://schemas.openxmlformats.org/presentationml/2006/main">
   <p:cSld>
     <p:spTree>
@@ -20310,7 +21550,7 @@
 </p:sld>
 </file>
 
-<file path=ppt/slides/slide17.xml><?xml version="1.0" encoding="utf-8"?>
+<file path=ppt/slides/slide23.xml><?xml version="1.0" encoding="utf-8"?>
 <p:sld xmlns:a="http://schemas.openxmlformats.org/drawingml/2006/main" xmlns:r="http://schemas.openxmlformats.org/officeDocument/2006/relationships" xmlns:p="http://schemas.openxmlformats.org/presentationml/2006/main">
   <p:cSld>
     <p:spTree>
@@ -20692,7 +21932,7 @@
 </p:sld>
 </file>
 
-<file path=ppt/slides/slide18.xml><?xml version="1.0" encoding="utf-8"?>
+<file path=ppt/slides/slide24.xml><?xml version="1.0" encoding="utf-8"?>
 <p:sld xmlns:a="http://schemas.openxmlformats.org/drawingml/2006/main" xmlns:r="http://schemas.openxmlformats.org/officeDocument/2006/relationships" xmlns:p="http://schemas.openxmlformats.org/presentationml/2006/main">
   <p:cSld>
     <p:spTree>
@@ -20873,7 +22113,7 @@
 </p:sld>
 </file>
 
-<file path=ppt/slides/slide19.xml><?xml version="1.0" encoding="utf-8"?>
+<file path=ppt/slides/slide25.xml><?xml version="1.0" encoding="utf-8"?>
 <p:sld xmlns:a="http://schemas.openxmlformats.org/drawingml/2006/main" xmlns:r="http://schemas.openxmlformats.org/officeDocument/2006/relationships" xmlns:p="http://schemas.openxmlformats.org/presentationml/2006/main">
   <p:cSld>
     <p:spTree>
@@ -21111,7 +22351,610 @@
 </p:sld>
 </file>
 
-<file path=ppt/slides/slide2.xml><?xml version="1.0" encoding="utf-8"?>
+<file path=ppt/slides/slide26.xml><?xml version="1.0" encoding="utf-8"?>
+<p:sld xmlns:a="http://schemas.openxmlformats.org/drawingml/2006/main" xmlns:r="http://schemas.openxmlformats.org/officeDocument/2006/relationships" xmlns:p="http://schemas.openxmlformats.org/presentationml/2006/main">
+  <p:cSld>
+    <p:spTree>
+      <p:nvGrpSpPr>
+        <p:cNvPr id="1" name=""/>
+        <p:cNvGrpSpPr/>
+        <p:nvPr/>
+      </p:nvGrpSpPr>
+      <p:grpSpPr>
+        <a:xfrm>
+          <a:off x="0" y="0"/>
+          <a:ext cx="0" cy="0"/>
+          <a:chOff x="0" y="0"/>
+          <a:chExt cx="0" cy="0"/>
+        </a:xfrm>
+      </p:grpSpPr>
+      <p:pic>
+        <p:nvPicPr>
+          <p:cNvPr id="8" name="Inhaltsplatzhalter 7">
+            <a:extLst>
+              <a:ext uri="{FF2B5EF4-FFF2-40B4-BE49-F238E27FC236}">
+                <a16:creationId xmlns:a16="http://schemas.microsoft.com/office/drawing/2014/main" id="{E749F531-90A3-40E0-9D2D-35D638542399}"/>
+              </a:ext>
+            </a:extLst>
+          </p:cNvPr>
+          <p:cNvPicPr>
+            <a:picLocks noGrp="1" noChangeAspect="1"/>
+          </p:cNvPicPr>
+          <p:nvPr>
+            <p:ph idx="1"/>
+          </p:nvPr>
+        </p:nvPicPr>
+        <p:blipFill>
+          <a:blip r:embed="rId2">
+            <a:extLst>
+              <a:ext uri="{28A0092B-C50C-407E-A947-70E740481C1C}">
+                <a14:useLocalDpi xmlns:a14="http://schemas.microsoft.com/office/drawing/2010/main" val="0"/>
+              </a:ext>
+            </a:extLst>
+          </a:blip>
+          <a:stretch>
+            <a:fillRect/>
+          </a:stretch>
+        </p:blipFill>
+        <p:spPr>
+          <a:xfrm>
+            <a:off x="838200" y="1871935"/>
+            <a:ext cx="10515600" cy="4258717"/>
+          </a:xfrm>
+        </p:spPr>
+      </p:pic>
+      <p:sp>
+        <p:nvSpPr>
+          <p:cNvPr id="5" name="Titel 4">
+            <a:extLst>
+              <a:ext uri="{FF2B5EF4-FFF2-40B4-BE49-F238E27FC236}">
+                <a16:creationId xmlns:a16="http://schemas.microsoft.com/office/drawing/2014/main" id="{78F11F23-6CE0-4349-AA39-52E46265AE3A}"/>
+              </a:ext>
+            </a:extLst>
+          </p:cNvPr>
+          <p:cNvSpPr>
+            <a:spLocks noGrp="1"/>
+          </p:cNvSpPr>
+          <p:nvPr>
+            <p:ph type="title"/>
+          </p:nvPr>
+        </p:nvSpPr>
+        <p:spPr/>
+        <p:txBody>
+          <a:bodyPr/>
+          <a:lstStyle/>
+          <a:p>
+            <a:r>
+              <a:rPr lang="de-DE"/>
+              <a:t>Branching Strategy Example: Testing</a:t>
+            </a:r>
+          </a:p>
+        </p:txBody>
+      </p:sp>
+      <p:sp>
+        <p:nvSpPr>
+          <p:cNvPr id="9" name="Rechteck 8">
+            <a:extLst>
+              <a:ext uri="{FF2B5EF4-FFF2-40B4-BE49-F238E27FC236}">
+                <a16:creationId xmlns:a16="http://schemas.microsoft.com/office/drawing/2014/main" id="{EB343D37-2FC1-43DD-AB42-2D5277D30777}"/>
+              </a:ext>
+            </a:extLst>
+          </p:cNvPr>
+          <p:cNvSpPr/>
+          <p:nvPr/>
+        </p:nvSpPr>
+        <p:spPr>
+          <a:xfrm>
+            <a:off x="838200" y="5276562"/>
+            <a:ext cx="2128982" cy="886566"/>
+          </a:xfrm>
+          <a:prstGeom prst="rect">
+            <a:avLst/>
+          </a:prstGeom>
+          <a:solidFill>
+            <a:schemeClr val="bg1"/>
+          </a:solidFill>
+        </p:spPr>
+        <p:style>
+          <a:lnRef idx="2">
+            <a:schemeClr val="accent1">
+              <a:shade val="50000"/>
+            </a:schemeClr>
+          </a:lnRef>
+          <a:fillRef idx="1">
+            <a:schemeClr val="accent1"/>
+          </a:fillRef>
+          <a:effectRef idx="0">
+            <a:schemeClr val="accent1"/>
+          </a:effectRef>
+          <a:fontRef idx="minor">
+            <a:schemeClr val="lt1"/>
+          </a:fontRef>
+        </p:style>
+        <p:txBody>
+          <a:bodyPr rtlCol="0" anchor="ctr"/>
+          <a:lstStyle/>
+          <a:p>
+            <a:pPr algn="ctr"/>
+            <a:r>
+              <a:rPr lang="de-DE" sz="3600">
+                <a:solidFill>
+                  <a:schemeClr val="tx1"/>
+                </a:solidFill>
+              </a:rPr>
+              <a:t>Release</a:t>
+            </a:r>
+          </a:p>
+        </p:txBody>
+      </p:sp>
+      <p:sp>
+        <p:nvSpPr>
+          <p:cNvPr id="10" name="Rechteck 9">
+            <a:extLst>
+              <a:ext uri="{FF2B5EF4-FFF2-40B4-BE49-F238E27FC236}">
+                <a16:creationId xmlns:a16="http://schemas.microsoft.com/office/drawing/2014/main" id="{A5F29386-620C-4C20-9EB9-E73954A798DE}"/>
+              </a:ext>
+            </a:extLst>
+          </p:cNvPr>
+          <p:cNvSpPr/>
+          <p:nvPr/>
+        </p:nvSpPr>
+        <p:spPr>
+          <a:xfrm>
+            <a:off x="838200" y="3825528"/>
+            <a:ext cx="2128982" cy="886566"/>
+          </a:xfrm>
+          <a:prstGeom prst="rect">
+            <a:avLst/>
+          </a:prstGeom>
+          <a:solidFill>
+            <a:schemeClr val="bg1"/>
+          </a:solidFill>
+        </p:spPr>
+        <p:style>
+          <a:lnRef idx="2">
+            <a:schemeClr val="accent1">
+              <a:shade val="50000"/>
+            </a:schemeClr>
+          </a:lnRef>
+          <a:fillRef idx="1">
+            <a:schemeClr val="accent1"/>
+          </a:fillRef>
+          <a:effectRef idx="0">
+            <a:schemeClr val="accent1"/>
+          </a:effectRef>
+          <a:fontRef idx="minor">
+            <a:schemeClr val="lt1"/>
+          </a:fontRef>
+        </p:style>
+        <p:txBody>
+          <a:bodyPr rtlCol="0" anchor="ctr"/>
+          <a:lstStyle/>
+          <a:p>
+            <a:pPr algn="ctr"/>
+            <a:r>
+              <a:rPr lang="de-DE" sz="3600">
+                <a:solidFill>
+                  <a:schemeClr val="tx1"/>
+                </a:solidFill>
+              </a:rPr>
+              <a:t>Test</a:t>
+            </a:r>
+          </a:p>
+        </p:txBody>
+      </p:sp>
+      <p:sp>
+        <p:nvSpPr>
+          <p:cNvPr id="11" name="Rechteck 10">
+            <a:extLst>
+              <a:ext uri="{FF2B5EF4-FFF2-40B4-BE49-F238E27FC236}">
+                <a16:creationId xmlns:a16="http://schemas.microsoft.com/office/drawing/2014/main" id="{F7D68EB6-961E-4789-B691-612657CB3EBA}"/>
+              </a:ext>
+            </a:extLst>
+          </p:cNvPr>
+          <p:cNvSpPr/>
+          <p:nvPr/>
+        </p:nvSpPr>
+        <p:spPr>
+          <a:xfrm>
+            <a:off x="838200" y="2353632"/>
+            <a:ext cx="2128982" cy="886566"/>
+          </a:xfrm>
+          <a:prstGeom prst="rect">
+            <a:avLst/>
+          </a:prstGeom>
+          <a:solidFill>
+            <a:schemeClr val="bg1"/>
+          </a:solidFill>
+        </p:spPr>
+        <p:style>
+          <a:lnRef idx="2">
+            <a:schemeClr val="accent1">
+              <a:shade val="50000"/>
+            </a:schemeClr>
+          </a:lnRef>
+          <a:fillRef idx="1">
+            <a:schemeClr val="accent1"/>
+          </a:fillRef>
+          <a:effectRef idx="0">
+            <a:schemeClr val="accent1"/>
+          </a:effectRef>
+          <a:fontRef idx="minor">
+            <a:schemeClr val="lt1"/>
+          </a:fontRef>
+        </p:style>
+        <p:txBody>
+          <a:bodyPr rtlCol="0" anchor="ctr"/>
+          <a:lstStyle/>
+          <a:p>
+            <a:pPr algn="ctr"/>
+            <a:r>
+              <a:rPr lang="de-DE" sz="3600">
+                <a:solidFill>
+                  <a:schemeClr val="tx1"/>
+                </a:solidFill>
+              </a:rPr>
+              <a:t>Dev</a:t>
+            </a:r>
+          </a:p>
+        </p:txBody>
+      </p:sp>
+      <p:sp>
+        <p:nvSpPr>
+          <p:cNvPr id="14" name="Rechteck 13">
+            <a:extLst>
+              <a:ext uri="{FF2B5EF4-FFF2-40B4-BE49-F238E27FC236}">
+                <a16:creationId xmlns:a16="http://schemas.microsoft.com/office/drawing/2014/main" id="{0FFAE908-6220-4A63-89BB-C862AB97D944}"/>
+              </a:ext>
+            </a:extLst>
+          </p:cNvPr>
+          <p:cNvSpPr/>
+          <p:nvPr/>
+        </p:nvSpPr>
+        <p:spPr>
+          <a:xfrm>
+            <a:off x="9224818" y="5868616"/>
+            <a:ext cx="2128982" cy="886566"/>
+          </a:xfrm>
+          <a:prstGeom prst="rect">
+            <a:avLst/>
+          </a:prstGeom>
+          <a:noFill/>
+          <a:ln>
+            <a:noFill/>
+          </a:ln>
+        </p:spPr>
+        <p:style>
+          <a:lnRef idx="2">
+            <a:schemeClr val="accent1">
+              <a:shade val="50000"/>
+            </a:schemeClr>
+          </a:lnRef>
+          <a:fillRef idx="1">
+            <a:schemeClr val="accent1"/>
+          </a:fillRef>
+          <a:effectRef idx="0">
+            <a:schemeClr val="accent1"/>
+          </a:effectRef>
+          <a:fontRef idx="minor">
+            <a:schemeClr val="lt1"/>
+          </a:fontRef>
+        </p:style>
+        <p:txBody>
+          <a:bodyPr rtlCol="0" anchor="ctr"/>
+          <a:lstStyle/>
+          <a:p>
+            <a:pPr algn="ctr"/>
+            <a:r>
+              <a:rPr lang="de-DE" sz="2400">
+                <a:solidFill>
+                  <a:schemeClr val="tx1"/>
+                </a:solidFill>
+              </a:rPr>
+              <a:t>Version 2.0</a:t>
+            </a:r>
+          </a:p>
+        </p:txBody>
+      </p:sp>
+      <p:sp>
+        <p:nvSpPr>
+          <p:cNvPr id="15" name="Rechteck 14">
+            <a:extLst>
+              <a:ext uri="{FF2B5EF4-FFF2-40B4-BE49-F238E27FC236}">
+                <a16:creationId xmlns:a16="http://schemas.microsoft.com/office/drawing/2014/main" id="{D7E1BC09-2CE7-4E87-9ABA-2C443C1870BD}"/>
+              </a:ext>
+            </a:extLst>
+          </p:cNvPr>
+          <p:cNvSpPr/>
+          <p:nvPr/>
+        </p:nvSpPr>
+        <p:spPr>
+          <a:xfrm>
+            <a:off x="5797748" y="5868616"/>
+            <a:ext cx="2128982" cy="886566"/>
+          </a:xfrm>
+          <a:prstGeom prst="rect">
+            <a:avLst/>
+          </a:prstGeom>
+          <a:noFill/>
+          <a:ln>
+            <a:noFill/>
+          </a:ln>
+        </p:spPr>
+        <p:style>
+          <a:lnRef idx="2">
+            <a:schemeClr val="accent1">
+              <a:shade val="50000"/>
+            </a:schemeClr>
+          </a:lnRef>
+          <a:fillRef idx="1">
+            <a:schemeClr val="accent1"/>
+          </a:fillRef>
+          <a:effectRef idx="0">
+            <a:schemeClr val="accent1"/>
+          </a:effectRef>
+          <a:fontRef idx="minor">
+            <a:schemeClr val="lt1"/>
+          </a:fontRef>
+        </p:style>
+        <p:txBody>
+          <a:bodyPr rtlCol="0" anchor="ctr"/>
+          <a:lstStyle/>
+          <a:p>
+            <a:pPr algn="ctr"/>
+            <a:r>
+              <a:rPr lang="de-DE" sz="2400">
+                <a:solidFill>
+                  <a:schemeClr val="tx1"/>
+                </a:solidFill>
+              </a:rPr>
+              <a:t>Version 1.0</a:t>
+            </a:r>
+          </a:p>
+        </p:txBody>
+      </p:sp>
+    </p:spTree>
+    <p:extLst>
+      <p:ext uri="{BB962C8B-B14F-4D97-AF65-F5344CB8AC3E}">
+        <p14:creationId xmlns:p14="http://schemas.microsoft.com/office/powerpoint/2010/main" val="3603522584"/>
+      </p:ext>
+    </p:extLst>
+  </p:cSld>
+  <p:clrMapOvr>
+    <a:masterClrMapping/>
+  </p:clrMapOvr>
+</p:sld>
+</file>
+
+<file path=ppt/slides/slide27.xml><?xml version="1.0" encoding="utf-8"?>
+<p:sld xmlns:a="http://schemas.openxmlformats.org/drawingml/2006/main" xmlns:r="http://schemas.openxmlformats.org/officeDocument/2006/relationships" xmlns:p="http://schemas.openxmlformats.org/presentationml/2006/main">
+  <p:cSld>
+    <p:spTree>
+      <p:nvGrpSpPr>
+        <p:cNvPr id="1" name=""/>
+        <p:cNvGrpSpPr/>
+        <p:nvPr/>
+      </p:nvGrpSpPr>
+      <p:grpSpPr>
+        <a:xfrm>
+          <a:off x="0" y="0"/>
+          <a:ext cx="0" cy="0"/>
+          <a:chOff x="0" y="0"/>
+          <a:chExt cx="0" cy="0"/>
+        </a:xfrm>
+      </p:grpSpPr>
+      <p:sp>
+        <p:nvSpPr>
+          <p:cNvPr id="2" name="Titel 1"/>
+          <p:cNvSpPr>
+            <a:spLocks noGrp="1"/>
+          </p:cNvSpPr>
+          <p:nvPr>
+            <p:ph type="title"/>
+          </p:nvPr>
+        </p:nvSpPr>
+        <p:spPr/>
+        <p:txBody>
+          <a:bodyPr/>
+          <a:lstStyle/>
+          <a:p>
+            <a:r>
+              <a:rPr lang="de-DE"/>
+              <a:t>Sources</a:t>
+            </a:r>
+          </a:p>
+        </p:txBody>
+      </p:sp>
+      <p:sp>
+        <p:nvSpPr>
+          <p:cNvPr id="3" name="Inhaltsplatzhalter 2"/>
+          <p:cNvSpPr>
+            <a:spLocks noGrp="1"/>
+          </p:cNvSpPr>
+          <p:nvPr>
+            <p:ph idx="1"/>
+          </p:nvPr>
+        </p:nvSpPr>
+        <p:spPr/>
+        <p:txBody>
+          <a:bodyPr/>
+          <a:lstStyle/>
+          <a:p>
+            <a:endParaRPr lang="de-DE"/>
+          </a:p>
+        </p:txBody>
+      </p:sp>
+    </p:spTree>
+    <p:extLst>
+      <p:ext uri="{BB962C8B-B14F-4D97-AF65-F5344CB8AC3E}">
+        <p14:creationId xmlns:p14="http://schemas.microsoft.com/office/powerpoint/2010/main" val="560282884"/>
+      </p:ext>
+    </p:extLst>
+  </p:cSld>
+  <p:clrMapOvr>
+    <a:masterClrMapping/>
+  </p:clrMapOvr>
+</p:sld>
+</file>
+
+<file path=ppt/slides/slide28.xml><?xml version="1.0" encoding="utf-8"?>
+<p:sld xmlns:a="http://schemas.openxmlformats.org/drawingml/2006/main" xmlns:r="http://schemas.openxmlformats.org/officeDocument/2006/relationships" xmlns:p="http://schemas.openxmlformats.org/presentationml/2006/main">
+  <p:cSld>
+    <p:spTree>
+      <p:nvGrpSpPr>
+        <p:cNvPr id="1" name=""/>
+        <p:cNvGrpSpPr/>
+        <p:nvPr/>
+      </p:nvGrpSpPr>
+      <p:grpSpPr>
+        <a:xfrm>
+          <a:off x="0" y="0"/>
+          <a:ext cx="0" cy="0"/>
+          <a:chOff x="0" y="0"/>
+          <a:chExt cx="0" cy="0"/>
+        </a:xfrm>
+      </p:grpSpPr>
+      <p:sp>
+        <p:nvSpPr>
+          <p:cNvPr id="2" name="Titel 1"/>
+          <p:cNvSpPr>
+            <a:spLocks noGrp="1"/>
+          </p:cNvSpPr>
+          <p:nvPr>
+            <p:ph type="title"/>
+          </p:nvPr>
+        </p:nvSpPr>
+        <p:spPr/>
+        <p:txBody>
+          <a:bodyPr/>
+          <a:lstStyle/>
+          <a:p>
+            <a:r>
+              <a:rPr lang="de-DE"/>
+              <a:t>THX &amp; BYE</a:t>
+            </a:r>
+          </a:p>
+        </p:txBody>
+      </p:sp>
+      <p:sp>
+        <p:nvSpPr>
+          <p:cNvPr id="3" name="Inhaltsplatzhalter 2"/>
+          <p:cNvSpPr>
+            <a:spLocks noGrp="1"/>
+          </p:cNvSpPr>
+          <p:nvPr>
+            <p:ph idx="1"/>
+          </p:nvPr>
+        </p:nvSpPr>
+        <p:spPr/>
+        <p:txBody>
+          <a:bodyPr/>
+          <a:lstStyle/>
+          <a:p>
+            <a:endParaRPr lang="de-DE"/>
+          </a:p>
+        </p:txBody>
+      </p:sp>
+    </p:spTree>
+    <p:extLst>
+      <p:ext uri="{BB962C8B-B14F-4D97-AF65-F5344CB8AC3E}">
+        <p14:creationId xmlns:p14="http://schemas.microsoft.com/office/powerpoint/2010/main" val="2305008801"/>
+      </p:ext>
+    </p:extLst>
+  </p:cSld>
+  <p:clrMapOvr>
+    <a:masterClrMapping/>
+  </p:clrMapOvr>
+</p:sld>
+</file>
+
+<file path=ppt/slides/slide3.xml><?xml version="1.0" encoding="utf-8"?>
+<p:sld xmlns:a="http://schemas.openxmlformats.org/drawingml/2006/main" xmlns:r="http://schemas.openxmlformats.org/officeDocument/2006/relationships" xmlns:p="http://schemas.openxmlformats.org/presentationml/2006/main">
+  <p:cSld>
+    <p:spTree>
+      <p:nvGrpSpPr>
+        <p:cNvPr id="1" name=""/>
+        <p:cNvGrpSpPr/>
+        <p:nvPr/>
+      </p:nvGrpSpPr>
+      <p:grpSpPr>
+        <a:xfrm>
+          <a:off x="0" y="0"/>
+          <a:ext cx="0" cy="0"/>
+          <a:chOff x="0" y="0"/>
+          <a:chExt cx="0" cy="0"/>
+        </a:xfrm>
+      </p:grpSpPr>
+      <p:sp>
+        <p:nvSpPr>
+          <p:cNvPr id="2" name="Titel 1">
+            <a:extLst>
+              <a:ext uri="{FF2B5EF4-FFF2-40B4-BE49-F238E27FC236}">
+                <a16:creationId xmlns:a16="http://schemas.microsoft.com/office/drawing/2014/main" id="{9BF1B963-9AB6-440F-A206-397DD0DF51C2}"/>
+              </a:ext>
+            </a:extLst>
+          </p:cNvPr>
+          <p:cNvSpPr>
+            <a:spLocks noGrp="1"/>
+          </p:cNvSpPr>
+          <p:nvPr>
+            <p:ph type="title"/>
+          </p:nvPr>
+        </p:nvSpPr>
+        <p:spPr/>
+        <p:txBody>
+          <a:bodyPr/>
+          <a:lstStyle/>
+          <a:p>
+            <a:r>
+              <a:rPr lang="de-DE"/>
+              <a:t>I. Introduction</a:t>
+            </a:r>
+          </a:p>
+        </p:txBody>
+      </p:sp>
+      <p:sp>
+        <p:nvSpPr>
+          <p:cNvPr id="3" name="Textplatzhalter 2">
+            <a:extLst>
+              <a:ext uri="{FF2B5EF4-FFF2-40B4-BE49-F238E27FC236}">
+                <a16:creationId xmlns:a16="http://schemas.microsoft.com/office/drawing/2014/main" id="{6AAA3556-3B0E-4DD3-ACB7-9D0066FE74F8}"/>
+              </a:ext>
+            </a:extLst>
+          </p:cNvPr>
+          <p:cNvSpPr>
+            <a:spLocks noGrp="1"/>
+          </p:cNvSpPr>
+          <p:nvPr>
+            <p:ph type="body" idx="1"/>
+          </p:nvPr>
+        </p:nvSpPr>
+        <p:spPr/>
+        <p:txBody>
+          <a:bodyPr/>
+          <a:lstStyle/>
+          <a:p>
+            <a:r>
+              <a:rPr lang="de-DE"/>
+              <a:t>GITting started</a:t>
+            </a:r>
+          </a:p>
+        </p:txBody>
+      </p:sp>
+    </p:spTree>
+    <p:extLst>
+      <p:ext uri="{BB962C8B-B14F-4D97-AF65-F5344CB8AC3E}">
+        <p14:creationId xmlns:p14="http://schemas.microsoft.com/office/powerpoint/2010/main" val="2372903373"/>
+      </p:ext>
+    </p:extLst>
+  </p:cSld>
+  <p:clrMapOvr>
+    <a:masterClrMapping/>
+  </p:clrMapOvr>
+</p:sld>
+</file>
+
+<file path=ppt/slides/slide4.xml><?xml version="1.0" encoding="utf-8"?>
 <p:sld xmlns:a="http://schemas.openxmlformats.org/drawingml/2006/main" xmlns:r="http://schemas.openxmlformats.org/officeDocument/2006/relationships" xmlns:p="http://schemas.openxmlformats.org/presentationml/2006/main">
   <p:cSld>
     <p:spTree>
@@ -21488,666 +23331,7 @@
 </p:sld>
 </file>
 
-<file path=ppt/slides/slide20.xml><?xml version="1.0" encoding="utf-8"?>
-<p:sld xmlns:a="http://schemas.openxmlformats.org/drawingml/2006/main" xmlns:r="http://schemas.openxmlformats.org/officeDocument/2006/relationships" xmlns:p="http://schemas.openxmlformats.org/presentationml/2006/main">
-  <p:cSld>
-    <p:spTree>
-      <p:nvGrpSpPr>
-        <p:cNvPr id="1" name=""/>
-        <p:cNvGrpSpPr/>
-        <p:nvPr/>
-      </p:nvGrpSpPr>
-      <p:grpSpPr>
-        <a:xfrm>
-          <a:off x="0" y="0"/>
-          <a:ext cx="0" cy="0"/>
-          <a:chOff x="0" y="0"/>
-          <a:chExt cx="0" cy="0"/>
-        </a:xfrm>
-      </p:grpSpPr>
-      <p:pic>
-        <p:nvPicPr>
-          <p:cNvPr id="8" name="Inhaltsplatzhalter 7">
-            <a:extLst>
-              <a:ext uri="{FF2B5EF4-FFF2-40B4-BE49-F238E27FC236}">
-                <a16:creationId xmlns:a16="http://schemas.microsoft.com/office/drawing/2014/main" id="{E749F531-90A3-40E0-9D2D-35D638542399}"/>
-              </a:ext>
-            </a:extLst>
-          </p:cNvPr>
-          <p:cNvPicPr>
-            <a:picLocks noGrp="1" noChangeAspect="1"/>
-          </p:cNvPicPr>
-          <p:nvPr>
-            <p:ph idx="1"/>
-          </p:nvPr>
-        </p:nvPicPr>
-        <p:blipFill>
-          <a:blip r:embed="rId2">
-            <a:extLst>
-              <a:ext uri="{28A0092B-C50C-407E-A947-70E740481C1C}">
-                <a14:useLocalDpi xmlns:a14="http://schemas.microsoft.com/office/drawing/2010/main" val="0"/>
-              </a:ext>
-            </a:extLst>
-          </a:blip>
-          <a:stretch>
-            <a:fillRect/>
-          </a:stretch>
-        </p:blipFill>
-        <p:spPr>
-          <a:xfrm>
-            <a:off x="838200" y="1871935"/>
-            <a:ext cx="10515600" cy="4258717"/>
-          </a:xfrm>
-        </p:spPr>
-      </p:pic>
-      <p:sp>
-        <p:nvSpPr>
-          <p:cNvPr id="5" name="Titel 4">
-            <a:extLst>
-              <a:ext uri="{FF2B5EF4-FFF2-40B4-BE49-F238E27FC236}">
-                <a16:creationId xmlns:a16="http://schemas.microsoft.com/office/drawing/2014/main" id="{78F11F23-6CE0-4349-AA39-52E46265AE3A}"/>
-              </a:ext>
-            </a:extLst>
-          </p:cNvPr>
-          <p:cNvSpPr>
-            <a:spLocks noGrp="1"/>
-          </p:cNvSpPr>
-          <p:nvPr>
-            <p:ph type="title"/>
-          </p:nvPr>
-        </p:nvSpPr>
-        <p:spPr/>
-        <p:txBody>
-          <a:bodyPr/>
-          <a:lstStyle/>
-          <a:p>
-            <a:r>
-              <a:rPr lang="de-DE"/>
-              <a:t>Branching Strategy Example: Testing</a:t>
-            </a:r>
-          </a:p>
-        </p:txBody>
-      </p:sp>
-      <p:sp>
-        <p:nvSpPr>
-          <p:cNvPr id="9" name="Rechteck 8">
-            <a:extLst>
-              <a:ext uri="{FF2B5EF4-FFF2-40B4-BE49-F238E27FC236}">
-                <a16:creationId xmlns:a16="http://schemas.microsoft.com/office/drawing/2014/main" id="{EB343D37-2FC1-43DD-AB42-2D5277D30777}"/>
-              </a:ext>
-            </a:extLst>
-          </p:cNvPr>
-          <p:cNvSpPr/>
-          <p:nvPr/>
-        </p:nvSpPr>
-        <p:spPr>
-          <a:xfrm>
-            <a:off x="838200" y="5276562"/>
-            <a:ext cx="2128982" cy="886566"/>
-          </a:xfrm>
-          <a:prstGeom prst="rect">
-            <a:avLst/>
-          </a:prstGeom>
-          <a:solidFill>
-            <a:schemeClr val="bg1"/>
-          </a:solidFill>
-        </p:spPr>
-        <p:style>
-          <a:lnRef idx="2">
-            <a:schemeClr val="accent1">
-              <a:shade val="50000"/>
-            </a:schemeClr>
-          </a:lnRef>
-          <a:fillRef idx="1">
-            <a:schemeClr val="accent1"/>
-          </a:fillRef>
-          <a:effectRef idx="0">
-            <a:schemeClr val="accent1"/>
-          </a:effectRef>
-          <a:fontRef idx="minor">
-            <a:schemeClr val="lt1"/>
-          </a:fontRef>
-        </p:style>
-        <p:txBody>
-          <a:bodyPr rtlCol="0" anchor="ctr"/>
-          <a:lstStyle/>
-          <a:p>
-            <a:pPr algn="ctr"/>
-            <a:r>
-              <a:rPr lang="de-DE" sz="3600">
-                <a:solidFill>
-                  <a:schemeClr val="tx1"/>
-                </a:solidFill>
-              </a:rPr>
-              <a:t>Release</a:t>
-            </a:r>
-          </a:p>
-        </p:txBody>
-      </p:sp>
-      <p:sp>
-        <p:nvSpPr>
-          <p:cNvPr id="10" name="Rechteck 9">
-            <a:extLst>
-              <a:ext uri="{FF2B5EF4-FFF2-40B4-BE49-F238E27FC236}">
-                <a16:creationId xmlns:a16="http://schemas.microsoft.com/office/drawing/2014/main" id="{A5F29386-620C-4C20-9EB9-E73954A798DE}"/>
-              </a:ext>
-            </a:extLst>
-          </p:cNvPr>
-          <p:cNvSpPr/>
-          <p:nvPr/>
-        </p:nvSpPr>
-        <p:spPr>
-          <a:xfrm>
-            <a:off x="838200" y="3825528"/>
-            <a:ext cx="2128982" cy="886566"/>
-          </a:xfrm>
-          <a:prstGeom prst="rect">
-            <a:avLst/>
-          </a:prstGeom>
-          <a:solidFill>
-            <a:schemeClr val="bg1"/>
-          </a:solidFill>
-        </p:spPr>
-        <p:style>
-          <a:lnRef idx="2">
-            <a:schemeClr val="accent1">
-              <a:shade val="50000"/>
-            </a:schemeClr>
-          </a:lnRef>
-          <a:fillRef idx="1">
-            <a:schemeClr val="accent1"/>
-          </a:fillRef>
-          <a:effectRef idx="0">
-            <a:schemeClr val="accent1"/>
-          </a:effectRef>
-          <a:fontRef idx="minor">
-            <a:schemeClr val="lt1"/>
-          </a:fontRef>
-        </p:style>
-        <p:txBody>
-          <a:bodyPr rtlCol="0" anchor="ctr"/>
-          <a:lstStyle/>
-          <a:p>
-            <a:pPr algn="ctr"/>
-            <a:r>
-              <a:rPr lang="de-DE" sz="3600">
-                <a:solidFill>
-                  <a:schemeClr val="tx1"/>
-                </a:solidFill>
-              </a:rPr>
-              <a:t>Test</a:t>
-            </a:r>
-          </a:p>
-        </p:txBody>
-      </p:sp>
-      <p:sp>
-        <p:nvSpPr>
-          <p:cNvPr id="11" name="Rechteck 10">
-            <a:extLst>
-              <a:ext uri="{FF2B5EF4-FFF2-40B4-BE49-F238E27FC236}">
-                <a16:creationId xmlns:a16="http://schemas.microsoft.com/office/drawing/2014/main" id="{F7D68EB6-961E-4789-B691-612657CB3EBA}"/>
-              </a:ext>
-            </a:extLst>
-          </p:cNvPr>
-          <p:cNvSpPr/>
-          <p:nvPr/>
-        </p:nvSpPr>
-        <p:spPr>
-          <a:xfrm>
-            <a:off x="838200" y="2353632"/>
-            <a:ext cx="2128982" cy="886566"/>
-          </a:xfrm>
-          <a:prstGeom prst="rect">
-            <a:avLst/>
-          </a:prstGeom>
-          <a:solidFill>
-            <a:schemeClr val="bg1"/>
-          </a:solidFill>
-        </p:spPr>
-        <p:style>
-          <a:lnRef idx="2">
-            <a:schemeClr val="accent1">
-              <a:shade val="50000"/>
-            </a:schemeClr>
-          </a:lnRef>
-          <a:fillRef idx="1">
-            <a:schemeClr val="accent1"/>
-          </a:fillRef>
-          <a:effectRef idx="0">
-            <a:schemeClr val="accent1"/>
-          </a:effectRef>
-          <a:fontRef idx="minor">
-            <a:schemeClr val="lt1"/>
-          </a:fontRef>
-        </p:style>
-        <p:txBody>
-          <a:bodyPr rtlCol="0" anchor="ctr"/>
-          <a:lstStyle/>
-          <a:p>
-            <a:pPr algn="ctr"/>
-            <a:r>
-              <a:rPr lang="de-DE" sz="3600">
-                <a:solidFill>
-                  <a:schemeClr val="tx1"/>
-                </a:solidFill>
-              </a:rPr>
-              <a:t>Dev</a:t>
-            </a:r>
-          </a:p>
-        </p:txBody>
-      </p:sp>
-      <p:sp>
-        <p:nvSpPr>
-          <p:cNvPr id="14" name="Rechteck 13">
-            <a:extLst>
-              <a:ext uri="{FF2B5EF4-FFF2-40B4-BE49-F238E27FC236}">
-                <a16:creationId xmlns:a16="http://schemas.microsoft.com/office/drawing/2014/main" id="{0FFAE908-6220-4A63-89BB-C862AB97D944}"/>
-              </a:ext>
-            </a:extLst>
-          </p:cNvPr>
-          <p:cNvSpPr/>
-          <p:nvPr/>
-        </p:nvSpPr>
-        <p:spPr>
-          <a:xfrm>
-            <a:off x="9224818" y="5868616"/>
-            <a:ext cx="2128982" cy="886566"/>
-          </a:xfrm>
-          <a:prstGeom prst="rect">
-            <a:avLst/>
-          </a:prstGeom>
-          <a:noFill/>
-          <a:ln>
-            <a:noFill/>
-          </a:ln>
-        </p:spPr>
-        <p:style>
-          <a:lnRef idx="2">
-            <a:schemeClr val="accent1">
-              <a:shade val="50000"/>
-            </a:schemeClr>
-          </a:lnRef>
-          <a:fillRef idx="1">
-            <a:schemeClr val="accent1"/>
-          </a:fillRef>
-          <a:effectRef idx="0">
-            <a:schemeClr val="accent1"/>
-          </a:effectRef>
-          <a:fontRef idx="minor">
-            <a:schemeClr val="lt1"/>
-          </a:fontRef>
-        </p:style>
-        <p:txBody>
-          <a:bodyPr rtlCol="0" anchor="ctr"/>
-          <a:lstStyle/>
-          <a:p>
-            <a:pPr algn="ctr"/>
-            <a:r>
-              <a:rPr lang="de-DE" sz="2400">
-                <a:solidFill>
-                  <a:schemeClr val="tx1"/>
-                </a:solidFill>
-              </a:rPr>
-              <a:t>Version 2.0</a:t>
-            </a:r>
-          </a:p>
-        </p:txBody>
-      </p:sp>
-      <p:sp>
-        <p:nvSpPr>
-          <p:cNvPr id="15" name="Rechteck 14">
-            <a:extLst>
-              <a:ext uri="{FF2B5EF4-FFF2-40B4-BE49-F238E27FC236}">
-                <a16:creationId xmlns:a16="http://schemas.microsoft.com/office/drawing/2014/main" id="{D7E1BC09-2CE7-4E87-9ABA-2C443C1870BD}"/>
-              </a:ext>
-            </a:extLst>
-          </p:cNvPr>
-          <p:cNvSpPr/>
-          <p:nvPr/>
-        </p:nvSpPr>
-        <p:spPr>
-          <a:xfrm>
-            <a:off x="5797748" y="5868616"/>
-            <a:ext cx="2128982" cy="886566"/>
-          </a:xfrm>
-          <a:prstGeom prst="rect">
-            <a:avLst/>
-          </a:prstGeom>
-          <a:noFill/>
-          <a:ln>
-            <a:noFill/>
-          </a:ln>
-        </p:spPr>
-        <p:style>
-          <a:lnRef idx="2">
-            <a:schemeClr val="accent1">
-              <a:shade val="50000"/>
-            </a:schemeClr>
-          </a:lnRef>
-          <a:fillRef idx="1">
-            <a:schemeClr val="accent1"/>
-          </a:fillRef>
-          <a:effectRef idx="0">
-            <a:schemeClr val="accent1"/>
-          </a:effectRef>
-          <a:fontRef idx="minor">
-            <a:schemeClr val="lt1"/>
-          </a:fontRef>
-        </p:style>
-        <p:txBody>
-          <a:bodyPr rtlCol="0" anchor="ctr"/>
-          <a:lstStyle/>
-          <a:p>
-            <a:pPr algn="ctr"/>
-            <a:r>
-              <a:rPr lang="de-DE" sz="2400">
-                <a:solidFill>
-                  <a:schemeClr val="tx1"/>
-                </a:solidFill>
-              </a:rPr>
-              <a:t>Version 1.0</a:t>
-            </a:r>
-          </a:p>
-        </p:txBody>
-      </p:sp>
-    </p:spTree>
-    <p:extLst>
-      <p:ext uri="{BB962C8B-B14F-4D97-AF65-F5344CB8AC3E}">
-        <p14:creationId xmlns:p14="http://schemas.microsoft.com/office/powerpoint/2010/main" val="3603522584"/>
-      </p:ext>
-    </p:extLst>
-  </p:cSld>
-  <p:clrMapOvr>
-    <a:masterClrMapping/>
-  </p:clrMapOvr>
-</p:sld>
-</file>
-
-<file path=ppt/slides/slide21.xml><?xml version="1.0" encoding="utf-8"?>
-<p:sld xmlns:a="http://schemas.openxmlformats.org/drawingml/2006/main" xmlns:r="http://schemas.openxmlformats.org/officeDocument/2006/relationships" xmlns:p="http://schemas.openxmlformats.org/presentationml/2006/main">
-  <p:cSld>
-    <p:spTree>
-      <p:nvGrpSpPr>
-        <p:cNvPr id="1" name=""/>
-        <p:cNvGrpSpPr/>
-        <p:nvPr/>
-      </p:nvGrpSpPr>
-      <p:grpSpPr>
-        <a:xfrm>
-          <a:off x="0" y="0"/>
-          <a:ext cx="0" cy="0"/>
-          <a:chOff x="0" y="0"/>
-          <a:chExt cx="0" cy="0"/>
-        </a:xfrm>
-      </p:grpSpPr>
-      <p:sp>
-        <p:nvSpPr>
-          <p:cNvPr id="2" name="Titel 1"/>
-          <p:cNvSpPr>
-            <a:spLocks noGrp="1"/>
-          </p:cNvSpPr>
-          <p:nvPr>
-            <p:ph type="title"/>
-          </p:nvPr>
-        </p:nvSpPr>
-        <p:spPr/>
-        <p:txBody>
-          <a:bodyPr/>
-          <a:lstStyle/>
-          <a:p>
-            <a:r>
-              <a:rPr lang="de-DE"/>
-              <a:t>Example: Git</a:t>
-            </a:r>
-          </a:p>
-        </p:txBody>
-      </p:sp>
-      <p:sp>
-        <p:nvSpPr>
-          <p:cNvPr id="3" name="Inhaltsplatzhalter 2"/>
-          <p:cNvSpPr>
-            <a:spLocks noGrp="1"/>
-          </p:cNvSpPr>
-          <p:nvPr>
-            <p:ph idx="1"/>
-          </p:nvPr>
-        </p:nvSpPr>
-        <p:spPr/>
-        <p:txBody>
-          <a:bodyPr/>
-          <a:lstStyle/>
-          <a:p>
-            <a:endParaRPr lang="de-DE"/>
-          </a:p>
-        </p:txBody>
-      </p:sp>
-    </p:spTree>
-    <p:extLst>
-      <p:ext uri="{BB962C8B-B14F-4D97-AF65-F5344CB8AC3E}">
-        <p14:creationId xmlns:p14="http://schemas.microsoft.com/office/powerpoint/2010/main" val="1678140098"/>
-      </p:ext>
-    </p:extLst>
-  </p:cSld>
-  <p:clrMapOvr>
-    <a:masterClrMapping/>
-  </p:clrMapOvr>
-</p:sld>
-</file>
-
-<file path=ppt/slides/slide22.xml><?xml version="1.0" encoding="utf-8"?>
-<p:sld xmlns:a="http://schemas.openxmlformats.org/drawingml/2006/main" xmlns:r="http://schemas.openxmlformats.org/officeDocument/2006/relationships" xmlns:p="http://schemas.openxmlformats.org/presentationml/2006/main">
-  <p:cSld>
-    <p:spTree>
-      <p:nvGrpSpPr>
-        <p:cNvPr id="1" name=""/>
-        <p:cNvGrpSpPr/>
-        <p:nvPr/>
-      </p:nvGrpSpPr>
-      <p:grpSpPr>
-        <a:xfrm>
-          <a:off x="0" y="0"/>
-          <a:ext cx="0" cy="0"/>
-          <a:chOff x="0" y="0"/>
-          <a:chExt cx="0" cy="0"/>
-        </a:xfrm>
-      </p:grpSpPr>
-      <p:sp>
-        <p:nvSpPr>
-          <p:cNvPr id="2" name="Titel 1"/>
-          <p:cNvSpPr>
-            <a:spLocks noGrp="1"/>
-          </p:cNvSpPr>
-          <p:nvPr>
-            <p:ph type="title"/>
-          </p:nvPr>
-        </p:nvSpPr>
-        <p:spPr/>
-        <p:txBody>
-          <a:bodyPr/>
-          <a:lstStyle/>
-          <a:p>
-            <a:r>
-              <a:rPr lang="de-DE"/>
-              <a:t>Hands-on hacking</a:t>
-            </a:r>
-          </a:p>
-        </p:txBody>
-      </p:sp>
-      <p:sp>
-        <p:nvSpPr>
-          <p:cNvPr id="3" name="Inhaltsplatzhalter 2"/>
-          <p:cNvSpPr>
-            <a:spLocks noGrp="1"/>
-          </p:cNvSpPr>
-          <p:nvPr>
-            <p:ph idx="1"/>
-          </p:nvPr>
-        </p:nvSpPr>
-        <p:spPr/>
-        <p:txBody>
-          <a:bodyPr/>
-          <a:lstStyle/>
-          <a:p>
-            <a:endParaRPr lang="de-DE"/>
-          </a:p>
-        </p:txBody>
-      </p:sp>
-    </p:spTree>
-    <p:extLst>
-      <p:ext uri="{BB962C8B-B14F-4D97-AF65-F5344CB8AC3E}">
-        <p14:creationId xmlns:p14="http://schemas.microsoft.com/office/powerpoint/2010/main" val="807731545"/>
-      </p:ext>
-    </p:extLst>
-  </p:cSld>
-  <p:clrMapOvr>
-    <a:masterClrMapping/>
-  </p:clrMapOvr>
-</p:sld>
-</file>
-
-<file path=ppt/slides/slide23.xml><?xml version="1.0" encoding="utf-8"?>
-<p:sld xmlns:a="http://schemas.openxmlformats.org/drawingml/2006/main" xmlns:r="http://schemas.openxmlformats.org/officeDocument/2006/relationships" xmlns:p="http://schemas.openxmlformats.org/presentationml/2006/main">
-  <p:cSld>
-    <p:spTree>
-      <p:nvGrpSpPr>
-        <p:cNvPr id="1" name=""/>
-        <p:cNvGrpSpPr/>
-        <p:nvPr/>
-      </p:nvGrpSpPr>
-      <p:grpSpPr>
-        <a:xfrm>
-          <a:off x="0" y="0"/>
-          <a:ext cx="0" cy="0"/>
-          <a:chOff x="0" y="0"/>
-          <a:chExt cx="0" cy="0"/>
-        </a:xfrm>
-      </p:grpSpPr>
-      <p:sp>
-        <p:nvSpPr>
-          <p:cNvPr id="2" name="Titel 1"/>
-          <p:cNvSpPr>
-            <a:spLocks noGrp="1"/>
-          </p:cNvSpPr>
-          <p:nvPr>
-            <p:ph type="title"/>
-          </p:nvPr>
-        </p:nvSpPr>
-        <p:spPr/>
-        <p:txBody>
-          <a:bodyPr/>
-          <a:lstStyle/>
-          <a:p>
-            <a:r>
-              <a:rPr lang="de-DE"/>
-              <a:t>Sources</a:t>
-            </a:r>
-          </a:p>
-        </p:txBody>
-      </p:sp>
-      <p:sp>
-        <p:nvSpPr>
-          <p:cNvPr id="3" name="Inhaltsplatzhalter 2"/>
-          <p:cNvSpPr>
-            <a:spLocks noGrp="1"/>
-          </p:cNvSpPr>
-          <p:nvPr>
-            <p:ph idx="1"/>
-          </p:nvPr>
-        </p:nvSpPr>
-        <p:spPr/>
-        <p:txBody>
-          <a:bodyPr/>
-          <a:lstStyle/>
-          <a:p>
-            <a:endParaRPr lang="de-DE"/>
-          </a:p>
-        </p:txBody>
-      </p:sp>
-    </p:spTree>
-    <p:extLst>
-      <p:ext uri="{BB962C8B-B14F-4D97-AF65-F5344CB8AC3E}">
-        <p14:creationId xmlns:p14="http://schemas.microsoft.com/office/powerpoint/2010/main" val="560282884"/>
-      </p:ext>
-    </p:extLst>
-  </p:cSld>
-  <p:clrMapOvr>
-    <a:masterClrMapping/>
-  </p:clrMapOvr>
-</p:sld>
-</file>
-
-<file path=ppt/slides/slide24.xml><?xml version="1.0" encoding="utf-8"?>
-<p:sld xmlns:a="http://schemas.openxmlformats.org/drawingml/2006/main" xmlns:r="http://schemas.openxmlformats.org/officeDocument/2006/relationships" xmlns:p="http://schemas.openxmlformats.org/presentationml/2006/main">
-  <p:cSld>
-    <p:spTree>
-      <p:nvGrpSpPr>
-        <p:cNvPr id="1" name=""/>
-        <p:cNvGrpSpPr/>
-        <p:nvPr/>
-      </p:nvGrpSpPr>
-      <p:grpSpPr>
-        <a:xfrm>
-          <a:off x="0" y="0"/>
-          <a:ext cx="0" cy="0"/>
-          <a:chOff x="0" y="0"/>
-          <a:chExt cx="0" cy="0"/>
-        </a:xfrm>
-      </p:grpSpPr>
-      <p:sp>
-        <p:nvSpPr>
-          <p:cNvPr id="2" name="Titel 1"/>
-          <p:cNvSpPr>
-            <a:spLocks noGrp="1"/>
-          </p:cNvSpPr>
-          <p:nvPr>
-            <p:ph type="title"/>
-          </p:nvPr>
-        </p:nvSpPr>
-        <p:spPr/>
-        <p:txBody>
-          <a:bodyPr/>
-          <a:lstStyle/>
-          <a:p>
-            <a:r>
-              <a:rPr lang="de-DE"/>
-              <a:t>THX &amp; BYE</a:t>
-            </a:r>
-          </a:p>
-        </p:txBody>
-      </p:sp>
-      <p:sp>
-        <p:nvSpPr>
-          <p:cNvPr id="3" name="Inhaltsplatzhalter 2"/>
-          <p:cNvSpPr>
-            <a:spLocks noGrp="1"/>
-          </p:cNvSpPr>
-          <p:nvPr>
-            <p:ph idx="1"/>
-          </p:nvPr>
-        </p:nvSpPr>
-        <p:spPr/>
-        <p:txBody>
-          <a:bodyPr/>
-          <a:lstStyle/>
-          <a:p>
-            <a:endParaRPr lang="de-DE"/>
-          </a:p>
-        </p:txBody>
-      </p:sp>
-    </p:spTree>
-    <p:extLst>
-      <p:ext uri="{BB962C8B-B14F-4D97-AF65-F5344CB8AC3E}">
-        <p14:creationId xmlns:p14="http://schemas.microsoft.com/office/powerpoint/2010/main" val="2305008801"/>
-      </p:ext>
-    </p:extLst>
-  </p:cSld>
-  <p:clrMapOvr>
-    <a:masterClrMapping/>
-  </p:clrMapOvr>
-</p:sld>
-</file>
-
-<file path=ppt/slides/slide3.xml><?xml version="1.0" encoding="utf-8"?>
+<file path=ppt/slides/slide5.xml><?xml version="1.0" encoding="utf-8"?>
 <p:sld xmlns:a="http://schemas.openxmlformats.org/drawingml/2006/main" xmlns:r="http://schemas.openxmlformats.org/officeDocument/2006/relationships" xmlns:p="http://schemas.openxmlformats.org/presentationml/2006/main">
   <p:cSld>
     <p:spTree>
@@ -22414,7 +23598,93 @@
 </p:sld>
 </file>
 
-<file path=ppt/slides/slide4.xml><?xml version="1.0" encoding="utf-8"?>
+<file path=ppt/slides/slide6.xml><?xml version="1.0" encoding="utf-8"?>
+<p:sld xmlns:a="http://schemas.openxmlformats.org/drawingml/2006/main" xmlns:r="http://schemas.openxmlformats.org/officeDocument/2006/relationships" xmlns:p="http://schemas.openxmlformats.org/presentationml/2006/main">
+  <p:cSld>
+    <p:spTree>
+      <p:nvGrpSpPr>
+        <p:cNvPr id="1" name=""/>
+        <p:cNvGrpSpPr/>
+        <p:nvPr/>
+      </p:nvGrpSpPr>
+      <p:grpSpPr>
+        <a:xfrm>
+          <a:off x="0" y="0"/>
+          <a:ext cx="0" cy="0"/>
+          <a:chOff x="0" y="0"/>
+          <a:chExt cx="0" cy="0"/>
+        </a:xfrm>
+      </p:grpSpPr>
+      <p:sp>
+        <p:nvSpPr>
+          <p:cNvPr id="4" name="Titel 3">
+            <a:extLst>
+              <a:ext uri="{FF2B5EF4-FFF2-40B4-BE49-F238E27FC236}">
+                <a16:creationId xmlns:a16="http://schemas.microsoft.com/office/drawing/2014/main" id="{CA4B3DEF-ED34-491F-A96D-4BD4C8EB8DE5}"/>
+              </a:ext>
+            </a:extLst>
+          </p:cNvPr>
+          <p:cNvSpPr>
+            <a:spLocks noGrp="1"/>
+          </p:cNvSpPr>
+          <p:nvPr>
+            <p:ph type="title"/>
+          </p:nvPr>
+        </p:nvSpPr>
+        <p:spPr/>
+        <p:txBody>
+          <a:bodyPr/>
+          <a:lstStyle/>
+          <a:p>
+            <a:r>
+              <a:rPr lang="de-DE"/>
+              <a:t>II. Professional use</a:t>
+            </a:r>
+          </a:p>
+        </p:txBody>
+      </p:sp>
+      <p:sp>
+        <p:nvSpPr>
+          <p:cNvPr id="5" name="Textplatzhalter 4">
+            <a:extLst>
+              <a:ext uri="{FF2B5EF4-FFF2-40B4-BE49-F238E27FC236}">
+                <a16:creationId xmlns:a16="http://schemas.microsoft.com/office/drawing/2014/main" id="{FFEE97B3-845F-4609-A828-B510106135AC}"/>
+              </a:ext>
+            </a:extLst>
+          </p:cNvPr>
+          <p:cNvSpPr>
+            <a:spLocks noGrp="1"/>
+          </p:cNvSpPr>
+          <p:nvPr>
+            <p:ph type="body" idx="1"/>
+          </p:nvPr>
+        </p:nvSpPr>
+        <p:spPr/>
+        <p:txBody>
+          <a:bodyPr/>
+          <a:lstStyle/>
+          <a:p>
+            <a:r>
+              <a:rPr lang="de-DE"/>
+              <a:t>What do I git from this?</a:t>
+            </a:r>
+          </a:p>
+        </p:txBody>
+      </p:sp>
+    </p:spTree>
+    <p:extLst>
+      <p:ext uri="{BB962C8B-B14F-4D97-AF65-F5344CB8AC3E}">
+        <p14:creationId xmlns:p14="http://schemas.microsoft.com/office/powerpoint/2010/main" val="3362375440"/>
+      </p:ext>
+    </p:extLst>
+  </p:cSld>
+  <p:clrMapOvr>
+    <a:masterClrMapping/>
+  </p:clrMapOvr>
+</p:sld>
+</file>
+
+<file path=ppt/slides/slide7.xml><?xml version="1.0" encoding="utf-8"?>
 <p:sld xmlns:a="http://schemas.openxmlformats.org/drawingml/2006/main" xmlns:r="http://schemas.openxmlformats.org/officeDocument/2006/relationships" xmlns:p="http://schemas.openxmlformats.org/presentationml/2006/main">
   <p:cSld>
     <p:spTree>
@@ -22628,7 +23898,7 @@
 </p:sld>
 </file>
 
-<file path=ppt/slides/slide5.xml><?xml version="1.0" encoding="utf-8"?>
+<file path=ppt/slides/slide8.xml><?xml version="1.0" encoding="utf-8"?>
 <p:sld xmlns:a="http://schemas.openxmlformats.org/drawingml/2006/main" xmlns:r="http://schemas.openxmlformats.org/officeDocument/2006/relationships" xmlns:p="http://schemas.openxmlformats.org/presentationml/2006/main">
   <p:cSld>
     <p:spTree>
@@ -23007,7 +24277,7 @@
 </p:sld>
 </file>
 
-<file path=ppt/slides/slide6.xml><?xml version="1.0" encoding="utf-8"?>
+<file path=ppt/slides/slide9.xml><?xml version="1.0" encoding="utf-8"?>
 <p:sld xmlns:a="http://schemas.openxmlformats.org/drawingml/2006/main" xmlns:r="http://schemas.openxmlformats.org/officeDocument/2006/relationships" xmlns:p="http://schemas.openxmlformats.org/presentationml/2006/main">
   <p:cSld>
     <p:spTree>
@@ -23401,848 +24671,6 @@
 </p:sld>
 </file>
 
-<file path=ppt/slides/slide7.xml><?xml version="1.0" encoding="utf-8"?>
-<p:sld xmlns:a="http://schemas.openxmlformats.org/drawingml/2006/main" xmlns:r="http://schemas.openxmlformats.org/officeDocument/2006/relationships" xmlns:p="http://schemas.openxmlformats.org/presentationml/2006/main">
-  <p:cSld>
-    <p:spTree>
-      <p:nvGrpSpPr>
-        <p:cNvPr id="1" name=""/>
-        <p:cNvGrpSpPr/>
-        <p:nvPr/>
-      </p:nvGrpSpPr>
-      <p:grpSpPr>
-        <a:xfrm>
-          <a:off x="0" y="0"/>
-          <a:ext cx="0" cy="0"/>
-          <a:chOff x="0" y="0"/>
-          <a:chExt cx="0" cy="0"/>
-        </a:xfrm>
-      </p:grpSpPr>
-      <p:sp>
-        <p:nvSpPr>
-          <p:cNvPr id="2" name="Titel 1"/>
-          <p:cNvSpPr>
-            <a:spLocks noGrp="1"/>
-          </p:cNvSpPr>
-          <p:nvPr>
-            <p:ph type="title"/>
-          </p:nvPr>
-        </p:nvSpPr>
-        <p:spPr/>
-        <p:txBody>
-          <a:bodyPr/>
-          <a:lstStyle/>
-          <a:p>
-            <a:r>
-              <a:rPr lang="de-DE"/>
-              <a:t>Available Systems</a:t>
-            </a:r>
-          </a:p>
-        </p:txBody>
-      </p:sp>
-      <p:sp>
-        <p:nvSpPr>
-          <p:cNvPr id="3" name="Inhaltsplatzhalter 2"/>
-          <p:cNvSpPr>
-            <a:spLocks noGrp="1"/>
-          </p:cNvSpPr>
-          <p:nvPr>
-            <p:ph idx="1"/>
-          </p:nvPr>
-        </p:nvSpPr>
-        <p:spPr/>
-        <p:txBody>
-          <a:bodyPr>
-            <a:normAutofit/>
-          </a:bodyPr>
-          <a:lstStyle/>
-          <a:p>
-            <a:r>
-              <a:rPr lang="en-US"/>
-              <a:t>Microsoft Team Foundation Server TFVC</a:t>
-            </a:r>
-          </a:p>
-          <a:p>
-            <a:r>
-              <a:rPr lang="en-US"/>
-              <a:t>BitKeeper</a:t>
-            </a:r>
-          </a:p>
-          <a:p>
-            <a:r>
-              <a:rPr lang="en-US"/>
-              <a:t>Git</a:t>
-            </a:r>
-          </a:p>
-          <a:p>
-            <a:r>
-              <a:rPr lang="en-US"/>
-              <a:t>Mercurial</a:t>
-            </a:r>
-          </a:p>
-          <a:p>
-            <a:r>
-              <a:rPr lang="en-US"/>
-              <a:t>Subversion, CVS, Monotone, ...</a:t>
-            </a:r>
-            <a:endParaRPr lang="de-DE"/>
-          </a:p>
-        </p:txBody>
-      </p:sp>
-    </p:spTree>
-    <p:extLst>
-      <p:ext uri="{BB962C8B-B14F-4D97-AF65-F5344CB8AC3E}">
-        <p14:creationId xmlns:p14="http://schemas.microsoft.com/office/powerpoint/2010/main" val="1530659865"/>
-      </p:ext>
-    </p:extLst>
-  </p:cSld>
-  <p:clrMapOvr>
-    <a:masterClrMapping/>
-  </p:clrMapOvr>
-  <p:timing>
-    <p:tnLst>
-      <p:par>
-        <p:cTn id="1" dur="indefinite" restart="never" nodeType="tmRoot">
-          <p:childTnLst>
-            <p:seq concurrent="1" nextAc="seek">
-              <p:cTn id="2" dur="indefinite" nodeType="mainSeq">
-                <p:childTnLst>
-                  <p:par>
-                    <p:cTn id="3" fill="hold">
-                      <p:stCondLst>
-                        <p:cond delay="indefinite"/>
-                      </p:stCondLst>
-                      <p:childTnLst>
-                        <p:par>
-                          <p:cTn id="4" fill="hold">
-                            <p:stCondLst>
-                              <p:cond delay="0"/>
-                            </p:stCondLst>
-                            <p:childTnLst>
-                              <p:par>
-                                <p:cTn id="5" presetID="1" presetClass="entr" presetSubtype="0" fill="hold" grpId="0" nodeType="clickEffect">
-                                  <p:stCondLst>
-                                    <p:cond delay="0"/>
-                                  </p:stCondLst>
-                                  <p:childTnLst>
-                                    <p:set>
-                                      <p:cBhvr>
-                                        <p:cTn id="6" dur="1" fill="hold">
-                                          <p:stCondLst>
-                                            <p:cond delay="0"/>
-                                          </p:stCondLst>
-                                        </p:cTn>
-                                        <p:tgtEl>
-                                          <p:spTgt spid="3">
-                                            <p:txEl>
-                                              <p:pRg st="0" end="0"/>
-                                            </p:txEl>
-                                          </p:spTgt>
-                                        </p:tgtEl>
-                                        <p:attrNameLst>
-                                          <p:attrName>style.visibility</p:attrName>
-                                        </p:attrNameLst>
-                                      </p:cBhvr>
-                                      <p:to>
-                                        <p:strVal val="visible"/>
-                                      </p:to>
-                                    </p:set>
-                                  </p:childTnLst>
-                                </p:cTn>
-                              </p:par>
-                            </p:childTnLst>
-                          </p:cTn>
-                        </p:par>
-                      </p:childTnLst>
-                    </p:cTn>
-                  </p:par>
-                  <p:par>
-                    <p:cTn id="7" fill="hold">
-                      <p:stCondLst>
-                        <p:cond delay="indefinite"/>
-                      </p:stCondLst>
-                      <p:childTnLst>
-                        <p:par>
-                          <p:cTn id="8" fill="hold">
-                            <p:stCondLst>
-                              <p:cond delay="0"/>
-                            </p:stCondLst>
-                            <p:childTnLst>
-                              <p:par>
-                                <p:cTn id="9" presetID="1" presetClass="entr" presetSubtype="0" fill="hold" grpId="0" nodeType="clickEffect">
-                                  <p:stCondLst>
-                                    <p:cond delay="0"/>
-                                  </p:stCondLst>
-                                  <p:childTnLst>
-                                    <p:set>
-                                      <p:cBhvr>
-                                        <p:cTn id="10" dur="1" fill="hold">
-                                          <p:stCondLst>
-                                            <p:cond delay="0"/>
-                                          </p:stCondLst>
-                                        </p:cTn>
-                                        <p:tgtEl>
-                                          <p:spTgt spid="3">
-                                            <p:txEl>
-                                              <p:pRg st="1" end="1"/>
-                                            </p:txEl>
-                                          </p:spTgt>
-                                        </p:tgtEl>
-                                        <p:attrNameLst>
-                                          <p:attrName>style.visibility</p:attrName>
-                                        </p:attrNameLst>
-                                      </p:cBhvr>
-                                      <p:to>
-                                        <p:strVal val="visible"/>
-                                      </p:to>
-                                    </p:set>
-                                  </p:childTnLst>
-                                </p:cTn>
-                              </p:par>
-                            </p:childTnLst>
-                          </p:cTn>
-                        </p:par>
-                      </p:childTnLst>
-                    </p:cTn>
-                  </p:par>
-                  <p:par>
-                    <p:cTn id="11" fill="hold">
-                      <p:stCondLst>
-                        <p:cond delay="indefinite"/>
-                      </p:stCondLst>
-                      <p:childTnLst>
-                        <p:par>
-                          <p:cTn id="12" fill="hold">
-                            <p:stCondLst>
-                              <p:cond delay="0"/>
-                            </p:stCondLst>
-                            <p:childTnLst>
-                              <p:par>
-                                <p:cTn id="13" presetID="1" presetClass="entr" presetSubtype="0" fill="hold" grpId="0" nodeType="clickEffect">
-                                  <p:stCondLst>
-                                    <p:cond delay="0"/>
-                                  </p:stCondLst>
-                                  <p:childTnLst>
-                                    <p:set>
-                                      <p:cBhvr>
-                                        <p:cTn id="14" dur="1" fill="hold">
-                                          <p:stCondLst>
-                                            <p:cond delay="0"/>
-                                          </p:stCondLst>
-                                        </p:cTn>
-                                        <p:tgtEl>
-                                          <p:spTgt spid="3">
-                                            <p:txEl>
-                                              <p:pRg st="2" end="2"/>
-                                            </p:txEl>
-                                          </p:spTgt>
-                                        </p:tgtEl>
-                                        <p:attrNameLst>
-                                          <p:attrName>style.visibility</p:attrName>
-                                        </p:attrNameLst>
-                                      </p:cBhvr>
-                                      <p:to>
-                                        <p:strVal val="visible"/>
-                                      </p:to>
-                                    </p:set>
-                                  </p:childTnLst>
-                                </p:cTn>
-                              </p:par>
-                            </p:childTnLst>
-                          </p:cTn>
-                        </p:par>
-                      </p:childTnLst>
-                    </p:cTn>
-                  </p:par>
-                  <p:par>
-                    <p:cTn id="15" fill="hold">
-                      <p:stCondLst>
-                        <p:cond delay="indefinite"/>
-                      </p:stCondLst>
-                      <p:childTnLst>
-                        <p:par>
-                          <p:cTn id="16" fill="hold">
-                            <p:stCondLst>
-                              <p:cond delay="0"/>
-                            </p:stCondLst>
-                            <p:childTnLst>
-                              <p:par>
-                                <p:cTn id="17" presetID="1" presetClass="entr" presetSubtype="0" fill="hold" grpId="0" nodeType="clickEffect">
-                                  <p:stCondLst>
-                                    <p:cond delay="0"/>
-                                  </p:stCondLst>
-                                  <p:childTnLst>
-                                    <p:set>
-                                      <p:cBhvr>
-                                        <p:cTn id="18" dur="1" fill="hold">
-                                          <p:stCondLst>
-                                            <p:cond delay="0"/>
-                                          </p:stCondLst>
-                                        </p:cTn>
-                                        <p:tgtEl>
-                                          <p:spTgt spid="3">
-                                            <p:txEl>
-                                              <p:pRg st="3" end="3"/>
-                                            </p:txEl>
-                                          </p:spTgt>
-                                        </p:tgtEl>
-                                        <p:attrNameLst>
-                                          <p:attrName>style.visibility</p:attrName>
-                                        </p:attrNameLst>
-                                      </p:cBhvr>
-                                      <p:to>
-                                        <p:strVal val="visible"/>
-                                      </p:to>
-                                    </p:set>
-                                  </p:childTnLst>
-                                </p:cTn>
-                              </p:par>
-                            </p:childTnLst>
-                          </p:cTn>
-                        </p:par>
-                      </p:childTnLst>
-                    </p:cTn>
-                  </p:par>
-                  <p:par>
-                    <p:cTn id="19" fill="hold">
-                      <p:stCondLst>
-                        <p:cond delay="indefinite"/>
-                      </p:stCondLst>
-                      <p:childTnLst>
-                        <p:par>
-                          <p:cTn id="20" fill="hold">
-                            <p:stCondLst>
-                              <p:cond delay="0"/>
-                            </p:stCondLst>
-                            <p:childTnLst>
-                              <p:par>
-                                <p:cTn id="21" presetID="1" presetClass="entr" presetSubtype="0" fill="hold" grpId="0" nodeType="clickEffect">
-                                  <p:stCondLst>
-                                    <p:cond delay="0"/>
-                                  </p:stCondLst>
-                                  <p:childTnLst>
-                                    <p:set>
-                                      <p:cBhvr>
-                                        <p:cTn id="22" dur="1" fill="hold">
-                                          <p:stCondLst>
-                                            <p:cond delay="0"/>
-                                          </p:stCondLst>
-                                        </p:cTn>
-                                        <p:tgtEl>
-                                          <p:spTgt spid="3">
-                                            <p:txEl>
-                                              <p:pRg st="4" end="4"/>
-                                            </p:txEl>
-                                          </p:spTgt>
-                                        </p:tgtEl>
-                                        <p:attrNameLst>
-                                          <p:attrName>style.visibility</p:attrName>
-                                        </p:attrNameLst>
-                                      </p:cBhvr>
-                                      <p:to>
-                                        <p:strVal val="visible"/>
-                                      </p:to>
-                                    </p:set>
-                                  </p:childTnLst>
-                                </p:cTn>
-                              </p:par>
-                            </p:childTnLst>
-                          </p:cTn>
-                        </p:par>
-                      </p:childTnLst>
-                    </p:cTn>
-                  </p:par>
-                </p:childTnLst>
-              </p:cTn>
-              <p:prevCondLst>
-                <p:cond evt="onPrev" delay="0">
-                  <p:tgtEl>
-                    <p:sldTgt/>
-                  </p:tgtEl>
-                </p:cond>
-              </p:prevCondLst>
-              <p:nextCondLst>
-                <p:cond evt="onNext" delay="0">
-                  <p:tgtEl>
-                    <p:sldTgt/>
-                  </p:tgtEl>
-                </p:cond>
-              </p:nextCondLst>
-            </p:seq>
-          </p:childTnLst>
-        </p:cTn>
-      </p:par>
-    </p:tnLst>
-    <p:bldLst>
-      <p:bldP spid="3" grpId="0" build="p"/>
-    </p:bldLst>
-  </p:timing>
-</p:sld>
-</file>
-
-<file path=ppt/slides/slide8.xml><?xml version="1.0" encoding="utf-8"?>
-<p:sld xmlns:a="http://schemas.openxmlformats.org/drawingml/2006/main" xmlns:r="http://schemas.openxmlformats.org/officeDocument/2006/relationships" xmlns:p="http://schemas.openxmlformats.org/presentationml/2006/main">
-  <p:cSld>
-    <p:spTree>
-      <p:nvGrpSpPr>
-        <p:cNvPr id="1" name=""/>
-        <p:cNvGrpSpPr/>
-        <p:nvPr/>
-      </p:nvGrpSpPr>
-      <p:grpSpPr>
-        <a:xfrm>
-          <a:off x="0" y="0"/>
-          <a:ext cx="0" cy="0"/>
-          <a:chOff x="0" y="0"/>
-          <a:chExt cx="0" cy="0"/>
-        </a:xfrm>
-      </p:grpSpPr>
-      <p:sp>
-        <p:nvSpPr>
-          <p:cNvPr id="2" name="Titel 1"/>
-          <p:cNvSpPr>
-            <a:spLocks noGrp="1"/>
-          </p:cNvSpPr>
-          <p:nvPr>
-            <p:ph type="title"/>
-          </p:nvPr>
-        </p:nvSpPr>
-        <p:spPr/>
-        <p:txBody>
-          <a:bodyPr/>
-          <a:lstStyle/>
-          <a:p>
-            <a:r>
-              <a:rPr lang="de-DE"/>
-              <a:t>Jargon</a:t>
-            </a:r>
-          </a:p>
-        </p:txBody>
-      </p:sp>
-      <p:sp>
-        <p:nvSpPr>
-          <p:cNvPr id="3" name="Inhaltsplatzhalter 2"/>
-          <p:cNvSpPr>
-            <a:spLocks noGrp="1"/>
-          </p:cNvSpPr>
-          <p:nvPr>
-            <p:ph sz="half" idx="1"/>
-          </p:nvPr>
-        </p:nvSpPr>
-        <p:spPr/>
-        <p:txBody>
-          <a:bodyPr/>
-          <a:lstStyle/>
-          <a:p>
-            <a:r>
-              <a:rPr lang="de-DE"/>
-              <a:t>Data is kept in a </a:t>
-            </a:r>
-            <a:r>
-              <a:rPr lang="de-DE" u="sng"/>
-              <a:t>Repository</a:t>
-            </a:r>
-          </a:p>
-        </p:txBody>
-      </p:sp>
-      <p:graphicFrame>
-        <p:nvGraphicFramePr>
-          <p:cNvPr id="4" name="Inhaltsplatzhalter 3">
-            <a:extLst>
-              <a:ext uri="{FF2B5EF4-FFF2-40B4-BE49-F238E27FC236}">
-                <a16:creationId xmlns:a16="http://schemas.microsoft.com/office/drawing/2014/main" id="{BC50B06D-B29C-4881-8ED3-C8CE10675D0A}"/>
-              </a:ext>
-            </a:extLst>
-          </p:cNvPr>
-          <p:cNvGraphicFramePr>
-            <a:graphicFrameLocks noGrp="1"/>
-          </p:cNvGraphicFramePr>
-          <p:nvPr>
-            <p:ph sz="half" idx="2"/>
-            <p:extLst>
-              <p:ext uri="{D42A27DB-BD31-4B8C-83A1-F6EECF244321}">
-                <p14:modId xmlns:p14="http://schemas.microsoft.com/office/powerpoint/2010/main" val="1327713740"/>
-              </p:ext>
-            </p:extLst>
-          </p:nvPr>
-        </p:nvGraphicFramePr>
-        <p:xfrm>
-          <a:off x="6172200" y="1825625"/>
-          <a:ext cx="5181600" cy="4351338"/>
-        </p:xfrm>
-        <a:graphic>
-          <a:graphicData uri="http://schemas.openxmlformats.org/drawingml/2006/diagram">
-            <dgm:relIds xmlns:dgm="http://schemas.openxmlformats.org/drawingml/2006/diagram" xmlns:r="http://schemas.openxmlformats.org/officeDocument/2006/relationships" r:dm="rId2" r:lo="rId3" r:qs="rId4" r:cs="rId5"/>
-          </a:graphicData>
-        </a:graphic>
-      </p:graphicFrame>
-      <p:sp>
-        <p:nvSpPr>
-          <p:cNvPr id="6" name="Rechteck 5">
-            <a:extLst>
-              <a:ext uri="{FF2B5EF4-FFF2-40B4-BE49-F238E27FC236}">
-                <a16:creationId xmlns:a16="http://schemas.microsoft.com/office/drawing/2014/main" id="{FB82F768-785F-4D8C-A658-F638B11AF14E}"/>
-              </a:ext>
-            </a:extLst>
-          </p:cNvPr>
-          <p:cNvSpPr/>
-          <p:nvPr/>
-        </p:nvSpPr>
-        <p:spPr>
-          <a:xfrm>
-            <a:off x="6397286" y="4527612"/>
-            <a:ext cx="1961965" cy="967666"/>
-          </a:xfrm>
-          <a:prstGeom prst="rect">
-            <a:avLst/>
-          </a:prstGeom>
-        </p:spPr>
-        <p:style>
-          <a:lnRef idx="2">
-            <a:schemeClr val="accent4">
-              <a:shade val="50000"/>
-            </a:schemeClr>
-          </a:lnRef>
-          <a:fillRef idx="1">
-            <a:schemeClr val="accent4"/>
-          </a:fillRef>
-          <a:effectRef idx="0">
-            <a:schemeClr val="accent4"/>
-          </a:effectRef>
-          <a:fontRef idx="minor">
-            <a:schemeClr val="lt1"/>
-          </a:fontRef>
-        </p:style>
-        <p:txBody>
-          <a:bodyPr rtlCol="0" anchor="ctr"/>
-          <a:lstStyle/>
-          <a:p>
-            <a:pPr algn="ctr"/>
-            <a:r>
-              <a:rPr lang="de-DE">
-                <a:solidFill>
-                  <a:schemeClr val="tx1"/>
-                </a:solidFill>
-              </a:rPr>
-              <a:t>Data</a:t>
-            </a:r>
-          </a:p>
-        </p:txBody>
-      </p:sp>
-    </p:spTree>
-    <p:extLst>
-      <p:ext uri="{BB962C8B-B14F-4D97-AF65-F5344CB8AC3E}">
-        <p14:creationId xmlns:p14="http://schemas.microsoft.com/office/powerpoint/2010/main" val="3555819694"/>
-      </p:ext>
-    </p:extLst>
-  </p:cSld>
-  <p:clrMapOvr>
-    <a:masterClrMapping/>
-  </p:clrMapOvr>
-</p:sld>
-</file>
-
-<file path=ppt/slides/slide9.xml><?xml version="1.0" encoding="utf-8"?>
-<p:sld xmlns:a="http://schemas.openxmlformats.org/drawingml/2006/main" xmlns:r="http://schemas.openxmlformats.org/officeDocument/2006/relationships" xmlns:p="http://schemas.openxmlformats.org/presentationml/2006/main">
-  <p:cSld>
-    <p:spTree>
-      <p:nvGrpSpPr>
-        <p:cNvPr id="1" name=""/>
-        <p:cNvGrpSpPr/>
-        <p:nvPr/>
-      </p:nvGrpSpPr>
-      <p:grpSpPr>
-        <a:xfrm>
-          <a:off x="0" y="0"/>
-          <a:ext cx="0" cy="0"/>
-          <a:chOff x="0" y="0"/>
-          <a:chExt cx="0" cy="0"/>
-        </a:xfrm>
-      </p:grpSpPr>
-      <p:sp>
-        <p:nvSpPr>
-          <p:cNvPr id="2" name="Titel 1"/>
-          <p:cNvSpPr>
-            <a:spLocks noGrp="1"/>
-          </p:cNvSpPr>
-          <p:nvPr>
-            <p:ph type="title"/>
-          </p:nvPr>
-        </p:nvSpPr>
-        <p:spPr/>
-        <p:txBody>
-          <a:bodyPr/>
-          <a:lstStyle/>
-          <a:p>
-            <a:r>
-              <a:rPr lang="de-DE"/>
-              <a:t>Jargon</a:t>
-            </a:r>
-          </a:p>
-        </p:txBody>
-      </p:sp>
-      <p:sp>
-        <p:nvSpPr>
-          <p:cNvPr id="3" name="Inhaltsplatzhalter 2"/>
-          <p:cNvSpPr>
-            <a:spLocks noGrp="1"/>
-          </p:cNvSpPr>
-          <p:nvPr>
-            <p:ph sz="half" idx="1"/>
-          </p:nvPr>
-        </p:nvSpPr>
-        <p:spPr/>
-        <p:txBody>
-          <a:bodyPr/>
-          <a:lstStyle/>
-          <a:p>
-            <a:r>
-              <a:rPr lang="de-DE"/>
-              <a:t>Data is kept in a </a:t>
-            </a:r>
-            <a:r>
-              <a:rPr lang="de-DE" u="sng"/>
-              <a:t>Repository</a:t>
-            </a:r>
-          </a:p>
-          <a:p>
-            <a:r>
-              <a:rPr lang="de-DE" u="sng"/>
-              <a:t>Revision</a:t>
-            </a:r>
-            <a:r>
-              <a:rPr lang="de-DE"/>
-              <a:t> or </a:t>
-            </a:r>
-            <a:r>
-              <a:rPr lang="de-DE" u="sng"/>
-              <a:t>Version</a:t>
-            </a:r>
-            <a:r>
-              <a:rPr lang="de-DE"/>
-              <a:t> is a single file change</a:t>
-            </a:r>
-          </a:p>
-        </p:txBody>
-      </p:sp>
-      <p:graphicFrame>
-        <p:nvGraphicFramePr>
-          <p:cNvPr id="4" name="Inhaltsplatzhalter 3">
-            <a:extLst>
-              <a:ext uri="{FF2B5EF4-FFF2-40B4-BE49-F238E27FC236}">
-                <a16:creationId xmlns:a16="http://schemas.microsoft.com/office/drawing/2014/main" id="{BC50B06D-B29C-4881-8ED3-C8CE10675D0A}"/>
-              </a:ext>
-            </a:extLst>
-          </p:cNvPr>
-          <p:cNvGraphicFramePr>
-            <a:graphicFrameLocks noGrp="1"/>
-          </p:cNvGraphicFramePr>
-          <p:nvPr>
-            <p:ph sz="half" idx="2"/>
-            <p:extLst>
-              <p:ext uri="{D42A27DB-BD31-4B8C-83A1-F6EECF244321}">
-                <p14:modId xmlns:p14="http://schemas.microsoft.com/office/powerpoint/2010/main" val="3288812431"/>
-              </p:ext>
-            </p:extLst>
-          </p:nvPr>
-        </p:nvGraphicFramePr>
-        <p:xfrm>
-          <a:off x="6172200" y="1825625"/>
-          <a:ext cx="5181600" cy="4351338"/>
-        </p:xfrm>
-        <a:graphic>
-          <a:graphicData uri="http://schemas.openxmlformats.org/drawingml/2006/diagram">
-            <dgm:relIds xmlns:dgm="http://schemas.openxmlformats.org/drawingml/2006/diagram" xmlns:r="http://schemas.openxmlformats.org/officeDocument/2006/relationships" r:dm="rId2" r:lo="rId3" r:qs="rId4" r:cs="rId5"/>
-          </a:graphicData>
-        </a:graphic>
-      </p:graphicFrame>
-      <p:sp>
-        <p:nvSpPr>
-          <p:cNvPr id="6" name="Rechteck 5">
-            <a:extLst>
-              <a:ext uri="{FF2B5EF4-FFF2-40B4-BE49-F238E27FC236}">
-                <a16:creationId xmlns:a16="http://schemas.microsoft.com/office/drawing/2014/main" id="{FB82F768-785F-4D8C-A658-F638B11AF14E}"/>
-              </a:ext>
-            </a:extLst>
-          </p:cNvPr>
-          <p:cNvSpPr/>
-          <p:nvPr/>
-        </p:nvSpPr>
-        <p:spPr>
-          <a:xfrm>
-            <a:off x="6397286" y="4527612"/>
-            <a:ext cx="1961965" cy="967666"/>
-          </a:xfrm>
-          <a:prstGeom prst="rect">
-            <a:avLst/>
-          </a:prstGeom>
-        </p:spPr>
-        <p:style>
-          <a:lnRef idx="2">
-            <a:schemeClr val="accent4">
-              <a:shade val="50000"/>
-            </a:schemeClr>
-          </a:lnRef>
-          <a:fillRef idx="1">
-            <a:schemeClr val="accent4"/>
-          </a:fillRef>
-          <a:effectRef idx="0">
-            <a:schemeClr val="accent4"/>
-          </a:effectRef>
-          <a:fontRef idx="minor">
-            <a:schemeClr val="lt1"/>
-          </a:fontRef>
-        </p:style>
-        <p:txBody>
-          <a:bodyPr rtlCol="0" anchor="ctr"/>
-          <a:lstStyle/>
-          <a:p>
-            <a:pPr algn="ctr"/>
-            <a:r>
-              <a:rPr lang="de-DE">
-                <a:solidFill>
-                  <a:schemeClr val="tx1"/>
-                </a:solidFill>
-              </a:rPr>
-              <a:t>Data</a:t>
-            </a:r>
-          </a:p>
-          <a:p>
-            <a:pPr algn="ctr"/>
-            <a:r>
-              <a:rPr lang="de-DE">
-                <a:solidFill>
-                  <a:schemeClr val="tx1"/>
-                </a:solidFill>
-              </a:rPr>
-              <a:t>Version 1</a:t>
-            </a:r>
-          </a:p>
-        </p:txBody>
-      </p:sp>
-      <p:sp>
-        <p:nvSpPr>
-          <p:cNvPr id="7" name="Rechteck 6">
-            <a:extLst>
-              <a:ext uri="{FF2B5EF4-FFF2-40B4-BE49-F238E27FC236}">
-                <a16:creationId xmlns:a16="http://schemas.microsoft.com/office/drawing/2014/main" id="{14A85E2B-AF55-4BB1-A008-A1BBAB485C1F}"/>
-              </a:ext>
-            </a:extLst>
-          </p:cNvPr>
-          <p:cNvSpPr/>
-          <p:nvPr/>
-        </p:nvSpPr>
-        <p:spPr>
-          <a:xfrm>
-            <a:off x="9063731" y="4527612"/>
-            <a:ext cx="1961965" cy="967666"/>
-          </a:xfrm>
-          <a:prstGeom prst="rect">
-            <a:avLst/>
-          </a:prstGeom>
-        </p:spPr>
-        <p:style>
-          <a:lnRef idx="2">
-            <a:schemeClr val="accent4">
-              <a:shade val="50000"/>
-            </a:schemeClr>
-          </a:lnRef>
-          <a:fillRef idx="1">
-            <a:schemeClr val="accent4"/>
-          </a:fillRef>
-          <a:effectRef idx="0">
-            <a:schemeClr val="accent4"/>
-          </a:effectRef>
-          <a:fontRef idx="minor">
-            <a:schemeClr val="lt1"/>
-          </a:fontRef>
-        </p:style>
-        <p:txBody>
-          <a:bodyPr rtlCol="0" anchor="ctr"/>
-          <a:lstStyle/>
-          <a:p>
-            <a:pPr algn="ctr"/>
-            <a:r>
-              <a:rPr lang="de-DE">
-                <a:solidFill>
-                  <a:schemeClr val="tx1"/>
-                </a:solidFill>
-              </a:rPr>
-              <a:t>Data</a:t>
-            </a:r>
-          </a:p>
-          <a:p>
-            <a:pPr algn="ctr"/>
-            <a:r>
-              <a:rPr lang="de-DE">
-                <a:solidFill>
-                  <a:schemeClr val="tx1"/>
-                </a:solidFill>
-              </a:rPr>
-              <a:t>Version 2</a:t>
-            </a:r>
-          </a:p>
-        </p:txBody>
-      </p:sp>
-      <p:sp>
-        <p:nvSpPr>
-          <p:cNvPr id="5" name="Pfeil: nach rechts 4">
-            <a:extLst>
-              <a:ext uri="{FF2B5EF4-FFF2-40B4-BE49-F238E27FC236}">
-                <a16:creationId xmlns:a16="http://schemas.microsoft.com/office/drawing/2014/main" id="{B5E895CF-42EF-4EEE-A035-286D7D701B36}"/>
-              </a:ext>
-            </a:extLst>
-          </p:cNvPr>
-          <p:cNvSpPr/>
-          <p:nvPr/>
-        </p:nvSpPr>
-        <p:spPr>
-          <a:xfrm>
-            <a:off x="8511651" y="4714043"/>
-            <a:ext cx="401530" cy="452761"/>
-          </a:xfrm>
-          <a:prstGeom prst="rightArrow">
-            <a:avLst/>
-          </a:prstGeom>
-        </p:spPr>
-        <p:style>
-          <a:lnRef idx="2">
-            <a:schemeClr val="dk1">
-              <a:shade val="50000"/>
-            </a:schemeClr>
-          </a:lnRef>
-          <a:fillRef idx="1">
-            <a:schemeClr val="dk1"/>
-          </a:fillRef>
-          <a:effectRef idx="0">
-            <a:schemeClr val="dk1"/>
-          </a:effectRef>
-          <a:fontRef idx="minor">
-            <a:schemeClr val="lt1"/>
-          </a:fontRef>
-        </p:style>
-        <p:txBody>
-          <a:bodyPr rtlCol="0" anchor="ctr"/>
-          <a:lstStyle/>
-          <a:p>
-            <a:pPr algn="ctr"/>
-            <a:endParaRPr lang="de-DE"/>
-          </a:p>
-        </p:txBody>
-      </p:sp>
-    </p:spTree>
-    <p:extLst>
-      <p:ext uri="{BB962C8B-B14F-4D97-AF65-F5344CB8AC3E}">
-        <p14:creationId xmlns:p14="http://schemas.microsoft.com/office/powerpoint/2010/main" val="3496897082"/>
-      </p:ext>
-    </p:extLst>
-  </p:cSld>
-  <p:clrMapOvr>
-    <a:masterClrMapping/>
-  </p:clrMapOvr>
-</p:sld>
-</file>
-
 <file path=ppt/theme/theme1.xml><?xml version="1.0" encoding="utf-8"?>
 <a:theme xmlns:a="http://schemas.openxmlformats.org/drawingml/2006/main" name="Office Theme">
   <a:themeElements>

--- a/cf_version_control_systems.pptx
+++ b/cf_version_control_systems.pptx
@@ -16,23 +16,26 @@
     <p:sldId id="267" r:id="rId10"/>
     <p:sldId id="259" r:id="rId11"/>
     <p:sldId id="283" r:id="rId12"/>
-    <p:sldId id="286" r:id="rId13"/>
-    <p:sldId id="289" r:id="rId14"/>
-    <p:sldId id="270" r:id="rId15"/>
-    <p:sldId id="272" r:id="rId16"/>
-    <p:sldId id="271" r:id="rId17"/>
-    <p:sldId id="269" r:id="rId18"/>
-    <p:sldId id="273" r:id="rId19"/>
-    <p:sldId id="274" r:id="rId20"/>
-    <p:sldId id="277" r:id="rId21"/>
-    <p:sldId id="275" r:id="rId22"/>
-    <p:sldId id="278" r:id="rId23"/>
-    <p:sldId id="279" r:id="rId24"/>
-    <p:sldId id="280" r:id="rId25"/>
-    <p:sldId id="282" r:id="rId26"/>
-    <p:sldId id="281" r:id="rId27"/>
-    <p:sldId id="262" r:id="rId28"/>
-    <p:sldId id="263" r:id="rId29"/>
+    <p:sldId id="293" r:id="rId13"/>
+    <p:sldId id="294" r:id="rId14"/>
+    <p:sldId id="286" r:id="rId15"/>
+    <p:sldId id="291" r:id="rId16"/>
+    <p:sldId id="292" r:id="rId17"/>
+    <p:sldId id="270" r:id="rId18"/>
+    <p:sldId id="272" r:id="rId19"/>
+    <p:sldId id="271" r:id="rId20"/>
+    <p:sldId id="269" r:id="rId21"/>
+    <p:sldId id="273" r:id="rId22"/>
+    <p:sldId id="274" r:id="rId23"/>
+    <p:sldId id="277" r:id="rId24"/>
+    <p:sldId id="275" r:id="rId25"/>
+    <p:sldId id="278" r:id="rId26"/>
+    <p:sldId id="279" r:id="rId27"/>
+    <p:sldId id="280" r:id="rId28"/>
+    <p:sldId id="282" r:id="rId29"/>
+    <p:sldId id="281" r:id="rId30"/>
+    <p:sldId id="262" r:id="rId31"/>
+    <p:sldId id="263" r:id="rId32"/>
   </p:sldIdLst>
   <p:sldSz cx="12192000" cy="6858000"/>
   <p:notesSz cx="6858000" cy="9144000"/>
@@ -5781,7 +5784,7 @@
       <dgm:spPr/>
     </dgm:pt>
     <dgm:pt modelId="{FCAA9E1E-456A-4C95-8793-3FF1704CFBDC}" type="pres">
-      <dgm:prSet presAssocID="{5F73361E-4370-4485-815D-187257F94B55}" presName="node" presStyleLbl="node1" presStyleIdx="0" presStyleCnt="1" custScaleX="47081" custScaleY="46647" custLinFactNeighborX="-3012" custLinFactNeighborY="-46657">
+      <dgm:prSet presAssocID="{5F73361E-4370-4485-815D-187257F94B55}" presName="node" presStyleLbl="node1" presStyleIdx="0" presStyleCnt="1" custScaleX="47081" custScaleY="46647" custLinFactNeighborX="-3355" custLinFactNeighborY="43863">
         <dgm:presLayoutVars>
           <dgm:bulletEnabled val="1"/>
         </dgm:presLayoutVars>
@@ -6474,7 +6477,7 @@
       </dsp:nvSpPr>
       <dsp:spPr>
         <a:xfrm>
-          <a:off x="1214955" y="3"/>
+          <a:off x="1197182" y="2814233"/>
           <a:ext cx="2439549" cy="1450236"/>
         </a:xfrm>
         <a:prstGeom prst="round1Rect">
@@ -6545,7 +6548,7 @@
         </a:p>
       </dsp:txBody>
       <dsp:txXfrm>
-        <a:off x="1214955" y="3"/>
+        <a:off x="1197182" y="2814233"/>
         <a:ext cx="2368754" cy="1450236"/>
       </dsp:txXfrm>
     </dsp:sp>
@@ -15224,7 +15227,7 @@
           <a:p>
             <a:fld id="{619E4C2F-4190-4DFC-A849-951516848FEB}" type="datetimeFigureOut">
               <a:rPr lang="de-DE" smtClean="0"/>
-              <a:t>23.08.2018</a:t>
+              <a:t>24.08.2018</a:t>
             </a:fld>
             <a:endParaRPr lang="de-DE"/>
           </a:p>
@@ -15392,7 +15395,7 @@
           <a:p>
             <a:fld id="{619E4C2F-4190-4DFC-A849-951516848FEB}" type="datetimeFigureOut">
               <a:rPr lang="de-DE" smtClean="0"/>
-              <a:t>23.08.2018</a:t>
+              <a:t>24.08.2018</a:t>
             </a:fld>
             <a:endParaRPr lang="de-DE"/>
           </a:p>
@@ -15570,7 +15573,7 @@
           <a:p>
             <a:fld id="{619E4C2F-4190-4DFC-A849-951516848FEB}" type="datetimeFigureOut">
               <a:rPr lang="de-DE" smtClean="0"/>
-              <a:t>23.08.2018</a:t>
+              <a:t>24.08.2018</a:t>
             </a:fld>
             <a:endParaRPr lang="de-DE"/>
           </a:p>
@@ -15738,7 +15741,7 @@
           <a:p>
             <a:fld id="{619E4C2F-4190-4DFC-A849-951516848FEB}" type="datetimeFigureOut">
               <a:rPr lang="de-DE" smtClean="0"/>
-              <a:t>23.08.2018</a:t>
+              <a:t>24.08.2018</a:t>
             </a:fld>
             <a:endParaRPr lang="de-DE"/>
           </a:p>
@@ -15983,7 +15986,7 @@
           <a:p>
             <a:fld id="{619E4C2F-4190-4DFC-A849-951516848FEB}" type="datetimeFigureOut">
               <a:rPr lang="de-DE" smtClean="0"/>
-              <a:t>23.08.2018</a:t>
+              <a:t>24.08.2018</a:t>
             </a:fld>
             <a:endParaRPr lang="de-DE"/>
           </a:p>
@@ -16212,7 +16215,7 @@
           <a:p>
             <a:fld id="{619E4C2F-4190-4DFC-A849-951516848FEB}" type="datetimeFigureOut">
               <a:rPr lang="de-DE" smtClean="0"/>
-              <a:t>23.08.2018</a:t>
+              <a:t>24.08.2018</a:t>
             </a:fld>
             <a:endParaRPr lang="de-DE"/>
           </a:p>
@@ -16576,7 +16579,7 @@
           <a:p>
             <a:fld id="{619E4C2F-4190-4DFC-A849-951516848FEB}" type="datetimeFigureOut">
               <a:rPr lang="de-DE" smtClean="0"/>
-              <a:t>23.08.2018</a:t>
+              <a:t>24.08.2018</a:t>
             </a:fld>
             <a:endParaRPr lang="de-DE"/>
           </a:p>
@@ -16693,7 +16696,7 @@
           <a:p>
             <a:fld id="{619E4C2F-4190-4DFC-A849-951516848FEB}" type="datetimeFigureOut">
               <a:rPr lang="de-DE" smtClean="0"/>
-              <a:t>23.08.2018</a:t>
+              <a:t>24.08.2018</a:t>
             </a:fld>
             <a:endParaRPr lang="de-DE"/>
           </a:p>
@@ -16788,7 +16791,7 @@
           <a:p>
             <a:fld id="{619E4C2F-4190-4DFC-A849-951516848FEB}" type="datetimeFigureOut">
               <a:rPr lang="de-DE" smtClean="0"/>
-              <a:t>23.08.2018</a:t>
+              <a:t>24.08.2018</a:t>
             </a:fld>
             <a:endParaRPr lang="de-DE"/>
           </a:p>
@@ -17063,7 +17066,7 @@
           <a:p>
             <a:fld id="{619E4C2F-4190-4DFC-A849-951516848FEB}" type="datetimeFigureOut">
               <a:rPr lang="de-DE" smtClean="0"/>
-              <a:t>23.08.2018</a:t>
+              <a:t>24.08.2018</a:t>
             </a:fld>
             <a:endParaRPr lang="de-DE"/>
           </a:p>
@@ -17315,7 +17318,7 @@
           <a:p>
             <a:fld id="{619E4C2F-4190-4DFC-A849-951516848FEB}" type="datetimeFigureOut">
               <a:rPr lang="de-DE" smtClean="0"/>
-              <a:t>23.08.2018</a:t>
+              <a:t>24.08.2018</a:t>
             </a:fld>
             <a:endParaRPr lang="de-DE"/>
           </a:p>
@@ -17526,7 +17529,7 @@
           <a:p>
             <a:fld id="{619E4C2F-4190-4DFC-A849-951516848FEB}" type="datetimeFigureOut">
               <a:rPr lang="de-DE" smtClean="0"/>
-              <a:t>23.08.2018</a:t>
+              <a:t>24.08.2018</a:t>
             </a:fld>
             <a:endParaRPr lang="de-DE"/>
           </a:p>
@@ -17970,7 +17973,7 @@
           <a:p>
             <a:r>
               <a:rPr lang="de-DE"/>
-              <a:t>or: How do I git well?</a:t>
+              <a:t>or: How to git better</a:t>
             </a:r>
           </a:p>
         </p:txBody>
@@ -18472,6 +18475,158 @@
       </p:grpSpPr>
       <p:sp>
         <p:nvSpPr>
+          <p:cNvPr id="4" name="Titel 3">
+            <a:extLst>
+              <a:ext uri="{FF2B5EF4-FFF2-40B4-BE49-F238E27FC236}">
+                <a16:creationId xmlns:a16="http://schemas.microsoft.com/office/drawing/2014/main" id="{FE0000AE-FA33-4805-B0B9-92B6C464BB7F}"/>
+              </a:ext>
+            </a:extLst>
+          </p:cNvPr>
+          <p:cNvSpPr>
+            <a:spLocks noGrp="1"/>
+          </p:cNvSpPr>
+          <p:nvPr>
+            <p:ph type="title"/>
+          </p:nvPr>
+        </p:nvSpPr>
+        <p:spPr/>
+        <p:txBody>
+          <a:bodyPr/>
+          <a:lstStyle/>
+          <a:p>
+            <a:r>
+              <a:rPr lang="de-DE"/>
+              <a:t>Interactive Example</a:t>
+            </a:r>
+          </a:p>
+        </p:txBody>
+      </p:sp>
+      <p:sp>
+        <p:nvSpPr>
+          <p:cNvPr id="5" name="Inhaltsplatzhalter 4">
+            <a:extLst>
+              <a:ext uri="{FF2B5EF4-FFF2-40B4-BE49-F238E27FC236}">
+                <a16:creationId xmlns:a16="http://schemas.microsoft.com/office/drawing/2014/main" id="{5B31C457-A272-4E7C-8A4F-33F4D69B42F4}"/>
+              </a:ext>
+            </a:extLst>
+          </p:cNvPr>
+          <p:cNvSpPr>
+            <a:spLocks noGrp="1"/>
+          </p:cNvSpPr>
+          <p:nvPr>
+            <p:ph idx="1"/>
+          </p:nvPr>
+        </p:nvSpPr>
+        <p:spPr/>
+        <p:txBody>
+          <a:bodyPr/>
+          <a:lstStyle/>
+          <a:p>
+            <a:r>
+              <a:rPr lang="de-DE"/>
+              <a:t>Let‘s use Microsoft PowerPoint Embedded iBash Shell</a:t>
+            </a:r>
+          </a:p>
+        </p:txBody>
+      </p:sp>
+    </p:spTree>
+    <p:extLst>
+      <p:ext uri="{BB962C8B-B14F-4D97-AF65-F5344CB8AC3E}">
+        <p14:creationId xmlns:p14="http://schemas.microsoft.com/office/powerpoint/2010/main" val="201007917"/>
+      </p:ext>
+    </p:extLst>
+  </p:cSld>
+  <p:clrMapOvr>
+    <a:masterClrMapping/>
+  </p:clrMapOvr>
+</p:sld>
+</file>
+
+<file path=ppt/slides/slide13.xml><?xml version="1.0" encoding="utf-8"?>
+<p:sld xmlns:a="http://schemas.openxmlformats.org/drawingml/2006/main" xmlns:r="http://schemas.openxmlformats.org/officeDocument/2006/relationships" xmlns:p="http://schemas.openxmlformats.org/presentationml/2006/main">
+  <p:cSld>
+    <p:spTree>
+      <p:nvGrpSpPr>
+        <p:cNvPr id="1" name=""/>
+        <p:cNvGrpSpPr/>
+        <p:nvPr/>
+      </p:nvGrpSpPr>
+      <p:grpSpPr>
+        <a:xfrm>
+          <a:off x="0" y="0"/>
+          <a:ext cx="0" cy="0"/>
+          <a:chOff x="0" y="0"/>
+          <a:chExt cx="0" cy="0"/>
+        </a:xfrm>
+      </p:grpSpPr>
+      <p:pic>
+        <p:nvPicPr>
+          <p:cNvPr id="11" name="Grafik 10">
+            <a:extLst>
+              <a:ext uri="{FF2B5EF4-FFF2-40B4-BE49-F238E27FC236}">
+                <a16:creationId xmlns:a16="http://schemas.microsoft.com/office/drawing/2014/main" id="{9094C394-F090-4D30-9EDE-4505E8267B30}"/>
+              </a:ext>
+            </a:extLst>
+          </p:cNvPr>
+          <p:cNvPicPr>
+            <a:picLocks noChangeAspect="1"/>
+          </p:cNvPicPr>
+          <p:nvPr/>
+        </p:nvPicPr>
+        <p:blipFill>
+          <a:blip r:embed="rId2">
+            <a:extLst>
+              <a:ext uri="{28A0092B-C50C-407E-A947-70E740481C1C}">
+                <a14:useLocalDpi xmlns:a14="http://schemas.microsoft.com/office/drawing/2010/main" val="0"/>
+              </a:ext>
+            </a:extLst>
+          </a:blip>
+          <a:stretch>
+            <a:fillRect/>
+          </a:stretch>
+        </p:blipFill>
+        <p:spPr>
+          <a:xfrm>
+            <a:off x="0" y="523087"/>
+            <a:ext cx="12192000" cy="5811825"/>
+          </a:xfrm>
+          <a:prstGeom prst="rect">
+            <a:avLst/>
+          </a:prstGeom>
+        </p:spPr>
+      </p:pic>
+    </p:spTree>
+    <p:extLst>
+      <p:ext uri="{BB962C8B-B14F-4D97-AF65-F5344CB8AC3E}">
+        <p14:creationId xmlns:p14="http://schemas.microsoft.com/office/powerpoint/2010/main" val="553563010"/>
+      </p:ext>
+    </p:extLst>
+  </p:cSld>
+  <p:clrMapOvr>
+    <a:masterClrMapping/>
+  </p:clrMapOvr>
+</p:sld>
+</file>
+
+<file path=ppt/slides/slide14.xml><?xml version="1.0" encoding="utf-8"?>
+<p:sld xmlns:a="http://schemas.openxmlformats.org/drawingml/2006/main" xmlns:r="http://schemas.openxmlformats.org/officeDocument/2006/relationships" xmlns:p="http://schemas.openxmlformats.org/presentationml/2006/main">
+  <p:cSld>
+    <p:spTree>
+      <p:nvGrpSpPr>
+        <p:cNvPr id="1" name=""/>
+        <p:cNvGrpSpPr/>
+        <p:nvPr/>
+      </p:nvGrpSpPr>
+      <p:grpSpPr>
+        <a:xfrm>
+          <a:off x="0" y="0"/>
+          <a:ext cx="0" cy="0"/>
+          <a:chOff x="0" y="0"/>
+          <a:chExt cx="0" cy="0"/>
+        </a:xfrm>
+      </p:grpSpPr>
+      <p:sp>
+        <p:nvSpPr>
           <p:cNvPr id="2" name="Titel 1">
             <a:extLst>
               <a:ext uri="{FF2B5EF4-FFF2-40B4-BE49-F238E27FC236}">
@@ -18539,7 +18694,7 @@
 </p:sld>
 </file>
 
-<file path=ppt/slides/slide13.xml><?xml version="1.0" encoding="utf-8"?>
+<file path=ppt/slides/slide15.xml><?xml version="1.0" encoding="utf-8"?>
 <p:sld xmlns:a="http://schemas.openxmlformats.org/drawingml/2006/main" xmlns:r="http://schemas.openxmlformats.org/officeDocument/2006/relationships" xmlns:p="http://schemas.openxmlformats.org/presentationml/2006/main">
   <p:cSld>
     <p:spTree>
@@ -18586,28 +18741,168 @@
       </p:sp>
       <p:sp>
         <p:nvSpPr>
-          <p:cNvPr id="5" name="Inhaltsplatzhalter 4">
+          <p:cNvPr id="5" name="Rechteck 4">
             <a:extLst>
               <a:ext uri="{FF2B5EF4-FFF2-40B4-BE49-F238E27FC236}">
-                <a16:creationId xmlns:a16="http://schemas.microsoft.com/office/drawing/2014/main" id="{B5826B61-B717-4E07-9F27-0D9EB96E6400}"/>
+                <a16:creationId xmlns:a16="http://schemas.microsoft.com/office/drawing/2014/main" id="{1C2F86E0-26D3-4C06-B9ED-744E9D0777C3}"/>
               </a:ext>
             </a:extLst>
           </p:cNvPr>
-          <p:cNvSpPr>
-            <a:spLocks noGrp="1"/>
-          </p:cNvSpPr>
-          <p:nvPr>
-            <p:ph idx="1"/>
-          </p:nvPr>
+          <p:cNvSpPr/>
+          <p:nvPr/>
         </p:nvSpPr>
-        <p:spPr/>
+        <p:spPr>
+          <a:xfrm>
+            <a:off x="6177342" y="1517197"/>
+            <a:ext cx="1614256" cy="903618"/>
+          </a:xfrm>
+          <a:prstGeom prst="rect">
+            <a:avLst/>
+          </a:prstGeom>
+          <a:solidFill>
+            <a:schemeClr val="bg1"/>
+          </a:solidFill>
+        </p:spPr>
+        <p:style>
+          <a:lnRef idx="2">
+            <a:schemeClr val="accent1">
+              <a:shade val="50000"/>
+            </a:schemeClr>
+          </a:lnRef>
+          <a:fillRef idx="1">
+            <a:schemeClr val="accent1"/>
+          </a:fillRef>
+          <a:effectRef idx="0">
+            <a:schemeClr val="accent1"/>
+          </a:effectRef>
+          <a:fontRef idx="minor">
+            <a:schemeClr val="lt1"/>
+          </a:fontRef>
+        </p:style>
         <p:txBody>
-          <a:bodyPr/>
+          <a:bodyPr rtlCol="0" anchor="ctr"/>
           <a:lstStyle/>
           <a:p>
+            <a:pPr algn="ctr"/>
             <a:r>
-              <a:rPr lang="de-DE"/>
-              <a:t>Insert picture of a tree here</a:t>
+              <a:rPr lang="de-DE" sz="3600">
+                <a:solidFill>
+                  <a:schemeClr val="tx1"/>
+                </a:solidFill>
+              </a:rPr>
+              <a:t>fork</a:t>
+            </a:r>
+          </a:p>
+        </p:txBody>
+      </p:sp>
+      <p:sp>
+        <p:nvSpPr>
+          <p:cNvPr id="6" name="Rechteck 5">
+            <a:extLst>
+              <a:ext uri="{FF2B5EF4-FFF2-40B4-BE49-F238E27FC236}">
+                <a16:creationId xmlns:a16="http://schemas.microsoft.com/office/drawing/2014/main" id="{085273E2-E03A-47C1-A138-728698DC3998}"/>
+              </a:ext>
+            </a:extLst>
+          </p:cNvPr>
+          <p:cNvSpPr/>
+          <p:nvPr/>
+        </p:nvSpPr>
+        <p:spPr>
+          <a:xfrm>
+            <a:off x="3292137" y="2893489"/>
+            <a:ext cx="1614256" cy="903618"/>
+          </a:xfrm>
+          <a:prstGeom prst="rect">
+            <a:avLst/>
+          </a:prstGeom>
+          <a:solidFill>
+            <a:schemeClr val="bg1"/>
+          </a:solidFill>
+        </p:spPr>
+        <p:style>
+          <a:lnRef idx="2">
+            <a:schemeClr val="accent1">
+              <a:shade val="50000"/>
+            </a:schemeClr>
+          </a:lnRef>
+          <a:fillRef idx="1">
+            <a:schemeClr val="accent1"/>
+          </a:fillRef>
+          <a:effectRef idx="0">
+            <a:schemeClr val="accent1"/>
+          </a:effectRef>
+          <a:fontRef idx="minor">
+            <a:schemeClr val="lt1"/>
+          </a:fontRef>
+        </p:style>
+        <p:txBody>
+          <a:bodyPr rtlCol="0" anchor="ctr"/>
+          <a:lstStyle/>
+          <a:p>
+            <a:pPr algn="ctr"/>
+            <a:r>
+              <a:rPr lang="de-DE" sz="3600">
+                <a:solidFill>
+                  <a:schemeClr val="tx1"/>
+                </a:solidFill>
+              </a:rPr>
+              <a:t>branch</a:t>
+            </a:r>
+          </a:p>
+        </p:txBody>
+      </p:sp>
+      <p:sp>
+        <p:nvSpPr>
+          <p:cNvPr id="7" name="Rechteck 6">
+            <a:extLst>
+              <a:ext uri="{FF2B5EF4-FFF2-40B4-BE49-F238E27FC236}">
+                <a16:creationId xmlns:a16="http://schemas.microsoft.com/office/drawing/2014/main" id="{1E6EC1A1-5E70-4123-8BAE-76633CA60034}"/>
+              </a:ext>
+            </a:extLst>
+          </p:cNvPr>
+          <p:cNvSpPr/>
+          <p:nvPr/>
+        </p:nvSpPr>
+        <p:spPr>
+          <a:xfrm>
+            <a:off x="6851343" y="5273345"/>
+            <a:ext cx="1614256" cy="903618"/>
+          </a:xfrm>
+          <a:prstGeom prst="rect">
+            <a:avLst/>
+          </a:prstGeom>
+          <a:solidFill>
+            <a:schemeClr val="bg1"/>
+          </a:solidFill>
+        </p:spPr>
+        <p:style>
+          <a:lnRef idx="2">
+            <a:schemeClr val="accent1">
+              <a:shade val="50000"/>
+            </a:schemeClr>
+          </a:lnRef>
+          <a:fillRef idx="1">
+            <a:schemeClr val="accent1"/>
+          </a:fillRef>
+          <a:effectRef idx="0">
+            <a:schemeClr val="accent1"/>
+          </a:effectRef>
+          <a:fontRef idx="minor">
+            <a:schemeClr val="lt1"/>
+          </a:fontRef>
+        </p:style>
+        <p:txBody>
+          <a:bodyPr rtlCol="0" anchor="ctr"/>
+          <a:lstStyle/>
+          <a:p>
+            <a:pPr algn="ctr"/>
+            <a:r>
+              <a:rPr lang="de-DE" sz="3600">
+                <a:solidFill>
+                  <a:schemeClr val="tx1"/>
+                </a:solidFill>
+              </a:rPr>
+              <a:t>trunk</a:t>
             </a:r>
           </a:p>
         </p:txBody>
@@ -18615,7 +18910,7 @@
     </p:spTree>
     <p:extLst>
       <p:ext uri="{BB962C8B-B14F-4D97-AF65-F5344CB8AC3E}">
-        <p14:creationId xmlns:p14="http://schemas.microsoft.com/office/powerpoint/2010/main" val="1589661164"/>
+        <p14:creationId xmlns:p14="http://schemas.microsoft.com/office/powerpoint/2010/main" val="1710158586"/>
       </p:ext>
     </p:extLst>
   </p:cSld>
@@ -18625,7 +18920,324 @@
 </p:sld>
 </file>
 
-<file path=ppt/slides/slide14.xml><?xml version="1.0" encoding="utf-8"?>
+<file path=ppt/slides/slide16.xml><?xml version="1.0" encoding="utf-8"?>
+<p:sld xmlns:a="http://schemas.openxmlformats.org/drawingml/2006/main" xmlns:r="http://schemas.openxmlformats.org/officeDocument/2006/relationships" xmlns:p="http://schemas.openxmlformats.org/presentationml/2006/main">
+  <p:cSld>
+    <p:spTree>
+      <p:nvGrpSpPr>
+        <p:cNvPr id="1" name=""/>
+        <p:cNvGrpSpPr/>
+        <p:nvPr/>
+      </p:nvGrpSpPr>
+      <p:grpSpPr>
+        <a:xfrm>
+          <a:off x="0" y="0"/>
+          <a:ext cx="0" cy="0"/>
+          <a:chOff x="0" y="0"/>
+          <a:chExt cx="0" cy="0"/>
+        </a:xfrm>
+      </p:grpSpPr>
+      <p:sp>
+        <p:nvSpPr>
+          <p:cNvPr id="4" name="Titel 3">
+            <a:extLst>
+              <a:ext uri="{FF2B5EF4-FFF2-40B4-BE49-F238E27FC236}">
+                <a16:creationId xmlns:a16="http://schemas.microsoft.com/office/drawing/2014/main" id="{B7A11F0B-D7B5-422A-8580-1F8E0B45196D}"/>
+              </a:ext>
+            </a:extLst>
+          </p:cNvPr>
+          <p:cNvSpPr>
+            <a:spLocks noGrp="1"/>
+          </p:cNvSpPr>
+          <p:nvPr>
+            <p:ph type="title"/>
+          </p:nvPr>
+        </p:nvSpPr>
+        <p:spPr/>
+        <p:txBody>
+          <a:bodyPr/>
+          <a:lstStyle/>
+          <a:p>
+            <a:r>
+              <a:rPr lang="de-DE"/>
+              <a:t>Origin of the used imagery</a:t>
+            </a:r>
+          </a:p>
+        </p:txBody>
+      </p:sp>
+      <p:pic>
+        <p:nvPicPr>
+          <p:cNvPr id="3" name="Inhaltsplatzhalter 2">
+            <a:extLst>
+              <a:ext uri="{FF2B5EF4-FFF2-40B4-BE49-F238E27FC236}">
+                <a16:creationId xmlns:a16="http://schemas.microsoft.com/office/drawing/2014/main" id="{27E3023E-131E-45D7-90B5-CC04975FC34F}"/>
+              </a:ext>
+            </a:extLst>
+          </p:cNvPr>
+          <p:cNvPicPr>
+            <a:picLocks noGrp="1" noChangeAspect="1"/>
+          </p:cNvPicPr>
+          <p:nvPr>
+            <p:ph idx="1"/>
+          </p:nvPr>
+        </p:nvPicPr>
+        <p:blipFill>
+          <a:blip r:embed="rId2">
+            <a:extLst>
+              <a:ext uri="{28A0092B-C50C-407E-A947-70E740481C1C}">
+                <a14:useLocalDpi xmlns:a14="http://schemas.microsoft.com/office/drawing/2010/main" val="0"/>
+              </a:ext>
+            </a:extLst>
+          </a:blip>
+          <a:stretch>
+            <a:fillRect/>
+          </a:stretch>
+        </p:blipFill>
+        <p:spPr>
+          <a:xfrm>
+            <a:off x="4843585" y="1825625"/>
+            <a:ext cx="2504829" cy="4351338"/>
+          </a:xfrm>
+        </p:spPr>
+      </p:pic>
+      <p:sp>
+        <p:nvSpPr>
+          <p:cNvPr id="5" name="Rechteck 4">
+            <a:extLst>
+              <a:ext uri="{FF2B5EF4-FFF2-40B4-BE49-F238E27FC236}">
+                <a16:creationId xmlns:a16="http://schemas.microsoft.com/office/drawing/2014/main" id="{1C2F86E0-26D3-4C06-B9ED-744E9D0777C3}"/>
+              </a:ext>
+            </a:extLst>
+          </p:cNvPr>
+          <p:cNvSpPr/>
+          <p:nvPr/>
+        </p:nvSpPr>
+        <p:spPr>
+          <a:xfrm>
+            <a:off x="6177342" y="1517197"/>
+            <a:ext cx="1614256" cy="903618"/>
+          </a:xfrm>
+          <a:prstGeom prst="rect">
+            <a:avLst/>
+          </a:prstGeom>
+          <a:solidFill>
+            <a:schemeClr val="bg1"/>
+          </a:solidFill>
+        </p:spPr>
+        <p:style>
+          <a:lnRef idx="2">
+            <a:schemeClr val="accent1">
+              <a:shade val="50000"/>
+            </a:schemeClr>
+          </a:lnRef>
+          <a:fillRef idx="1">
+            <a:schemeClr val="accent1"/>
+          </a:fillRef>
+          <a:effectRef idx="0">
+            <a:schemeClr val="accent1"/>
+          </a:effectRef>
+          <a:fontRef idx="minor">
+            <a:schemeClr val="lt1"/>
+          </a:fontRef>
+        </p:style>
+        <p:txBody>
+          <a:bodyPr rtlCol="0" anchor="ctr"/>
+          <a:lstStyle/>
+          <a:p>
+            <a:pPr algn="ctr"/>
+            <a:r>
+              <a:rPr lang="de-DE" sz="3600">
+                <a:solidFill>
+                  <a:schemeClr val="tx1"/>
+                </a:solidFill>
+              </a:rPr>
+              <a:t>fork</a:t>
+            </a:r>
+          </a:p>
+        </p:txBody>
+      </p:sp>
+      <p:sp>
+        <p:nvSpPr>
+          <p:cNvPr id="6" name="Rechteck 5">
+            <a:extLst>
+              <a:ext uri="{FF2B5EF4-FFF2-40B4-BE49-F238E27FC236}">
+                <a16:creationId xmlns:a16="http://schemas.microsoft.com/office/drawing/2014/main" id="{085273E2-E03A-47C1-A138-728698DC3998}"/>
+              </a:ext>
+            </a:extLst>
+          </p:cNvPr>
+          <p:cNvSpPr/>
+          <p:nvPr/>
+        </p:nvSpPr>
+        <p:spPr>
+          <a:xfrm>
+            <a:off x="3292137" y="2893489"/>
+            <a:ext cx="1614256" cy="903618"/>
+          </a:xfrm>
+          <a:prstGeom prst="rect">
+            <a:avLst/>
+          </a:prstGeom>
+          <a:solidFill>
+            <a:schemeClr val="bg1"/>
+          </a:solidFill>
+        </p:spPr>
+        <p:style>
+          <a:lnRef idx="2">
+            <a:schemeClr val="accent1">
+              <a:shade val="50000"/>
+            </a:schemeClr>
+          </a:lnRef>
+          <a:fillRef idx="1">
+            <a:schemeClr val="accent1"/>
+          </a:fillRef>
+          <a:effectRef idx="0">
+            <a:schemeClr val="accent1"/>
+          </a:effectRef>
+          <a:fontRef idx="minor">
+            <a:schemeClr val="lt1"/>
+          </a:fontRef>
+        </p:style>
+        <p:txBody>
+          <a:bodyPr rtlCol="0" anchor="ctr"/>
+          <a:lstStyle/>
+          <a:p>
+            <a:pPr algn="ctr"/>
+            <a:r>
+              <a:rPr lang="de-DE" sz="3600">
+                <a:solidFill>
+                  <a:schemeClr val="tx1"/>
+                </a:solidFill>
+              </a:rPr>
+              <a:t>branch</a:t>
+            </a:r>
+          </a:p>
+        </p:txBody>
+      </p:sp>
+      <p:sp>
+        <p:nvSpPr>
+          <p:cNvPr id="7" name="Rechteck 6">
+            <a:extLst>
+              <a:ext uri="{FF2B5EF4-FFF2-40B4-BE49-F238E27FC236}">
+                <a16:creationId xmlns:a16="http://schemas.microsoft.com/office/drawing/2014/main" id="{1E6EC1A1-5E70-4123-8BAE-76633CA60034}"/>
+              </a:ext>
+            </a:extLst>
+          </p:cNvPr>
+          <p:cNvSpPr/>
+          <p:nvPr/>
+        </p:nvSpPr>
+        <p:spPr>
+          <a:xfrm>
+            <a:off x="6851343" y="5273345"/>
+            <a:ext cx="1614256" cy="903618"/>
+          </a:xfrm>
+          <a:prstGeom prst="rect">
+            <a:avLst/>
+          </a:prstGeom>
+          <a:solidFill>
+            <a:schemeClr val="bg1"/>
+          </a:solidFill>
+        </p:spPr>
+        <p:style>
+          <a:lnRef idx="2">
+            <a:schemeClr val="accent1">
+              <a:shade val="50000"/>
+            </a:schemeClr>
+          </a:lnRef>
+          <a:fillRef idx="1">
+            <a:schemeClr val="accent1"/>
+          </a:fillRef>
+          <a:effectRef idx="0">
+            <a:schemeClr val="accent1"/>
+          </a:effectRef>
+          <a:fontRef idx="minor">
+            <a:schemeClr val="lt1"/>
+          </a:fontRef>
+        </p:style>
+        <p:txBody>
+          <a:bodyPr rtlCol="0" anchor="ctr"/>
+          <a:lstStyle/>
+          <a:p>
+            <a:pPr algn="ctr"/>
+            <a:r>
+              <a:rPr lang="de-DE" sz="3600">
+                <a:solidFill>
+                  <a:schemeClr val="tx1"/>
+                </a:solidFill>
+              </a:rPr>
+              <a:t>trunk</a:t>
+            </a:r>
+          </a:p>
+        </p:txBody>
+      </p:sp>
+      <p:sp>
+        <p:nvSpPr>
+          <p:cNvPr id="8" name="Rechteck 7">
+            <a:extLst>
+              <a:ext uri="{FF2B5EF4-FFF2-40B4-BE49-F238E27FC236}">
+                <a16:creationId xmlns:a16="http://schemas.microsoft.com/office/drawing/2014/main" id="{890C8AD4-6E4A-4F7B-9F11-DC061806F879}"/>
+              </a:ext>
+            </a:extLst>
+          </p:cNvPr>
+          <p:cNvSpPr/>
+          <p:nvPr/>
+        </p:nvSpPr>
+        <p:spPr>
+          <a:xfrm>
+            <a:off x="3292137" y="5273345"/>
+            <a:ext cx="1614256" cy="903618"/>
+          </a:xfrm>
+          <a:prstGeom prst="rect">
+            <a:avLst/>
+          </a:prstGeom>
+          <a:solidFill>
+            <a:schemeClr val="bg1"/>
+          </a:solidFill>
+        </p:spPr>
+        <p:style>
+          <a:lnRef idx="2">
+            <a:schemeClr val="accent1">
+              <a:shade val="50000"/>
+            </a:schemeClr>
+          </a:lnRef>
+          <a:fillRef idx="1">
+            <a:schemeClr val="accent1"/>
+          </a:fillRef>
+          <a:effectRef idx="0">
+            <a:schemeClr val="accent1"/>
+          </a:effectRef>
+          <a:fontRef idx="minor">
+            <a:schemeClr val="lt1"/>
+          </a:fontRef>
+        </p:style>
+        <p:txBody>
+          <a:bodyPr rtlCol="0" anchor="ctr"/>
+          <a:lstStyle/>
+          <a:p>
+            <a:pPr algn="ctr"/>
+            <a:r>
+              <a:rPr lang="de-DE" sz="3600">
+                <a:solidFill>
+                  <a:schemeClr val="tx1"/>
+                </a:solidFill>
+              </a:rPr>
+              <a:t>tree</a:t>
+            </a:r>
+          </a:p>
+        </p:txBody>
+      </p:sp>
+    </p:spTree>
+    <p:extLst>
+      <p:ext uri="{BB962C8B-B14F-4D97-AF65-F5344CB8AC3E}">
+        <p14:creationId xmlns:p14="http://schemas.microsoft.com/office/powerpoint/2010/main" val="962787623"/>
+      </p:ext>
+    </p:extLst>
+  </p:cSld>
+  <p:clrMapOvr>
+    <a:masterClrMapping/>
+  </p:clrMapOvr>
+</p:sld>
+</file>
+
+<file path=ppt/slides/slide17.xml><?xml version="1.0" encoding="utf-8"?>
 <p:sld xmlns:a="http://schemas.openxmlformats.org/drawingml/2006/main" xmlns:r="http://schemas.openxmlformats.org/officeDocument/2006/relationships" xmlns:p="http://schemas.openxmlformats.org/presentationml/2006/main">
   <p:cSld>
     <p:spTree>
@@ -18787,7 +19399,7 @@
 </p:sld>
 </file>
 
-<file path=ppt/slides/slide15.xml><?xml version="1.0" encoding="utf-8"?>
+<file path=ppt/slides/slide18.xml><?xml version="1.0" encoding="utf-8"?>
 <p:sld xmlns:a="http://schemas.openxmlformats.org/drawingml/2006/main" xmlns:r="http://schemas.openxmlformats.org/officeDocument/2006/relationships" xmlns:p="http://schemas.openxmlformats.org/presentationml/2006/main">
   <p:cSld>
     <p:spTree>
@@ -19088,7 +19700,7 @@
 </p:sld>
 </file>
 
-<file path=ppt/slides/slide16.xml><?xml version="1.0" encoding="utf-8"?>
+<file path=ppt/slides/slide19.xml><?xml version="1.0" encoding="utf-8"?>
 <p:sld xmlns:a="http://schemas.openxmlformats.org/drawingml/2006/main" xmlns:r="http://schemas.openxmlformats.org/officeDocument/2006/relationships" xmlns:p="http://schemas.openxmlformats.org/presentationml/2006/main">
   <p:cSld>
     <p:spTree>
@@ -19331,7 +19943,151 @@
 </p:sld>
 </file>
 
-<file path=ppt/slides/slide17.xml><?xml version="1.0" encoding="utf-8"?>
+<file path=ppt/slides/slide2.xml><?xml version="1.0" encoding="utf-8"?>
+<p:sld xmlns:a="http://schemas.openxmlformats.org/drawingml/2006/main" xmlns:r="http://schemas.openxmlformats.org/officeDocument/2006/relationships" xmlns:p="http://schemas.openxmlformats.org/presentationml/2006/main">
+  <p:cSld>
+    <p:spTree>
+      <p:nvGrpSpPr>
+        <p:cNvPr id="1" name=""/>
+        <p:cNvGrpSpPr/>
+        <p:nvPr/>
+      </p:nvGrpSpPr>
+      <p:grpSpPr>
+        <a:xfrm>
+          <a:off x="0" y="0"/>
+          <a:ext cx="0" cy="0"/>
+          <a:chOff x="0" y="0"/>
+          <a:chExt cx="0" cy="0"/>
+        </a:xfrm>
+      </p:grpSpPr>
+      <p:sp>
+        <p:nvSpPr>
+          <p:cNvPr id="4" name="Titel 3">
+            <a:extLst>
+              <a:ext uri="{FF2B5EF4-FFF2-40B4-BE49-F238E27FC236}">
+                <a16:creationId xmlns:a16="http://schemas.microsoft.com/office/drawing/2014/main" id="{5B48809F-0C31-4B2C-88EF-39C4AF82E6CD}"/>
+              </a:ext>
+            </a:extLst>
+          </p:cNvPr>
+          <p:cNvSpPr>
+            <a:spLocks noGrp="1"/>
+          </p:cNvSpPr>
+          <p:nvPr>
+            <p:ph type="title"/>
+          </p:nvPr>
+        </p:nvSpPr>
+        <p:spPr/>
+        <p:txBody>
+          <a:bodyPr/>
+          <a:lstStyle/>
+          <a:p>
+            <a:r>
+              <a:rPr lang="de-DE"/>
+              <a:t>Table of Contents</a:t>
+            </a:r>
+          </a:p>
+        </p:txBody>
+      </p:sp>
+      <p:sp>
+        <p:nvSpPr>
+          <p:cNvPr id="5" name="Inhaltsplatzhalter 4">
+            <a:extLst>
+              <a:ext uri="{FF2B5EF4-FFF2-40B4-BE49-F238E27FC236}">
+                <a16:creationId xmlns:a16="http://schemas.microsoft.com/office/drawing/2014/main" id="{8C5C0079-8A63-4235-BB11-6E5D2B206423}"/>
+              </a:ext>
+            </a:extLst>
+          </p:cNvPr>
+          <p:cNvSpPr>
+            <a:spLocks noGrp="1"/>
+          </p:cNvSpPr>
+          <p:nvPr>
+            <p:ph idx="1"/>
+          </p:nvPr>
+        </p:nvSpPr>
+        <p:spPr/>
+        <p:txBody>
+          <a:bodyPr/>
+          <a:lstStyle/>
+          <a:p>
+            <a:pPr marL="571500" indent="-571500">
+              <a:buFont typeface="+mj-lt"/>
+              <a:buAutoNum type="romanUcPeriod"/>
+            </a:pPr>
+            <a:r>
+              <a:rPr lang="de-DE"/>
+              <a:t>Introduction</a:t>
+            </a:r>
+          </a:p>
+          <a:p>
+            <a:pPr marL="571500" indent="-571500">
+              <a:buFont typeface="+mj-lt"/>
+              <a:buAutoNum type="romanUcPeriod"/>
+            </a:pPr>
+            <a:r>
+              <a:rPr lang="de-DE"/>
+              <a:t>Professional use</a:t>
+            </a:r>
+          </a:p>
+          <a:p>
+            <a:pPr marL="571500" indent="-571500">
+              <a:buFont typeface="+mj-lt"/>
+              <a:buAutoNum type="romanUcPeriod"/>
+            </a:pPr>
+            <a:r>
+              <a:rPr lang="de-DE"/>
+              <a:t>Interactive Example</a:t>
+            </a:r>
+          </a:p>
+          <a:p>
+            <a:pPr marL="571500" indent="-571500">
+              <a:buFont typeface="+mj-lt"/>
+              <a:buAutoNum type="romanUcPeriod"/>
+            </a:pPr>
+            <a:r>
+              <a:rPr lang="de-DE"/>
+              <a:t>Mechanics and Jargon</a:t>
+            </a:r>
+          </a:p>
+          <a:p>
+            <a:pPr marL="571500" indent="-571500">
+              <a:buFont typeface="+mj-lt"/>
+              <a:buAutoNum type="romanUcPeriod"/>
+            </a:pPr>
+            <a:r>
+              <a:rPr lang="de-DE"/>
+              <a:t>Sources</a:t>
+            </a:r>
+          </a:p>
+          <a:p>
+            <a:pPr marL="571500" indent="-571500">
+              <a:buFont typeface="+mj-lt"/>
+              <a:buAutoNum type="romanUcPeriod"/>
+            </a:pPr>
+            <a:endParaRPr lang="de-DE"/>
+          </a:p>
+          <a:p>
+            <a:pPr marL="571500" indent="-571500">
+              <a:buFont typeface="+mj-lt"/>
+              <a:buAutoNum type="romanUcPeriod"/>
+            </a:pPr>
+            <a:endParaRPr lang="de-DE"/>
+          </a:p>
+        </p:txBody>
+      </p:sp>
+    </p:spTree>
+    <p:extLst>
+      <p:ext uri="{BB962C8B-B14F-4D97-AF65-F5344CB8AC3E}">
+        <p14:creationId xmlns:p14="http://schemas.microsoft.com/office/powerpoint/2010/main" val="731089537"/>
+      </p:ext>
+    </p:extLst>
+  </p:cSld>
+  <p:clrMapOvr>
+    <a:masterClrMapping/>
+  </p:clrMapOvr>
+</p:sld>
+</file>
+
+<file path=ppt/slides/slide20.xml><?xml version="1.0" encoding="utf-8"?>
 <p:sld xmlns:a="http://schemas.openxmlformats.org/drawingml/2006/main" xmlns:r="http://schemas.openxmlformats.org/officeDocument/2006/relationships" xmlns:p="http://schemas.openxmlformats.org/presentationml/2006/main">
   <p:cSld>
     <p:spTree>
@@ -19423,7 +20179,7 @@
             <p:ph sz="half" idx="2"/>
             <p:extLst>
               <p:ext uri="{D42A27DB-BD31-4B8C-83A1-F6EECF244321}">
-                <p14:modId xmlns:p14="http://schemas.microsoft.com/office/powerpoint/2010/main" val="505362942"/>
+                <p14:modId xmlns:p14="http://schemas.microsoft.com/office/powerpoint/2010/main" val="51087091"/>
               </p:ext>
             </p:extLst>
           </p:nvPr>
@@ -19452,7 +20208,7 @@
         </p:nvSpPr>
         <p:spPr>
           <a:xfrm>
-            <a:off x="6486618" y="4828189"/>
+            <a:off x="6554126" y="2461334"/>
             <a:ext cx="1961965" cy="967666"/>
           </a:xfrm>
           <a:prstGeom prst="rect">
@@ -19516,7 +20272,7 @@
         </p:nvSpPr>
         <p:spPr>
           <a:xfrm>
-            <a:off x="8920209" y="4828189"/>
+            <a:off x="8763000" y="2461334"/>
             <a:ext cx="1961965" cy="967666"/>
           </a:xfrm>
           <a:prstGeom prst="rect">
@@ -19557,98 +20313,6 @@
       </p:sp>
       <p:sp>
         <p:nvSpPr>
-          <p:cNvPr id="5" name="Pfeil: nach oben 4">
-            <a:extLst>
-              <a:ext uri="{FF2B5EF4-FFF2-40B4-BE49-F238E27FC236}">
-                <a16:creationId xmlns:a16="http://schemas.microsoft.com/office/drawing/2014/main" id="{30FA2CF9-6086-4152-A69B-FF1A4735B76B}"/>
-              </a:ext>
-            </a:extLst>
-          </p:cNvPr>
-          <p:cNvSpPr/>
-          <p:nvPr/>
-        </p:nvSpPr>
-        <p:spPr>
-          <a:xfrm>
-            <a:off x="8196495" y="3625898"/>
-            <a:ext cx="319596" cy="683579"/>
-          </a:xfrm>
-          <a:prstGeom prst="upArrow">
-            <a:avLst/>
-          </a:prstGeom>
-        </p:spPr>
-        <p:style>
-          <a:lnRef idx="2">
-            <a:schemeClr val="dk1">
-              <a:shade val="50000"/>
-            </a:schemeClr>
-          </a:lnRef>
-          <a:fillRef idx="1">
-            <a:schemeClr val="dk1"/>
-          </a:fillRef>
-          <a:effectRef idx="0">
-            <a:schemeClr val="dk1"/>
-          </a:effectRef>
-          <a:fontRef idx="minor">
-            <a:schemeClr val="lt1"/>
-          </a:fontRef>
-        </p:style>
-        <p:txBody>
-          <a:bodyPr rtlCol="0" anchor="ctr"/>
-          <a:lstStyle/>
-          <a:p>
-            <a:pPr algn="ctr"/>
-            <a:endParaRPr lang="de-DE"/>
-          </a:p>
-        </p:txBody>
-      </p:sp>
-      <p:sp>
-        <p:nvSpPr>
-          <p:cNvPr id="11" name="Pfeil: nach oben 10">
-            <a:extLst>
-              <a:ext uri="{FF2B5EF4-FFF2-40B4-BE49-F238E27FC236}">
-                <a16:creationId xmlns:a16="http://schemas.microsoft.com/office/drawing/2014/main" id="{4148348B-BA43-494D-B65D-24F6B5821584}"/>
-              </a:ext>
-            </a:extLst>
-          </p:cNvPr>
-          <p:cNvSpPr/>
-          <p:nvPr/>
-        </p:nvSpPr>
-        <p:spPr>
-          <a:xfrm>
-            <a:off x="8920209" y="3625898"/>
-            <a:ext cx="319596" cy="683579"/>
-          </a:xfrm>
-          <a:prstGeom prst="upArrow">
-            <a:avLst/>
-          </a:prstGeom>
-        </p:spPr>
-        <p:style>
-          <a:lnRef idx="2">
-            <a:schemeClr val="dk1">
-              <a:shade val="50000"/>
-            </a:schemeClr>
-          </a:lnRef>
-          <a:fillRef idx="1">
-            <a:schemeClr val="dk1"/>
-          </a:fillRef>
-          <a:effectRef idx="0">
-            <a:schemeClr val="dk1"/>
-          </a:effectRef>
-          <a:fontRef idx="minor">
-            <a:schemeClr val="lt1"/>
-          </a:fontRef>
-        </p:style>
-        <p:txBody>
-          <a:bodyPr rtlCol="0" anchor="ctr"/>
-          <a:lstStyle/>
-          <a:p>
-            <a:pPr algn="ctr"/>
-            <a:endParaRPr lang="de-DE"/>
-          </a:p>
-        </p:txBody>
-      </p:sp>
-      <p:sp>
-        <p:nvSpPr>
           <p:cNvPr id="12" name="Rechteck 11">
             <a:extLst>
               <a:ext uri="{FF2B5EF4-FFF2-40B4-BE49-F238E27FC236}">
@@ -19661,7 +20325,7 @@
         </p:nvSpPr>
         <p:spPr>
           <a:xfrm>
-            <a:off x="6486618" y="3543463"/>
+            <a:off x="5697894" y="3612900"/>
             <a:ext cx="1614256" cy="903618"/>
           </a:xfrm>
           <a:prstGeom prst="rect">
@@ -19703,6 +20367,84 @@
           </a:p>
         </p:txBody>
       </p:sp>
+      <p:cxnSp>
+        <p:nvCxnSpPr>
+          <p:cNvPr id="9" name="Verbinder: gekrümmt 8">
+            <a:extLst>
+              <a:ext uri="{FF2B5EF4-FFF2-40B4-BE49-F238E27FC236}">
+                <a16:creationId xmlns:a16="http://schemas.microsoft.com/office/drawing/2014/main" id="{33C02085-38A9-4A85-9CA9-916AE4DB3207}"/>
+              </a:ext>
+            </a:extLst>
+          </p:cNvPr>
+          <p:cNvCxnSpPr/>
+          <p:nvPr/>
+        </p:nvCxnSpPr>
+        <p:spPr>
+          <a:xfrm rot="16200000" flipH="1">
+            <a:off x="7142178" y="3821929"/>
+            <a:ext cx="1231777" cy="445917"/>
+          </a:xfrm>
+          <a:prstGeom prst="curvedConnector3">
+            <a:avLst/>
+          </a:prstGeom>
+          <a:ln w="50800">
+            <a:tailEnd type="triangle"/>
+          </a:ln>
+        </p:spPr>
+        <p:style>
+          <a:lnRef idx="1">
+            <a:schemeClr val="dk1"/>
+          </a:lnRef>
+          <a:fillRef idx="0">
+            <a:schemeClr val="dk1"/>
+          </a:fillRef>
+          <a:effectRef idx="0">
+            <a:schemeClr val="dk1"/>
+          </a:effectRef>
+          <a:fontRef idx="minor">
+            <a:schemeClr val="tx1"/>
+          </a:fontRef>
+        </p:style>
+      </p:cxnSp>
+      <p:cxnSp>
+        <p:nvCxnSpPr>
+          <p:cNvPr id="13" name="Verbinder: gekrümmt 12">
+            <a:extLst>
+              <a:ext uri="{FF2B5EF4-FFF2-40B4-BE49-F238E27FC236}">
+                <a16:creationId xmlns:a16="http://schemas.microsoft.com/office/drawing/2014/main" id="{B4E7DBDD-13A8-4279-BC73-F892CD63FFC4}"/>
+              </a:ext>
+            </a:extLst>
+          </p:cNvPr>
+          <p:cNvCxnSpPr/>
+          <p:nvPr/>
+        </p:nvCxnSpPr>
+        <p:spPr>
+          <a:xfrm rot="5400000">
+            <a:off x="8741915" y="3649091"/>
+            <a:ext cx="1231778" cy="791593"/>
+          </a:xfrm>
+          <a:prstGeom prst="curvedConnector3">
+            <a:avLst/>
+          </a:prstGeom>
+          <a:ln w="50800">
+            <a:tailEnd type="triangle"/>
+          </a:ln>
+        </p:spPr>
+        <p:style>
+          <a:lnRef idx="1">
+            <a:schemeClr val="dk1"/>
+          </a:lnRef>
+          <a:fillRef idx="0">
+            <a:schemeClr val="dk1"/>
+          </a:fillRef>
+          <a:effectRef idx="0">
+            <a:schemeClr val="dk1"/>
+          </a:effectRef>
+          <a:fontRef idx="minor">
+            <a:schemeClr val="tx1"/>
+          </a:fontRef>
+        </p:style>
+      </p:cxnSp>
     </p:spTree>
     <p:extLst>
       <p:ext uri="{BB962C8B-B14F-4D97-AF65-F5344CB8AC3E}">
@@ -19716,7 +20458,7 @@
 </p:sld>
 </file>
 
-<file path=ppt/slides/slide18.xml><?xml version="1.0" encoding="utf-8"?>
+<file path=ppt/slides/slide21.xml><?xml version="1.0" encoding="utf-8"?>
 <p:sld xmlns:a="http://schemas.openxmlformats.org/drawingml/2006/main" xmlns:r="http://schemas.openxmlformats.org/officeDocument/2006/relationships" xmlns:p="http://schemas.openxmlformats.org/presentationml/2006/main">
   <p:cSld>
     <p:spTree>
@@ -20102,7 +20844,7 @@
 </p:sld>
 </file>
 
-<file path=ppt/slides/slide19.xml><?xml version="1.0" encoding="utf-8"?>
+<file path=ppt/slides/slide22.xml><?xml version="1.0" encoding="utf-8"?>
 <p:sld xmlns:a="http://schemas.openxmlformats.org/drawingml/2006/main" xmlns:r="http://schemas.openxmlformats.org/officeDocument/2006/relationships" xmlns:p="http://schemas.openxmlformats.org/presentationml/2006/main">
   <p:cSld>
     <p:spTree>
@@ -20697,151 +21439,7 @@
 </p:sld>
 </file>
 
-<file path=ppt/slides/slide2.xml><?xml version="1.0" encoding="utf-8"?>
-<p:sld xmlns:a="http://schemas.openxmlformats.org/drawingml/2006/main" xmlns:r="http://schemas.openxmlformats.org/officeDocument/2006/relationships" xmlns:p="http://schemas.openxmlformats.org/presentationml/2006/main">
-  <p:cSld>
-    <p:spTree>
-      <p:nvGrpSpPr>
-        <p:cNvPr id="1" name=""/>
-        <p:cNvGrpSpPr/>
-        <p:nvPr/>
-      </p:nvGrpSpPr>
-      <p:grpSpPr>
-        <a:xfrm>
-          <a:off x="0" y="0"/>
-          <a:ext cx="0" cy="0"/>
-          <a:chOff x="0" y="0"/>
-          <a:chExt cx="0" cy="0"/>
-        </a:xfrm>
-      </p:grpSpPr>
-      <p:sp>
-        <p:nvSpPr>
-          <p:cNvPr id="4" name="Titel 3">
-            <a:extLst>
-              <a:ext uri="{FF2B5EF4-FFF2-40B4-BE49-F238E27FC236}">
-                <a16:creationId xmlns:a16="http://schemas.microsoft.com/office/drawing/2014/main" id="{5B48809F-0C31-4B2C-88EF-39C4AF82E6CD}"/>
-              </a:ext>
-            </a:extLst>
-          </p:cNvPr>
-          <p:cNvSpPr>
-            <a:spLocks noGrp="1"/>
-          </p:cNvSpPr>
-          <p:nvPr>
-            <p:ph type="title"/>
-          </p:nvPr>
-        </p:nvSpPr>
-        <p:spPr/>
-        <p:txBody>
-          <a:bodyPr/>
-          <a:lstStyle/>
-          <a:p>
-            <a:r>
-              <a:rPr lang="de-DE"/>
-              <a:t>Table of Contents</a:t>
-            </a:r>
-          </a:p>
-        </p:txBody>
-      </p:sp>
-      <p:sp>
-        <p:nvSpPr>
-          <p:cNvPr id="5" name="Inhaltsplatzhalter 4">
-            <a:extLst>
-              <a:ext uri="{FF2B5EF4-FFF2-40B4-BE49-F238E27FC236}">
-                <a16:creationId xmlns:a16="http://schemas.microsoft.com/office/drawing/2014/main" id="{8C5C0079-8A63-4235-BB11-6E5D2B206423}"/>
-              </a:ext>
-            </a:extLst>
-          </p:cNvPr>
-          <p:cNvSpPr>
-            <a:spLocks noGrp="1"/>
-          </p:cNvSpPr>
-          <p:nvPr>
-            <p:ph idx="1"/>
-          </p:nvPr>
-        </p:nvSpPr>
-        <p:spPr/>
-        <p:txBody>
-          <a:bodyPr/>
-          <a:lstStyle/>
-          <a:p>
-            <a:pPr marL="571500" indent="-571500">
-              <a:buFont typeface="+mj-lt"/>
-              <a:buAutoNum type="romanUcPeriod"/>
-            </a:pPr>
-            <a:r>
-              <a:rPr lang="de-DE"/>
-              <a:t>Introduction</a:t>
-            </a:r>
-          </a:p>
-          <a:p>
-            <a:pPr marL="571500" indent="-571500">
-              <a:buFont typeface="+mj-lt"/>
-              <a:buAutoNum type="romanUcPeriod"/>
-            </a:pPr>
-            <a:r>
-              <a:rPr lang="de-DE"/>
-              <a:t>Professional use</a:t>
-            </a:r>
-          </a:p>
-          <a:p>
-            <a:pPr marL="571500" indent="-571500">
-              <a:buFont typeface="+mj-lt"/>
-              <a:buAutoNum type="romanUcPeriod"/>
-            </a:pPr>
-            <a:r>
-              <a:rPr lang="de-DE"/>
-              <a:t>Interactive Example</a:t>
-            </a:r>
-          </a:p>
-          <a:p>
-            <a:pPr marL="571500" indent="-571500">
-              <a:buFont typeface="+mj-lt"/>
-              <a:buAutoNum type="romanUcPeriod"/>
-            </a:pPr>
-            <a:r>
-              <a:rPr lang="de-DE"/>
-              <a:t>Mechanics and Jargon</a:t>
-            </a:r>
-          </a:p>
-          <a:p>
-            <a:pPr marL="571500" indent="-571500">
-              <a:buFont typeface="+mj-lt"/>
-              <a:buAutoNum type="romanUcPeriod"/>
-            </a:pPr>
-            <a:r>
-              <a:rPr lang="de-DE"/>
-              <a:t>Sources</a:t>
-            </a:r>
-          </a:p>
-          <a:p>
-            <a:pPr marL="571500" indent="-571500">
-              <a:buFont typeface="+mj-lt"/>
-              <a:buAutoNum type="romanUcPeriod"/>
-            </a:pPr>
-            <a:endParaRPr lang="de-DE"/>
-          </a:p>
-          <a:p>
-            <a:pPr marL="571500" indent="-571500">
-              <a:buFont typeface="+mj-lt"/>
-              <a:buAutoNum type="romanUcPeriod"/>
-            </a:pPr>
-            <a:endParaRPr lang="de-DE"/>
-          </a:p>
-        </p:txBody>
-      </p:sp>
-    </p:spTree>
-    <p:extLst>
-      <p:ext uri="{BB962C8B-B14F-4D97-AF65-F5344CB8AC3E}">
-        <p14:creationId xmlns:p14="http://schemas.microsoft.com/office/powerpoint/2010/main" val="731089537"/>
-      </p:ext>
-    </p:extLst>
-  </p:cSld>
-  <p:clrMapOvr>
-    <a:masterClrMapping/>
-  </p:clrMapOvr>
-</p:sld>
-</file>
-
-<file path=ppt/slides/slide20.xml><?xml version="1.0" encoding="utf-8"?>
+<file path=ppt/slides/slide23.xml><?xml version="1.0" encoding="utf-8"?>
 <p:sld xmlns:a="http://schemas.openxmlformats.org/drawingml/2006/main" xmlns:r="http://schemas.openxmlformats.org/officeDocument/2006/relationships" xmlns:p="http://schemas.openxmlformats.org/presentationml/2006/main">
   <p:cSld>
     <p:spTree>
@@ -21090,7 +21688,7 @@
 </p:sld>
 </file>
 
-<file path=ppt/slides/slide21.xml><?xml version="1.0" encoding="utf-8"?>
+<file path=ppt/slides/slide24.xml><?xml version="1.0" encoding="utf-8"?>
 <p:sld xmlns:a="http://schemas.openxmlformats.org/drawingml/2006/main" xmlns:r="http://schemas.openxmlformats.org/officeDocument/2006/relationships" xmlns:p="http://schemas.openxmlformats.org/presentationml/2006/main">
   <p:cSld>
     <p:spTree>
@@ -21285,7 +21883,7 @@
 </p:sld>
 </file>
 
-<file path=ppt/slides/slide22.xml><?xml version="1.0" encoding="utf-8"?>
+<file path=ppt/slides/slide25.xml><?xml version="1.0" encoding="utf-8"?>
 <p:sld xmlns:a="http://schemas.openxmlformats.org/drawingml/2006/main" xmlns:r="http://schemas.openxmlformats.org/officeDocument/2006/relationships" xmlns:p="http://schemas.openxmlformats.org/presentationml/2006/main">
   <p:cSld>
     <p:spTree>
@@ -21550,7 +22148,7 @@
 </p:sld>
 </file>
 
-<file path=ppt/slides/slide23.xml><?xml version="1.0" encoding="utf-8"?>
+<file path=ppt/slides/slide26.xml><?xml version="1.0" encoding="utf-8"?>
 <p:sld xmlns:a="http://schemas.openxmlformats.org/drawingml/2006/main" xmlns:r="http://schemas.openxmlformats.org/officeDocument/2006/relationships" xmlns:p="http://schemas.openxmlformats.org/presentationml/2006/main">
   <p:cSld>
     <p:spTree>
@@ -21932,7 +22530,7 @@
 </p:sld>
 </file>
 
-<file path=ppt/slides/slide24.xml><?xml version="1.0" encoding="utf-8"?>
+<file path=ppt/slides/slide27.xml><?xml version="1.0" encoding="utf-8"?>
 <p:sld xmlns:a="http://schemas.openxmlformats.org/drawingml/2006/main" xmlns:r="http://schemas.openxmlformats.org/officeDocument/2006/relationships" xmlns:p="http://schemas.openxmlformats.org/presentationml/2006/main">
   <p:cSld>
     <p:spTree>
@@ -22113,7 +22711,7 @@
 </p:sld>
 </file>
 
-<file path=ppt/slides/slide25.xml><?xml version="1.0" encoding="utf-8"?>
+<file path=ppt/slides/slide28.xml><?xml version="1.0" encoding="utf-8"?>
 <p:sld xmlns:a="http://schemas.openxmlformats.org/drawingml/2006/main" xmlns:r="http://schemas.openxmlformats.org/officeDocument/2006/relationships" xmlns:p="http://schemas.openxmlformats.org/presentationml/2006/main">
   <p:cSld>
     <p:spTree>
@@ -22351,7 +22949,7 @@
 </p:sld>
 </file>
 
-<file path=ppt/slides/slide26.xml><?xml version="1.0" encoding="utf-8"?>
+<file path=ppt/slides/slide29.xml><?xml version="1.0" encoding="utf-8"?>
 <p:sld xmlns:a="http://schemas.openxmlformats.org/drawingml/2006/main" xmlns:r="http://schemas.openxmlformats.org/officeDocument/2006/relationships" xmlns:p="http://schemas.openxmlformats.org/presentationml/2006/main">
   <p:cSld>
     <p:spTree>
@@ -22726,148 +23324,6 @@
 </p:sld>
 </file>
 
-<file path=ppt/slides/slide27.xml><?xml version="1.0" encoding="utf-8"?>
-<p:sld xmlns:a="http://schemas.openxmlformats.org/drawingml/2006/main" xmlns:r="http://schemas.openxmlformats.org/officeDocument/2006/relationships" xmlns:p="http://schemas.openxmlformats.org/presentationml/2006/main">
-  <p:cSld>
-    <p:spTree>
-      <p:nvGrpSpPr>
-        <p:cNvPr id="1" name=""/>
-        <p:cNvGrpSpPr/>
-        <p:nvPr/>
-      </p:nvGrpSpPr>
-      <p:grpSpPr>
-        <a:xfrm>
-          <a:off x="0" y="0"/>
-          <a:ext cx="0" cy="0"/>
-          <a:chOff x="0" y="0"/>
-          <a:chExt cx="0" cy="0"/>
-        </a:xfrm>
-      </p:grpSpPr>
-      <p:sp>
-        <p:nvSpPr>
-          <p:cNvPr id="2" name="Titel 1"/>
-          <p:cNvSpPr>
-            <a:spLocks noGrp="1"/>
-          </p:cNvSpPr>
-          <p:nvPr>
-            <p:ph type="title"/>
-          </p:nvPr>
-        </p:nvSpPr>
-        <p:spPr/>
-        <p:txBody>
-          <a:bodyPr/>
-          <a:lstStyle/>
-          <a:p>
-            <a:r>
-              <a:rPr lang="de-DE"/>
-              <a:t>Sources</a:t>
-            </a:r>
-          </a:p>
-        </p:txBody>
-      </p:sp>
-      <p:sp>
-        <p:nvSpPr>
-          <p:cNvPr id="3" name="Inhaltsplatzhalter 2"/>
-          <p:cNvSpPr>
-            <a:spLocks noGrp="1"/>
-          </p:cNvSpPr>
-          <p:nvPr>
-            <p:ph idx="1"/>
-          </p:nvPr>
-        </p:nvSpPr>
-        <p:spPr/>
-        <p:txBody>
-          <a:bodyPr/>
-          <a:lstStyle/>
-          <a:p>
-            <a:endParaRPr lang="de-DE"/>
-          </a:p>
-        </p:txBody>
-      </p:sp>
-    </p:spTree>
-    <p:extLst>
-      <p:ext uri="{BB962C8B-B14F-4D97-AF65-F5344CB8AC3E}">
-        <p14:creationId xmlns:p14="http://schemas.microsoft.com/office/powerpoint/2010/main" val="560282884"/>
-      </p:ext>
-    </p:extLst>
-  </p:cSld>
-  <p:clrMapOvr>
-    <a:masterClrMapping/>
-  </p:clrMapOvr>
-</p:sld>
-</file>
-
-<file path=ppt/slides/slide28.xml><?xml version="1.0" encoding="utf-8"?>
-<p:sld xmlns:a="http://schemas.openxmlformats.org/drawingml/2006/main" xmlns:r="http://schemas.openxmlformats.org/officeDocument/2006/relationships" xmlns:p="http://schemas.openxmlformats.org/presentationml/2006/main">
-  <p:cSld>
-    <p:spTree>
-      <p:nvGrpSpPr>
-        <p:cNvPr id="1" name=""/>
-        <p:cNvGrpSpPr/>
-        <p:nvPr/>
-      </p:nvGrpSpPr>
-      <p:grpSpPr>
-        <a:xfrm>
-          <a:off x="0" y="0"/>
-          <a:ext cx="0" cy="0"/>
-          <a:chOff x="0" y="0"/>
-          <a:chExt cx="0" cy="0"/>
-        </a:xfrm>
-      </p:grpSpPr>
-      <p:sp>
-        <p:nvSpPr>
-          <p:cNvPr id="2" name="Titel 1"/>
-          <p:cNvSpPr>
-            <a:spLocks noGrp="1"/>
-          </p:cNvSpPr>
-          <p:nvPr>
-            <p:ph type="title"/>
-          </p:nvPr>
-        </p:nvSpPr>
-        <p:spPr/>
-        <p:txBody>
-          <a:bodyPr/>
-          <a:lstStyle/>
-          <a:p>
-            <a:r>
-              <a:rPr lang="de-DE"/>
-              <a:t>THX &amp; BYE</a:t>
-            </a:r>
-          </a:p>
-        </p:txBody>
-      </p:sp>
-      <p:sp>
-        <p:nvSpPr>
-          <p:cNvPr id="3" name="Inhaltsplatzhalter 2"/>
-          <p:cNvSpPr>
-            <a:spLocks noGrp="1"/>
-          </p:cNvSpPr>
-          <p:nvPr>
-            <p:ph idx="1"/>
-          </p:nvPr>
-        </p:nvSpPr>
-        <p:spPr/>
-        <p:txBody>
-          <a:bodyPr/>
-          <a:lstStyle/>
-          <a:p>
-            <a:endParaRPr lang="de-DE"/>
-          </a:p>
-        </p:txBody>
-      </p:sp>
-    </p:spTree>
-    <p:extLst>
-      <p:ext uri="{BB962C8B-B14F-4D97-AF65-F5344CB8AC3E}">
-        <p14:creationId xmlns:p14="http://schemas.microsoft.com/office/powerpoint/2010/main" val="2305008801"/>
-      </p:ext>
-    </p:extLst>
-  </p:cSld>
-  <p:clrMapOvr>
-    <a:masterClrMapping/>
-  </p:clrMapOvr>
-</p:sld>
-</file>
-
 <file path=ppt/slides/slide3.xml><?xml version="1.0" encoding="utf-8"?>
 <p:sld xmlns:a="http://schemas.openxmlformats.org/drawingml/2006/main" xmlns:r="http://schemas.openxmlformats.org/officeDocument/2006/relationships" xmlns:p="http://schemas.openxmlformats.org/presentationml/2006/main">
   <p:cSld>
@@ -22945,6 +23401,195 @@
     <p:extLst>
       <p:ext uri="{BB962C8B-B14F-4D97-AF65-F5344CB8AC3E}">
         <p14:creationId xmlns:p14="http://schemas.microsoft.com/office/powerpoint/2010/main" val="2372903373"/>
+      </p:ext>
+    </p:extLst>
+  </p:cSld>
+  <p:clrMapOvr>
+    <a:masterClrMapping/>
+  </p:clrMapOvr>
+</p:sld>
+</file>
+
+<file path=ppt/slides/slide30.xml><?xml version="1.0" encoding="utf-8"?>
+<p:sld xmlns:a="http://schemas.openxmlformats.org/drawingml/2006/main" xmlns:r="http://schemas.openxmlformats.org/officeDocument/2006/relationships" xmlns:p="http://schemas.openxmlformats.org/presentationml/2006/main">
+  <p:cSld>
+    <p:spTree>
+      <p:nvGrpSpPr>
+        <p:cNvPr id="1" name=""/>
+        <p:cNvGrpSpPr/>
+        <p:nvPr/>
+      </p:nvGrpSpPr>
+      <p:grpSpPr>
+        <a:xfrm>
+          <a:off x="0" y="0"/>
+          <a:ext cx="0" cy="0"/>
+          <a:chOff x="0" y="0"/>
+          <a:chExt cx="0" cy="0"/>
+        </a:xfrm>
+      </p:grpSpPr>
+      <p:sp>
+        <p:nvSpPr>
+          <p:cNvPr id="2" name="Titel 1"/>
+          <p:cNvSpPr>
+            <a:spLocks noGrp="1"/>
+          </p:cNvSpPr>
+          <p:nvPr>
+            <p:ph type="title"/>
+          </p:nvPr>
+        </p:nvSpPr>
+        <p:spPr/>
+        <p:txBody>
+          <a:bodyPr/>
+          <a:lstStyle/>
+          <a:p>
+            <a:r>
+              <a:rPr lang="de-DE"/>
+              <a:t>Sources</a:t>
+            </a:r>
+          </a:p>
+        </p:txBody>
+      </p:sp>
+      <p:sp>
+        <p:nvSpPr>
+          <p:cNvPr id="3" name="Inhaltsplatzhalter 2"/>
+          <p:cNvSpPr>
+            <a:spLocks noGrp="1"/>
+          </p:cNvSpPr>
+          <p:nvPr>
+            <p:ph idx="1"/>
+          </p:nvPr>
+        </p:nvSpPr>
+        <p:spPr/>
+        <p:txBody>
+          <a:bodyPr>
+            <a:normAutofit lnSpcReduction="10000"/>
+          </a:bodyPr>
+          <a:lstStyle/>
+          <a:p>
+            <a:r>
+              <a:rPr lang="de-DE"/>
+              <a:t>Images: Own works only</a:t>
+            </a:r>
+          </a:p>
+          <a:p>
+            <a:r>
+              <a:rPr lang="de-DE"/>
+              <a:t>www.joelonsoftware.com/2000/08/09/the-joel-test-12-steps-to-better-code/</a:t>
+            </a:r>
+          </a:p>
+          <a:p>
+            <a:r>
+              <a:rPr lang="de-DE"/>
+              <a:t>en.wikipedia.org/wiki/Version_control</a:t>
+            </a:r>
+          </a:p>
+          <a:p>
+            <a:r>
+              <a:rPr lang="de-DE"/>
+              <a:t>en.wikipedia.org/wiki/Comparison_of_version_control_software</a:t>
+            </a:r>
+          </a:p>
+          <a:p>
+            <a:r>
+              <a:rPr lang="de-DE"/>
+              <a:t>guides.github.com/introduction/git-handbook/</a:t>
+            </a:r>
+          </a:p>
+          <a:p>
+            <a:r>
+              <a:rPr lang="de-DE"/>
+              <a:t>www.mercurial-scm.org/</a:t>
+            </a:r>
+          </a:p>
+          <a:p>
+            <a:r>
+              <a:rPr lang="de-DE"/>
+              <a:t>www.git-scm.org/</a:t>
+            </a:r>
+          </a:p>
+          <a:p>
+            <a:r>
+              <a:rPr lang="de-DE"/>
+              <a:t>subversion.apache.org/</a:t>
+            </a:r>
+          </a:p>
+        </p:txBody>
+      </p:sp>
+    </p:spTree>
+    <p:extLst>
+      <p:ext uri="{BB962C8B-B14F-4D97-AF65-F5344CB8AC3E}">
+        <p14:creationId xmlns:p14="http://schemas.microsoft.com/office/powerpoint/2010/main" val="560282884"/>
+      </p:ext>
+    </p:extLst>
+  </p:cSld>
+  <p:clrMapOvr>
+    <a:masterClrMapping/>
+  </p:clrMapOvr>
+</p:sld>
+</file>
+
+<file path=ppt/slides/slide31.xml><?xml version="1.0" encoding="utf-8"?>
+<p:sld xmlns:a="http://schemas.openxmlformats.org/drawingml/2006/main" xmlns:r="http://schemas.openxmlformats.org/officeDocument/2006/relationships" xmlns:p="http://schemas.openxmlformats.org/presentationml/2006/main">
+  <p:cSld>
+    <p:spTree>
+      <p:nvGrpSpPr>
+        <p:cNvPr id="1" name=""/>
+        <p:cNvGrpSpPr/>
+        <p:nvPr/>
+      </p:nvGrpSpPr>
+      <p:grpSpPr>
+        <a:xfrm>
+          <a:off x="0" y="0"/>
+          <a:ext cx="0" cy="0"/>
+          <a:chOff x="0" y="0"/>
+          <a:chExt cx="0" cy="0"/>
+        </a:xfrm>
+      </p:grpSpPr>
+      <p:sp>
+        <p:nvSpPr>
+          <p:cNvPr id="2" name="Titel 1"/>
+          <p:cNvSpPr>
+            <a:spLocks noGrp="1"/>
+          </p:cNvSpPr>
+          <p:nvPr>
+            <p:ph type="title"/>
+          </p:nvPr>
+        </p:nvSpPr>
+        <p:spPr/>
+        <p:txBody>
+          <a:bodyPr/>
+          <a:lstStyle/>
+          <a:p>
+            <a:r>
+              <a:rPr lang="de-DE"/>
+              <a:t>THX &amp; BYE</a:t>
+            </a:r>
+          </a:p>
+        </p:txBody>
+      </p:sp>
+      <p:sp>
+        <p:nvSpPr>
+          <p:cNvPr id="3" name="Inhaltsplatzhalter 2"/>
+          <p:cNvSpPr>
+            <a:spLocks noGrp="1"/>
+          </p:cNvSpPr>
+          <p:nvPr>
+            <p:ph idx="1"/>
+          </p:nvPr>
+        </p:nvSpPr>
+        <p:spPr/>
+        <p:txBody>
+          <a:bodyPr/>
+          <a:lstStyle/>
+          <a:p>
+            <a:endParaRPr lang="de-DE"/>
+          </a:p>
+        </p:txBody>
+      </p:sp>
+    </p:spTree>
+    <p:extLst>
+      <p:ext uri="{BB962C8B-B14F-4D97-AF65-F5344CB8AC3E}">
+        <p14:creationId xmlns:p14="http://schemas.microsoft.com/office/powerpoint/2010/main" val="2305008801"/>
       </p:ext>
     </p:extLst>
   </p:cSld>

--- a/cf_version_control_systems.pptx
+++ b/cf_version_control_systems.pptx
@@ -15,8 +15,8 @@
     <p:sldId id="266" r:id="rId9"/>
     <p:sldId id="267" r:id="rId10"/>
     <p:sldId id="259" r:id="rId11"/>
-    <p:sldId id="283" r:id="rId12"/>
-    <p:sldId id="293" r:id="rId13"/>
+    <p:sldId id="293" r:id="rId12"/>
+    <p:sldId id="283" r:id="rId13"/>
     <p:sldId id="294" r:id="rId14"/>
     <p:sldId id="286" r:id="rId15"/>
     <p:sldId id="291" r:id="rId16"/>
@@ -18389,10 +18389,10 @@
       </p:grpSpPr>
       <p:sp>
         <p:nvSpPr>
-          <p:cNvPr id="2" name="Titel 1">
+          <p:cNvPr id="4" name="Titel 3">
             <a:extLst>
               <a:ext uri="{FF2B5EF4-FFF2-40B4-BE49-F238E27FC236}">
-                <a16:creationId xmlns:a16="http://schemas.microsoft.com/office/drawing/2014/main" id="{5734772A-C2E3-469A-AC16-777B94342671}"/>
+                <a16:creationId xmlns:a16="http://schemas.microsoft.com/office/drawing/2014/main" id="{FE0000AE-FA33-4805-B0B9-92B6C464BB7F}"/>
               </a:ext>
             </a:extLst>
           </p:cNvPr>
@@ -18410,17 +18410,17 @@
           <a:p>
             <a:r>
               <a:rPr lang="de-DE"/>
-              <a:t>Interactive Example</a:t>
+              <a:t>Why Git</a:t>
             </a:r>
           </a:p>
         </p:txBody>
       </p:sp>
       <p:sp>
         <p:nvSpPr>
-          <p:cNvPr id="4" name="Textplatzhalter 3">
+          <p:cNvPr id="5" name="Inhaltsplatzhalter 4">
             <a:extLst>
               <a:ext uri="{FF2B5EF4-FFF2-40B4-BE49-F238E27FC236}">
-                <a16:creationId xmlns:a16="http://schemas.microsoft.com/office/drawing/2014/main" id="{C42550C8-6551-46B3-AB2F-6C21D65D55E7}"/>
+                <a16:creationId xmlns:a16="http://schemas.microsoft.com/office/drawing/2014/main" id="{5B31C457-A272-4E7C-8A4F-33F4D69B42F4}"/>
               </a:ext>
             </a:extLst>
           </p:cNvPr>
@@ -18428,7 +18428,7 @@
             <a:spLocks noGrp="1"/>
           </p:cNvSpPr>
           <p:nvPr>
-            <p:ph type="body" idx="1"/>
+            <p:ph idx="1"/>
           </p:nvPr>
         </p:nvSpPr>
         <p:spPr/>
@@ -18438,15 +18438,30 @@
           <a:p>
             <a:r>
               <a:rPr lang="de-DE"/>
-              <a:t>Let‘s git it together.</a:t>
+              <a:t>Open Source</a:t>
             </a:r>
+          </a:p>
+          <a:p>
+            <a:r>
+              <a:rPr lang="de-DE"/>
+              <a:t>Linus Torvalds</a:t>
+            </a:r>
+          </a:p>
+          <a:p>
+            <a:r>
+              <a:rPr lang="de-DE"/>
+              <a:t>Git is a Distributed System</a:t>
+            </a:r>
+          </a:p>
+          <a:p>
+            <a:endParaRPr lang="de-DE"/>
           </a:p>
         </p:txBody>
       </p:sp>
     </p:spTree>
     <p:extLst>
       <p:ext uri="{BB962C8B-B14F-4D97-AF65-F5344CB8AC3E}">
-        <p14:creationId xmlns:p14="http://schemas.microsoft.com/office/powerpoint/2010/main" val="515348894"/>
+        <p14:creationId xmlns:p14="http://schemas.microsoft.com/office/powerpoint/2010/main" val="201007917"/>
       </p:ext>
     </p:extLst>
   </p:cSld>
@@ -18475,10 +18490,10 @@
       </p:grpSpPr>
       <p:sp>
         <p:nvSpPr>
-          <p:cNvPr id="4" name="Titel 3">
+          <p:cNvPr id="2" name="Titel 1">
             <a:extLst>
               <a:ext uri="{FF2B5EF4-FFF2-40B4-BE49-F238E27FC236}">
-                <a16:creationId xmlns:a16="http://schemas.microsoft.com/office/drawing/2014/main" id="{FE0000AE-FA33-4805-B0B9-92B6C464BB7F}"/>
+                <a16:creationId xmlns:a16="http://schemas.microsoft.com/office/drawing/2014/main" id="{5734772A-C2E3-469A-AC16-777B94342671}"/>
               </a:ext>
             </a:extLst>
           </p:cNvPr>
@@ -18503,10 +18518,10 @@
       </p:sp>
       <p:sp>
         <p:nvSpPr>
-          <p:cNvPr id="5" name="Inhaltsplatzhalter 4">
+          <p:cNvPr id="4" name="Textplatzhalter 3">
             <a:extLst>
               <a:ext uri="{FF2B5EF4-FFF2-40B4-BE49-F238E27FC236}">
-                <a16:creationId xmlns:a16="http://schemas.microsoft.com/office/drawing/2014/main" id="{5B31C457-A272-4E7C-8A4F-33F4D69B42F4}"/>
+                <a16:creationId xmlns:a16="http://schemas.microsoft.com/office/drawing/2014/main" id="{C42550C8-6551-46B3-AB2F-6C21D65D55E7}"/>
               </a:ext>
             </a:extLst>
           </p:cNvPr>
@@ -18514,7 +18529,7 @@
             <a:spLocks noGrp="1"/>
           </p:cNvSpPr>
           <p:nvPr>
-            <p:ph idx="1"/>
+            <p:ph type="body" idx="1"/>
           </p:nvPr>
         </p:nvSpPr>
         <p:spPr/>
@@ -18524,7 +18539,7 @@
           <a:p>
             <a:r>
               <a:rPr lang="de-DE"/>
-              <a:t>Let‘s use Microsoft PowerPoint Embedded iBash Shell</a:t>
+              <a:t>Let‘s git it together.</a:t>
             </a:r>
           </a:p>
         </p:txBody>
@@ -18532,7 +18547,7 @@
     </p:spTree>
     <p:extLst>
       <p:ext uri="{BB962C8B-B14F-4D97-AF65-F5344CB8AC3E}">
-        <p14:creationId xmlns:p14="http://schemas.microsoft.com/office/powerpoint/2010/main" val="201007917"/>
+        <p14:creationId xmlns:p14="http://schemas.microsoft.com/office/powerpoint/2010/main" val="515348894"/>
       </p:ext>
     </p:extLst>
   </p:cSld>
@@ -18559,52 +18574,209 @@
           <a:chExt cx="0" cy="0"/>
         </a:xfrm>
       </p:grpSpPr>
-      <p:pic>
-        <p:nvPicPr>
-          <p:cNvPr id="11" name="Grafik 10">
+      <p:sp>
+        <p:nvSpPr>
+          <p:cNvPr id="4" name="Titel 3">
             <a:extLst>
               <a:ext uri="{FF2B5EF4-FFF2-40B4-BE49-F238E27FC236}">
-                <a16:creationId xmlns:a16="http://schemas.microsoft.com/office/drawing/2014/main" id="{9094C394-F090-4D30-9EDE-4505E8267B30}"/>
+                <a16:creationId xmlns:a16="http://schemas.microsoft.com/office/drawing/2014/main" id="{F61BF332-EB0B-4640-A6F1-E86D7FA258C9}"/>
               </a:ext>
             </a:extLst>
           </p:cNvPr>
-          <p:cNvPicPr>
-            <a:picLocks noChangeAspect="1"/>
-          </p:cNvPicPr>
-          <p:nvPr/>
-        </p:nvPicPr>
-        <p:blipFill>
-          <a:blip r:embed="rId2">
+          <p:cNvSpPr>
+            <a:spLocks noGrp="1"/>
+          </p:cNvSpPr>
+          <p:nvPr>
+            <p:ph type="title"/>
+          </p:nvPr>
+        </p:nvSpPr>
+        <p:spPr/>
+        <p:txBody>
+          <a:bodyPr/>
+          <a:lstStyle/>
+          <a:p>
+            <a:r>
+              <a:rPr lang="de-DE"/>
+              <a:t>What‘s your favorite Open Source Project?</a:t>
+            </a:r>
+          </a:p>
+        </p:txBody>
+      </p:sp>
+      <p:sp>
+        <p:nvSpPr>
+          <p:cNvPr id="5" name="Inhaltsplatzhalter 4">
             <a:extLst>
-              <a:ext uri="{28A0092B-C50C-407E-A947-70E740481C1C}">
-                <a14:useLocalDpi xmlns:a14="http://schemas.microsoft.com/office/drawing/2010/main" val="0"/>
+              <a:ext uri="{FF2B5EF4-FFF2-40B4-BE49-F238E27FC236}">
+                <a16:creationId xmlns:a16="http://schemas.microsoft.com/office/drawing/2014/main" id="{0186A2CB-0B7F-46EA-96C3-C6F0F3350275}"/>
               </a:ext>
             </a:extLst>
-          </a:blip>
-          <a:stretch>
-            <a:fillRect/>
-          </a:stretch>
-        </p:blipFill>
-        <p:spPr>
-          <a:xfrm>
-            <a:off x="0" y="523087"/>
-            <a:ext cx="12192000" cy="5811825"/>
-          </a:xfrm>
-          <a:prstGeom prst="rect">
-            <a:avLst/>
-          </a:prstGeom>
-        </p:spPr>
-      </p:pic>
+          </p:cNvPr>
+          <p:cNvSpPr>
+            <a:spLocks noGrp="1"/>
+          </p:cNvSpPr>
+          <p:nvPr>
+            <p:ph idx="1"/>
+          </p:nvPr>
+        </p:nvSpPr>
+        <p:spPr/>
+        <p:txBody>
+          <a:bodyPr/>
+          <a:lstStyle/>
+          <a:p>
+            <a:r>
+              <a:rPr lang="de-DE"/>
+              <a:t>Let‘s have a look at the code!</a:t>
+            </a:r>
+          </a:p>
+          <a:p>
+            <a:r>
+              <a:rPr lang="de-DE"/>
+              <a:t>It‘s probably on GitHub</a:t>
+            </a:r>
+          </a:p>
+        </p:txBody>
+      </p:sp>
     </p:spTree>
     <p:extLst>
       <p:ext uri="{BB962C8B-B14F-4D97-AF65-F5344CB8AC3E}">
-        <p14:creationId xmlns:p14="http://schemas.microsoft.com/office/powerpoint/2010/main" val="553563010"/>
+        <p14:creationId xmlns:p14="http://schemas.microsoft.com/office/powerpoint/2010/main" val="635225730"/>
       </p:ext>
     </p:extLst>
   </p:cSld>
   <p:clrMapOvr>
     <a:masterClrMapping/>
   </p:clrMapOvr>
+  <p:timing>
+    <p:tnLst>
+      <p:par>
+        <p:cTn id="1" dur="indefinite" restart="never" nodeType="tmRoot">
+          <p:childTnLst>
+            <p:seq concurrent="1" nextAc="seek">
+              <p:cTn id="2" dur="indefinite" nodeType="mainSeq">
+                <p:childTnLst>
+                  <p:par>
+                    <p:cTn id="3" fill="hold">
+                      <p:stCondLst>
+                        <p:cond delay="indefinite"/>
+                      </p:stCondLst>
+                      <p:childTnLst>
+                        <p:par>
+                          <p:cTn id="4" fill="hold">
+                            <p:stCondLst>
+                              <p:cond delay="0"/>
+                            </p:stCondLst>
+                            <p:childTnLst>
+                              <p:par>
+                                <p:cTn id="5" presetID="1" presetClass="entr" presetSubtype="0" fill="hold" grpId="0" nodeType="clickEffect">
+                                  <p:stCondLst>
+                                    <p:cond delay="0"/>
+                                  </p:stCondLst>
+                                  <p:childTnLst>
+                                    <p:set>
+                                      <p:cBhvr>
+                                        <p:cTn id="6" dur="1" fill="hold">
+                                          <p:stCondLst>
+                                            <p:cond delay="0"/>
+                                          </p:stCondLst>
+                                        </p:cTn>
+                                        <p:tgtEl>
+                                          <p:spTgt spid="5">
+                                            <p:txEl>
+                                              <p:pRg st="0" end="0"/>
+                                            </p:txEl>
+                                          </p:spTgt>
+                                        </p:tgtEl>
+                                        <p:attrNameLst>
+                                          <p:attrName>style.visibility</p:attrName>
+                                        </p:attrNameLst>
+                                      </p:cBhvr>
+                                      <p:to>
+                                        <p:strVal val="visible"/>
+                                      </p:to>
+                                    </p:set>
+                                  </p:childTnLst>
+                                </p:cTn>
+                              </p:par>
+                            </p:childTnLst>
+                          </p:cTn>
+                        </p:par>
+                      </p:childTnLst>
+                    </p:cTn>
+                  </p:par>
+                  <p:par>
+                    <p:cTn id="7" fill="hold">
+                      <p:stCondLst>
+                        <p:cond delay="indefinite"/>
+                      </p:stCondLst>
+                      <p:childTnLst>
+                        <p:par>
+                          <p:cTn id="8" fill="hold">
+                            <p:stCondLst>
+                              <p:cond delay="0"/>
+                            </p:stCondLst>
+                            <p:childTnLst>
+                              <p:par>
+                                <p:cTn id="9" presetID="1" presetClass="entr" presetSubtype="0" fill="hold" grpId="0" nodeType="clickEffect">
+                                  <p:stCondLst>
+                                    <p:cond delay="0"/>
+                                  </p:stCondLst>
+                                  <p:childTnLst>
+                                    <p:set>
+                                      <p:cBhvr>
+                                        <p:cTn id="10" dur="1" fill="hold">
+                                          <p:stCondLst>
+                                            <p:cond delay="0"/>
+                                          </p:stCondLst>
+                                        </p:cTn>
+                                        <p:tgtEl>
+                                          <p:spTgt spid="5">
+                                            <p:txEl>
+                                              <p:pRg st="1" end="1"/>
+                                            </p:txEl>
+                                          </p:spTgt>
+                                        </p:tgtEl>
+                                        <p:attrNameLst>
+                                          <p:attrName>style.visibility</p:attrName>
+                                        </p:attrNameLst>
+                                      </p:cBhvr>
+                                      <p:to>
+                                        <p:strVal val="visible"/>
+                                      </p:to>
+                                    </p:set>
+                                  </p:childTnLst>
+                                </p:cTn>
+                              </p:par>
+                            </p:childTnLst>
+                          </p:cTn>
+                        </p:par>
+                      </p:childTnLst>
+                    </p:cTn>
+                  </p:par>
+                </p:childTnLst>
+              </p:cTn>
+              <p:prevCondLst>
+                <p:cond evt="onPrev" delay="0">
+                  <p:tgtEl>
+                    <p:sldTgt/>
+                  </p:tgtEl>
+                </p:cond>
+              </p:prevCondLst>
+              <p:nextCondLst>
+                <p:cond evt="onNext" delay="0">
+                  <p:tgtEl>
+                    <p:sldTgt/>
+                  </p:tgtEl>
+                </p:cond>
+              </p:nextCondLst>
+            </p:seq>
+          </p:childTnLst>
+        </p:cTn>
+      </p:par>
+    </p:tnLst>
+    <p:bldLst>
+      <p:bldP spid="5" grpId="0" build="p"/>
+    </p:bldLst>
+  </p:timing>
 </p:sld>
 </file>
 
@@ -20930,7 +21102,7 @@
             </a:r>
             <a:r>
               <a:rPr lang="de-DE"/>
-              <a:t> all the changes from a repo to another</a:t>
+              <a:t> all the changes from a repository to another</a:t>
             </a:r>
           </a:p>
           <a:p>
@@ -21561,7 +21733,7 @@
             </a:r>
             <a:r>
               <a:rPr lang="de-DE"/>
-              <a:t> all the changes from a repo to another</a:t>
+              <a:t> all the changes from a repository to another</a:t>
             </a:r>
           </a:p>
           <a:p>
@@ -22779,7 +22951,7 @@
           <a:p>
             <a:r>
               <a:rPr lang="de-DE"/>
-              <a:t>Mark important milestones with a </a:t>
+              <a:t>Mark important commits with a </a:t>
             </a:r>
             <a:r>
               <a:rPr lang="de-DE" u="sng"/>
@@ -23562,7 +23734,7 @@
           <a:p>
             <a:r>
               <a:rPr lang="de-DE"/>
-              <a:t>THX &amp; BYE</a:t>
+              <a:t>Thank you for your patience ;)</a:t>
             </a:r>
           </a:p>
         </p:txBody>
@@ -23582,7 +23754,12 @@
           <a:bodyPr/>
           <a:lstStyle/>
           <a:p>
-            <a:endParaRPr lang="de-DE"/>
+            <a:r>
+              <a:rPr lang="de-DE">
+                <a:sym typeface="Wingdings" panose="05000000000000000000" pitchFamily="2" charset="2"/>
+              </a:rPr>
+              <a:t>Any Questions?</a:t>
+            </a:r>
           </a:p>
         </p:txBody>
       </p:sp>
